--- a/SecondLabPresentation.pptx
+++ b/SecondLabPresentation.pptx
@@ -5,26 +5,35 @@
     <p:sldMasterId id="2147483702" r:id="rId1"/>
   </p:sldMasterIdLst>
   <p:notesMasterIdLst>
-    <p:notesMasterId r:id="rId19"/>
+    <p:notesMasterId r:id="rId28"/>
   </p:notesMasterIdLst>
   <p:sldIdLst>
     <p:sldId id="256" r:id="rId2"/>
-    <p:sldId id="279" r:id="rId3"/>
-    <p:sldId id="257" r:id="rId4"/>
-    <p:sldId id="258" r:id="rId5"/>
-    <p:sldId id="259" r:id="rId6"/>
-    <p:sldId id="263" r:id="rId7"/>
-    <p:sldId id="260" r:id="rId8"/>
-    <p:sldId id="262" r:id="rId9"/>
-    <p:sldId id="276" r:id="rId10"/>
-    <p:sldId id="278" r:id="rId11"/>
-    <p:sldId id="277" r:id="rId12"/>
-    <p:sldId id="280" r:id="rId13"/>
-    <p:sldId id="281" r:id="rId14"/>
-    <p:sldId id="282" r:id="rId15"/>
-    <p:sldId id="283" r:id="rId16"/>
-    <p:sldId id="284" r:id="rId17"/>
-    <p:sldId id="285" r:id="rId18"/>
+    <p:sldId id="257" r:id="rId3"/>
+    <p:sldId id="258" r:id="rId4"/>
+    <p:sldId id="259" r:id="rId5"/>
+    <p:sldId id="263" r:id="rId6"/>
+    <p:sldId id="260" r:id="rId7"/>
+    <p:sldId id="262" r:id="rId8"/>
+    <p:sldId id="276" r:id="rId9"/>
+    <p:sldId id="288" r:id="rId10"/>
+    <p:sldId id="287" r:id="rId11"/>
+    <p:sldId id="286" r:id="rId12"/>
+    <p:sldId id="289" r:id="rId13"/>
+    <p:sldId id="290" r:id="rId14"/>
+    <p:sldId id="278" r:id="rId15"/>
+    <p:sldId id="277" r:id="rId16"/>
+    <p:sldId id="280" r:id="rId17"/>
+    <p:sldId id="281" r:id="rId18"/>
+    <p:sldId id="292" r:id="rId19"/>
+    <p:sldId id="293" r:id="rId20"/>
+    <p:sldId id="282" r:id="rId21"/>
+    <p:sldId id="294" r:id="rId22"/>
+    <p:sldId id="295" r:id="rId23"/>
+    <p:sldId id="296" r:id="rId24"/>
+    <p:sldId id="283" r:id="rId25"/>
+    <p:sldId id="284" r:id="rId26"/>
+    <p:sldId id="285" r:id="rId27"/>
   </p:sldIdLst>
   <p:sldSz cx="12192000" cy="6858000"/>
   <p:notesSz cx="6858000" cy="9144000"/>
@@ -213,7 +222,7 @@
           <a:p>
             <a:fld id="{136FA2C8-1A04-C04C-AAB5-5AEF43C22034}" type="datetimeFigureOut">
               <a:rPr lang="en-US" smtClean="0"/>
-              <a:t>3/26/19</a:t>
+              <a:t>3/27/19</a:t>
             </a:fld>
             <a:endParaRPr lang="en-US"/>
           </a:p>
@@ -545,7 +554,7 @@
           <a:p>
             <a:fld id="{7E9FF854-EBCF-BA4F-BEA7-33B6A492EBD7}" type="slidenum">
               <a:rPr lang="en-US" smtClean="0"/>
-              <a:t>3</a:t>
+              <a:t>2</a:t>
             </a:fld>
             <a:endParaRPr lang="en-US"/>
           </a:p>
@@ -629,7 +638,7 @@
           <a:p>
             <a:fld id="{7E9FF854-EBCF-BA4F-BEA7-33B6A492EBD7}" type="slidenum">
               <a:rPr lang="en-US" smtClean="0"/>
-              <a:t>5</a:t>
+              <a:t>4</a:t>
             </a:fld>
             <a:endParaRPr lang="en-US"/>
           </a:p>
@@ -713,7 +722,7 @@
           <a:p>
             <a:fld id="{7E9FF854-EBCF-BA4F-BEA7-33B6A492EBD7}" type="slidenum">
               <a:rPr lang="en-US" smtClean="0"/>
-              <a:t>6</a:t>
+              <a:t>5</a:t>
             </a:fld>
             <a:endParaRPr lang="en-US"/>
           </a:p>
@@ -847,7 +856,7 @@
           <a:p>
             <a:fld id="{7E9FF854-EBCF-BA4F-BEA7-33B6A492EBD7}" type="slidenum">
               <a:rPr lang="en-US" smtClean="0"/>
-              <a:t>7</a:t>
+              <a:t>6</a:t>
             </a:fld>
             <a:endParaRPr lang="en-US"/>
           </a:p>
@@ -939,7 +948,7 @@
           <a:p>
             <a:fld id="{7E9FF854-EBCF-BA4F-BEA7-33B6A492EBD7}" type="slidenum">
               <a:rPr lang="en-US" smtClean="0"/>
-              <a:t>8</a:t>
+              <a:t>7</a:t>
             </a:fld>
             <a:endParaRPr lang="en-US"/>
           </a:p>
@@ -949,6 +958,368 @@
     <p:extLst>
       <p:ext uri="{BB962C8B-B14F-4D97-AF65-F5344CB8AC3E}">
         <p14:creationId xmlns:p14="http://schemas.microsoft.com/office/powerpoint/2010/main" val="149608809"/>
+      </p:ext>
+    </p:extLst>
+  </p:cSld>
+  <p:clrMapOvr>
+    <a:masterClrMapping/>
+  </p:clrMapOvr>
+</p:notes>
+</file>
+
+<file path=ppt/notesSlides/notesSlide6.xml><?xml version="1.0" encoding="utf-8"?>
+<p:notes xmlns:a="http://schemas.openxmlformats.org/drawingml/2006/main" xmlns:r="http://schemas.openxmlformats.org/officeDocument/2006/relationships" xmlns:p="http://schemas.openxmlformats.org/presentationml/2006/main">
+  <p:cSld>
+    <p:spTree>
+      <p:nvGrpSpPr>
+        <p:cNvPr id="1" name=""/>
+        <p:cNvGrpSpPr/>
+        <p:nvPr/>
+      </p:nvGrpSpPr>
+      <p:grpSpPr>
+        <a:xfrm>
+          <a:off x="0" y="0"/>
+          <a:ext cx="0" cy="0"/>
+          <a:chOff x="0" y="0"/>
+          <a:chExt cx="0" cy="0"/>
+        </a:xfrm>
+      </p:grpSpPr>
+      <p:sp>
+        <p:nvSpPr>
+          <p:cNvPr id="2" name="Slide Image Placeholder 1"/>
+          <p:cNvSpPr>
+            <a:spLocks noGrp="1" noRot="1" noChangeAspect="1"/>
+          </p:cNvSpPr>
+          <p:nvPr>
+            <p:ph type="sldImg"/>
+          </p:nvPr>
+        </p:nvSpPr>
+        <p:spPr/>
+      </p:sp>
+      <p:sp>
+        <p:nvSpPr>
+          <p:cNvPr id="3" name="Notes Placeholder 2"/>
+          <p:cNvSpPr>
+            <a:spLocks noGrp="1"/>
+          </p:cNvSpPr>
+          <p:nvPr>
+            <p:ph type="body" idx="1"/>
+          </p:nvPr>
+        </p:nvSpPr>
+        <p:spPr/>
+        <p:txBody>
+          <a:bodyPr/>
+          <a:lstStyle/>
+          <a:p>
+            <a:r>
+              <a:rPr lang="en-US" dirty="0" smtClean="0"/>
+              <a:t>Elaborate on each one.</a:t>
+            </a:r>
+            <a:endParaRPr lang="en-US" dirty="0"/>
+          </a:p>
+        </p:txBody>
+      </p:sp>
+      <p:sp>
+        <p:nvSpPr>
+          <p:cNvPr id="4" name="Slide Number Placeholder 3"/>
+          <p:cNvSpPr>
+            <a:spLocks noGrp="1"/>
+          </p:cNvSpPr>
+          <p:nvPr>
+            <p:ph type="sldNum" sz="quarter" idx="10"/>
+          </p:nvPr>
+        </p:nvSpPr>
+        <p:spPr/>
+        <p:txBody>
+          <a:bodyPr/>
+          <a:lstStyle/>
+          <a:p>
+            <a:fld id="{7E9FF854-EBCF-BA4F-BEA7-33B6A492EBD7}" type="slidenum">
+              <a:rPr lang="en-US" smtClean="0"/>
+              <a:t>8</a:t>
+            </a:fld>
+            <a:endParaRPr lang="en-US"/>
+          </a:p>
+        </p:txBody>
+      </p:sp>
+    </p:spTree>
+    <p:extLst>
+      <p:ext uri="{BB962C8B-B14F-4D97-AF65-F5344CB8AC3E}">
+        <p14:creationId xmlns:p14="http://schemas.microsoft.com/office/powerpoint/2010/main" val="1090342772"/>
+      </p:ext>
+    </p:extLst>
+  </p:cSld>
+  <p:clrMapOvr>
+    <a:masterClrMapping/>
+  </p:clrMapOvr>
+</p:notes>
+</file>
+
+<file path=ppt/notesSlides/notesSlide7.xml><?xml version="1.0" encoding="utf-8"?>
+<p:notes xmlns:a="http://schemas.openxmlformats.org/drawingml/2006/main" xmlns:r="http://schemas.openxmlformats.org/officeDocument/2006/relationships" xmlns:p="http://schemas.openxmlformats.org/presentationml/2006/main">
+  <p:cSld>
+    <p:spTree>
+      <p:nvGrpSpPr>
+        <p:cNvPr id="1" name=""/>
+        <p:cNvGrpSpPr/>
+        <p:nvPr/>
+      </p:nvGrpSpPr>
+      <p:grpSpPr>
+        <a:xfrm>
+          <a:off x="0" y="0"/>
+          <a:ext cx="0" cy="0"/>
+          <a:chOff x="0" y="0"/>
+          <a:chExt cx="0" cy="0"/>
+        </a:xfrm>
+      </p:grpSpPr>
+      <p:sp>
+        <p:nvSpPr>
+          <p:cNvPr id="2" name="Slide Image Placeholder 1"/>
+          <p:cNvSpPr>
+            <a:spLocks noGrp="1" noRot="1" noChangeAspect="1"/>
+          </p:cNvSpPr>
+          <p:nvPr>
+            <p:ph type="sldImg"/>
+          </p:nvPr>
+        </p:nvSpPr>
+        <p:spPr/>
+      </p:sp>
+      <p:sp>
+        <p:nvSpPr>
+          <p:cNvPr id="3" name="Notes Placeholder 2"/>
+          <p:cNvSpPr>
+            <a:spLocks noGrp="1"/>
+          </p:cNvSpPr>
+          <p:nvPr>
+            <p:ph type="body" idx="1"/>
+          </p:nvPr>
+        </p:nvSpPr>
+        <p:spPr/>
+        <p:txBody>
+          <a:bodyPr/>
+          <a:lstStyle/>
+          <a:p>
+            <a:r>
+              <a:rPr lang="en-US" dirty="0" smtClean="0"/>
+              <a:t>Explain what</a:t>
+            </a:r>
+            <a:r>
+              <a:rPr lang="en-US" baseline="0" dirty="0" smtClean="0"/>
+              <a:t> is meant by origin: which proteins the cleavages which were combined to create the peptide were from.</a:t>
+            </a:r>
+          </a:p>
+          <a:p>
+            <a:r>
+              <a:rPr lang="en-US" dirty="0" smtClean="0"/>
+              <a:t>Explain overlap</a:t>
+            </a:r>
+            <a:endParaRPr lang="en-US" dirty="0"/>
+          </a:p>
+        </p:txBody>
+      </p:sp>
+      <p:sp>
+        <p:nvSpPr>
+          <p:cNvPr id="4" name="Slide Number Placeholder 3"/>
+          <p:cNvSpPr>
+            <a:spLocks noGrp="1"/>
+          </p:cNvSpPr>
+          <p:nvPr>
+            <p:ph type="sldNum" sz="quarter" idx="10"/>
+          </p:nvPr>
+        </p:nvSpPr>
+        <p:spPr/>
+        <p:txBody>
+          <a:bodyPr/>
+          <a:lstStyle/>
+          <a:p>
+            <a:fld id="{7E9FF854-EBCF-BA4F-BEA7-33B6A492EBD7}" type="slidenum">
+              <a:rPr lang="en-US" smtClean="0"/>
+              <a:t>10</a:t>
+            </a:fld>
+            <a:endParaRPr lang="en-US"/>
+          </a:p>
+        </p:txBody>
+      </p:sp>
+    </p:spTree>
+    <p:extLst>
+      <p:ext uri="{BB962C8B-B14F-4D97-AF65-F5344CB8AC3E}">
+        <p14:creationId xmlns:p14="http://schemas.microsoft.com/office/powerpoint/2010/main" val="1649859096"/>
+      </p:ext>
+    </p:extLst>
+  </p:cSld>
+  <p:clrMapOvr>
+    <a:masterClrMapping/>
+  </p:clrMapOvr>
+</p:notes>
+</file>
+
+<file path=ppt/notesSlides/notesSlide8.xml><?xml version="1.0" encoding="utf-8"?>
+<p:notes xmlns:a="http://schemas.openxmlformats.org/drawingml/2006/main" xmlns:r="http://schemas.openxmlformats.org/officeDocument/2006/relationships" xmlns:p="http://schemas.openxmlformats.org/presentationml/2006/main">
+  <p:cSld>
+    <p:spTree>
+      <p:nvGrpSpPr>
+        <p:cNvPr id="1" name=""/>
+        <p:cNvGrpSpPr/>
+        <p:nvPr/>
+      </p:nvGrpSpPr>
+      <p:grpSpPr>
+        <a:xfrm>
+          <a:off x="0" y="0"/>
+          <a:ext cx="0" cy="0"/>
+          <a:chOff x="0" y="0"/>
+          <a:chExt cx="0" cy="0"/>
+        </a:xfrm>
+      </p:grpSpPr>
+      <p:sp>
+        <p:nvSpPr>
+          <p:cNvPr id="2" name="Slide Image Placeholder 1"/>
+          <p:cNvSpPr>
+            <a:spLocks noGrp="1" noRot="1" noChangeAspect="1"/>
+          </p:cNvSpPr>
+          <p:nvPr>
+            <p:ph type="sldImg"/>
+          </p:nvPr>
+        </p:nvSpPr>
+        <p:spPr/>
+      </p:sp>
+      <p:sp>
+        <p:nvSpPr>
+          <p:cNvPr id="3" name="Notes Placeholder 2"/>
+          <p:cNvSpPr>
+            <a:spLocks noGrp="1"/>
+          </p:cNvSpPr>
+          <p:nvPr>
+            <p:ph type="body" idx="1"/>
+          </p:nvPr>
+        </p:nvSpPr>
+        <p:spPr/>
+        <p:txBody>
+          <a:bodyPr/>
+          <a:lstStyle/>
+          <a:p>
+            <a:r>
+              <a:rPr lang="en-US" dirty="0" smtClean="0"/>
+              <a:t>Explain</a:t>
+            </a:r>
+            <a:r>
+              <a:rPr lang="en-US" baseline="0" dirty="0" smtClean="0"/>
+              <a:t> that the count is not entirely accurate.</a:t>
+            </a:r>
+            <a:endParaRPr lang="en-US" dirty="0"/>
+          </a:p>
+        </p:txBody>
+      </p:sp>
+      <p:sp>
+        <p:nvSpPr>
+          <p:cNvPr id="4" name="Slide Number Placeholder 3"/>
+          <p:cNvSpPr>
+            <a:spLocks noGrp="1"/>
+          </p:cNvSpPr>
+          <p:nvPr>
+            <p:ph type="sldNum" sz="quarter" idx="10"/>
+          </p:nvPr>
+        </p:nvSpPr>
+        <p:spPr/>
+        <p:txBody>
+          <a:bodyPr/>
+          <a:lstStyle/>
+          <a:p>
+            <a:fld id="{7E9FF854-EBCF-BA4F-BEA7-33B6A492EBD7}" type="slidenum">
+              <a:rPr lang="en-US" smtClean="0"/>
+              <a:t>12</a:t>
+            </a:fld>
+            <a:endParaRPr lang="en-US"/>
+          </a:p>
+        </p:txBody>
+      </p:sp>
+    </p:spTree>
+    <p:extLst>
+      <p:ext uri="{BB962C8B-B14F-4D97-AF65-F5344CB8AC3E}">
+        <p14:creationId xmlns:p14="http://schemas.microsoft.com/office/powerpoint/2010/main" val="176284201"/>
+      </p:ext>
+    </p:extLst>
+  </p:cSld>
+  <p:clrMapOvr>
+    <a:masterClrMapping/>
+  </p:clrMapOvr>
+</p:notes>
+</file>
+
+<file path=ppt/notesSlides/notesSlide9.xml><?xml version="1.0" encoding="utf-8"?>
+<p:notes xmlns:a="http://schemas.openxmlformats.org/drawingml/2006/main" xmlns:r="http://schemas.openxmlformats.org/officeDocument/2006/relationships" xmlns:p="http://schemas.openxmlformats.org/presentationml/2006/main">
+  <p:cSld>
+    <p:spTree>
+      <p:nvGrpSpPr>
+        <p:cNvPr id="1" name=""/>
+        <p:cNvGrpSpPr/>
+        <p:nvPr/>
+      </p:nvGrpSpPr>
+      <p:grpSpPr>
+        <a:xfrm>
+          <a:off x="0" y="0"/>
+          <a:ext cx="0" cy="0"/>
+          <a:chOff x="0" y="0"/>
+          <a:chExt cx="0" cy="0"/>
+        </a:xfrm>
+      </p:grpSpPr>
+      <p:sp>
+        <p:nvSpPr>
+          <p:cNvPr id="2" name="Slide Image Placeholder 1"/>
+          <p:cNvSpPr>
+            <a:spLocks noGrp="1" noRot="1" noChangeAspect="1"/>
+          </p:cNvSpPr>
+          <p:nvPr>
+            <p:ph type="sldImg"/>
+          </p:nvPr>
+        </p:nvSpPr>
+        <p:spPr/>
+      </p:sp>
+      <p:sp>
+        <p:nvSpPr>
+          <p:cNvPr id="3" name="Notes Placeholder 2"/>
+          <p:cNvSpPr>
+            <a:spLocks noGrp="1"/>
+          </p:cNvSpPr>
+          <p:nvPr>
+            <p:ph type="body" idx="1"/>
+          </p:nvPr>
+        </p:nvSpPr>
+        <p:spPr/>
+        <p:txBody>
+          <a:bodyPr/>
+          <a:lstStyle/>
+          <a:p>
+            <a:endParaRPr lang="en-US"/>
+          </a:p>
+        </p:txBody>
+      </p:sp>
+      <p:sp>
+        <p:nvSpPr>
+          <p:cNvPr id="4" name="Slide Number Placeholder 3"/>
+          <p:cNvSpPr>
+            <a:spLocks noGrp="1"/>
+          </p:cNvSpPr>
+          <p:nvPr>
+            <p:ph type="sldNum" sz="quarter" idx="10"/>
+          </p:nvPr>
+        </p:nvSpPr>
+        <p:spPr/>
+        <p:txBody>
+          <a:bodyPr/>
+          <a:lstStyle/>
+          <a:p>
+            <a:fld id="{7E9FF854-EBCF-BA4F-BEA7-33B6A492EBD7}" type="slidenum">
+              <a:rPr lang="en-US" smtClean="0"/>
+              <a:t>20</a:t>
+            </a:fld>
+            <a:endParaRPr lang="en-US"/>
+          </a:p>
+        </p:txBody>
+      </p:sp>
+    </p:spTree>
+    <p:extLst>
+      <p:ext uri="{BB962C8B-B14F-4D97-AF65-F5344CB8AC3E}">
+        <p14:creationId xmlns:p14="http://schemas.microsoft.com/office/powerpoint/2010/main" val="1370019911"/>
       </p:ext>
     </p:extLst>
   </p:cSld>
@@ -1146,7 +1517,7 @@
           <a:p>
             <a:fld id="{C65CC5F2-8C20-4D41-A30F-E08EA3FD74AE}" type="datetimeFigureOut">
               <a:rPr lang="en-US" smtClean="0"/>
-              <a:t>3/26/19</a:t>
+              <a:t>3/27/19</a:t>
             </a:fld>
             <a:endParaRPr lang="en-US"/>
           </a:p>
@@ -1479,7 +1850,7 @@
           <a:p>
             <a:fld id="{C65CC5F2-8C20-4D41-A30F-E08EA3FD74AE}" type="datetimeFigureOut">
               <a:rPr lang="en-US" smtClean="0"/>
-              <a:t>3/26/19</a:t>
+              <a:t>3/27/19</a:t>
             </a:fld>
             <a:endParaRPr lang="en-US"/>
           </a:p>
@@ -1875,7 +2246,7 @@
           <a:p>
             <a:fld id="{C65CC5F2-8C20-4D41-A30F-E08EA3FD74AE}" type="datetimeFigureOut">
               <a:rPr lang="en-US" smtClean="0"/>
-              <a:t>3/26/19</a:t>
+              <a:t>3/27/19</a:t>
             </a:fld>
             <a:endParaRPr lang="en-US"/>
           </a:p>
@@ -2206,7 +2577,7 @@
           <a:p>
             <a:fld id="{C65CC5F2-8C20-4D41-A30F-E08EA3FD74AE}" type="datetimeFigureOut">
               <a:rPr lang="en-US" smtClean="0"/>
-              <a:t>3/26/19</a:t>
+              <a:t>3/27/19</a:t>
             </a:fld>
             <a:endParaRPr lang="en-US"/>
           </a:p>
@@ -2521,7 +2892,7 @@
           <a:p>
             <a:fld id="{C65CC5F2-8C20-4D41-A30F-E08EA3FD74AE}" type="datetimeFigureOut">
               <a:rPr lang="en-US" smtClean="0"/>
-              <a:t>3/26/19</a:t>
+              <a:t>3/27/19</a:t>
             </a:fld>
             <a:endParaRPr lang="en-US"/>
           </a:p>
@@ -2912,7 +3283,7 @@
           <a:p>
             <a:fld id="{C65CC5F2-8C20-4D41-A30F-E08EA3FD74AE}" type="datetimeFigureOut">
               <a:rPr lang="en-US" smtClean="0"/>
-              <a:t>3/26/19</a:t>
+              <a:t>3/27/19</a:t>
             </a:fld>
             <a:endParaRPr lang="en-US"/>
           </a:p>
@@ -3164,7 +3535,7 @@
           <a:p>
             <a:fld id="{C65CC5F2-8C20-4D41-A30F-E08EA3FD74AE}" type="datetimeFigureOut">
               <a:rPr lang="en-US" smtClean="0"/>
-              <a:t>3/26/19</a:t>
+              <a:t>3/27/19</a:t>
             </a:fld>
             <a:endParaRPr lang="en-US"/>
           </a:p>
@@ -3421,7 +3792,7 @@
           <a:p>
             <a:fld id="{C65CC5F2-8C20-4D41-A30F-E08EA3FD74AE}" type="datetimeFigureOut">
               <a:rPr lang="en-US" smtClean="0"/>
-              <a:t>3/26/19</a:t>
+              <a:t>3/27/19</a:t>
             </a:fld>
             <a:endParaRPr lang="en-US"/>
           </a:p>
@@ -3678,7 +4049,7 @@
           <a:p>
             <a:fld id="{C65CC5F2-8C20-4D41-A30F-E08EA3FD74AE}" type="datetimeFigureOut">
               <a:rPr lang="en-US" smtClean="0"/>
-              <a:t>3/26/19</a:t>
+              <a:t>3/27/19</a:t>
             </a:fld>
             <a:endParaRPr lang="en-US"/>
           </a:p>
@@ -4002,7 +4373,7 @@
           <a:p>
             <a:fld id="{C65CC5F2-8C20-4D41-A30F-E08EA3FD74AE}" type="datetimeFigureOut">
               <a:rPr lang="en-US" smtClean="0"/>
-              <a:t>3/26/19</a:t>
+              <a:t>3/27/19</a:t>
             </a:fld>
             <a:endParaRPr lang="en-US"/>
           </a:p>
@@ -4320,7 +4691,7 @@
           <a:p>
             <a:fld id="{C65CC5F2-8C20-4D41-A30F-E08EA3FD74AE}" type="datetimeFigureOut">
               <a:rPr lang="en-US" smtClean="0"/>
-              <a:t>3/26/19</a:t>
+              <a:t>3/27/19</a:t>
             </a:fld>
             <a:endParaRPr lang="en-US"/>
           </a:p>
@@ -4772,7 +5143,7 @@
           <a:p>
             <a:fld id="{C65CC5F2-8C20-4D41-A30F-E08EA3FD74AE}" type="datetimeFigureOut">
               <a:rPr lang="en-US" smtClean="0"/>
-              <a:t>3/26/19</a:t>
+              <a:t>3/27/19</a:t>
             </a:fld>
             <a:endParaRPr lang="en-US"/>
           </a:p>
@@ -4972,7 +5343,7 @@
           <a:p>
             <a:fld id="{C65CC5F2-8C20-4D41-A30F-E08EA3FD74AE}" type="datetimeFigureOut">
               <a:rPr lang="en-US" smtClean="0"/>
-              <a:t>3/26/19</a:t>
+              <a:t>3/27/19</a:t>
             </a:fld>
             <a:endParaRPr lang="en-US"/>
           </a:p>
@@ -5144,7 +5515,7 @@
           <a:p>
             <a:fld id="{C65CC5F2-8C20-4D41-A30F-E08EA3FD74AE}" type="datetimeFigureOut">
               <a:rPr lang="en-US" smtClean="0"/>
-              <a:t>3/26/19</a:t>
+              <a:t>3/27/19</a:t>
             </a:fld>
             <a:endParaRPr lang="en-US"/>
           </a:p>
@@ -5472,7 +5843,7 @@
           <a:p>
             <a:fld id="{C65CC5F2-8C20-4D41-A30F-E08EA3FD74AE}" type="datetimeFigureOut">
               <a:rPr lang="en-US" smtClean="0"/>
-              <a:t>3/26/19</a:t>
+              <a:t>3/27/19</a:t>
             </a:fld>
             <a:endParaRPr lang="en-US"/>
           </a:p>
@@ -5812,7 +6183,7 @@
           <a:p>
             <a:fld id="{C65CC5F2-8C20-4D41-A30F-E08EA3FD74AE}" type="datetimeFigureOut">
               <a:rPr lang="en-US" smtClean="0"/>
-              <a:t>3/26/19</a:t>
+              <a:t>3/27/19</a:t>
             </a:fld>
             <a:endParaRPr lang="en-US"/>
           </a:p>
@@ -7924,7 +8295,7 @@
           <a:p>
             <a:fld id="{C65CC5F2-8C20-4D41-A30F-E08EA3FD74AE}" type="datetimeFigureOut">
               <a:rPr lang="en-US" smtClean="0"/>
-              <a:t>3/26/19</a:t>
+              <a:t>3/27/19</a:t>
             </a:fld>
             <a:endParaRPr lang="en-US"/>
           </a:p>
@@ -8533,7 +8904,15 @@
           <a:p>
             <a:r>
               <a:rPr lang="en-US" dirty="0" smtClean="0"/>
-              <a:t>Current Tests</a:t>
+              <a:t>New Functions </a:t>
+            </a:r>
+            <a:r>
+              <a:rPr lang="mr-IN" dirty="0" smtClean="0"/>
+              <a:t>–</a:t>
+            </a:r>
+            <a:r>
+              <a:rPr lang="en-US" dirty="0" smtClean="0"/>
+              <a:t> Trans Origins</a:t>
             </a:r>
             <a:endParaRPr lang="en-US" dirty="0"/>
           </a:p>
@@ -8551,115 +8930,113 @@
         </p:nvSpPr>
         <p:spPr/>
         <p:txBody>
-          <a:bodyPr>
-            <a:normAutofit/>
-          </a:bodyPr>
-          <a:lstStyle/>
+          <a:bodyPr/>
+          <a:lstStyle/>
+          <a:p>
+            <a:r>
+              <a:rPr lang="en-US" dirty="0"/>
+              <a:t>Inclusion of origin protein information in trans splicing.</a:t>
+            </a:r>
+          </a:p>
           <a:p>
             <a:r>
               <a:rPr lang="en-US" dirty="0" smtClean="0"/>
-              <a:t>Human Proteome database as input FASTA against the following MGF files and settings:</a:t>
+              <a:t>Linear and cis splicing simply required a reference to the protein the peptide was derived from.</a:t>
+            </a:r>
+          </a:p>
+          <a:p>
+            <a:r>
+              <a:rPr lang="en-US" dirty="0" smtClean="0"/>
+              <a:t>Trans peptides are from two peptides, so different syntax required.</a:t>
             </a:r>
           </a:p>
           <a:p>
             <a:pPr lvl="1"/>
             <a:r>
-              <a:rPr lang="en-US" dirty="0"/>
-              <a:t>A2: 7-16mers, 30%, 10ppm, 0.02Da, O(M), P(STY), +2, +</a:t>
-            </a:r>
-            <a:r>
               <a:rPr lang="en-US" dirty="0" smtClean="0"/>
-              <a:t>3</a:t>
-            </a:r>
-          </a:p>
-          <a:p>
-            <a:pPr lvl="2"/>
+              <a:t>Pairs of peptides separated by slash.</a:t>
+            </a:r>
+          </a:p>
+          <a:p>
+            <a:pPr lvl="1"/>
             <a:r>
               <a:rPr lang="en-US" dirty="0" smtClean="0"/>
-              <a:t>5.5 hours.</a:t>
+              <a:t>Brackets refer to the location of the cleavage within the peptide (only included for cleavages of more than 5)</a:t>
             </a:r>
           </a:p>
           <a:p>
             <a:pPr lvl="1"/>
             <a:r>
               <a:rPr lang="en-US" dirty="0" smtClean="0"/>
-              <a:t>BLCL</a:t>
-            </a:r>
-            <a:r>
-              <a:rPr lang="en-US" dirty="0"/>
-              <a:t>: 7-16mers, 30%, 15ppm, 0.1Da, O(M), P(STY), +2, +</a:t>
-            </a:r>
-            <a:r>
-              <a:rPr lang="en-US" dirty="0" smtClean="0"/>
-              <a:t>3</a:t>
-            </a:r>
-          </a:p>
-          <a:p>
-            <a:pPr lvl="2"/>
-            <a:r>
-              <a:rPr lang="en-US" dirty="0" smtClean="0"/>
-              <a:t>4.5 hours</a:t>
-            </a:r>
-          </a:p>
-          <a:p>
-            <a:pPr lvl="1"/>
-            <a:r>
-              <a:rPr lang="en-US" dirty="0" smtClean="0"/>
-              <a:t>B57: </a:t>
-            </a:r>
-            <a:r>
-              <a:rPr lang="en-US" dirty="0"/>
-              <a:t>7-15mers, 30%, 15ppm, 0.1Da, O(M), P(STY), +2, +</a:t>
-            </a:r>
-            <a:r>
-              <a:rPr lang="en-US" dirty="0" smtClean="0"/>
-              <a:t>3</a:t>
-            </a:r>
-          </a:p>
-          <a:p>
-            <a:pPr lvl="2"/>
-            <a:r>
-              <a:rPr lang="en-US" dirty="0" smtClean="0"/>
-              <a:t>9 hours.</a:t>
-            </a:r>
-          </a:p>
-          <a:p>
-            <a:r>
-              <a:rPr lang="en-US" dirty="0"/>
-              <a:t>R</a:t>
-            </a:r>
-            <a:r>
-              <a:rPr lang="en-US" dirty="0" smtClean="0"/>
-              <a:t>an all reviewed proteins from </a:t>
-            </a:r>
-            <a:r>
-              <a:rPr lang="en-US" dirty="0" err="1" smtClean="0"/>
-              <a:t>Uniprot</a:t>
-            </a:r>
-            <a:r>
-              <a:rPr lang="en-US" dirty="0" smtClean="0"/>
-              <a:t> with the A2 MGF and settings above.</a:t>
-            </a:r>
-          </a:p>
-          <a:p>
-            <a:pPr lvl="1"/>
-            <a:r>
-              <a:rPr lang="en-US" dirty="0" smtClean="0"/>
-              <a:t>Took almost exactly 4 days and produced X peptides</a:t>
-            </a:r>
-          </a:p>
-        </p:txBody>
-      </p:sp>
+              <a:t>“Overlap” peptides also considered trans splicing.</a:t>
+            </a:r>
+          </a:p>
+        </p:txBody>
+      </p:sp>
+      <p:pic>
+        <p:nvPicPr>
+          <p:cNvPr id="4" name="Picture 3"/>
+          <p:cNvPicPr>
+            <a:picLocks noChangeAspect="1"/>
+          </p:cNvPicPr>
+          <p:nvPr/>
+        </p:nvPicPr>
+        <p:blipFill rotWithShape="1">
+          <a:blip r:embed="rId3"/>
+          <a:srcRect l="1586" t="-3140"/>
+          <a:stretch/>
+        </p:blipFill>
+        <p:spPr>
+          <a:xfrm>
+            <a:off x="3147236" y="5252477"/>
+            <a:ext cx="6599274" cy="419154"/>
+          </a:xfrm>
+          <a:prstGeom prst="rect">
+            <a:avLst/>
+          </a:prstGeom>
+        </p:spPr>
+      </p:pic>
+      <p:pic>
+        <p:nvPicPr>
+          <p:cNvPr id="5" name="Picture 4"/>
+          <p:cNvPicPr>
+            <a:picLocks noChangeAspect="1"/>
+          </p:cNvPicPr>
+          <p:nvPr/>
+        </p:nvPicPr>
+        <p:blipFill>
+          <a:blip r:embed="rId4"/>
+          <a:stretch>
+            <a:fillRect/>
+          </a:stretch>
+        </p:blipFill>
+        <p:spPr>
+          <a:xfrm>
+            <a:off x="3147236" y="5815171"/>
+            <a:ext cx="5816600" cy="419100"/>
+          </a:xfrm>
+          <a:prstGeom prst="rect">
+            <a:avLst/>
+          </a:prstGeom>
+        </p:spPr>
+      </p:pic>
     </p:spTree>
     <p:extLst>
       <p:ext uri="{BB962C8B-B14F-4D97-AF65-F5344CB8AC3E}">
-        <p14:creationId xmlns:p14="http://schemas.microsoft.com/office/powerpoint/2010/main" val="953431821"/>
+        <p14:creationId xmlns:p14="http://schemas.microsoft.com/office/powerpoint/2010/main" val="1842160625"/>
       </p:ext>
     </p:extLst>
   </p:cSld>
   <p:clrMapOvr>
     <a:masterClrMapping/>
   </p:clrMapOvr>
+  <p:timing>
+    <p:tnLst>
+      <p:par>
+        <p:cTn id="1" dur="indefinite" restart="never" nodeType="tmRoot"/>
+      </p:par>
+    </p:tnLst>
+  </p:timing>
 </p:sld>
 </file>
 
@@ -8697,7 +9074,15 @@
           <a:p>
             <a:r>
               <a:rPr lang="en-US" dirty="0" smtClean="0"/>
-              <a:t>Future Work</a:t>
+              <a:t>New Functions </a:t>
+            </a:r>
+            <a:r>
+              <a:rPr lang="mr-IN" dirty="0" smtClean="0"/>
+              <a:t>–</a:t>
+            </a:r>
+            <a:r>
+              <a:rPr lang="en-US" dirty="0" smtClean="0"/>
+              <a:t> Output CSV Files</a:t>
             </a:r>
             <a:endParaRPr lang="en-US" dirty="0"/>
           </a:p>
@@ -8719,44 +9104,88 @@
           <a:lstStyle/>
           <a:p>
             <a:r>
+              <a:rPr lang="en-US" dirty="0"/>
+              <a:t>Output csv files containing:</a:t>
+            </a:r>
+          </a:p>
+          <a:p>
+            <a:pPr lvl="1"/>
+            <a:r>
+              <a:rPr lang="en-US" dirty="0"/>
+              <a:t>Proteins as headers with all peptides </a:t>
+            </a:r>
+            <a:r>
               <a:rPr lang="en-US" dirty="0" smtClean="0"/>
-              <a:t>Are in contact with MASSIVE to hopefully run the program on their computer.</a:t>
-            </a:r>
-          </a:p>
-          <a:p>
-            <a:r>
-              <a:rPr lang="en-US" dirty="0" smtClean="0"/>
-              <a:t>Documentation</a:t>
-            </a:r>
-            <a:r>
-              <a:rPr lang="mr-IN" dirty="0" smtClean="0"/>
-              <a:t>…</a:t>
-            </a:r>
-            <a:r>
-              <a:rPr lang="en-AU" dirty="0" smtClean="0"/>
-              <a:t>..</a:t>
-            </a:r>
-          </a:p>
-          <a:p>
-            <a:r>
-              <a:rPr lang="en-AU" dirty="0" smtClean="0"/>
-              <a:t>Incorporation of Artificial Intelligence (discussed shortly).</a:t>
-            </a:r>
-            <a:endParaRPr lang="en-US" dirty="0" smtClean="0"/>
-          </a:p>
-          <a:p>
-            <a:r>
-              <a:rPr lang="en-US" dirty="0" smtClean="0"/>
-              <a:t>Show that using our program before input to PEAKS and other proteomics software yields better data.</a:t>
-            </a:r>
+              <a:t>from </a:t>
+            </a:r>
+            <a:r>
+              <a:rPr lang="en-US" dirty="0"/>
+              <a:t>that protein listed below.</a:t>
+            </a:r>
+          </a:p>
+          <a:p>
+            <a:pPr lvl="1"/>
+            <a:r>
+              <a:rPr lang="en-US" dirty="0"/>
+              <a:t>Peptides as header with all peptides that protein generated listed below.</a:t>
+            </a:r>
+          </a:p>
+          <a:p>
             <a:endParaRPr lang="en-US" dirty="0"/>
           </a:p>
         </p:txBody>
       </p:sp>
+      <p:pic>
+        <p:nvPicPr>
+          <p:cNvPr id="4" name="Picture 3"/>
+          <p:cNvPicPr>
+            <a:picLocks noChangeAspect="1"/>
+          </p:cNvPicPr>
+          <p:nvPr/>
+        </p:nvPicPr>
+        <p:blipFill>
+          <a:blip r:embed="rId2"/>
+          <a:stretch>
+            <a:fillRect/>
+          </a:stretch>
+        </p:blipFill>
+        <p:spPr>
+          <a:xfrm>
+            <a:off x="3655801" y="3510922"/>
+            <a:ext cx="2032000" cy="2400300"/>
+          </a:xfrm>
+          <a:prstGeom prst="rect">
+            <a:avLst/>
+          </a:prstGeom>
+        </p:spPr>
+      </p:pic>
+      <p:pic>
+        <p:nvPicPr>
+          <p:cNvPr id="5" name="Picture 4"/>
+          <p:cNvPicPr>
+            <a:picLocks noChangeAspect="1"/>
+          </p:cNvPicPr>
+          <p:nvPr/>
+        </p:nvPicPr>
+        <p:blipFill rotWithShape="1">
+          <a:blip r:embed="rId3"/>
+          <a:srcRect b="46142"/>
+          <a:stretch/>
+        </p:blipFill>
+        <p:spPr>
+          <a:xfrm>
+            <a:off x="6540578" y="3510922"/>
+            <a:ext cx="2220649" cy="2430342"/>
+          </a:xfrm>
+          <a:prstGeom prst="rect">
+            <a:avLst/>
+          </a:prstGeom>
+        </p:spPr>
+      </p:pic>
     </p:spTree>
     <p:extLst>
       <p:ext uri="{BB962C8B-B14F-4D97-AF65-F5344CB8AC3E}">
-        <p14:creationId xmlns:p14="http://schemas.microsoft.com/office/powerpoint/2010/main" val="1919065949"/>
+        <p14:creationId xmlns:p14="http://schemas.microsoft.com/office/powerpoint/2010/main" val="1921137795"/>
       </p:ext>
     </p:extLst>
   </p:cSld>
@@ -8800,7 +9229,15 @@
           <a:p>
             <a:r>
               <a:rPr lang="en-US" dirty="0" smtClean="0"/>
-              <a:t>Pre and Post Processing Programs</a:t>
+              <a:t>New Functions </a:t>
+            </a:r>
+            <a:r>
+              <a:rPr lang="mr-IN" dirty="0" smtClean="0"/>
+              <a:t>–</a:t>
+            </a:r>
+            <a:r>
+              <a:rPr lang="en-US" dirty="0" smtClean="0"/>
+              <a:t> Info File</a:t>
             </a:r>
             <a:endParaRPr lang="en-US" dirty="0"/>
           </a:p>
@@ -8816,39 +9253,44 @@
             <p:ph idx="1"/>
           </p:nvPr>
         </p:nvSpPr>
-        <p:spPr/>
+        <p:spPr>
+          <a:xfrm>
+            <a:off x="2542530" y="2148313"/>
+            <a:ext cx="8217617" cy="3777622"/>
+          </a:xfrm>
+        </p:spPr>
         <p:txBody>
           <a:bodyPr/>
           <a:lstStyle/>
           <a:p>
             <a:r>
               <a:rPr lang="en-US" dirty="0" smtClean="0"/>
-              <a:t>6Frame Translation Pre-processing Program</a:t>
-            </a:r>
+              <a:t>An info text file automatically prints when an output is run.</a:t>
+            </a:r>
+            <a:endParaRPr lang="en-US" dirty="0"/>
           </a:p>
           <a:p>
             <a:r>
               <a:rPr lang="en-US" dirty="0" smtClean="0"/>
-              <a:t>Reverse Splicer Post Processing</a:t>
-            </a:r>
-          </a:p>
-          <a:p>
+              <a:t>It contains:</a:t>
+            </a:r>
+          </a:p>
+          <a:p>
+            <a:pPr lvl="1"/>
             <a:r>
               <a:rPr lang="en-US" dirty="0" smtClean="0"/>
-              <a:t>Reverse MGF Post Processing</a:t>
-            </a:r>
-          </a:p>
-          <a:p>
+              <a:t>The user selected settings.</a:t>
+            </a:r>
+          </a:p>
+          <a:p>
+            <a:pPr lvl="1"/>
             <a:r>
               <a:rPr lang="en-US" dirty="0" smtClean="0"/>
-              <a:t>All these programs use similar multiprocessing, interfaces and logic to the original splicing program. </a:t>
-            </a:r>
-          </a:p>
-          <a:p>
-            <a:endParaRPr lang="en-US" dirty="0" smtClean="0"/>
-          </a:p>
-          <a:p>
-            <a:pPr lvl="1"/>
+              <a:t>A count of the number of times each selected modification was found in one of the output peptides.</a:t>
+            </a:r>
+            <a:endParaRPr lang="en-US" dirty="0"/>
+          </a:p>
+          <a:p>
             <a:endParaRPr lang="en-US" dirty="0"/>
           </a:p>
         </p:txBody>
@@ -8856,13 +9298,20 @@
     </p:spTree>
     <p:extLst>
       <p:ext uri="{BB962C8B-B14F-4D97-AF65-F5344CB8AC3E}">
-        <p14:creationId xmlns:p14="http://schemas.microsoft.com/office/powerpoint/2010/main" val="1664694499"/>
+        <p14:creationId xmlns:p14="http://schemas.microsoft.com/office/powerpoint/2010/main" val="1156927668"/>
       </p:ext>
     </p:extLst>
   </p:cSld>
   <p:clrMapOvr>
     <a:masterClrMapping/>
   </p:clrMapOvr>
+  <p:timing>
+    <p:tnLst>
+      <p:par>
+        <p:cTn id="1" dur="indefinite" restart="never" nodeType="tmRoot"/>
+      </p:par>
+    </p:tnLst>
+  </p:timing>
 </p:sld>
 </file>
 
@@ -8883,43 +9332,44 @@
           <a:chExt cx="0" cy="0"/>
         </a:xfrm>
       </p:grpSpPr>
-      <p:sp>
-        <p:nvSpPr>
-          <p:cNvPr id="2" name="Title 1"/>
-          <p:cNvSpPr>
-            <a:spLocks noGrp="1"/>
-          </p:cNvSpPr>
-          <p:nvPr>
-            <p:ph type="title"/>
-          </p:nvPr>
-        </p:nvSpPr>
-        <p:spPr/>
-        <p:txBody>
-          <a:bodyPr/>
-          <a:lstStyle/>
-          <a:p>
-            <a:r>
-              <a:rPr lang="en-US" dirty="0" smtClean="0"/>
-              <a:t>6 Frame Translation Program</a:t>
-            </a:r>
-            <a:endParaRPr lang="en-US" dirty="0"/>
-          </a:p>
-        </p:txBody>
-      </p:sp>
-      <p:sp>
-        <p:nvSpPr>
-          <p:cNvPr id="3" name="Content Placeholder 2"/>
-          <p:cNvSpPr>
-            <a:spLocks noGrp="1"/>
-          </p:cNvSpPr>
-          <p:nvPr>
-            <p:ph idx="1"/>
-          </p:nvPr>
-        </p:nvSpPr>
+      <p:pic>
+        <p:nvPicPr>
+          <p:cNvPr id="4" name="Picture 3"/>
+          <p:cNvPicPr>
+            <a:picLocks noChangeAspect="1"/>
+          </p:cNvPicPr>
+          <p:nvPr/>
+        </p:nvPicPr>
+        <p:blipFill>
+          <a:blip r:embed="rId2"/>
+          <a:stretch>
+            <a:fillRect/>
+          </a:stretch>
+        </p:blipFill>
         <p:spPr>
           <a:xfrm>
-            <a:off x="2592925" y="2154866"/>
-            <a:ext cx="8915400" cy="3777622"/>
+            <a:off x="2870790" y="1692552"/>
+            <a:ext cx="7272670" cy="4707805"/>
+          </a:xfrm>
+          <a:prstGeom prst="rect">
+            <a:avLst/>
+          </a:prstGeom>
+        </p:spPr>
+      </p:pic>
+      <p:sp>
+        <p:nvSpPr>
+          <p:cNvPr id="5" name="Title 1"/>
+          <p:cNvSpPr>
+            <a:spLocks noGrp="1"/>
+          </p:cNvSpPr>
+          <p:nvPr>
+            <p:ph type="title"/>
+          </p:nvPr>
+        </p:nvSpPr>
+        <p:spPr>
+          <a:xfrm>
+            <a:off x="2592925" y="624110"/>
+            <a:ext cx="8911687" cy="1280890"/>
           </a:xfrm>
         </p:spPr>
         <p:txBody>
@@ -8928,59 +9378,8 @@
           <a:p>
             <a:r>
               <a:rPr lang="en-US" dirty="0" smtClean="0"/>
-              <a:t>Takes an input FASTA file containing DNA sequences.</a:t>
-            </a:r>
-          </a:p>
-          <a:p>
-            <a:r>
-              <a:rPr lang="en-US" dirty="0" smtClean="0"/>
-              <a:t>Produces </a:t>
-            </a:r>
-            <a:r>
-              <a:rPr lang="en-US" dirty="0"/>
-              <a:t>all proteins over a minimum length that result from the 6 Frame Translation of </a:t>
-            </a:r>
-            <a:r>
-              <a:rPr lang="en-US" dirty="0" smtClean="0"/>
-              <a:t>the input sequences.</a:t>
-            </a:r>
-          </a:p>
-          <a:p>
-            <a:r>
-              <a:rPr lang="en-US" dirty="0" smtClean="0"/>
-              <a:t>Removes </a:t>
-            </a:r>
-            <a:r>
-              <a:rPr lang="en-US" dirty="0"/>
-              <a:t>proteins which exist as subsequences in longer proteins.</a:t>
-            </a:r>
-          </a:p>
-          <a:p>
-            <a:r>
-              <a:rPr lang="en-US" dirty="0"/>
-              <a:t>Aim to pass this output into our main splicing program</a:t>
-            </a:r>
-            <a:r>
-              <a:rPr lang="en-US" dirty="0" smtClean="0"/>
-              <a:t>.</a:t>
-            </a:r>
-          </a:p>
-          <a:p>
-            <a:r>
-              <a:rPr lang="en-US" dirty="0" smtClean="0"/>
-              <a:t>Example of </a:t>
-            </a:r>
-            <a:r>
-              <a:rPr lang="en-US" dirty="0" err="1" smtClean="0"/>
-              <a:t>prorgam</a:t>
-            </a:r>
-            <a:r>
-              <a:rPr lang="en-US" dirty="0" smtClean="0"/>
-              <a:t>.</a:t>
-            </a:r>
-            <a:endParaRPr lang="en-US" dirty="0"/>
-          </a:p>
-          <a:p>
+              <a:t>Example of Info File</a:t>
+            </a:r>
             <a:endParaRPr lang="en-US" dirty="0"/>
           </a:p>
         </p:txBody>
@@ -8988,13 +9387,20 @@
     </p:spTree>
     <p:extLst>
       <p:ext uri="{BB962C8B-B14F-4D97-AF65-F5344CB8AC3E}">
-        <p14:creationId xmlns:p14="http://schemas.microsoft.com/office/powerpoint/2010/main" val="1583743847"/>
+        <p14:creationId xmlns:p14="http://schemas.microsoft.com/office/powerpoint/2010/main" val="954755208"/>
       </p:ext>
     </p:extLst>
   </p:cSld>
   <p:clrMapOvr>
     <a:masterClrMapping/>
   </p:clrMapOvr>
+  <p:timing>
+    <p:tnLst>
+      <p:par>
+        <p:cTn id="1" dur="indefinite" restart="never" nodeType="tmRoot"/>
+      </p:par>
+    </p:tnLst>
+  </p:timing>
 </p:sld>
 </file>
 
@@ -9032,7 +9438,7 @@
           <a:p>
             <a:r>
               <a:rPr lang="en-US" dirty="0" smtClean="0"/>
-              <a:t>Reverse Splicer</a:t>
+              <a:t>Current Tests</a:t>
             </a:r>
             <a:endParaRPr lang="en-US" dirty="0"/>
           </a:p>
@@ -9050,76 +9456,122 @@
         </p:nvSpPr>
         <p:spPr/>
         <p:txBody>
-          <a:bodyPr/>
-          <a:lstStyle/>
-          <a:p>
+          <a:bodyPr>
+            <a:normAutofit/>
+          </a:bodyPr>
+          <a:lstStyle/>
+          <a:p>
+            <a:r>
+              <a:rPr lang="en-US" dirty="0" smtClean="0"/>
+              <a:t>Human Proteome database as input FASTA against the following MGF files and settings:</a:t>
+            </a:r>
+          </a:p>
+          <a:p>
+            <a:pPr lvl="1"/>
             <a:r>
               <a:rPr lang="en-US" dirty="0"/>
-              <a:t>Takes a FASTA file of peptides and a second FASTA file of </a:t>
+              <a:t>A2: 7-16mers, 30%, 10ppm, 0.02Da, O(M), P(STY), +2, +</a:t>
             </a:r>
             <a:r>
               <a:rPr lang="en-US" dirty="0" smtClean="0"/>
-              <a:t>proteins as input. </a:t>
-            </a:r>
-          </a:p>
-          <a:p>
+              <a:t>3</a:t>
+            </a:r>
+          </a:p>
+          <a:p>
+            <a:pPr lvl="2"/>
             <a:r>
               <a:rPr lang="en-US" dirty="0" smtClean="0"/>
-              <a:t>Returns an excel file containing where </a:t>
+              <a:t>5.5 hours.</a:t>
+            </a:r>
+          </a:p>
+          <a:p>
+            <a:pPr lvl="1"/>
+            <a:r>
+              <a:rPr lang="en-US" dirty="0" smtClean="0"/>
+              <a:t>BLCL</a:t>
             </a:r>
             <a:r>
               <a:rPr lang="en-US" dirty="0"/>
-              <a:t>each peptide could have been produced from in the protein </a:t>
+              <a:t>: 7-16mers, 30%, 15ppm, 0.1Da, O(M), P(STY), +2, +</a:t>
             </a:r>
             <a:r>
               <a:rPr lang="en-US" dirty="0" smtClean="0"/>
-              <a:t>list.</a:t>
-            </a:r>
-            <a:endParaRPr lang="en-US" dirty="0"/>
-          </a:p>
-          <a:p>
+              <a:t>3</a:t>
+            </a:r>
+          </a:p>
+          <a:p>
+            <a:pPr lvl="2"/>
+            <a:r>
+              <a:rPr lang="en-US" dirty="0" smtClean="0"/>
+              <a:t>4.5 hours</a:t>
+            </a:r>
+          </a:p>
+          <a:p>
+            <a:pPr lvl="1"/>
+            <a:r>
+              <a:rPr lang="en-US" dirty="0" smtClean="0"/>
+              <a:t>B57: </a:t>
+            </a:r>
             <a:r>
               <a:rPr lang="en-US" dirty="0"/>
-              <a:t>Returns </a:t>
+              <a:t>7-15mers, 30%, 15ppm, 0.1Da, O(M), P(STY), +2, +</a:t>
             </a:r>
             <a:r>
               <a:rPr lang="en-US" dirty="0" smtClean="0"/>
-              <a:t>separate </a:t>
-            </a:r>
+              <a:t>3</a:t>
+            </a:r>
+          </a:p>
+          <a:p>
+            <a:pPr lvl="2"/>
+            <a:r>
+              <a:rPr lang="en-US" dirty="0" smtClean="0"/>
+              <a:t>9 hours.</a:t>
+            </a:r>
+          </a:p>
+          <a:p>
             <a:r>
               <a:rPr lang="en-US" dirty="0"/>
-              <a:t>outputs for linear, cis and </a:t>
+              <a:t>R</a:t>
             </a:r>
             <a:r>
               <a:rPr lang="en-US" dirty="0" smtClean="0"/>
-              <a:t>trans.</a:t>
-            </a:r>
-          </a:p>
-          <a:p>
+              <a:t>an all reviewed proteins from </a:t>
+            </a:r>
+            <a:r>
+              <a:rPr lang="en-US" dirty="0" err="1" smtClean="0"/>
+              <a:t>Uniprot</a:t>
+            </a:r>
             <a:r>
               <a:rPr lang="en-US" dirty="0" smtClean="0"/>
-              <a:t>Example of output needed for each splice type.</a:t>
-            </a:r>
-          </a:p>
-          <a:p>
+              <a:t> with the A2 MGF and settings above.</a:t>
+            </a:r>
+          </a:p>
+          <a:p>
+            <a:pPr lvl="1"/>
             <a:r>
               <a:rPr lang="en-US" dirty="0" smtClean="0"/>
-              <a:t>Example of program.</a:t>
-            </a:r>
-            <a:endParaRPr lang="en-US" dirty="0"/>
+              <a:t>Took almost exactly 4 days and produced X peptides</a:t>
+            </a:r>
           </a:p>
         </p:txBody>
       </p:sp>
     </p:spTree>
     <p:extLst>
       <p:ext uri="{BB962C8B-B14F-4D97-AF65-F5344CB8AC3E}">
-        <p14:creationId xmlns:p14="http://schemas.microsoft.com/office/powerpoint/2010/main" val="1782176371"/>
+        <p14:creationId xmlns:p14="http://schemas.microsoft.com/office/powerpoint/2010/main" val="953431821"/>
       </p:ext>
     </p:extLst>
   </p:cSld>
   <p:clrMapOvr>
     <a:masterClrMapping/>
   </p:clrMapOvr>
+  <p:timing>
+    <p:tnLst>
+      <p:par>
+        <p:cTn id="1" dur="indefinite" restart="never" nodeType="tmRoot"/>
+      </p:par>
+    </p:tnLst>
+  </p:timing>
 </p:sld>
 </file>
 
@@ -9157,7 +9609,7 @@
           <a:p>
             <a:r>
               <a:rPr lang="en-US" dirty="0" smtClean="0"/>
-              <a:t>Reverse MGF</a:t>
+              <a:t>Future Work</a:t>
             </a:r>
             <a:endParaRPr lang="en-US" dirty="0"/>
           </a:p>
@@ -9180,22 +9632,42 @@
           <a:p>
             <a:r>
               <a:rPr lang="en-US" dirty="0" smtClean="0"/>
-              <a:t>Takes an MGF file and FASTA file of peptides as input.</a:t>
+              <a:t>We ae in contact with MASSIVE to hopefully run the program on their system.</a:t>
             </a:r>
           </a:p>
           <a:p>
             <a:r>
               <a:rPr lang="en-US" dirty="0" smtClean="0"/>
-              <a:t>For each peptide, it computes which spectra in the MGF file match based on b/y ion and precursor mass comparison.</a:t>
-            </a:r>
-            <a:endParaRPr lang="en-US" dirty="0"/>
+              <a:t>Documentation</a:t>
+            </a:r>
+            <a:r>
+              <a:rPr lang="mr-IN" dirty="0" smtClean="0"/>
+              <a:t>…</a:t>
+            </a:r>
+            <a:r>
+              <a:rPr lang="en-AU" dirty="0" smtClean="0"/>
+              <a:t>..</a:t>
+            </a:r>
+          </a:p>
+          <a:p>
+            <a:r>
+              <a:rPr lang="en-AU" dirty="0" smtClean="0"/>
+              <a:t>Incorporation of Artificial Intelligence (discussed shortly).</a:t>
+            </a:r>
+            <a:endParaRPr lang="en-US" dirty="0" smtClean="0"/>
+          </a:p>
+          <a:p>
+            <a:r>
+              <a:rPr lang="en-US" dirty="0" smtClean="0"/>
+              <a:t>Incorporate the program into a workflow that improves peptide recognition.</a:t>
+            </a:r>
           </a:p>
         </p:txBody>
       </p:sp>
     </p:spTree>
     <p:extLst>
       <p:ext uri="{BB962C8B-B14F-4D97-AF65-F5344CB8AC3E}">
-        <p14:creationId xmlns:p14="http://schemas.microsoft.com/office/powerpoint/2010/main" val="2011998279"/>
+        <p14:creationId xmlns:p14="http://schemas.microsoft.com/office/powerpoint/2010/main" val="1919065949"/>
       </p:ext>
     </p:extLst>
   </p:cSld>
@@ -9239,7 +9711,7 @@
           <a:p>
             <a:r>
               <a:rPr lang="en-US" dirty="0" smtClean="0"/>
-              <a:t>Machine Learning</a:t>
+              <a:t>Pre and Post Processing Programs</a:t>
             </a:r>
             <a:endParaRPr lang="en-US" dirty="0"/>
           </a:p>
@@ -9260,14 +9732,42 @@
           <a:bodyPr/>
           <a:lstStyle/>
           <a:p>
-            <a:endParaRPr lang="en-US"/>
+            <a:r>
+              <a:rPr lang="en-US" dirty="0" smtClean="0"/>
+              <a:t>6Frame Translation Pre-processing Program</a:t>
+            </a:r>
+          </a:p>
+          <a:p>
+            <a:r>
+              <a:rPr lang="en-US" dirty="0" smtClean="0"/>
+              <a:t>Reverse Splicer Post Processing</a:t>
+            </a:r>
+          </a:p>
+          <a:p>
+            <a:r>
+              <a:rPr lang="en-US" dirty="0" smtClean="0"/>
+              <a:t>Reverse MGF Post Processing</a:t>
+            </a:r>
+          </a:p>
+          <a:p>
+            <a:r>
+              <a:rPr lang="en-US" dirty="0" smtClean="0"/>
+              <a:t>All these programs use similar multiprocessing, interfaces and logic to the original splicing program. </a:t>
+            </a:r>
+          </a:p>
+          <a:p>
+            <a:endParaRPr lang="en-US" dirty="0" smtClean="0"/>
+          </a:p>
+          <a:p>
+            <a:pPr lvl="1"/>
+            <a:endParaRPr lang="en-US" dirty="0"/>
           </a:p>
         </p:txBody>
       </p:sp>
     </p:spTree>
     <p:extLst>
       <p:ext uri="{BB962C8B-B14F-4D97-AF65-F5344CB8AC3E}">
-        <p14:creationId xmlns:p14="http://schemas.microsoft.com/office/powerpoint/2010/main" val="1604011163"/>
+        <p14:creationId xmlns:p14="http://schemas.microsoft.com/office/powerpoint/2010/main" val="1664694499"/>
       </p:ext>
     </p:extLst>
   </p:cSld>
@@ -9311,7 +9811,7 @@
           <a:p>
             <a:r>
               <a:rPr lang="en-US" dirty="0" smtClean="0"/>
-              <a:t>Future Work on These Programs</a:t>
+              <a:t>6 Frame Translation Program</a:t>
             </a:r>
             <a:endParaRPr lang="en-US" dirty="0"/>
           </a:p>
@@ -9327,19 +9827,332 @@
             <p:ph idx="1"/>
           </p:nvPr>
         </p:nvSpPr>
-        <p:spPr/>
+        <p:spPr>
+          <a:xfrm>
+            <a:off x="2465335" y="1708301"/>
+            <a:ext cx="8915400" cy="3777622"/>
+          </a:xfrm>
+        </p:spPr>
         <p:txBody>
           <a:bodyPr/>
           <a:lstStyle/>
           <a:p>
-            <a:endParaRPr lang="en-US"/>
-          </a:p>
-        </p:txBody>
-      </p:sp>
+            <a:r>
+              <a:rPr lang="en-US" dirty="0" smtClean="0"/>
+              <a:t>Takes an input FASTA file containing DNA sequences.</a:t>
+            </a:r>
+          </a:p>
+          <a:p>
+            <a:r>
+              <a:rPr lang="en-US" dirty="0" smtClean="0"/>
+              <a:t>Produces </a:t>
+            </a:r>
+            <a:r>
+              <a:rPr lang="en-US" dirty="0"/>
+              <a:t>all proteins over a minimum length that result from the 6 Frame Translation of </a:t>
+            </a:r>
+            <a:r>
+              <a:rPr lang="en-US" dirty="0" smtClean="0"/>
+              <a:t>the input sequences.</a:t>
+            </a:r>
+          </a:p>
+          <a:p>
+            <a:r>
+              <a:rPr lang="en-US" dirty="0" smtClean="0"/>
+              <a:t>Removes </a:t>
+            </a:r>
+            <a:r>
+              <a:rPr lang="en-US" dirty="0"/>
+              <a:t>proteins which exist as subsequences in longer proteins.</a:t>
+            </a:r>
+          </a:p>
+          <a:p>
+            <a:r>
+              <a:rPr lang="en-US" dirty="0"/>
+              <a:t>Aim to pass this output into our main splicing </a:t>
+            </a:r>
+            <a:r>
+              <a:rPr lang="en-US" dirty="0" smtClean="0"/>
+              <a:t>program</a:t>
+            </a:r>
+            <a:r>
+              <a:rPr lang="en-US" dirty="0"/>
+              <a:t> </a:t>
+            </a:r>
+            <a:r>
+              <a:rPr lang="en-US" dirty="0" smtClean="0"/>
+              <a:t>as proof that it can handle large data sets</a:t>
+            </a:r>
+          </a:p>
+          <a:p>
+            <a:endParaRPr lang="en-US" dirty="0"/>
+          </a:p>
+          <a:p>
+            <a:endParaRPr lang="en-US" dirty="0"/>
+          </a:p>
+        </p:txBody>
+      </p:sp>
+      <p:pic>
+        <p:nvPicPr>
+          <p:cNvPr id="4" name="Picture 3"/>
+          <p:cNvPicPr>
+            <a:picLocks noChangeAspect="1"/>
+          </p:cNvPicPr>
+          <p:nvPr/>
+        </p:nvPicPr>
+        <p:blipFill>
+          <a:blip r:embed="rId2"/>
+          <a:stretch>
+            <a:fillRect/>
+          </a:stretch>
+        </p:blipFill>
+        <p:spPr>
+          <a:xfrm>
+            <a:off x="3797004" y="3990972"/>
+            <a:ext cx="4751572" cy="2605265"/>
+          </a:xfrm>
+          <a:prstGeom prst="rect">
+            <a:avLst/>
+          </a:prstGeom>
+        </p:spPr>
+      </p:pic>
     </p:spTree>
     <p:extLst>
       <p:ext uri="{BB962C8B-B14F-4D97-AF65-F5344CB8AC3E}">
-        <p14:creationId xmlns:p14="http://schemas.microsoft.com/office/powerpoint/2010/main" val="215760013"/>
+        <p14:creationId xmlns:p14="http://schemas.microsoft.com/office/powerpoint/2010/main" val="1583743847"/>
+      </p:ext>
+    </p:extLst>
+  </p:cSld>
+  <p:clrMapOvr>
+    <a:masterClrMapping/>
+  </p:clrMapOvr>
+</p:sld>
+</file>
+
+<file path=ppt/slides/slide18.xml><?xml version="1.0" encoding="utf-8"?>
+<p:sld xmlns:a="http://schemas.openxmlformats.org/drawingml/2006/main" xmlns:r="http://schemas.openxmlformats.org/officeDocument/2006/relationships" xmlns:p="http://schemas.openxmlformats.org/presentationml/2006/main">
+  <p:cSld>
+    <p:spTree>
+      <p:nvGrpSpPr>
+        <p:cNvPr id="1" name=""/>
+        <p:cNvGrpSpPr/>
+        <p:nvPr/>
+      </p:nvGrpSpPr>
+      <p:grpSpPr>
+        <a:xfrm>
+          <a:off x="0" y="0"/>
+          <a:ext cx="0" cy="0"/>
+          <a:chOff x="0" y="0"/>
+          <a:chExt cx="0" cy="0"/>
+        </a:xfrm>
+      </p:grpSpPr>
+      <p:sp>
+        <p:nvSpPr>
+          <p:cNvPr id="2" name="Title 1"/>
+          <p:cNvSpPr>
+            <a:spLocks noGrp="1"/>
+          </p:cNvSpPr>
+          <p:nvPr>
+            <p:ph type="title"/>
+          </p:nvPr>
+        </p:nvSpPr>
+        <p:spPr/>
+        <p:txBody>
+          <a:bodyPr/>
+          <a:lstStyle/>
+          <a:p>
+            <a:r>
+              <a:rPr lang="en-US" dirty="0" smtClean="0"/>
+              <a:t>6 Frame Translation </a:t>
+            </a:r>
+            <a:r>
+              <a:rPr lang="mr-IN" dirty="0" smtClean="0"/>
+              <a:t>–</a:t>
+            </a:r>
+            <a:r>
+              <a:rPr lang="en-US" dirty="0" smtClean="0"/>
+              <a:t> Subset Deletion</a:t>
+            </a:r>
+            <a:endParaRPr lang="en-US" dirty="0"/>
+          </a:p>
+        </p:txBody>
+      </p:sp>
+      <p:sp>
+        <p:nvSpPr>
+          <p:cNvPr id="3" name="Content Placeholder 2"/>
+          <p:cNvSpPr>
+            <a:spLocks noGrp="1"/>
+          </p:cNvSpPr>
+          <p:nvPr>
+            <p:ph idx="1"/>
+          </p:nvPr>
+        </p:nvSpPr>
+        <p:spPr/>
+        <p:txBody>
+          <a:bodyPr/>
+          <a:lstStyle/>
+          <a:p>
+            <a:r>
+              <a:rPr lang="en-US" dirty="0" smtClean="0"/>
+              <a:t>Subset proteins provide no new peptides to the peptide splicing program.</a:t>
+            </a:r>
+          </a:p>
+          <a:p>
+            <a:r>
+              <a:rPr lang="en-US" dirty="0" smtClean="0"/>
+              <a:t>However, they do provide additional origin locations.</a:t>
+            </a:r>
+          </a:p>
+          <a:p>
+            <a:r>
+              <a:rPr lang="en-US" dirty="0" smtClean="0"/>
+              <a:t>Thus we included the option to print deleted subsequences.</a:t>
+            </a:r>
+          </a:p>
+          <a:p>
+            <a:r>
+              <a:rPr lang="en-US" dirty="0" smtClean="0"/>
+              <a:t>Also prompted us to allow the user to ignore origin data to reduce the size of the output further.</a:t>
+            </a:r>
+          </a:p>
+        </p:txBody>
+      </p:sp>
+    </p:spTree>
+    <p:extLst>
+      <p:ext uri="{BB962C8B-B14F-4D97-AF65-F5344CB8AC3E}">
+        <p14:creationId xmlns:p14="http://schemas.microsoft.com/office/powerpoint/2010/main" val="1770579002"/>
+      </p:ext>
+    </p:extLst>
+  </p:cSld>
+  <p:clrMapOvr>
+    <a:masterClrMapping/>
+  </p:clrMapOvr>
+</p:sld>
+</file>
+
+<file path=ppt/slides/slide19.xml><?xml version="1.0" encoding="utf-8"?>
+<p:sld xmlns:a="http://schemas.openxmlformats.org/drawingml/2006/main" xmlns:r="http://schemas.openxmlformats.org/officeDocument/2006/relationships" xmlns:p="http://schemas.openxmlformats.org/presentationml/2006/main">
+  <p:cSld>
+    <p:spTree>
+      <p:nvGrpSpPr>
+        <p:cNvPr id="1" name=""/>
+        <p:cNvGrpSpPr/>
+        <p:nvPr/>
+      </p:nvGrpSpPr>
+      <p:grpSpPr>
+        <a:xfrm>
+          <a:off x="0" y="0"/>
+          <a:ext cx="0" cy="0"/>
+          <a:chOff x="0" y="0"/>
+          <a:chExt cx="0" cy="0"/>
+        </a:xfrm>
+      </p:grpSpPr>
+      <p:sp>
+        <p:nvSpPr>
+          <p:cNvPr id="2" name="Title 1"/>
+          <p:cNvSpPr>
+            <a:spLocks noGrp="1"/>
+          </p:cNvSpPr>
+          <p:nvPr>
+            <p:ph type="title"/>
+          </p:nvPr>
+        </p:nvSpPr>
+        <p:spPr/>
+        <p:txBody>
+          <a:bodyPr/>
+          <a:lstStyle/>
+          <a:p>
+            <a:r>
+              <a:rPr lang="en-US" dirty="0" smtClean="0"/>
+              <a:t>6 Frame Translation </a:t>
+            </a:r>
+            <a:r>
+              <a:rPr lang="mr-IN" dirty="0" smtClean="0"/>
+              <a:t>–</a:t>
+            </a:r>
+            <a:r>
+              <a:rPr lang="en-US" dirty="0" smtClean="0"/>
+              <a:t> Current Tests</a:t>
+            </a:r>
+            <a:endParaRPr lang="en-US" dirty="0"/>
+          </a:p>
+        </p:txBody>
+      </p:sp>
+      <p:sp>
+        <p:nvSpPr>
+          <p:cNvPr id="3" name="Content Placeholder 2"/>
+          <p:cNvSpPr>
+            <a:spLocks noGrp="1"/>
+          </p:cNvSpPr>
+          <p:nvPr>
+            <p:ph idx="1"/>
+          </p:nvPr>
+        </p:nvSpPr>
+        <p:spPr/>
+        <p:txBody>
+          <a:bodyPr/>
+          <a:lstStyle/>
+          <a:p>
+            <a:r>
+              <a:rPr lang="en-US" dirty="0" smtClean="0"/>
+              <a:t>We ran </a:t>
+            </a:r>
+            <a:r>
+              <a:rPr lang="en-US" dirty="0"/>
+              <a:t>the </a:t>
+            </a:r>
+            <a:r>
+              <a:rPr lang="en-US" dirty="0" smtClean="0"/>
+              <a:t>B57_1_S38_Merge.fasta</a:t>
+            </a:r>
+          </a:p>
+          <a:p>
+            <a:r>
+              <a:rPr lang="en-US" dirty="0" smtClean="0"/>
+              <a:t>Produced an output of 73 million proteins in about 1.5 hours.</a:t>
+            </a:r>
+          </a:p>
+          <a:p>
+            <a:r>
+              <a:rPr lang="en-US" dirty="0" smtClean="0"/>
+              <a:t>After removing subsets this output was reduced to 15 million proteins.</a:t>
+            </a:r>
+          </a:p>
+          <a:p>
+            <a:pPr lvl="1"/>
+            <a:r>
+              <a:rPr lang="en-US" dirty="0"/>
+              <a:t>T</a:t>
+            </a:r>
+            <a:r>
+              <a:rPr lang="en-US" dirty="0" smtClean="0"/>
+              <a:t>ook an additional 3 hours.</a:t>
+            </a:r>
+          </a:p>
+          <a:p>
+            <a:r>
+              <a:rPr lang="en-US" dirty="0" smtClean="0"/>
+              <a:t>We are yet to run this </a:t>
+            </a:r>
+            <a:r>
+              <a:rPr lang="en-US" dirty="0" smtClean="0"/>
+              <a:t>through the splicing program.</a:t>
+            </a:r>
+          </a:p>
+          <a:p>
+            <a:pPr lvl="1"/>
+            <a:r>
+              <a:rPr lang="en-US" dirty="0" smtClean="0"/>
+              <a:t>Initial tests suggest it will take 1-2 weeks on a 16 core computer.</a:t>
+            </a:r>
+            <a:endParaRPr lang="en-US" dirty="0" smtClean="0"/>
+          </a:p>
+        </p:txBody>
+      </p:sp>
+    </p:spTree>
+    <p:extLst>
+      <p:ext uri="{BB962C8B-B14F-4D97-AF65-F5344CB8AC3E}">
+        <p14:creationId xmlns:p14="http://schemas.microsoft.com/office/powerpoint/2010/main" val="1453722258"/>
       </p:ext>
     </p:extLst>
   </p:cSld>
@@ -9382,27 +10195,79 @@
           <a:lstStyle/>
           <a:p>
             <a:r>
+              <a:rPr lang="en-US" dirty="0"/>
+              <a:t>Introduction</a:t>
+            </a:r>
+          </a:p>
+        </p:txBody>
+      </p:sp>
+      <p:sp>
+        <p:nvSpPr>
+          <p:cNvPr id="3" name="Content Placeholder 2"/>
+          <p:cNvSpPr>
+            <a:spLocks noGrp="1"/>
+          </p:cNvSpPr>
+          <p:nvPr>
+            <p:ph idx="1"/>
+          </p:nvPr>
+        </p:nvSpPr>
+        <p:spPr/>
+        <p:txBody>
+          <a:bodyPr/>
+          <a:lstStyle/>
+          <a:p>
+            <a:r>
+              <a:rPr lang="en-US" dirty="0"/>
+              <a:t>Goal of program</a:t>
+            </a:r>
+          </a:p>
+          <a:p>
+            <a:pPr lvl="1"/>
+            <a:r>
+              <a:rPr lang="en-US" dirty="0"/>
+              <a:t>to compute which of the spectrum present in an MGF file could have been formed via linear, cis or trans splicing.</a:t>
+            </a:r>
+          </a:p>
+          <a:p>
+            <a:r>
+              <a:rPr lang="en-US" dirty="0"/>
+              <a:t>Program is written in python</a:t>
+            </a:r>
+          </a:p>
+          <a:p>
+            <a:r>
               <a:rPr lang="en-US" dirty="0" smtClean="0"/>
-              <a:t>New Pre and Post Processing Programs</a:t>
+              <a:t>User </a:t>
+            </a:r>
+            <a:r>
+              <a:rPr lang="en-US" dirty="0"/>
+              <a:t>Interface allows the analysis to be dynamic and easily </a:t>
+            </a:r>
+            <a:r>
+              <a:rPr lang="en-US" dirty="0" smtClean="0"/>
+              <a:t>repeatable</a:t>
+            </a:r>
+          </a:p>
+          <a:p>
+            <a:pPr marL="742950" lvl="2" indent="-342900"/>
+            <a:r>
+              <a:rPr lang="en-US" sz="1600" dirty="0"/>
+              <a:t>Please give us feedback regarding interface!</a:t>
+            </a:r>
+          </a:p>
+          <a:p>
+            <a:r>
+              <a:rPr lang="en-US" dirty="0" smtClean="0"/>
+              <a:t>We have introduced a number of pre and post processing programs.</a:t>
+            </a:r>
+          </a:p>
+          <a:p>
+            <a:r>
+              <a:rPr lang="en-US" dirty="0" smtClean="0"/>
+              <a:t>Investigated the use or machine learning in the context of our project.</a:t>
             </a:r>
             <a:endParaRPr lang="en-US" dirty="0"/>
           </a:p>
-        </p:txBody>
-      </p:sp>
-      <p:sp>
-        <p:nvSpPr>
-          <p:cNvPr id="3" name="Content Placeholder 2"/>
-          <p:cNvSpPr>
-            <a:spLocks noGrp="1"/>
-          </p:cNvSpPr>
-          <p:nvPr>
-            <p:ph idx="1"/>
-          </p:nvPr>
-        </p:nvSpPr>
-        <p:spPr/>
-        <p:txBody>
-          <a:bodyPr/>
-          <a:lstStyle/>
           <a:p>
             <a:endParaRPr lang="en-US" dirty="0"/>
           </a:p>
@@ -9411,7 +10276,7 @@
     </p:spTree>
     <p:extLst>
       <p:ext uri="{BB962C8B-B14F-4D97-AF65-F5344CB8AC3E}">
-        <p14:creationId xmlns:p14="http://schemas.microsoft.com/office/powerpoint/2010/main" val="880859260"/>
+        <p14:creationId xmlns:p14="http://schemas.microsoft.com/office/powerpoint/2010/main" val="1207232345"/>
       </p:ext>
     </p:extLst>
   </p:cSld>
@@ -9421,7 +10286,7 @@
 </p:sld>
 </file>
 
-<file path=ppt/slides/slide3.xml><?xml version="1.0" encoding="utf-8"?>
+<file path=ppt/slides/slide20.xml><?xml version="1.0" encoding="utf-8"?>
 <p:sld xmlns:a="http://schemas.openxmlformats.org/drawingml/2006/main" xmlns:r="http://schemas.openxmlformats.org/officeDocument/2006/relationships" xmlns:p="http://schemas.openxmlformats.org/presentationml/2006/main">
   <p:cSld>
     <p:spTree>
@@ -9454,88 +10319,110 @@
           <a:lstStyle/>
           <a:p>
             <a:r>
+              <a:rPr lang="en-US" dirty="0" smtClean="0"/>
+              <a:t>Reverse Splicer</a:t>
+            </a:r>
+            <a:endParaRPr lang="en-US" dirty="0"/>
+          </a:p>
+        </p:txBody>
+      </p:sp>
+      <p:sp>
+        <p:nvSpPr>
+          <p:cNvPr id="3" name="Content Placeholder 2"/>
+          <p:cNvSpPr>
+            <a:spLocks noGrp="1"/>
+          </p:cNvSpPr>
+          <p:nvPr>
+            <p:ph idx="1"/>
+          </p:nvPr>
+        </p:nvSpPr>
+        <p:spPr>
+          <a:xfrm>
+            <a:off x="2589212" y="2133600"/>
+            <a:ext cx="5503228" cy="3777622"/>
+          </a:xfrm>
+        </p:spPr>
+        <p:txBody>
+          <a:bodyPr/>
+          <a:lstStyle/>
+          <a:p>
+            <a:r>
               <a:rPr lang="en-US" dirty="0"/>
-              <a:t>Introduction</a:t>
-            </a:r>
-          </a:p>
-        </p:txBody>
-      </p:sp>
-      <p:sp>
-        <p:nvSpPr>
-          <p:cNvPr id="3" name="Content Placeholder 2"/>
-          <p:cNvSpPr>
-            <a:spLocks noGrp="1"/>
-          </p:cNvSpPr>
-          <p:nvPr>
-            <p:ph idx="1"/>
-          </p:nvPr>
-        </p:nvSpPr>
-        <p:spPr/>
-        <p:txBody>
-          <a:bodyPr/>
-          <a:lstStyle/>
-          <a:p>
+              <a:t>Takes a FASTA file of peptides and a second FASTA file of </a:t>
+            </a:r>
+            <a:r>
+              <a:rPr lang="en-US" dirty="0" smtClean="0"/>
+              <a:t>proteins as input. </a:t>
+            </a:r>
+          </a:p>
+          <a:p>
+            <a:r>
+              <a:rPr lang="en-US" dirty="0" smtClean="0"/>
+              <a:t>Returns an excel file containing where </a:t>
+            </a:r>
             <a:r>
               <a:rPr lang="en-US" dirty="0"/>
-              <a:t>Goal of program</a:t>
-            </a:r>
-          </a:p>
-          <a:p>
-            <a:pPr lvl="1"/>
+              <a:t>each peptide could have been produced from in the protein </a:t>
+            </a:r>
+            <a:r>
+              <a:rPr lang="en-US" dirty="0" smtClean="0"/>
+              <a:t>list.</a:t>
+            </a:r>
+            <a:endParaRPr lang="en-US" dirty="0"/>
+          </a:p>
+          <a:p>
             <a:r>
               <a:rPr lang="en-US" dirty="0"/>
-              <a:t>to compute which of the spectrum present in an MGF file could have been formed via linear, cis or trans splicing.</a:t>
-            </a:r>
-          </a:p>
-          <a:p>
+              <a:t>Returns </a:t>
+            </a:r>
+            <a:r>
+              <a:rPr lang="en-US" dirty="0" smtClean="0"/>
+              <a:t>separate </a:t>
+            </a:r>
             <a:r>
               <a:rPr lang="en-US" dirty="0"/>
-              <a:t>Program is written in python</a:t>
-            </a:r>
-          </a:p>
-          <a:p>
+              <a:t>outputs for linear, cis and </a:t>
+            </a:r>
             <a:r>
               <a:rPr lang="en-US" dirty="0" smtClean="0"/>
-              <a:t>User </a:t>
-            </a:r>
-            <a:r>
-              <a:rPr lang="en-US" dirty="0"/>
-              <a:t>Interface allows the analysis to be dynamic and easily </a:t>
+              <a:t>trans</a:t>
             </a:r>
             <a:r>
               <a:rPr lang="en-US" dirty="0" smtClean="0"/>
-              <a:t>repeatable</a:t>
-            </a:r>
-          </a:p>
-          <a:p>
-            <a:pPr marL="742950" lvl="2" indent="-342900"/>
-            <a:r>
-              <a:rPr lang="en-US" sz="1600" dirty="0"/>
-              <a:t>Please give us feedback regarding interface!</a:t>
-            </a:r>
-          </a:p>
-          <a:p>
-            <a:r>
-              <a:rPr lang="en-US" dirty="0" smtClean="0"/>
-              <a:t>We have introduced a number of pre and post processing programs.</a:t>
-            </a:r>
-          </a:p>
-          <a:p>
-            <a:r>
-              <a:rPr lang="en-US" dirty="0" smtClean="0"/>
-              <a:t>Investigated the use or machine learning in the context of our project.</a:t>
-            </a:r>
-            <a:endParaRPr lang="en-US" dirty="0"/>
-          </a:p>
-          <a:p>
-            <a:endParaRPr lang="en-US" dirty="0"/>
-          </a:p>
-        </p:txBody>
-      </p:sp>
+              <a:t>.</a:t>
+            </a:r>
+            <a:endParaRPr lang="en-US" dirty="0" smtClean="0"/>
+          </a:p>
+        </p:txBody>
+      </p:sp>
+      <p:pic>
+        <p:nvPicPr>
+          <p:cNvPr id="6" name="Picture 5"/>
+          <p:cNvPicPr>
+            <a:picLocks noChangeAspect="1"/>
+          </p:cNvPicPr>
+          <p:nvPr/>
+        </p:nvPicPr>
+        <p:blipFill>
+          <a:blip r:embed="rId3"/>
+          <a:stretch>
+            <a:fillRect/>
+          </a:stretch>
+        </p:blipFill>
+        <p:spPr>
+          <a:xfrm>
+            <a:off x="8408375" y="1990060"/>
+            <a:ext cx="2654300" cy="3543300"/>
+          </a:xfrm>
+          <a:prstGeom prst="rect">
+            <a:avLst/>
+          </a:prstGeom>
+        </p:spPr>
+      </p:pic>
     </p:spTree>
     <p:extLst>
       <p:ext uri="{BB962C8B-B14F-4D97-AF65-F5344CB8AC3E}">
-        <p14:creationId xmlns:p14="http://schemas.microsoft.com/office/powerpoint/2010/main" val="1207232345"/>
+        <p14:creationId xmlns:p14="http://schemas.microsoft.com/office/powerpoint/2010/main" val="1782176371"/>
       </p:ext>
     </p:extLst>
   </p:cSld>
@@ -9545,7 +10432,416 @@
 </p:sld>
 </file>
 
-<file path=ppt/slides/slide4.xml><?xml version="1.0" encoding="utf-8"?>
+<file path=ppt/slides/slide21.xml><?xml version="1.0" encoding="utf-8"?>
+<p:sld xmlns:a="http://schemas.openxmlformats.org/drawingml/2006/main" xmlns:r="http://schemas.openxmlformats.org/officeDocument/2006/relationships" xmlns:p="http://schemas.openxmlformats.org/presentationml/2006/main">
+  <p:cSld>
+    <p:spTree>
+      <p:nvGrpSpPr>
+        <p:cNvPr id="1" name=""/>
+        <p:cNvGrpSpPr/>
+        <p:nvPr/>
+      </p:nvGrpSpPr>
+      <p:grpSpPr>
+        <a:xfrm>
+          <a:off x="0" y="0"/>
+          <a:ext cx="0" cy="0"/>
+          <a:chOff x="0" y="0"/>
+          <a:chExt cx="0" cy="0"/>
+        </a:xfrm>
+      </p:grpSpPr>
+      <p:sp>
+        <p:nvSpPr>
+          <p:cNvPr id="2" name="Title 1"/>
+          <p:cNvSpPr>
+            <a:spLocks noGrp="1"/>
+          </p:cNvSpPr>
+          <p:nvPr>
+            <p:ph type="title"/>
+          </p:nvPr>
+        </p:nvSpPr>
+        <p:spPr/>
+        <p:txBody>
+          <a:bodyPr/>
+          <a:lstStyle/>
+          <a:p>
+            <a:r>
+              <a:rPr lang="en-US" dirty="0" smtClean="0"/>
+              <a:t>Reverse Splicer </a:t>
+            </a:r>
+            <a:r>
+              <a:rPr lang="mr-IN" dirty="0" smtClean="0"/>
+              <a:t>–</a:t>
+            </a:r>
+            <a:r>
+              <a:rPr lang="en-US" dirty="0" smtClean="0"/>
+              <a:t> Linear Output</a:t>
+            </a:r>
+            <a:endParaRPr lang="en-US" dirty="0"/>
+          </a:p>
+        </p:txBody>
+      </p:sp>
+    </p:spTree>
+    <p:extLst>
+      <p:ext uri="{BB962C8B-B14F-4D97-AF65-F5344CB8AC3E}">
+        <p14:creationId xmlns:p14="http://schemas.microsoft.com/office/powerpoint/2010/main" val="1830689231"/>
+      </p:ext>
+    </p:extLst>
+  </p:cSld>
+  <p:clrMapOvr>
+    <a:masterClrMapping/>
+  </p:clrMapOvr>
+</p:sld>
+</file>
+
+<file path=ppt/slides/slide22.xml><?xml version="1.0" encoding="utf-8"?>
+<p:sld xmlns:a="http://schemas.openxmlformats.org/drawingml/2006/main" xmlns:r="http://schemas.openxmlformats.org/officeDocument/2006/relationships" xmlns:p="http://schemas.openxmlformats.org/presentationml/2006/main">
+  <p:cSld>
+    <p:spTree>
+      <p:nvGrpSpPr>
+        <p:cNvPr id="1" name=""/>
+        <p:cNvGrpSpPr/>
+        <p:nvPr/>
+      </p:nvGrpSpPr>
+      <p:grpSpPr>
+        <a:xfrm>
+          <a:off x="0" y="0"/>
+          <a:ext cx="0" cy="0"/>
+          <a:chOff x="0" y="0"/>
+          <a:chExt cx="0" cy="0"/>
+        </a:xfrm>
+      </p:grpSpPr>
+      <p:sp>
+        <p:nvSpPr>
+          <p:cNvPr id="2" name="Title 1"/>
+          <p:cNvSpPr>
+            <a:spLocks noGrp="1"/>
+          </p:cNvSpPr>
+          <p:nvPr>
+            <p:ph type="title"/>
+          </p:nvPr>
+        </p:nvSpPr>
+        <p:spPr/>
+        <p:txBody>
+          <a:bodyPr/>
+          <a:lstStyle/>
+          <a:p>
+            <a:r>
+              <a:rPr lang="en-US" dirty="0" smtClean="0"/>
+              <a:t>Reverse Splicer </a:t>
+            </a:r>
+            <a:r>
+              <a:rPr lang="mr-IN" dirty="0" smtClean="0"/>
+              <a:t>–</a:t>
+            </a:r>
+            <a:r>
+              <a:rPr lang="en-US" dirty="0" smtClean="0"/>
+              <a:t> Cis Output</a:t>
+            </a:r>
+            <a:endParaRPr lang="en-US" dirty="0"/>
+          </a:p>
+        </p:txBody>
+      </p:sp>
+    </p:spTree>
+    <p:extLst>
+      <p:ext uri="{BB962C8B-B14F-4D97-AF65-F5344CB8AC3E}">
+        <p14:creationId xmlns:p14="http://schemas.microsoft.com/office/powerpoint/2010/main" val="1021482686"/>
+      </p:ext>
+    </p:extLst>
+  </p:cSld>
+  <p:clrMapOvr>
+    <a:masterClrMapping/>
+  </p:clrMapOvr>
+</p:sld>
+</file>
+
+<file path=ppt/slides/slide23.xml><?xml version="1.0" encoding="utf-8"?>
+<p:sld xmlns:a="http://schemas.openxmlformats.org/drawingml/2006/main" xmlns:r="http://schemas.openxmlformats.org/officeDocument/2006/relationships" xmlns:p="http://schemas.openxmlformats.org/presentationml/2006/main">
+  <p:cSld>
+    <p:spTree>
+      <p:nvGrpSpPr>
+        <p:cNvPr id="1" name=""/>
+        <p:cNvGrpSpPr/>
+        <p:nvPr/>
+      </p:nvGrpSpPr>
+      <p:grpSpPr>
+        <a:xfrm>
+          <a:off x="0" y="0"/>
+          <a:ext cx="0" cy="0"/>
+          <a:chOff x="0" y="0"/>
+          <a:chExt cx="0" cy="0"/>
+        </a:xfrm>
+      </p:grpSpPr>
+      <p:sp>
+        <p:nvSpPr>
+          <p:cNvPr id="2" name="Title 1"/>
+          <p:cNvSpPr>
+            <a:spLocks noGrp="1"/>
+          </p:cNvSpPr>
+          <p:nvPr>
+            <p:ph type="title"/>
+          </p:nvPr>
+        </p:nvSpPr>
+        <p:spPr/>
+        <p:txBody>
+          <a:bodyPr/>
+          <a:lstStyle/>
+          <a:p>
+            <a:r>
+              <a:rPr lang="en-US" dirty="0" smtClean="0"/>
+              <a:t>Reverse Splicer </a:t>
+            </a:r>
+            <a:r>
+              <a:rPr lang="mr-IN" dirty="0" smtClean="0"/>
+              <a:t>–</a:t>
+            </a:r>
+            <a:r>
+              <a:rPr lang="en-US" dirty="0" smtClean="0"/>
+              <a:t> Trans Output</a:t>
+            </a:r>
+            <a:endParaRPr lang="en-US" dirty="0"/>
+          </a:p>
+        </p:txBody>
+      </p:sp>
+    </p:spTree>
+    <p:extLst>
+      <p:ext uri="{BB962C8B-B14F-4D97-AF65-F5344CB8AC3E}">
+        <p14:creationId xmlns:p14="http://schemas.microsoft.com/office/powerpoint/2010/main" val="1075229484"/>
+      </p:ext>
+    </p:extLst>
+  </p:cSld>
+  <p:clrMapOvr>
+    <a:masterClrMapping/>
+  </p:clrMapOvr>
+</p:sld>
+</file>
+
+<file path=ppt/slides/slide24.xml><?xml version="1.0" encoding="utf-8"?>
+<p:sld xmlns:a="http://schemas.openxmlformats.org/drawingml/2006/main" xmlns:r="http://schemas.openxmlformats.org/officeDocument/2006/relationships" xmlns:p="http://schemas.openxmlformats.org/presentationml/2006/main">
+  <p:cSld>
+    <p:spTree>
+      <p:nvGrpSpPr>
+        <p:cNvPr id="1" name=""/>
+        <p:cNvGrpSpPr/>
+        <p:nvPr/>
+      </p:nvGrpSpPr>
+      <p:grpSpPr>
+        <a:xfrm>
+          <a:off x="0" y="0"/>
+          <a:ext cx="0" cy="0"/>
+          <a:chOff x="0" y="0"/>
+          <a:chExt cx="0" cy="0"/>
+        </a:xfrm>
+      </p:grpSpPr>
+      <p:sp>
+        <p:nvSpPr>
+          <p:cNvPr id="2" name="Title 1"/>
+          <p:cNvSpPr>
+            <a:spLocks noGrp="1"/>
+          </p:cNvSpPr>
+          <p:nvPr>
+            <p:ph type="title"/>
+          </p:nvPr>
+        </p:nvSpPr>
+        <p:spPr/>
+        <p:txBody>
+          <a:bodyPr/>
+          <a:lstStyle/>
+          <a:p>
+            <a:r>
+              <a:rPr lang="en-US" dirty="0" smtClean="0"/>
+              <a:t>Reverse MGF</a:t>
+            </a:r>
+            <a:endParaRPr lang="en-US" dirty="0"/>
+          </a:p>
+        </p:txBody>
+      </p:sp>
+      <p:sp>
+        <p:nvSpPr>
+          <p:cNvPr id="3" name="Content Placeholder 2"/>
+          <p:cNvSpPr>
+            <a:spLocks noGrp="1"/>
+          </p:cNvSpPr>
+          <p:nvPr>
+            <p:ph idx="1"/>
+          </p:nvPr>
+        </p:nvSpPr>
+        <p:spPr/>
+        <p:txBody>
+          <a:bodyPr/>
+          <a:lstStyle/>
+          <a:p>
+            <a:r>
+              <a:rPr lang="en-US" dirty="0" smtClean="0"/>
+              <a:t>Takes an MGF file and FASTA file of peptides as input.</a:t>
+            </a:r>
+          </a:p>
+          <a:p>
+            <a:r>
+              <a:rPr lang="en-US" dirty="0" smtClean="0"/>
+              <a:t>For each peptide, it computes which spectra in the MGF file match based on b/y ion and precursor mass comparison.</a:t>
+            </a:r>
+            <a:endParaRPr lang="en-US" dirty="0"/>
+          </a:p>
+        </p:txBody>
+      </p:sp>
+    </p:spTree>
+    <p:extLst>
+      <p:ext uri="{BB962C8B-B14F-4D97-AF65-F5344CB8AC3E}">
+        <p14:creationId xmlns:p14="http://schemas.microsoft.com/office/powerpoint/2010/main" val="2011998279"/>
+      </p:ext>
+    </p:extLst>
+  </p:cSld>
+  <p:clrMapOvr>
+    <a:masterClrMapping/>
+  </p:clrMapOvr>
+</p:sld>
+</file>
+
+<file path=ppt/slides/slide25.xml><?xml version="1.0" encoding="utf-8"?>
+<p:sld xmlns:a="http://schemas.openxmlformats.org/drawingml/2006/main" xmlns:r="http://schemas.openxmlformats.org/officeDocument/2006/relationships" xmlns:p="http://schemas.openxmlformats.org/presentationml/2006/main">
+  <p:cSld>
+    <p:spTree>
+      <p:nvGrpSpPr>
+        <p:cNvPr id="1" name=""/>
+        <p:cNvGrpSpPr/>
+        <p:nvPr/>
+      </p:nvGrpSpPr>
+      <p:grpSpPr>
+        <a:xfrm>
+          <a:off x="0" y="0"/>
+          <a:ext cx="0" cy="0"/>
+          <a:chOff x="0" y="0"/>
+          <a:chExt cx="0" cy="0"/>
+        </a:xfrm>
+      </p:grpSpPr>
+      <p:sp>
+        <p:nvSpPr>
+          <p:cNvPr id="2" name="Title 1"/>
+          <p:cNvSpPr>
+            <a:spLocks noGrp="1"/>
+          </p:cNvSpPr>
+          <p:nvPr>
+            <p:ph type="title"/>
+          </p:nvPr>
+        </p:nvSpPr>
+        <p:spPr/>
+        <p:txBody>
+          <a:bodyPr/>
+          <a:lstStyle/>
+          <a:p>
+            <a:r>
+              <a:rPr lang="en-US" dirty="0" smtClean="0"/>
+              <a:t>Machine Learning</a:t>
+            </a:r>
+            <a:endParaRPr lang="en-US" dirty="0"/>
+          </a:p>
+        </p:txBody>
+      </p:sp>
+      <p:sp>
+        <p:nvSpPr>
+          <p:cNvPr id="3" name="Content Placeholder 2"/>
+          <p:cNvSpPr>
+            <a:spLocks noGrp="1"/>
+          </p:cNvSpPr>
+          <p:nvPr>
+            <p:ph idx="1"/>
+          </p:nvPr>
+        </p:nvSpPr>
+        <p:spPr/>
+        <p:txBody>
+          <a:bodyPr/>
+          <a:lstStyle/>
+          <a:p>
+            <a:endParaRPr lang="en-US"/>
+          </a:p>
+        </p:txBody>
+      </p:sp>
+    </p:spTree>
+    <p:extLst>
+      <p:ext uri="{BB962C8B-B14F-4D97-AF65-F5344CB8AC3E}">
+        <p14:creationId xmlns:p14="http://schemas.microsoft.com/office/powerpoint/2010/main" val="1604011163"/>
+      </p:ext>
+    </p:extLst>
+  </p:cSld>
+  <p:clrMapOvr>
+    <a:masterClrMapping/>
+  </p:clrMapOvr>
+</p:sld>
+</file>
+
+<file path=ppt/slides/slide26.xml><?xml version="1.0" encoding="utf-8"?>
+<p:sld xmlns:a="http://schemas.openxmlformats.org/drawingml/2006/main" xmlns:r="http://schemas.openxmlformats.org/officeDocument/2006/relationships" xmlns:p="http://schemas.openxmlformats.org/presentationml/2006/main">
+  <p:cSld>
+    <p:spTree>
+      <p:nvGrpSpPr>
+        <p:cNvPr id="1" name=""/>
+        <p:cNvGrpSpPr/>
+        <p:nvPr/>
+      </p:nvGrpSpPr>
+      <p:grpSpPr>
+        <a:xfrm>
+          <a:off x="0" y="0"/>
+          <a:ext cx="0" cy="0"/>
+          <a:chOff x="0" y="0"/>
+          <a:chExt cx="0" cy="0"/>
+        </a:xfrm>
+      </p:grpSpPr>
+      <p:sp>
+        <p:nvSpPr>
+          <p:cNvPr id="2" name="Title 1"/>
+          <p:cNvSpPr>
+            <a:spLocks noGrp="1"/>
+          </p:cNvSpPr>
+          <p:nvPr>
+            <p:ph type="title"/>
+          </p:nvPr>
+        </p:nvSpPr>
+        <p:spPr/>
+        <p:txBody>
+          <a:bodyPr/>
+          <a:lstStyle/>
+          <a:p>
+            <a:r>
+              <a:rPr lang="en-US" dirty="0" smtClean="0"/>
+              <a:t>Future Work on These Programs</a:t>
+            </a:r>
+            <a:endParaRPr lang="en-US" dirty="0"/>
+          </a:p>
+        </p:txBody>
+      </p:sp>
+      <p:sp>
+        <p:nvSpPr>
+          <p:cNvPr id="3" name="Content Placeholder 2"/>
+          <p:cNvSpPr>
+            <a:spLocks noGrp="1"/>
+          </p:cNvSpPr>
+          <p:nvPr>
+            <p:ph idx="1"/>
+          </p:nvPr>
+        </p:nvSpPr>
+        <p:spPr/>
+        <p:txBody>
+          <a:bodyPr/>
+          <a:lstStyle/>
+          <a:p>
+            <a:endParaRPr lang="en-US"/>
+          </a:p>
+        </p:txBody>
+      </p:sp>
+    </p:spTree>
+    <p:extLst>
+      <p:ext uri="{BB962C8B-B14F-4D97-AF65-F5344CB8AC3E}">
+        <p14:creationId xmlns:p14="http://schemas.microsoft.com/office/powerpoint/2010/main" val="215760013"/>
+      </p:ext>
+    </p:extLst>
+  </p:cSld>
+  <p:clrMapOvr>
+    <a:masterClrMapping/>
+  </p:clrMapOvr>
+</p:sld>
+</file>
+
+<file path=ppt/slides/slide3.xml><?xml version="1.0" encoding="utf-8"?>
 <p:sld xmlns:a="http://schemas.openxmlformats.org/drawingml/2006/main" xmlns:r="http://schemas.openxmlformats.org/officeDocument/2006/relationships" xmlns:p="http://schemas.openxmlformats.org/presentationml/2006/main">
   <p:cSld>
     <p:spTree>
@@ -9621,7 +10917,7 @@
 </p:sld>
 </file>
 
-<file path=ppt/slides/slide5.xml><?xml version="1.0" encoding="utf-8"?>
+<file path=ppt/slides/slide4.xml><?xml version="1.0" encoding="utf-8"?>
 <p:sld xmlns:a="http://schemas.openxmlformats.org/drawingml/2006/main" xmlns:r="http://schemas.openxmlformats.org/officeDocument/2006/relationships" xmlns:p="http://schemas.openxmlformats.org/presentationml/2006/main">
   <p:cSld>
     <p:spTree>
@@ -9697,7 +10993,7 @@
 </p:sld>
 </file>
 
-<file path=ppt/slides/slide6.xml><?xml version="1.0" encoding="utf-8"?>
+<file path=ppt/slides/slide5.xml><?xml version="1.0" encoding="utf-8"?>
 <p:sld xmlns:a="http://schemas.openxmlformats.org/drawingml/2006/main" xmlns:r="http://schemas.openxmlformats.org/officeDocument/2006/relationships" xmlns:p="http://schemas.openxmlformats.org/presentationml/2006/main">
   <p:cSld>
     <p:spTree>
@@ -9781,6 +11077,113 @@
 </p:sld>
 </file>
 
+<file path=ppt/slides/slide6.xml><?xml version="1.0" encoding="utf-8"?>
+<p:sld xmlns:a="http://schemas.openxmlformats.org/drawingml/2006/main" xmlns:r="http://schemas.openxmlformats.org/officeDocument/2006/relationships" xmlns:p="http://schemas.openxmlformats.org/presentationml/2006/main">
+  <p:cSld>
+    <p:spTree>
+      <p:nvGrpSpPr>
+        <p:cNvPr id="1" name=""/>
+        <p:cNvGrpSpPr/>
+        <p:nvPr/>
+      </p:nvGrpSpPr>
+      <p:grpSpPr>
+        <a:xfrm>
+          <a:off x="0" y="0"/>
+          <a:ext cx="0" cy="0"/>
+          <a:chOff x="0" y="0"/>
+          <a:chExt cx="0" cy="0"/>
+        </a:xfrm>
+      </p:grpSpPr>
+      <p:sp>
+        <p:nvSpPr>
+          <p:cNvPr id="2" name="Title 1"/>
+          <p:cNvSpPr>
+            <a:spLocks noGrp="1"/>
+          </p:cNvSpPr>
+          <p:nvPr>
+            <p:ph type="title"/>
+          </p:nvPr>
+        </p:nvSpPr>
+        <p:spPr/>
+        <p:txBody>
+          <a:bodyPr/>
+          <a:lstStyle/>
+          <a:p>
+            <a:r>
+              <a:rPr lang="en-US" dirty="0"/>
+              <a:t>Demonstration of Program</a:t>
+            </a:r>
+          </a:p>
+        </p:txBody>
+      </p:sp>
+      <p:pic>
+        <p:nvPicPr>
+          <p:cNvPr id="4" name="Picture 3"/>
+          <p:cNvPicPr>
+            <a:picLocks noChangeAspect="1"/>
+          </p:cNvPicPr>
+          <p:nvPr/>
+        </p:nvPicPr>
+        <p:blipFill>
+          <a:blip r:embed="rId3"/>
+          <a:stretch>
+            <a:fillRect/>
+          </a:stretch>
+        </p:blipFill>
+        <p:spPr>
+          <a:xfrm>
+            <a:off x="1426232" y="1616763"/>
+            <a:ext cx="4379145" cy="4865717"/>
+          </a:xfrm>
+          <a:prstGeom prst="rect">
+            <a:avLst/>
+          </a:prstGeom>
+        </p:spPr>
+      </p:pic>
+      <p:pic>
+        <p:nvPicPr>
+          <p:cNvPr id="6" name="Picture 5"/>
+          <p:cNvPicPr>
+            <a:picLocks noChangeAspect="1"/>
+          </p:cNvPicPr>
+          <p:nvPr/>
+        </p:nvPicPr>
+        <p:blipFill>
+          <a:blip r:embed="rId4"/>
+          <a:stretch>
+            <a:fillRect/>
+          </a:stretch>
+        </p:blipFill>
+        <p:spPr>
+          <a:xfrm>
+            <a:off x="6379601" y="1616763"/>
+            <a:ext cx="4349951" cy="4865717"/>
+          </a:xfrm>
+          <a:prstGeom prst="rect">
+            <a:avLst/>
+          </a:prstGeom>
+        </p:spPr>
+      </p:pic>
+    </p:spTree>
+    <p:extLst>
+      <p:ext uri="{BB962C8B-B14F-4D97-AF65-F5344CB8AC3E}">
+        <p14:creationId xmlns:p14="http://schemas.microsoft.com/office/powerpoint/2010/main" val="488008821"/>
+      </p:ext>
+    </p:extLst>
+  </p:cSld>
+  <p:clrMapOvr>
+    <a:masterClrMapping/>
+  </p:clrMapOvr>
+  <p:timing>
+    <p:tnLst>
+      <p:par>
+        <p:cTn id="1" dur="indefinite" restart="never" nodeType="tmRoot"/>
+      </p:par>
+    </p:tnLst>
+  </p:timing>
+</p:sld>
+</file>
+
 <file path=ppt/slides/slide7.xml><?xml version="1.0" encoding="utf-8"?>
 <p:sld xmlns:a="http://schemas.openxmlformats.org/drawingml/2006/main" xmlns:r="http://schemas.openxmlformats.org/officeDocument/2006/relationships" xmlns:p="http://schemas.openxmlformats.org/presentationml/2006/main">
   <p:cSld>
@@ -9814,63 +11217,88 @@
           <a:lstStyle/>
           <a:p>
             <a:r>
+              <a:rPr lang="en-US" dirty="0" smtClean="0"/>
+              <a:t>Flow of Program</a:t>
+            </a:r>
+            <a:endParaRPr lang="en-US" dirty="0"/>
+          </a:p>
+        </p:txBody>
+      </p:sp>
+      <p:sp>
+        <p:nvSpPr>
+          <p:cNvPr id="3" name="Content Placeholder 2"/>
+          <p:cNvSpPr>
+            <a:spLocks noGrp="1"/>
+          </p:cNvSpPr>
+          <p:nvPr>
+            <p:ph idx="1"/>
+          </p:nvPr>
+        </p:nvSpPr>
+        <p:spPr/>
+        <p:txBody>
+          <a:bodyPr/>
+          <a:lstStyle/>
+          <a:p>
+            <a:r>
               <a:rPr lang="en-US" dirty="0"/>
-              <a:t>Demonstration of Program</a:t>
-            </a:r>
-          </a:p>
-        </p:txBody>
-      </p:sp>
-      <p:pic>
-        <p:nvPicPr>
-          <p:cNvPr id="3" name="Picture 2"/>
-          <p:cNvPicPr>
-            <a:picLocks noChangeAspect="1"/>
-          </p:cNvPicPr>
-          <p:nvPr/>
-        </p:nvPicPr>
-        <p:blipFill>
-          <a:blip r:embed="rId3"/>
-          <a:stretch>
-            <a:fillRect/>
-          </a:stretch>
-        </p:blipFill>
-        <p:spPr>
-          <a:xfrm>
-            <a:off x="1703924" y="1621938"/>
-            <a:ext cx="3676150" cy="4084611"/>
-          </a:xfrm>
-          <a:prstGeom prst="rect">
-            <a:avLst/>
-          </a:prstGeom>
-        </p:spPr>
-      </p:pic>
-      <p:pic>
-        <p:nvPicPr>
-          <p:cNvPr id="5" name="Picture 4"/>
-          <p:cNvPicPr>
-            <a:picLocks noChangeAspect="1"/>
-          </p:cNvPicPr>
-          <p:nvPr/>
-        </p:nvPicPr>
-        <p:blipFill rotWithShape="1">
-          <a:blip r:embed="rId4"/>
-          <a:srcRect b="1401"/>
-          <a:stretch/>
-        </p:blipFill>
-        <p:spPr>
-          <a:xfrm>
-            <a:off x="6185773" y="1589591"/>
-            <a:ext cx="3766301" cy="4117004"/>
-          </a:xfrm>
-          <a:prstGeom prst="rect">
-            <a:avLst/>
-          </a:prstGeom>
-        </p:spPr>
-      </p:pic>
+              <a:t>Extract data from input </a:t>
+            </a:r>
+            <a:r>
+              <a:rPr lang="en-US" dirty="0" err="1"/>
+              <a:t>Fasta</a:t>
+            </a:r>
+            <a:r>
+              <a:rPr lang="en-US" dirty="0"/>
+              <a:t> and MGF files</a:t>
+            </a:r>
+          </a:p>
+          <a:p>
+            <a:r>
+              <a:rPr lang="en-US" dirty="0"/>
+              <a:t>Compute all possible linear, cis and trans peptides</a:t>
+            </a:r>
+          </a:p>
+          <a:p>
+            <a:r>
+              <a:rPr lang="en-US" dirty="0"/>
+              <a:t>Remove based on matching with MGF Data:	</a:t>
+            </a:r>
+          </a:p>
+          <a:p>
+            <a:pPr lvl="1"/>
+            <a:r>
+              <a:rPr lang="en-US" dirty="0" err="1"/>
+              <a:t>Pepmass</a:t>
+            </a:r>
+            <a:endParaRPr lang="en-US" dirty="0"/>
+          </a:p>
+          <a:p>
+            <a:pPr lvl="1"/>
+            <a:r>
+              <a:rPr lang="en-US" dirty="0"/>
+              <a:t>B/Y Ions</a:t>
+            </a:r>
+          </a:p>
+          <a:p>
+            <a:r>
+              <a:rPr lang="en-US" dirty="0"/>
+              <a:t>Write final output to </a:t>
+            </a:r>
+            <a:r>
+              <a:rPr lang="en-US" dirty="0" err="1"/>
+              <a:t>Fasta</a:t>
+            </a:r>
+            <a:r>
+              <a:rPr lang="en-US" dirty="0"/>
+              <a:t> File</a:t>
+            </a:r>
+          </a:p>
+        </p:txBody>
+      </p:sp>
     </p:spTree>
     <p:extLst>
       <p:ext uri="{BB962C8B-B14F-4D97-AF65-F5344CB8AC3E}">
-        <p14:creationId xmlns:p14="http://schemas.microsoft.com/office/powerpoint/2010/main" val="488008821"/>
+        <p14:creationId xmlns:p14="http://schemas.microsoft.com/office/powerpoint/2010/main" val="777303727"/>
       </p:ext>
     </p:extLst>
   </p:cSld>
@@ -9914,7 +11342,7 @@
           <a:p>
             <a:r>
               <a:rPr lang="en-US" dirty="0" smtClean="0"/>
-              <a:t>Flow of Program</a:t>
+              <a:t>New Functions</a:t>
             </a:r>
             <a:endParaRPr lang="en-US" dirty="0"/>
           </a:p>
@@ -9930,77 +11358,111 @@
             <p:ph idx="1"/>
           </p:nvPr>
         </p:nvSpPr>
-        <p:spPr/>
-        <p:txBody>
-          <a:bodyPr/>
-          <a:lstStyle/>
-          <a:p>
-            <a:r>
-              <a:rPr lang="en-US" dirty="0"/>
-              <a:t>Extract data from input </a:t>
-            </a:r>
-            <a:r>
-              <a:rPr lang="en-US" dirty="0" err="1"/>
-              <a:t>Fasta</a:t>
-            </a:r>
-            <a:r>
-              <a:rPr lang="en-US" dirty="0"/>
-              <a:t> and MGF files</a:t>
-            </a:r>
-          </a:p>
-          <a:p>
-            <a:r>
-              <a:rPr lang="en-US" dirty="0"/>
-              <a:t>Compute all possible linear, cis and trans peptides</a:t>
-            </a:r>
-          </a:p>
-          <a:p>
-            <a:r>
-              <a:rPr lang="en-US" dirty="0"/>
-              <a:t>Remove based on matching with MGF Data:	</a:t>
-            </a:r>
-          </a:p>
-          <a:p>
-            <a:pPr lvl="1"/>
-            <a:r>
-              <a:rPr lang="en-US" dirty="0" err="1"/>
-              <a:t>Pepmass</a:t>
-            </a:r>
+        <p:spPr>
+          <a:xfrm>
+            <a:off x="2100113" y="1399953"/>
+            <a:ext cx="8915400" cy="5564372"/>
+          </a:xfrm>
+        </p:spPr>
+        <p:txBody>
+          <a:bodyPr>
+            <a:normAutofit lnSpcReduction="10000"/>
+          </a:bodyPr>
+          <a:lstStyle/>
+          <a:p>
+            <a:r>
+              <a:rPr lang="en-US" dirty="0" smtClean="0"/>
+              <a:t>Upload of multiple FASTA files.</a:t>
+            </a:r>
+          </a:p>
+          <a:p>
+            <a:r>
+              <a:rPr lang="en-US" dirty="0" smtClean="0"/>
+              <a:t>Produce output without input MGF file.</a:t>
+            </a:r>
+          </a:p>
+          <a:p>
+            <a:r>
+              <a:rPr lang="en-US" dirty="0" smtClean="0"/>
+              <a:t>Max modification per peptide input.</a:t>
+            </a:r>
+          </a:p>
+          <a:p>
+            <a:r>
+              <a:rPr lang="en-US" dirty="0" smtClean="0"/>
+              <a:t>New b/y ion comparison algorithm.</a:t>
+            </a:r>
+          </a:p>
+          <a:p>
+            <a:r>
+              <a:rPr lang="en-US" dirty="0" smtClean="0"/>
+              <a:t>Allow user to input the output file name.</a:t>
+            </a:r>
+          </a:p>
+          <a:p>
+            <a:r>
+              <a:rPr lang="en-US" dirty="0" smtClean="0"/>
+              <a:t>Added a progress bar which represents the proportion of the output completed.</a:t>
+            </a:r>
+          </a:p>
+          <a:p>
+            <a:r>
+              <a:rPr lang="en-US" dirty="0" smtClean="0"/>
+              <a:t>Ensured linear peptides aren’t present in cis splicing, and linear and cis aren’t present in trans.</a:t>
+            </a:r>
+          </a:p>
+          <a:p>
+            <a:r>
+              <a:rPr lang="en-US" dirty="0" smtClean="0"/>
+              <a:t>Added multiprocessing for trans splicing.</a:t>
+            </a:r>
+          </a:p>
+          <a:p>
+            <a:r>
+              <a:rPr lang="en-US" dirty="0" smtClean="0"/>
+              <a:t>Removal of all peptides that exceed max monoisotopic mass of MGF file before MGF comparison occurs.</a:t>
+            </a:r>
+          </a:p>
+          <a:p>
+            <a:r>
+              <a:rPr lang="en-US" dirty="0" smtClean="0"/>
+              <a:t>Check that input FASTA file has less than 2000 amino acids in total if trans selected.</a:t>
+            </a:r>
+          </a:p>
+          <a:p>
+            <a:r>
+              <a:rPr lang="en-US" dirty="0" smtClean="0"/>
+              <a:t>Process generation changes and multiple outputs when memory threshold is reached.</a:t>
+            </a:r>
+          </a:p>
+          <a:p>
+            <a:endParaRPr lang="en-US" dirty="0" smtClean="0"/>
+          </a:p>
+          <a:p>
+            <a:endParaRPr lang="en-US" dirty="0" smtClean="0"/>
+          </a:p>
+          <a:p>
             <a:endParaRPr lang="en-US" dirty="0"/>
-          </a:p>
-          <a:p>
-            <a:pPr lvl="1"/>
-            <a:r>
-              <a:rPr lang="en-US" dirty="0"/>
-              <a:t>B/Y Ions</a:t>
-            </a:r>
-          </a:p>
-          <a:p>
-            <a:r>
-              <a:rPr lang="en-US" dirty="0"/>
-              <a:t>Write final output to </a:t>
-            </a:r>
-            <a:r>
-              <a:rPr lang="en-US" dirty="0" err="1"/>
-              <a:t>Fasta</a:t>
-            </a:r>
-            <a:r>
-              <a:rPr lang="en-US" dirty="0"/>
-              <a:t> File</a:t>
-            </a:r>
           </a:p>
         </p:txBody>
       </p:sp>
     </p:spTree>
     <p:extLst>
       <p:ext uri="{BB962C8B-B14F-4D97-AF65-F5344CB8AC3E}">
-        <p14:creationId xmlns:p14="http://schemas.microsoft.com/office/powerpoint/2010/main" val="777303727"/>
+        <p14:creationId xmlns:p14="http://schemas.microsoft.com/office/powerpoint/2010/main" val="140137671"/>
       </p:ext>
     </p:extLst>
   </p:cSld>
   <p:clrMapOvr>
     <a:masterClrMapping/>
   </p:clrMapOvr>
+  <p:timing>
+    <p:tnLst>
+      <p:par>
+        <p:cTn id="1" dur="indefinite" restart="never" nodeType="tmRoot"/>
+      </p:par>
+    </p:tnLst>
+  </p:timing>
 </p:sld>
 </file>
 
@@ -10038,7 +11500,15 @@
           <a:p>
             <a:r>
               <a:rPr lang="en-US" dirty="0" smtClean="0"/>
-              <a:t>New Functions</a:t>
+              <a:t>New Functions </a:t>
+            </a:r>
+            <a:r>
+              <a:rPr lang="mr-IN" dirty="0" smtClean="0"/>
+              <a:t>–</a:t>
+            </a:r>
+            <a:r>
+              <a:rPr lang="en-US" dirty="0" smtClean="0"/>
+              <a:t> Custom Modifications</a:t>
             </a:r>
             <a:endParaRPr lang="en-US" dirty="0"/>
           </a:p>
@@ -10056,146 +11526,99 @@
         </p:nvSpPr>
         <p:spPr>
           <a:xfrm>
-            <a:off x="1377100" y="1293628"/>
-            <a:ext cx="8915400" cy="5564372"/>
+            <a:off x="5231218" y="1857155"/>
+            <a:ext cx="6273393" cy="3777622"/>
           </a:xfrm>
         </p:spPr>
         <p:txBody>
-          <a:bodyPr>
-            <a:normAutofit fontScale="77500" lnSpcReduction="20000"/>
-          </a:bodyPr>
+          <a:bodyPr/>
           <a:lstStyle/>
           <a:p>
             <a:r>
               <a:rPr lang="en-US" dirty="0" smtClean="0"/>
-              <a:t>Upload of multiple FASTA files.</a:t>
+              <a:t>Enables the user to create their own modifications.</a:t>
             </a:r>
           </a:p>
           <a:p>
             <a:r>
               <a:rPr lang="en-US" dirty="0" smtClean="0"/>
-              <a:t>Produce output without input MGF file.</a:t>
+              <a:t>Selecting ”Custom Mod” from the drop down box opens a new window.</a:t>
             </a:r>
           </a:p>
           <a:p>
             <a:r>
               <a:rPr lang="en-US" dirty="0" smtClean="0"/>
-              <a:t>Output csv files containing:</a:t>
-            </a:r>
-          </a:p>
-          <a:p>
-            <a:pPr lvl="1"/>
-            <a:r>
-              <a:rPr lang="en-US" dirty="0"/>
-              <a:t>Proteins as headers with all peptides from that protein listed </a:t>
-            </a:r>
-            <a:r>
-              <a:rPr lang="en-US" dirty="0" smtClean="0"/>
-              <a:t>below.</a:t>
+              <a:t>The new mod is added to the list if all information has been input correctly. </a:t>
             </a:r>
             <a:endParaRPr lang="en-US" dirty="0"/>
           </a:p>
-          <a:p>
-            <a:pPr lvl="1"/>
-            <a:r>
-              <a:rPr lang="en-US" dirty="0"/>
-              <a:t>Peptides as header with all peptides that protein generated listed below.</a:t>
-            </a:r>
-          </a:p>
-          <a:p>
-            <a:r>
-              <a:rPr lang="en-US" dirty="0" smtClean="0"/>
-              <a:t>Inclusion of origin protein information in trans splicing.</a:t>
-            </a:r>
-            <a:endParaRPr lang="en-US" dirty="0"/>
-          </a:p>
-          <a:p>
-            <a:r>
-              <a:rPr lang="en-US" dirty="0" smtClean="0"/>
-              <a:t>Max modification per peptide input.</a:t>
-            </a:r>
-          </a:p>
-          <a:p>
-            <a:r>
-              <a:rPr lang="en-US" dirty="0" smtClean="0"/>
-              <a:t>New b/y ion comparison algorithm.</a:t>
-            </a:r>
-          </a:p>
-          <a:p>
-            <a:r>
-              <a:rPr lang="en-US" dirty="0" smtClean="0"/>
-              <a:t>Allow user to add custom modifications.</a:t>
-            </a:r>
-          </a:p>
-          <a:p>
-            <a:r>
-              <a:rPr lang="en-US" dirty="0" smtClean="0"/>
-              <a:t>Allow user to input the output file name.</a:t>
-            </a:r>
-          </a:p>
-          <a:p>
-            <a:r>
-              <a:rPr lang="en-US" dirty="0" smtClean="0"/>
-              <a:t>Added a progress bar which represents the proportion of the output completed.</a:t>
-            </a:r>
-          </a:p>
-          <a:p>
-            <a:r>
-              <a:rPr lang="en-US" dirty="0" smtClean="0"/>
-              <a:t>Ensured linear peptides aren’t present in cis splicing, and linear and cis aren’t present in trans.</a:t>
-            </a:r>
-          </a:p>
-          <a:p>
-            <a:r>
-              <a:rPr lang="en-US" dirty="0" smtClean="0"/>
-              <a:t>Added multiprocessing for trans splicing.</a:t>
-            </a:r>
-          </a:p>
-          <a:p>
-            <a:r>
-              <a:rPr lang="en-US" dirty="0" smtClean="0"/>
-              <a:t>Removal of all peptides that exceed max monoisotopic mass of MGF file before MGF comparison occurs.</a:t>
-            </a:r>
-          </a:p>
-          <a:p>
-            <a:r>
-              <a:rPr lang="en-US" dirty="0" smtClean="0"/>
-              <a:t>Check that input FASTA file has less than 2000 amino acids in total if trans selected.</a:t>
-            </a:r>
-          </a:p>
-          <a:p>
-            <a:r>
-              <a:rPr lang="en-US" dirty="0" smtClean="0"/>
-              <a:t>Returns an info file containing the settings, and details of how many times a given modification was found in the output peptides.</a:t>
-            </a:r>
-          </a:p>
-          <a:p>
-            <a:r>
-              <a:rPr lang="en-US" dirty="0" smtClean="0"/>
-              <a:t>Process generation changes and multiple outputs when memory threshold is reached.</a:t>
-            </a:r>
-          </a:p>
-          <a:p>
-            <a:endParaRPr lang="en-US" dirty="0" smtClean="0"/>
-          </a:p>
-          <a:p>
-            <a:endParaRPr lang="en-US" dirty="0" smtClean="0"/>
-          </a:p>
-          <a:p>
-            <a:endParaRPr lang="en-US" dirty="0"/>
-          </a:p>
-        </p:txBody>
-      </p:sp>
+        </p:txBody>
+      </p:sp>
+      <p:pic>
+        <p:nvPicPr>
+          <p:cNvPr id="4" name="Picture 3"/>
+          <p:cNvPicPr>
+            <a:picLocks noChangeAspect="1"/>
+          </p:cNvPicPr>
+          <p:nvPr/>
+        </p:nvPicPr>
+        <p:blipFill>
+          <a:blip r:embed="rId2"/>
+          <a:stretch>
+            <a:fillRect/>
+          </a:stretch>
+        </p:blipFill>
+        <p:spPr>
+          <a:xfrm>
+            <a:off x="2214838" y="1905000"/>
+            <a:ext cx="2680928" cy="4687185"/>
+          </a:xfrm>
+          <a:prstGeom prst="rect">
+            <a:avLst/>
+          </a:prstGeom>
+        </p:spPr>
+      </p:pic>
+      <p:pic>
+        <p:nvPicPr>
+          <p:cNvPr id="5" name="Picture 4"/>
+          <p:cNvPicPr>
+            <a:picLocks noChangeAspect="1"/>
+          </p:cNvPicPr>
+          <p:nvPr/>
+        </p:nvPicPr>
+        <p:blipFill>
+          <a:blip r:embed="rId3"/>
+          <a:stretch>
+            <a:fillRect/>
+          </a:stretch>
+        </p:blipFill>
+        <p:spPr>
+          <a:xfrm>
+            <a:off x="6514567" y="3888064"/>
+            <a:ext cx="4096726" cy="2655093"/>
+          </a:xfrm>
+          <a:prstGeom prst="rect">
+            <a:avLst/>
+          </a:prstGeom>
+        </p:spPr>
+      </p:pic>
     </p:spTree>
     <p:extLst>
       <p:ext uri="{BB962C8B-B14F-4D97-AF65-F5344CB8AC3E}">
-        <p14:creationId xmlns:p14="http://schemas.microsoft.com/office/powerpoint/2010/main" val="140137671"/>
+        <p14:creationId xmlns:p14="http://schemas.microsoft.com/office/powerpoint/2010/main" val="1285848961"/>
       </p:ext>
     </p:extLst>
   </p:cSld>
   <p:clrMapOvr>
     <a:masterClrMapping/>
   </p:clrMapOvr>
+  <p:timing>
+    <p:tnLst>
+      <p:par>
+        <p:cTn id="1" dur="indefinite" restart="never" nodeType="tmRoot"/>
+      </p:par>
+    </p:tnLst>
+  </p:timing>
 </p:sld>
 </file>
 

--- a/SecondLabPresentation.pptx
+++ b/SecondLabPresentation.pptx
@@ -5,7 +5,7 @@
     <p:sldMasterId id="2147483702" r:id="rId1"/>
   </p:sldMasterIdLst>
   <p:notesMasterIdLst>
-    <p:notesMasterId r:id="rId28"/>
+    <p:notesMasterId r:id="rId32"/>
   </p:notesMasterIdLst>
   <p:sldIdLst>
     <p:sldId id="256" r:id="rId2"/>
@@ -32,8 +32,12 @@
     <p:sldId id="295" r:id="rId23"/>
     <p:sldId id="296" r:id="rId24"/>
     <p:sldId id="283" r:id="rId25"/>
-    <p:sldId id="284" r:id="rId26"/>
-    <p:sldId id="285" r:id="rId27"/>
+    <p:sldId id="285" r:id="rId26"/>
+    <p:sldId id="284" r:id="rId27"/>
+    <p:sldId id="297" r:id="rId28"/>
+    <p:sldId id="298" r:id="rId29"/>
+    <p:sldId id="299" r:id="rId30"/>
+    <p:sldId id="300" r:id="rId31"/>
   </p:sldIdLst>
   <p:sldSz cx="12192000" cy="6858000"/>
   <p:notesSz cx="6858000" cy="9144000"/>
@@ -573,6 +577,282 @@
 </p:notes>
 </file>
 
+<file path=ppt/notesSlides/notesSlide10.xml><?xml version="1.0" encoding="utf-8"?>
+<p:notes xmlns:a="http://schemas.openxmlformats.org/drawingml/2006/main" xmlns:r="http://schemas.openxmlformats.org/officeDocument/2006/relationships" xmlns:p="http://schemas.openxmlformats.org/presentationml/2006/main">
+  <p:cSld>
+    <p:spTree>
+      <p:nvGrpSpPr>
+        <p:cNvPr id="1" name=""/>
+        <p:cNvGrpSpPr/>
+        <p:nvPr/>
+      </p:nvGrpSpPr>
+      <p:grpSpPr>
+        <a:xfrm>
+          <a:off x="0" y="0"/>
+          <a:ext cx="0" cy="0"/>
+          <a:chOff x="0" y="0"/>
+          <a:chExt cx="0" cy="0"/>
+        </a:xfrm>
+      </p:grpSpPr>
+      <p:sp>
+        <p:nvSpPr>
+          <p:cNvPr id="2" name="Slide Image Placeholder 1"/>
+          <p:cNvSpPr>
+            <a:spLocks noGrp="1" noRot="1" noChangeAspect="1"/>
+          </p:cNvSpPr>
+          <p:nvPr>
+            <p:ph type="sldImg"/>
+          </p:nvPr>
+        </p:nvSpPr>
+        <p:spPr/>
+      </p:sp>
+      <p:sp>
+        <p:nvSpPr>
+          <p:cNvPr id="3" name="Notes Placeholder 2"/>
+          <p:cNvSpPr>
+            <a:spLocks noGrp="1"/>
+          </p:cNvSpPr>
+          <p:nvPr>
+            <p:ph type="body" idx="1"/>
+          </p:nvPr>
+        </p:nvSpPr>
+        <p:spPr/>
+        <p:txBody>
+          <a:bodyPr/>
+          <a:lstStyle/>
+          <a:p>
+            <a:r>
+              <a:rPr lang="en-US" dirty="0" smtClean="0"/>
+              <a:t>Conducted</a:t>
+            </a:r>
+            <a:r>
+              <a:rPr lang="en-US" baseline="0" dirty="0" smtClean="0"/>
+              <a:t> with min trans cleavage length equal to 6. Explain the affect this has on the output with respect to what cis and </a:t>
+            </a:r>
+            <a:r>
+              <a:rPr lang="en-US" baseline="0" dirty="0" err="1" smtClean="0"/>
+              <a:t>lin</a:t>
+            </a:r>
+            <a:r>
+              <a:rPr lang="en-US" baseline="0" dirty="0" smtClean="0"/>
+              <a:t> looks like.</a:t>
+            </a:r>
+            <a:endParaRPr lang="en-US" dirty="0"/>
+          </a:p>
+        </p:txBody>
+      </p:sp>
+      <p:sp>
+        <p:nvSpPr>
+          <p:cNvPr id="4" name="Slide Number Placeholder 3"/>
+          <p:cNvSpPr>
+            <a:spLocks noGrp="1"/>
+          </p:cNvSpPr>
+          <p:nvPr>
+            <p:ph type="sldNum" sz="quarter" idx="10"/>
+          </p:nvPr>
+        </p:nvSpPr>
+        <p:spPr/>
+        <p:txBody>
+          <a:bodyPr/>
+          <a:lstStyle/>
+          <a:p>
+            <a:fld id="{7E9FF854-EBCF-BA4F-BEA7-33B6A492EBD7}" type="slidenum">
+              <a:rPr lang="en-US" smtClean="0"/>
+              <a:t>23</a:t>
+            </a:fld>
+            <a:endParaRPr lang="en-US"/>
+          </a:p>
+        </p:txBody>
+      </p:sp>
+    </p:spTree>
+    <p:extLst>
+      <p:ext uri="{BB962C8B-B14F-4D97-AF65-F5344CB8AC3E}">
+        <p14:creationId xmlns:p14="http://schemas.microsoft.com/office/powerpoint/2010/main" val="1840087678"/>
+      </p:ext>
+    </p:extLst>
+  </p:cSld>
+  <p:clrMapOvr>
+    <a:masterClrMapping/>
+  </p:clrMapOvr>
+</p:notes>
+</file>
+
+<file path=ppt/notesSlides/notesSlide11.xml><?xml version="1.0" encoding="utf-8"?>
+<p:notes xmlns:a="http://schemas.openxmlformats.org/drawingml/2006/main" xmlns:r="http://schemas.openxmlformats.org/officeDocument/2006/relationships" xmlns:p="http://schemas.openxmlformats.org/presentationml/2006/main">
+  <p:cSld>
+    <p:spTree>
+      <p:nvGrpSpPr>
+        <p:cNvPr id="1" name=""/>
+        <p:cNvGrpSpPr/>
+        <p:nvPr/>
+      </p:nvGrpSpPr>
+      <p:grpSpPr>
+        <a:xfrm>
+          <a:off x="0" y="0"/>
+          <a:ext cx="0" cy="0"/>
+          <a:chOff x="0" y="0"/>
+          <a:chExt cx="0" cy="0"/>
+        </a:xfrm>
+      </p:grpSpPr>
+      <p:sp>
+        <p:nvSpPr>
+          <p:cNvPr id="2" name="Slide Image Placeholder 1"/>
+          <p:cNvSpPr>
+            <a:spLocks noGrp="1" noRot="1" noChangeAspect="1"/>
+          </p:cNvSpPr>
+          <p:nvPr>
+            <p:ph type="sldImg"/>
+          </p:nvPr>
+        </p:nvSpPr>
+        <p:spPr/>
+      </p:sp>
+      <p:sp>
+        <p:nvSpPr>
+          <p:cNvPr id="3" name="Notes Placeholder 2"/>
+          <p:cNvSpPr>
+            <a:spLocks noGrp="1"/>
+          </p:cNvSpPr>
+          <p:nvPr>
+            <p:ph type="body" idx="1"/>
+          </p:nvPr>
+        </p:nvSpPr>
+        <p:spPr/>
+        <p:txBody>
+          <a:bodyPr/>
+          <a:lstStyle/>
+          <a:p>
+            <a:endParaRPr lang="en-US" dirty="0"/>
+          </a:p>
+        </p:txBody>
+      </p:sp>
+      <p:sp>
+        <p:nvSpPr>
+          <p:cNvPr id="4" name="Slide Number Placeholder 3"/>
+          <p:cNvSpPr>
+            <a:spLocks noGrp="1"/>
+          </p:cNvSpPr>
+          <p:nvPr>
+            <p:ph type="sldNum" sz="quarter" idx="10"/>
+          </p:nvPr>
+        </p:nvSpPr>
+        <p:spPr/>
+        <p:txBody>
+          <a:bodyPr/>
+          <a:lstStyle/>
+          <a:p>
+            <a:fld id="{7E9FF854-EBCF-BA4F-BEA7-33B6A492EBD7}" type="slidenum">
+              <a:rPr lang="en-US" smtClean="0"/>
+              <a:t>26</a:t>
+            </a:fld>
+            <a:endParaRPr lang="en-US"/>
+          </a:p>
+        </p:txBody>
+      </p:sp>
+    </p:spTree>
+    <p:extLst>
+      <p:ext uri="{BB962C8B-B14F-4D97-AF65-F5344CB8AC3E}">
+        <p14:creationId xmlns:p14="http://schemas.microsoft.com/office/powerpoint/2010/main" val="874657782"/>
+      </p:ext>
+    </p:extLst>
+  </p:cSld>
+  <p:clrMapOvr>
+    <a:masterClrMapping/>
+  </p:clrMapOvr>
+</p:notes>
+</file>
+
+<file path=ppt/notesSlides/notesSlide12.xml><?xml version="1.0" encoding="utf-8"?>
+<p:notes xmlns:a="http://schemas.openxmlformats.org/drawingml/2006/main" xmlns:r="http://schemas.openxmlformats.org/officeDocument/2006/relationships" xmlns:p="http://schemas.openxmlformats.org/presentationml/2006/main">
+  <p:cSld>
+    <p:spTree>
+      <p:nvGrpSpPr>
+        <p:cNvPr id="1" name=""/>
+        <p:cNvGrpSpPr/>
+        <p:nvPr/>
+      </p:nvGrpSpPr>
+      <p:grpSpPr>
+        <a:xfrm>
+          <a:off x="0" y="0"/>
+          <a:ext cx="0" cy="0"/>
+          <a:chOff x="0" y="0"/>
+          <a:chExt cx="0" cy="0"/>
+        </a:xfrm>
+      </p:grpSpPr>
+      <p:sp>
+        <p:nvSpPr>
+          <p:cNvPr id="2" name="Slide Image Placeholder 1"/>
+          <p:cNvSpPr>
+            <a:spLocks noGrp="1" noRot="1" noChangeAspect="1"/>
+          </p:cNvSpPr>
+          <p:nvPr>
+            <p:ph type="sldImg"/>
+          </p:nvPr>
+        </p:nvSpPr>
+        <p:spPr/>
+      </p:sp>
+      <p:sp>
+        <p:nvSpPr>
+          <p:cNvPr id="3" name="Notes Placeholder 2"/>
+          <p:cNvSpPr>
+            <a:spLocks noGrp="1"/>
+          </p:cNvSpPr>
+          <p:nvPr>
+            <p:ph type="body" idx="1"/>
+          </p:nvPr>
+        </p:nvSpPr>
+        <p:spPr/>
+        <p:txBody>
+          <a:bodyPr/>
+          <a:lstStyle/>
+          <a:p>
+            <a:r>
+              <a:rPr lang="en-US" dirty="0" smtClean="0"/>
+              <a:t>Emma</a:t>
+            </a:r>
+            <a:r>
+              <a:rPr lang="en-US" baseline="0" dirty="0" smtClean="0"/>
+              <a:t> went through this in some detail a few weeks ago so we aren’t going to again.</a:t>
+            </a:r>
+            <a:endParaRPr lang="en-US" dirty="0"/>
+          </a:p>
+        </p:txBody>
+      </p:sp>
+      <p:sp>
+        <p:nvSpPr>
+          <p:cNvPr id="4" name="Slide Number Placeholder 3"/>
+          <p:cNvSpPr>
+            <a:spLocks noGrp="1"/>
+          </p:cNvSpPr>
+          <p:nvPr>
+            <p:ph type="sldNum" sz="quarter" idx="10"/>
+          </p:nvPr>
+        </p:nvSpPr>
+        <p:spPr/>
+        <p:txBody>
+          <a:bodyPr/>
+          <a:lstStyle/>
+          <a:p>
+            <a:fld id="{7E9FF854-EBCF-BA4F-BEA7-33B6A492EBD7}" type="slidenum">
+              <a:rPr lang="en-US" smtClean="0"/>
+              <a:t>27</a:t>
+            </a:fld>
+            <a:endParaRPr lang="en-US"/>
+          </a:p>
+        </p:txBody>
+      </p:sp>
+    </p:spTree>
+    <p:extLst>
+      <p:ext uri="{BB962C8B-B14F-4D97-AF65-F5344CB8AC3E}">
+        <p14:creationId xmlns:p14="http://schemas.microsoft.com/office/powerpoint/2010/main" val="260164155"/>
+      </p:ext>
+    </p:extLst>
+  </p:cSld>
+  <p:clrMapOvr>
+    <a:masterClrMapping/>
+  </p:clrMapOvr>
+</p:notes>
+</file>
+
 <file path=ppt/notesSlides/notesSlide2.xml><?xml version="1.0" encoding="utf-8"?>
 <p:notes xmlns:a="http://schemas.openxmlformats.org/drawingml/2006/main" xmlns:r="http://schemas.openxmlformats.org/officeDocument/2006/relationships" xmlns:p="http://schemas.openxmlformats.org/presentationml/2006/main">
   <p:cSld>
@@ -1289,7 +1569,7 @@
           <a:bodyPr/>
           <a:lstStyle/>
           <a:p>
-            <a:endParaRPr lang="en-US"/>
+            <a:endParaRPr lang="en-US" dirty="0"/>
           </a:p>
         </p:txBody>
       </p:sp>
@@ -10385,11 +10665,13 @@
             </a:r>
             <a:r>
               <a:rPr lang="en-US" dirty="0" smtClean="0"/>
-              <a:t>trans</a:t>
-            </a:r>
-            <a:r>
-              <a:rPr lang="en-US" dirty="0" smtClean="0"/>
-              <a:t>.</a:t>
+              <a:t>trans.</a:t>
+            </a:r>
+          </a:p>
+          <a:p>
+            <a:r>
+              <a:rPr lang="en-US" dirty="0" smtClean="0"/>
+              <a:t>Leucine and Isoleucine are considered identical.</a:t>
             </a:r>
             <a:endParaRPr lang="en-US" dirty="0" smtClean="0"/>
           </a:p>
@@ -10480,6 +10762,30 @@
           </a:p>
         </p:txBody>
       </p:sp>
+      <p:pic>
+        <p:nvPicPr>
+          <p:cNvPr id="5" name="Picture 4"/>
+          <p:cNvPicPr>
+            <a:picLocks noChangeAspect="1"/>
+          </p:cNvPicPr>
+          <p:nvPr/>
+        </p:nvPicPr>
+        <p:blipFill>
+          <a:blip r:embed="rId2"/>
+          <a:stretch>
+            <a:fillRect/>
+          </a:stretch>
+        </p:blipFill>
+        <p:spPr>
+          <a:xfrm>
+            <a:off x="3900525" y="1835591"/>
+            <a:ext cx="4178300" cy="4292600"/>
+          </a:xfrm>
+          <a:prstGeom prst="rect">
+            <a:avLst/>
+          </a:prstGeom>
+        </p:spPr>
+      </p:pic>
     </p:spTree>
     <p:extLst>
       <p:ext uri="{BB962C8B-B14F-4D97-AF65-F5344CB8AC3E}">
@@ -10541,6 +10847,30 @@
           </a:p>
         </p:txBody>
       </p:sp>
+      <p:pic>
+        <p:nvPicPr>
+          <p:cNvPr id="4" name="Picture 3"/>
+          <p:cNvPicPr>
+            <a:picLocks noChangeAspect="1"/>
+          </p:cNvPicPr>
+          <p:nvPr/>
+        </p:nvPicPr>
+        <p:blipFill>
+          <a:blip r:embed="rId2"/>
+          <a:stretch>
+            <a:fillRect/>
+          </a:stretch>
+        </p:blipFill>
+        <p:spPr>
+          <a:xfrm>
+            <a:off x="3716109" y="1649820"/>
+            <a:ext cx="4432300" cy="4559300"/>
+          </a:xfrm>
+          <a:prstGeom prst="rect">
+            <a:avLst/>
+          </a:prstGeom>
+        </p:spPr>
+      </p:pic>
     </p:spTree>
     <p:extLst>
       <p:ext uri="{BB962C8B-B14F-4D97-AF65-F5344CB8AC3E}">
@@ -10602,6 +10932,30 @@
           </a:p>
         </p:txBody>
       </p:sp>
+      <p:pic>
+        <p:nvPicPr>
+          <p:cNvPr id="6" name="Picture 5"/>
+          <p:cNvPicPr>
+            <a:picLocks noChangeAspect="1"/>
+          </p:cNvPicPr>
+          <p:nvPr/>
+        </p:nvPicPr>
+        <p:blipFill>
+          <a:blip r:embed="rId3"/>
+          <a:stretch>
+            <a:fillRect/>
+          </a:stretch>
+        </p:blipFill>
+        <p:spPr>
+          <a:xfrm>
+            <a:off x="3859912" y="1639186"/>
+            <a:ext cx="4497277" cy="4357610"/>
+          </a:xfrm>
+          <a:prstGeom prst="rect">
+            <a:avLst/>
+          </a:prstGeom>
+        </p:spPr>
+      </p:pic>
     </p:spTree>
     <p:extLst>
       <p:ext uri="{BB962C8B-B14F-4D97-AF65-F5344CB8AC3E}">
@@ -10731,7 +11085,7 @@
           <a:p>
             <a:r>
               <a:rPr lang="en-US" dirty="0" smtClean="0"/>
-              <a:t>Machine Learning</a:t>
+              <a:t>Future Work on These Programs</a:t>
             </a:r>
             <a:endParaRPr lang="en-US" dirty="0"/>
           </a:p>
@@ -10752,14 +11106,44 @@
           <a:bodyPr/>
           <a:lstStyle/>
           <a:p>
-            <a:endParaRPr lang="en-US"/>
+            <a:r>
+              <a:rPr lang="en-US" dirty="0" smtClean="0"/>
+              <a:t>Run time tests on Reverse MGF and Reverse Splice</a:t>
+            </a:r>
+          </a:p>
+          <a:p>
+            <a:r>
+              <a:rPr lang="en-US" dirty="0" smtClean="0"/>
+              <a:t>Possibly look to incorporate the Splicing Program memory threshold checking and process generation</a:t>
+            </a:r>
+          </a:p>
+          <a:p>
+            <a:r>
+              <a:rPr lang="en-US" dirty="0" smtClean="0"/>
+              <a:t>Documentation</a:t>
+            </a:r>
+            <a:r>
+              <a:rPr lang="mr-IN" dirty="0" smtClean="0"/>
+              <a:t>…</a:t>
+            </a:r>
+            <a:r>
+              <a:rPr lang="en-AU" dirty="0" smtClean="0"/>
+              <a:t>.</a:t>
+            </a:r>
+          </a:p>
+          <a:p>
+            <a:r>
+              <a:rPr lang="en-AU" dirty="0" smtClean="0"/>
+              <a:t>Look to run on MASSIVE is feasible</a:t>
+            </a:r>
+            <a:endParaRPr lang="en-US" dirty="0"/>
           </a:p>
         </p:txBody>
       </p:sp>
     </p:spTree>
     <p:extLst>
       <p:ext uri="{BB962C8B-B14F-4D97-AF65-F5344CB8AC3E}">
-        <p14:creationId xmlns:p14="http://schemas.microsoft.com/office/powerpoint/2010/main" val="1604011163"/>
+        <p14:creationId xmlns:p14="http://schemas.microsoft.com/office/powerpoint/2010/main" val="215760013"/>
       </p:ext>
     </p:extLst>
   </p:cSld>
@@ -10803,7 +11187,7 @@
           <a:p>
             <a:r>
               <a:rPr lang="en-US" dirty="0" smtClean="0"/>
-              <a:t>Future Work on These Programs</a:t>
+              <a:t>Machine Learning</a:t>
             </a:r>
             <a:endParaRPr lang="en-US" dirty="0"/>
           </a:p>
@@ -10819,19 +11203,580 @@
             <p:ph idx="1"/>
           </p:nvPr>
         </p:nvSpPr>
-        <p:spPr/>
+        <p:spPr>
+          <a:xfrm>
+            <a:off x="2185174" y="2133600"/>
+            <a:ext cx="5810509" cy="3777622"/>
+          </a:xfrm>
+        </p:spPr>
         <p:txBody>
           <a:bodyPr/>
           <a:lstStyle/>
           <a:p>
-            <a:endParaRPr lang="en-US"/>
-          </a:p>
-        </p:txBody>
-      </p:sp>
+            <a:r>
+              <a:rPr lang="en-US" dirty="0" smtClean="0"/>
+              <a:t>Predict b/y ion intensity based on </a:t>
+            </a:r>
+            <a:r>
+              <a:rPr lang="en-US" dirty="0" smtClean="0"/>
+              <a:t>the precursor sequence and b/y ion sequence.</a:t>
+            </a:r>
+          </a:p>
+          <a:p>
+            <a:r>
+              <a:rPr lang="en-US" dirty="0" smtClean="0"/>
+              <a:t>Currently ion intensities are not used effectively in the peptide prediction process.</a:t>
+            </a:r>
+          </a:p>
+          <a:p>
+            <a:pPr lvl="1"/>
+            <a:r>
+              <a:rPr lang="en-US" dirty="0" smtClean="0"/>
+              <a:t>We have only been using m/z of spectra in our program.</a:t>
+            </a:r>
+          </a:p>
+          <a:p>
+            <a:r>
+              <a:rPr lang="en-US" dirty="0" smtClean="0"/>
+              <a:t>A number of projects have successfully used ion sequence data to predict intensity.</a:t>
+            </a:r>
+          </a:p>
+          <a:p>
+            <a:pPr lvl="1"/>
+            <a:r>
+              <a:rPr lang="en-US" dirty="0" smtClean="0"/>
+              <a:t>To incorporate it into our programs we were hoping to specifically do so for b/y ions.</a:t>
+            </a:r>
+          </a:p>
+        </p:txBody>
+      </p:sp>
+      <p:pic>
+        <p:nvPicPr>
+          <p:cNvPr id="4" name="Picture 3"/>
+          <p:cNvPicPr>
+            <a:picLocks noChangeAspect="1"/>
+          </p:cNvPicPr>
+          <p:nvPr/>
+        </p:nvPicPr>
+        <p:blipFill rotWithShape="1">
+          <a:blip r:embed="rId3"/>
+          <a:srcRect t="1" r="57984" b="42906"/>
+          <a:stretch/>
+        </p:blipFill>
+        <p:spPr>
+          <a:xfrm>
+            <a:off x="8313242" y="2027275"/>
+            <a:ext cx="2425642" cy="3352800"/>
+          </a:xfrm>
+          <a:prstGeom prst="rect">
+            <a:avLst/>
+          </a:prstGeom>
+        </p:spPr>
+      </p:pic>
     </p:spTree>
     <p:extLst>
       <p:ext uri="{BB962C8B-B14F-4D97-AF65-F5344CB8AC3E}">
-        <p14:creationId xmlns:p14="http://schemas.microsoft.com/office/powerpoint/2010/main" val="215760013"/>
+        <p14:creationId xmlns:p14="http://schemas.microsoft.com/office/powerpoint/2010/main" val="1604011163"/>
+      </p:ext>
+    </p:extLst>
+  </p:cSld>
+  <p:clrMapOvr>
+    <a:masterClrMapping/>
+  </p:clrMapOvr>
+</p:sld>
+</file>
+
+<file path=ppt/slides/slide27.xml><?xml version="1.0" encoding="utf-8"?>
+<p:sld xmlns:a="http://schemas.openxmlformats.org/drawingml/2006/main" xmlns:r="http://schemas.openxmlformats.org/officeDocument/2006/relationships" xmlns:p="http://schemas.openxmlformats.org/presentationml/2006/main">
+  <p:cSld>
+    <p:spTree>
+      <p:nvGrpSpPr>
+        <p:cNvPr id="1" name=""/>
+        <p:cNvGrpSpPr/>
+        <p:nvPr/>
+      </p:nvGrpSpPr>
+      <p:grpSpPr>
+        <a:xfrm>
+          <a:off x="0" y="0"/>
+          <a:ext cx="0" cy="0"/>
+          <a:chOff x="0" y="0"/>
+          <a:chExt cx="0" cy="0"/>
+        </a:xfrm>
+      </p:grpSpPr>
+      <p:sp>
+        <p:nvSpPr>
+          <p:cNvPr id="2" name="Title 1"/>
+          <p:cNvSpPr>
+            <a:spLocks noGrp="1"/>
+          </p:cNvSpPr>
+          <p:nvPr>
+            <p:ph type="title"/>
+          </p:nvPr>
+        </p:nvSpPr>
+        <p:spPr>
+          <a:xfrm>
+            <a:off x="2125092" y="581580"/>
+            <a:ext cx="9599075" cy="1280890"/>
+          </a:xfrm>
+        </p:spPr>
+        <p:txBody>
+          <a:bodyPr/>
+          <a:lstStyle/>
+          <a:p>
+            <a:r>
+              <a:rPr lang="en-US" dirty="0" smtClean="0"/>
+              <a:t>Machine Learning </a:t>
+            </a:r>
+            <a:r>
+              <a:rPr lang="mr-IN" dirty="0" smtClean="0"/>
+              <a:t>–</a:t>
+            </a:r>
+            <a:r>
+              <a:rPr lang="en-US" dirty="0" smtClean="0"/>
+              <a:t> Basic Neural Network</a:t>
+            </a:r>
+            <a:endParaRPr lang="en-US" dirty="0"/>
+          </a:p>
+        </p:txBody>
+      </p:sp>
+      <p:sp>
+        <p:nvSpPr>
+          <p:cNvPr id="4" name="Content Placeholder 3"/>
+          <p:cNvSpPr>
+            <a:spLocks noGrp="1"/>
+          </p:cNvSpPr>
+          <p:nvPr>
+            <p:ph idx="1"/>
+          </p:nvPr>
+        </p:nvSpPr>
+        <p:spPr>
+          <a:xfrm>
+            <a:off x="2125092" y="2110146"/>
+            <a:ext cx="5061282" cy="3777622"/>
+          </a:xfrm>
+        </p:spPr>
+        <p:txBody>
+          <a:bodyPr/>
+          <a:lstStyle/>
+          <a:p>
+            <a:r>
+              <a:rPr lang="en-US" dirty="0" smtClean="0"/>
+              <a:t>Early attempts to solve this problem used simple neural nets with 1 or two hidden layers.</a:t>
+            </a:r>
+          </a:p>
+          <a:p>
+            <a:r>
+              <a:rPr lang="en-US" dirty="0" smtClean="0"/>
+              <a:t>It was shown to improve peptide recognition when incorporated into existing workflows.</a:t>
+            </a:r>
+            <a:endParaRPr lang="en-US" dirty="0"/>
+          </a:p>
+        </p:txBody>
+      </p:sp>
+      <p:pic>
+        <p:nvPicPr>
+          <p:cNvPr id="1026" name="Picture 2" descr="mage result for neural network"/>
+          <p:cNvPicPr>
+            <a:picLocks noChangeAspect="1" noChangeArrowheads="1"/>
+          </p:cNvPicPr>
+          <p:nvPr/>
+        </p:nvPicPr>
+        <p:blipFill>
+          <a:blip r:embed="rId3">
+            <a:extLst>
+              <a:ext uri="{28A0092B-C50C-407E-A947-70E740481C1C}">
+                <a14:useLocalDpi xmlns:a14="http://schemas.microsoft.com/office/drawing/2010/main" val="0"/>
+              </a:ext>
+            </a:extLst>
+          </a:blip>
+          <a:srcRect/>
+          <a:stretch>
+            <a:fillRect/>
+          </a:stretch>
+        </p:blipFill>
+        <p:spPr bwMode="auto">
+          <a:xfrm>
+            <a:off x="7505351" y="1667372"/>
+            <a:ext cx="3680284" cy="4425542"/>
+          </a:xfrm>
+          <a:prstGeom prst="rect">
+            <a:avLst/>
+          </a:prstGeom>
+          <a:noFill/>
+          <a:extLst>
+            <a:ext uri="{909E8E84-426E-40DD-AFC4-6F175D3DCCD1}">
+              <a14:hiddenFill xmlns:a14="http://schemas.microsoft.com/office/drawing/2010/main">
+                <a:solidFill>
+                  <a:srgbClr val="FFFFFF"/>
+                </a:solidFill>
+              </a14:hiddenFill>
+            </a:ext>
+          </a:extLst>
+        </p:spPr>
+      </p:pic>
+    </p:spTree>
+    <p:extLst>
+      <p:ext uri="{BB962C8B-B14F-4D97-AF65-F5344CB8AC3E}">
+        <p14:creationId xmlns:p14="http://schemas.microsoft.com/office/powerpoint/2010/main" val="681961593"/>
+      </p:ext>
+    </p:extLst>
+  </p:cSld>
+  <p:clrMapOvr>
+    <a:masterClrMapping/>
+  </p:clrMapOvr>
+  <p:timing>
+    <p:tnLst>
+      <p:par>
+        <p:cTn id="1" dur="indefinite" restart="never" nodeType="tmRoot"/>
+      </p:par>
+    </p:tnLst>
+  </p:timing>
+</p:sld>
+</file>
+
+<file path=ppt/slides/slide28.xml><?xml version="1.0" encoding="utf-8"?>
+<p:sld xmlns:a="http://schemas.openxmlformats.org/drawingml/2006/main" xmlns:r="http://schemas.openxmlformats.org/officeDocument/2006/relationships" xmlns:p="http://schemas.openxmlformats.org/presentationml/2006/main">
+  <p:cSld>
+    <p:spTree>
+      <p:nvGrpSpPr>
+        <p:cNvPr id="1" name=""/>
+        <p:cNvGrpSpPr/>
+        <p:nvPr/>
+      </p:nvGrpSpPr>
+      <p:grpSpPr>
+        <a:xfrm>
+          <a:off x="0" y="0"/>
+          <a:ext cx="0" cy="0"/>
+          <a:chOff x="0" y="0"/>
+          <a:chExt cx="0" cy="0"/>
+        </a:xfrm>
+      </p:grpSpPr>
+      <p:sp>
+        <p:nvSpPr>
+          <p:cNvPr id="2" name="Title 1"/>
+          <p:cNvSpPr>
+            <a:spLocks noGrp="1"/>
+          </p:cNvSpPr>
+          <p:nvPr>
+            <p:ph type="title"/>
+          </p:nvPr>
+        </p:nvSpPr>
+        <p:spPr/>
+        <p:txBody>
+          <a:bodyPr/>
+          <a:lstStyle/>
+          <a:p>
+            <a:r>
+              <a:rPr lang="en-US" dirty="0"/>
+              <a:t>Machine Learning </a:t>
+            </a:r>
+            <a:r>
+              <a:rPr lang="mr-IN" dirty="0" smtClean="0"/>
+              <a:t>–</a:t>
+            </a:r>
+            <a:r>
+              <a:rPr lang="en-US" dirty="0" smtClean="0"/>
+              <a:t> Recurrent Neural Networks</a:t>
+            </a:r>
+            <a:endParaRPr lang="en-US" dirty="0"/>
+          </a:p>
+        </p:txBody>
+      </p:sp>
+      <p:sp>
+        <p:nvSpPr>
+          <p:cNvPr id="3" name="Content Placeholder 2"/>
+          <p:cNvSpPr>
+            <a:spLocks noGrp="1"/>
+          </p:cNvSpPr>
+          <p:nvPr>
+            <p:ph idx="1"/>
+          </p:nvPr>
+        </p:nvSpPr>
+        <p:spPr>
+          <a:xfrm>
+            <a:off x="2334029" y="1905000"/>
+            <a:ext cx="8915400" cy="3777622"/>
+          </a:xfrm>
+        </p:spPr>
+        <p:txBody>
+          <a:bodyPr/>
+          <a:lstStyle/>
+          <a:p>
+            <a:r>
+              <a:rPr lang="en-US" dirty="0" smtClean="0"/>
+              <a:t>More recent work has shown recurrent neural networks are superior for intensity prediction.</a:t>
+            </a:r>
+          </a:p>
+          <a:p>
+            <a:r>
+              <a:rPr lang="en-US" dirty="0" smtClean="0"/>
+              <a:t>Instead of taking an individual input and calculating the output, recurrent networks take a set of inputs and calculate the corresponding set of outputs simultaneously.</a:t>
+            </a:r>
+          </a:p>
+          <a:p>
+            <a:pPr lvl="1"/>
+            <a:r>
+              <a:rPr lang="en-US" dirty="0" smtClean="0"/>
+              <a:t>They take into account the result of the previous output when calculating a given output</a:t>
+            </a:r>
+          </a:p>
+          <a:p>
+            <a:r>
+              <a:rPr lang="en-US" dirty="0" smtClean="0"/>
+              <a:t>Such a network would be able to predict how the intensities of a previous b/y ion pair affect the intensities of the next pair. </a:t>
+            </a:r>
+            <a:endParaRPr lang="en-US" dirty="0"/>
+          </a:p>
+        </p:txBody>
+      </p:sp>
+      <p:pic>
+        <p:nvPicPr>
+          <p:cNvPr id="2050" name="Picture 2" descr="mage result for b/y ions"/>
+          <p:cNvPicPr>
+            <a:picLocks noChangeAspect="1" noChangeArrowheads="1"/>
+          </p:cNvPicPr>
+          <p:nvPr/>
+        </p:nvPicPr>
+        <p:blipFill>
+          <a:blip r:embed="rId2">
+            <a:extLst>
+              <a:ext uri="{28A0092B-C50C-407E-A947-70E740481C1C}">
+                <a14:useLocalDpi xmlns:a14="http://schemas.microsoft.com/office/drawing/2010/main" val="0"/>
+              </a:ext>
+            </a:extLst>
+          </a:blip>
+          <a:srcRect/>
+          <a:stretch>
+            <a:fillRect/>
+          </a:stretch>
+        </p:blipFill>
+        <p:spPr bwMode="auto">
+          <a:xfrm>
+            <a:off x="4051006" y="4834823"/>
+            <a:ext cx="4433775" cy="1684990"/>
+          </a:xfrm>
+          <a:prstGeom prst="rect">
+            <a:avLst/>
+          </a:prstGeom>
+          <a:noFill/>
+          <a:extLst>
+            <a:ext uri="{909E8E84-426E-40DD-AFC4-6F175D3DCCD1}">
+              <a14:hiddenFill xmlns:a14="http://schemas.microsoft.com/office/drawing/2010/main">
+                <a:solidFill>
+                  <a:srgbClr val="FFFFFF"/>
+                </a:solidFill>
+              </a14:hiddenFill>
+            </a:ext>
+          </a:extLst>
+        </p:spPr>
+      </p:pic>
+    </p:spTree>
+    <p:extLst>
+      <p:ext uri="{BB962C8B-B14F-4D97-AF65-F5344CB8AC3E}">
+        <p14:creationId xmlns:p14="http://schemas.microsoft.com/office/powerpoint/2010/main" val="496892694"/>
+      </p:ext>
+    </p:extLst>
+  </p:cSld>
+  <p:clrMapOvr>
+    <a:masterClrMapping/>
+  </p:clrMapOvr>
+  <p:timing>
+    <p:tnLst>
+      <p:par>
+        <p:cTn id="1" dur="indefinite" restart="never" nodeType="tmRoot"/>
+      </p:par>
+    </p:tnLst>
+  </p:timing>
+</p:sld>
+</file>
+
+<file path=ppt/slides/slide29.xml><?xml version="1.0" encoding="utf-8"?>
+<p:sld xmlns:a="http://schemas.openxmlformats.org/drawingml/2006/main" xmlns:r="http://schemas.openxmlformats.org/officeDocument/2006/relationships" xmlns:p="http://schemas.openxmlformats.org/presentationml/2006/main">
+  <p:cSld>
+    <p:spTree>
+      <p:nvGrpSpPr>
+        <p:cNvPr id="1" name=""/>
+        <p:cNvGrpSpPr/>
+        <p:nvPr/>
+      </p:nvGrpSpPr>
+      <p:grpSpPr>
+        <a:xfrm>
+          <a:off x="0" y="0"/>
+          <a:ext cx="0" cy="0"/>
+          <a:chOff x="0" y="0"/>
+          <a:chExt cx="0" cy="0"/>
+        </a:xfrm>
+      </p:grpSpPr>
+      <p:sp>
+        <p:nvSpPr>
+          <p:cNvPr id="2" name="Title 1"/>
+          <p:cNvSpPr>
+            <a:spLocks noGrp="1"/>
+          </p:cNvSpPr>
+          <p:nvPr>
+            <p:ph type="title"/>
+          </p:nvPr>
+        </p:nvSpPr>
+        <p:spPr/>
+        <p:txBody>
+          <a:bodyPr/>
+          <a:lstStyle/>
+          <a:p>
+            <a:r>
+              <a:rPr lang="en-US" dirty="0" smtClean="0"/>
+              <a:t>Machine Learning </a:t>
+            </a:r>
+            <a:r>
+              <a:rPr lang="mr-IN" dirty="0" smtClean="0"/>
+              <a:t>–</a:t>
+            </a:r>
+            <a:r>
+              <a:rPr lang="en-US" dirty="0" smtClean="0"/>
+              <a:t> Our Proposed Model</a:t>
+            </a:r>
+            <a:endParaRPr lang="en-US" dirty="0"/>
+          </a:p>
+        </p:txBody>
+      </p:sp>
+      <p:sp>
+        <p:nvSpPr>
+          <p:cNvPr id="3" name="Content Placeholder 2"/>
+          <p:cNvSpPr>
+            <a:spLocks noGrp="1"/>
+          </p:cNvSpPr>
+          <p:nvPr>
+            <p:ph idx="1"/>
+          </p:nvPr>
+        </p:nvSpPr>
+        <p:spPr>
+          <a:xfrm>
+            <a:off x="2291500" y="1984745"/>
+            <a:ext cx="8915400" cy="4681870"/>
+          </a:xfrm>
+        </p:spPr>
+        <p:txBody>
+          <a:bodyPr>
+            <a:normAutofit fontScale="92500" lnSpcReduction="10000"/>
+          </a:bodyPr>
+          <a:lstStyle/>
+          <a:p>
+            <a:r>
+              <a:rPr lang="en-US" dirty="0" smtClean="0"/>
+              <a:t>Bi-lateral recurrent neural network: considers the output before AND after when calculating a given predicted intensity</a:t>
+            </a:r>
+          </a:p>
+          <a:p>
+            <a:r>
+              <a:rPr lang="en-US" dirty="0" smtClean="0"/>
+              <a:t>Treat a b/y ion cleavage site as a unique input</a:t>
+            </a:r>
+          </a:p>
+          <a:p>
+            <a:r>
+              <a:rPr lang="en-US" dirty="0"/>
+              <a:t>For each protein we have a set cleavage site </a:t>
+            </a:r>
+            <a:r>
+              <a:rPr lang="en-US" dirty="0" smtClean="0"/>
+              <a:t>inputs which is fed into the network</a:t>
+            </a:r>
+          </a:p>
+          <a:p>
+            <a:r>
+              <a:rPr lang="en-US" dirty="0" smtClean="0"/>
+              <a:t>Each input includes the following data:</a:t>
+            </a:r>
+          </a:p>
+          <a:p>
+            <a:pPr lvl="1"/>
+            <a:r>
+              <a:rPr lang="en-US" dirty="0" smtClean="0"/>
+              <a:t>Encoded precursor sequence </a:t>
+            </a:r>
+          </a:p>
+          <a:p>
+            <a:pPr lvl="1"/>
+            <a:r>
+              <a:rPr lang="en-US" dirty="0" err="1" smtClean="0"/>
+              <a:t>Normalised</a:t>
+            </a:r>
+            <a:r>
+              <a:rPr lang="en-US" dirty="0"/>
+              <a:t> </a:t>
+            </a:r>
+            <a:r>
+              <a:rPr lang="en-US" dirty="0" smtClean="0"/>
+              <a:t>precursor mass</a:t>
+            </a:r>
+          </a:p>
+          <a:p>
+            <a:pPr lvl="1"/>
+            <a:r>
+              <a:rPr lang="en-US" dirty="0" err="1" smtClean="0"/>
+              <a:t>Normalised</a:t>
+            </a:r>
+            <a:r>
+              <a:rPr lang="en-US" dirty="0" smtClean="0"/>
+              <a:t> precursor length</a:t>
+            </a:r>
+          </a:p>
+          <a:p>
+            <a:pPr lvl="1"/>
+            <a:r>
+              <a:rPr lang="en-US" dirty="0" smtClean="0"/>
+              <a:t>Encoded first and last amino acids</a:t>
+            </a:r>
+          </a:p>
+          <a:p>
+            <a:pPr lvl="1"/>
+            <a:r>
+              <a:rPr lang="en-US" dirty="0" err="1" smtClean="0"/>
+              <a:t>Normalised</a:t>
+            </a:r>
+            <a:r>
+              <a:rPr lang="en-US" dirty="0" smtClean="0"/>
+              <a:t> b/y ion lengths</a:t>
+            </a:r>
+          </a:p>
+          <a:p>
+            <a:pPr lvl="1"/>
+            <a:r>
+              <a:rPr lang="en-US" dirty="0" err="1" smtClean="0"/>
+              <a:t>Normalised</a:t>
+            </a:r>
+            <a:r>
+              <a:rPr lang="en-US" dirty="0" smtClean="0"/>
+              <a:t> b/y ion mass</a:t>
+            </a:r>
+          </a:p>
+          <a:p>
+            <a:pPr lvl="1"/>
+            <a:r>
+              <a:rPr lang="en-US" dirty="0" err="1" smtClean="0"/>
+              <a:t>Normalised</a:t>
+            </a:r>
+            <a:r>
+              <a:rPr lang="en-US" dirty="0" smtClean="0"/>
+              <a:t> cleavage site number</a:t>
+            </a:r>
+          </a:p>
+          <a:p>
+            <a:pPr lvl="1"/>
+            <a:r>
+              <a:rPr lang="en-US" dirty="0" smtClean="0"/>
+              <a:t>Encoded amino acids either side of cleavage site</a:t>
+            </a:r>
+          </a:p>
+          <a:p>
+            <a:pPr lvl="1"/>
+            <a:endParaRPr lang="en-US" dirty="0"/>
+          </a:p>
+        </p:txBody>
+      </p:sp>
+    </p:spTree>
+    <p:extLst>
+      <p:ext uri="{BB962C8B-B14F-4D97-AF65-F5344CB8AC3E}">
+        <p14:creationId xmlns:p14="http://schemas.microsoft.com/office/powerpoint/2010/main" val="110450862"/>
       </p:ext>
     </p:extLst>
   </p:cSld>
@@ -10908,6 +11853,107 @@
     <p:extLst>
       <p:ext uri="{BB962C8B-B14F-4D97-AF65-F5344CB8AC3E}">
         <p14:creationId xmlns:p14="http://schemas.microsoft.com/office/powerpoint/2010/main" val="151048883"/>
+      </p:ext>
+    </p:extLst>
+  </p:cSld>
+  <p:clrMapOvr>
+    <a:masterClrMapping/>
+  </p:clrMapOvr>
+</p:sld>
+</file>
+
+<file path=ppt/slides/slide30.xml><?xml version="1.0" encoding="utf-8"?>
+<p:sld xmlns:a="http://schemas.openxmlformats.org/drawingml/2006/main" xmlns:r="http://schemas.openxmlformats.org/officeDocument/2006/relationships" xmlns:p="http://schemas.openxmlformats.org/presentationml/2006/main">
+  <p:cSld>
+    <p:spTree>
+      <p:nvGrpSpPr>
+        <p:cNvPr id="1" name=""/>
+        <p:cNvGrpSpPr/>
+        <p:nvPr/>
+      </p:nvGrpSpPr>
+      <p:grpSpPr>
+        <a:xfrm>
+          <a:off x="0" y="0"/>
+          <a:ext cx="0" cy="0"/>
+          <a:chOff x="0" y="0"/>
+          <a:chExt cx="0" cy="0"/>
+        </a:xfrm>
+      </p:grpSpPr>
+      <p:sp>
+        <p:nvSpPr>
+          <p:cNvPr id="2" name="Title 1"/>
+          <p:cNvSpPr>
+            <a:spLocks noGrp="1"/>
+          </p:cNvSpPr>
+          <p:nvPr>
+            <p:ph type="title"/>
+          </p:nvPr>
+        </p:nvSpPr>
+        <p:spPr/>
+        <p:txBody>
+          <a:bodyPr/>
+          <a:lstStyle/>
+          <a:p>
+            <a:r>
+              <a:rPr lang="en-US" dirty="0" smtClean="0"/>
+              <a:t>Machine Learning - Progress</a:t>
+            </a:r>
+            <a:endParaRPr lang="en-US" dirty="0"/>
+          </a:p>
+        </p:txBody>
+      </p:sp>
+      <p:sp>
+        <p:nvSpPr>
+          <p:cNvPr id="3" name="Content Placeholder 2"/>
+          <p:cNvSpPr>
+            <a:spLocks noGrp="1"/>
+          </p:cNvSpPr>
+          <p:nvPr>
+            <p:ph idx="1"/>
+          </p:nvPr>
+        </p:nvSpPr>
+        <p:spPr/>
+        <p:txBody>
+          <a:bodyPr/>
+          <a:lstStyle/>
+          <a:p>
+            <a:r>
+              <a:rPr lang="en-US" dirty="0" smtClean="0"/>
+              <a:t>We have written the basic code to to create the network.</a:t>
+            </a:r>
+          </a:p>
+          <a:p>
+            <a:r>
+              <a:rPr lang="en-US" dirty="0" smtClean="0"/>
+              <a:t>Haven’t had time to fine tune the model and set hyper parameters.</a:t>
+            </a:r>
+          </a:p>
+          <a:p>
+            <a:pPr lvl="1"/>
+            <a:r>
+              <a:rPr lang="en-US" dirty="0" smtClean="0"/>
+              <a:t>This is the real challenge in neural network design.</a:t>
+            </a:r>
+          </a:p>
+          <a:p>
+            <a:r>
+              <a:rPr lang="en-US" dirty="0" smtClean="0"/>
+              <a:t>Ideally, the neural network would be incorporated into our other programs to provide more confident matches between MGF spectra and potential peptides.</a:t>
+            </a:r>
+          </a:p>
+          <a:p>
+            <a:pPr lvl="1"/>
+            <a:r>
+              <a:rPr lang="en-US" dirty="0" smtClean="0"/>
+              <a:t>This is a big task, and we likely won’t have time.</a:t>
+            </a:r>
+          </a:p>
+        </p:txBody>
+      </p:sp>
+    </p:spTree>
+    <p:extLst>
+      <p:ext uri="{BB962C8B-B14F-4D97-AF65-F5344CB8AC3E}">
+        <p14:creationId xmlns:p14="http://schemas.microsoft.com/office/powerpoint/2010/main" val="465668823"/>
       </p:ext>
     </p:extLst>
   </p:cSld>

--- a/SecondLabPresentation.pptx
+++ b/SecondLabPresentation.pptx
@@ -226,7 +226,7 @@
           <a:p>
             <a:fld id="{136FA2C8-1A04-C04C-AAB5-5AEF43C22034}" type="datetimeFigureOut">
               <a:rPr lang="en-US" smtClean="0"/>
-              <a:t>3/27/19</a:t>
+              <a:t>4/1/2019</a:t>
             </a:fld>
             <a:endParaRPr lang="en-US"/>
           </a:p>
@@ -622,19 +622,19 @@
           <a:lstStyle/>
           <a:p>
             <a:r>
-              <a:rPr lang="en-US" dirty="0" smtClean="0"/>
+              <a:rPr lang="en-US" dirty="0"/>
               <a:t>Conducted</a:t>
             </a:r>
             <a:r>
-              <a:rPr lang="en-US" baseline="0" dirty="0" smtClean="0"/>
+              <a:rPr lang="en-US" baseline="0" dirty="0"/>
               <a:t> with min trans cleavage length equal to 6. Explain the affect this has on the output with respect to what cis and </a:t>
             </a:r>
             <a:r>
-              <a:rPr lang="en-US" baseline="0" dirty="0" err="1" smtClean="0"/>
+              <a:rPr lang="en-US" baseline="0" dirty="0" err="1"/>
               <a:t>lin</a:t>
             </a:r>
             <a:r>
-              <a:rPr lang="en-US" baseline="0" dirty="0" smtClean="0"/>
+              <a:rPr lang="en-US" baseline="0" dirty="0"/>
               <a:t> looks like.</a:t>
             </a:r>
             <a:endParaRPr lang="en-US" dirty="0"/>
@@ -721,7 +721,7 @@
           <a:bodyPr/>
           <a:lstStyle/>
           <a:p>
-            <a:endParaRPr lang="en-US" dirty="0"/>
+            <a:endParaRPr lang="en-AU" dirty="0"/>
           </a:p>
         </p:txBody>
       </p:sp>
@@ -732,7 +732,7 @@
             <a:spLocks noGrp="1"/>
           </p:cNvSpPr>
           <p:nvPr>
-            <p:ph type="sldNum" sz="quarter" idx="10"/>
+            <p:ph type="sldNum" sz="quarter" idx="5"/>
           </p:nvPr>
         </p:nvSpPr>
         <p:spPr/>
@@ -742,7 +742,7 @@
           <a:p>
             <a:fld id="{7E9FF854-EBCF-BA4F-BEA7-33B6A492EBD7}" type="slidenum">
               <a:rPr lang="en-US" smtClean="0"/>
-              <a:t>26</a:t>
+              <a:t>24</a:t>
             </a:fld>
             <a:endParaRPr lang="en-US"/>
           </a:p>
@@ -751,7 +751,7 @@
     </p:spTree>
     <p:extLst>
       <p:ext uri="{BB962C8B-B14F-4D97-AF65-F5344CB8AC3E}">
-        <p14:creationId xmlns:p14="http://schemas.microsoft.com/office/powerpoint/2010/main" val="874657782"/>
+        <p14:creationId xmlns:p14="http://schemas.microsoft.com/office/powerpoint/2010/main" val="3735461603"/>
       </p:ext>
     </p:extLst>
   </p:cSld>
@@ -805,12 +805,96 @@
           <a:bodyPr/>
           <a:lstStyle/>
           <a:p>
-            <a:r>
-              <a:rPr lang="en-US" dirty="0" smtClean="0"/>
+            <a:endParaRPr lang="en-US" dirty="0"/>
+          </a:p>
+        </p:txBody>
+      </p:sp>
+      <p:sp>
+        <p:nvSpPr>
+          <p:cNvPr id="4" name="Slide Number Placeholder 3"/>
+          <p:cNvSpPr>
+            <a:spLocks noGrp="1"/>
+          </p:cNvSpPr>
+          <p:nvPr>
+            <p:ph type="sldNum" sz="quarter" idx="10"/>
+          </p:nvPr>
+        </p:nvSpPr>
+        <p:spPr/>
+        <p:txBody>
+          <a:bodyPr/>
+          <a:lstStyle/>
+          <a:p>
+            <a:fld id="{7E9FF854-EBCF-BA4F-BEA7-33B6A492EBD7}" type="slidenum">
+              <a:rPr lang="en-US" smtClean="0"/>
+              <a:t>26</a:t>
+            </a:fld>
+            <a:endParaRPr lang="en-US"/>
+          </a:p>
+        </p:txBody>
+      </p:sp>
+    </p:spTree>
+    <p:extLst>
+      <p:ext uri="{BB962C8B-B14F-4D97-AF65-F5344CB8AC3E}">
+        <p14:creationId xmlns:p14="http://schemas.microsoft.com/office/powerpoint/2010/main" val="874657782"/>
+      </p:ext>
+    </p:extLst>
+  </p:cSld>
+  <p:clrMapOvr>
+    <a:masterClrMapping/>
+  </p:clrMapOvr>
+</p:notes>
+</file>
+
+<file path=ppt/notesSlides/notesSlide13.xml><?xml version="1.0" encoding="utf-8"?>
+<p:notes xmlns:a="http://schemas.openxmlformats.org/drawingml/2006/main" xmlns:r="http://schemas.openxmlformats.org/officeDocument/2006/relationships" xmlns:p="http://schemas.openxmlformats.org/presentationml/2006/main">
+  <p:cSld>
+    <p:spTree>
+      <p:nvGrpSpPr>
+        <p:cNvPr id="1" name=""/>
+        <p:cNvGrpSpPr/>
+        <p:nvPr/>
+      </p:nvGrpSpPr>
+      <p:grpSpPr>
+        <a:xfrm>
+          <a:off x="0" y="0"/>
+          <a:ext cx="0" cy="0"/>
+          <a:chOff x="0" y="0"/>
+          <a:chExt cx="0" cy="0"/>
+        </a:xfrm>
+      </p:grpSpPr>
+      <p:sp>
+        <p:nvSpPr>
+          <p:cNvPr id="2" name="Slide Image Placeholder 1"/>
+          <p:cNvSpPr>
+            <a:spLocks noGrp="1" noRot="1" noChangeAspect="1"/>
+          </p:cNvSpPr>
+          <p:nvPr>
+            <p:ph type="sldImg"/>
+          </p:nvPr>
+        </p:nvSpPr>
+        <p:spPr/>
+      </p:sp>
+      <p:sp>
+        <p:nvSpPr>
+          <p:cNvPr id="3" name="Notes Placeholder 2"/>
+          <p:cNvSpPr>
+            <a:spLocks noGrp="1"/>
+          </p:cNvSpPr>
+          <p:nvPr>
+            <p:ph type="body" idx="1"/>
+          </p:nvPr>
+        </p:nvSpPr>
+        <p:spPr/>
+        <p:txBody>
+          <a:bodyPr/>
+          <a:lstStyle/>
+          <a:p>
+            <a:r>
+              <a:rPr lang="en-US" dirty="0"/>
               <a:t>Emma</a:t>
             </a:r>
             <a:r>
-              <a:rPr lang="en-US" baseline="0" dirty="0" smtClean="0"/>
+              <a:rPr lang="en-US" baseline="0" dirty="0"/>
               <a:t> went through this in some detail a few weeks ago so we aren’t going to again.</a:t>
             </a:r>
             <a:endParaRPr lang="en-US" dirty="0"/>
@@ -1292,10 +1376,9 @@
           <a:lstStyle/>
           <a:p>
             <a:r>
-              <a:rPr lang="en-US" dirty="0" smtClean="0"/>
+              <a:rPr lang="en-US" dirty="0"/>
               <a:t>Elaborate on each one.</a:t>
             </a:r>
-            <a:endParaRPr lang="en-US" dirty="0"/>
           </a:p>
         </p:txBody>
       </p:sp>
@@ -1380,20 +1463,19 @@
           <a:lstStyle/>
           <a:p>
             <a:r>
-              <a:rPr lang="en-US" dirty="0" smtClean="0"/>
+              <a:rPr lang="en-US" dirty="0"/>
               <a:t>Explain what</a:t>
             </a:r>
             <a:r>
-              <a:rPr lang="en-US" baseline="0" dirty="0" smtClean="0"/>
+              <a:rPr lang="en-US" baseline="0" dirty="0"/>
               <a:t> is meant by origin: which proteins the cleavages which were combined to create the peptide were from.</a:t>
             </a:r>
           </a:p>
           <a:p>
             <a:r>
-              <a:rPr lang="en-US" dirty="0" smtClean="0"/>
+              <a:rPr lang="en-US" dirty="0"/>
               <a:t>Explain overlap</a:t>
             </a:r>
-            <a:endParaRPr lang="en-US" dirty="0"/>
           </a:p>
         </p:txBody>
       </p:sp>
@@ -1478,11 +1560,11 @@
           <a:lstStyle/>
           <a:p>
             <a:r>
-              <a:rPr lang="en-US" dirty="0" smtClean="0"/>
+              <a:rPr lang="en-US" dirty="0"/>
               <a:t>Explain</a:t>
             </a:r>
             <a:r>
-              <a:rPr lang="en-US" baseline="0" dirty="0" smtClean="0"/>
+              <a:rPr lang="en-US" baseline="0" dirty="0"/>
               <a:t> that the count is not entirely accurate.</a:t>
             </a:r>
             <a:endParaRPr lang="en-US" dirty="0"/>
@@ -1797,7 +1879,7 @@
           <a:p>
             <a:fld id="{C65CC5F2-8C20-4D41-A30F-E08EA3FD74AE}" type="datetimeFigureOut">
               <a:rPr lang="en-US" smtClean="0"/>
-              <a:t>3/27/19</a:t>
+              <a:t>4/1/2019</a:t>
             </a:fld>
             <a:endParaRPr lang="en-US"/>
           </a:p>
@@ -2130,7 +2212,7 @@
           <a:p>
             <a:fld id="{C65CC5F2-8C20-4D41-A30F-E08EA3FD74AE}" type="datetimeFigureOut">
               <a:rPr lang="en-US" smtClean="0"/>
-              <a:t>3/27/19</a:t>
+              <a:t>4/1/2019</a:t>
             </a:fld>
             <a:endParaRPr lang="en-US"/>
           </a:p>
@@ -2526,7 +2608,7 @@
           <a:p>
             <a:fld id="{C65CC5F2-8C20-4D41-A30F-E08EA3FD74AE}" type="datetimeFigureOut">
               <a:rPr lang="en-US" smtClean="0"/>
-              <a:t>3/27/19</a:t>
+              <a:t>4/1/2019</a:t>
             </a:fld>
             <a:endParaRPr lang="en-US"/>
           </a:p>
@@ -2857,7 +2939,7 @@
           <a:p>
             <a:fld id="{C65CC5F2-8C20-4D41-A30F-E08EA3FD74AE}" type="datetimeFigureOut">
               <a:rPr lang="en-US" smtClean="0"/>
-              <a:t>3/27/19</a:t>
+              <a:t>4/1/2019</a:t>
             </a:fld>
             <a:endParaRPr lang="en-US"/>
           </a:p>
@@ -3172,7 +3254,7 @@
           <a:p>
             <a:fld id="{C65CC5F2-8C20-4D41-A30F-E08EA3FD74AE}" type="datetimeFigureOut">
               <a:rPr lang="en-US" smtClean="0"/>
-              <a:t>3/27/19</a:t>
+              <a:t>4/1/2019</a:t>
             </a:fld>
             <a:endParaRPr lang="en-US"/>
           </a:p>
@@ -3563,7 +3645,7 @@
           <a:p>
             <a:fld id="{C65CC5F2-8C20-4D41-A30F-E08EA3FD74AE}" type="datetimeFigureOut">
               <a:rPr lang="en-US" smtClean="0"/>
-              <a:t>3/27/19</a:t>
+              <a:t>4/1/2019</a:t>
             </a:fld>
             <a:endParaRPr lang="en-US"/>
           </a:p>
@@ -3815,7 +3897,7 @@
           <a:p>
             <a:fld id="{C65CC5F2-8C20-4D41-A30F-E08EA3FD74AE}" type="datetimeFigureOut">
               <a:rPr lang="en-US" smtClean="0"/>
-              <a:t>3/27/19</a:t>
+              <a:t>4/1/2019</a:t>
             </a:fld>
             <a:endParaRPr lang="en-US"/>
           </a:p>
@@ -4072,7 +4154,7 @@
           <a:p>
             <a:fld id="{C65CC5F2-8C20-4D41-A30F-E08EA3FD74AE}" type="datetimeFigureOut">
               <a:rPr lang="en-US" smtClean="0"/>
-              <a:t>3/27/19</a:t>
+              <a:t>4/1/2019</a:t>
             </a:fld>
             <a:endParaRPr lang="en-US"/>
           </a:p>
@@ -4329,7 +4411,7 @@
           <a:p>
             <a:fld id="{C65CC5F2-8C20-4D41-A30F-E08EA3FD74AE}" type="datetimeFigureOut">
               <a:rPr lang="en-US" smtClean="0"/>
-              <a:t>3/27/19</a:t>
+              <a:t>4/1/2019</a:t>
             </a:fld>
             <a:endParaRPr lang="en-US"/>
           </a:p>
@@ -4653,7 +4735,7 @@
           <a:p>
             <a:fld id="{C65CC5F2-8C20-4D41-A30F-E08EA3FD74AE}" type="datetimeFigureOut">
               <a:rPr lang="en-US" smtClean="0"/>
-              <a:t>3/27/19</a:t>
+              <a:t>4/1/2019</a:t>
             </a:fld>
             <a:endParaRPr lang="en-US"/>
           </a:p>
@@ -4971,7 +5053,7 @@
           <a:p>
             <a:fld id="{C65CC5F2-8C20-4D41-A30F-E08EA3FD74AE}" type="datetimeFigureOut">
               <a:rPr lang="en-US" smtClean="0"/>
-              <a:t>3/27/19</a:t>
+              <a:t>4/1/2019</a:t>
             </a:fld>
             <a:endParaRPr lang="en-US"/>
           </a:p>
@@ -5423,7 +5505,7 @@
           <a:p>
             <a:fld id="{C65CC5F2-8C20-4D41-A30F-E08EA3FD74AE}" type="datetimeFigureOut">
               <a:rPr lang="en-US" smtClean="0"/>
-              <a:t>3/27/19</a:t>
+              <a:t>4/1/2019</a:t>
             </a:fld>
             <a:endParaRPr lang="en-US"/>
           </a:p>
@@ -5623,7 +5705,7 @@
           <a:p>
             <a:fld id="{C65CC5F2-8C20-4D41-A30F-E08EA3FD74AE}" type="datetimeFigureOut">
               <a:rPr lang="en-US" smtClean="0"/>
-              <a:t>3/27/19</a:t>
+              <a:t>4/1/2019</a:t>
             </a:fld>
             <a:endParaRPr lang="en-US"/>
           </a:p>
@@ -5795,7 +5877,7 @@
           <a:p>
             <a:fld id="{C65CC5F2-8C20-4D41-A30F-E08EA3FD74AE}" type="datetimeFigureOut">
               <a:rPr lang="en-US" smtClean="0"/>
-              <a:t>3/27/19</a:t>
+              <a:t>4/1/2019</a:t>
             </a:fld>
             <a:endParaRPr lang="en-US"/>
           </a:p>
@@ -6123,7 +6205,7 @@
           <a:p>
             <a:fld id="{C65CC5F2-8C20-4D41-A30F-E08EA3FD74AE}" type="datetimeFigureOut">
               <a:rPr lang="en-US" smtClean="0"/>
-              <a:t>3/27/19</a:t>
+              <a:t>4/1/2019</a:t>
             </a:fld>
             <a:endParaRPr lang="en-US"/>
           </a:p>
@@ -6463,7 +6545,7 @@
           <a:p>
             <a:fld id="{C65CC5F2-8C20-4D41-A30F-E08EA3FD74AE}" type="datetimeFigureOut">
               <a:rPr lang="en-US" smtClean="0"/>
-              <a:t>3/27/19</a:t>
+              <a:t>4/1/2019</a:t>
             </a:fld>
             <a:endParaRPr lang="en-US"/>
           </a:p>
@@ -8575,7 +8657,7 @@
           <a:p>
             <a:fld id="{C65CC5F2-8C20-4D41-A30F-E08EA3FD74AE}" type="datetimeFigureOut">
               <a:rPr lang="en-US" smtClean="0"/>
-              <a:t>3/27/19</a:t>
+              <a:t>4/1/2019</a:t>
             </a:fld>
             <a:endParaRPr lang="en-US"/>
           </a:p>
@@ -9183,18 +9265,17 @@
           <a:lstStyle/>
           <a:p>
             <a:r>
-              <a:rPr lang="en-US" dirty="0" smtClean="0"/>
+              <a:rPr lang="en-US" dirty="0"/>
               <a:t>New Functions </a:t>
             </a:r>
             <a:r>
-              <a:rPr lang="mr-IN" dirty="0" smtClean="0"/>
+              <a:rPr lang="mr-IN" dirty="0"/>
               <a:t>–</a:t>
             </a:r>
             <a:r>
-              <a:rPr lang="en-US" dirty="0" smtClean="0"/>
+              <a:rPr lang="en-US" dirty="0"/>
               <a:t> Trans Origins</a:t>
             </a:r>
-            <a:endParaRPr lang="en-US" dirty="0"/>
           </a:p>
         </p:txBody>
       </p:sp>
@@ -9220,34 +9301,34 @@
           </a:p>
           <a:p>
             <a:r>
-              <a:rPr lang="en-US" dirty="0" smtClean="0"/>
+              <a:rPr lang="en-US" dirty="0"/>
               <a:t>Linear and cis splicing simply required a reference to the protein the peptide was derived from.</a:t>
             </a:r>
           </a:p>
           <a:p>
             <a:r>
-              <a:rPr lang="en-US" dirty="0" smtClean="0"/>
+              <a:rPr lang="en-US" dirty="0"/>
               <a:t>Trans peptides are from two peptides, so different syntax required.</a:t>
             </a:r>
           </a:p>
           <a:p>
             <a:pPr lvl="1"/>
             <a:r>
-              <a:rPr lang="en-US" dirty="0" smtClean="0"/>
+              <a:rPr lang="en-US" dirty="0"/>
               <a:t>Pairs of peptides separated by slash.</a:t>
             </a:r>
           </a:p>
           <a:p>
             <a:pPr lvl="1"/>
             <a:r>
-              <a:rPr lang="en-US" dirty="0" smtClean="0"/>
+              <a:rPr lang="en-US" dirty="0"/>
               <a:t>Brackets refer to the location of the cleavage within the peptide (only included for cleavages of more than 5)</a:t>
             </a:r>
           </a:p>
           <a:p>
             <a:pPr lvl="1"/>
             <a:r>
-              <a:rPr lang="en-US" dirty="0" smtClean="0"/>
+              <a:rPr lang="en-US" dirty="0"/>
               <a:t>“Overlap” peptides also considered trans splicing.</a:t>
             </a:r>
           </a:p>
@@ -9310,13 +9391,6 @@
   <p:clrMapOvr>
     <a:masterClrMapping/>
   </p:clrMapOvr>
-  <p:timing>
-    <p:tnLst>
-      <p:par>
-        <p:cTn id="1" dur="indefinite" restart="never" nodeType="tmRoot"/>
-      </p:par>
-    </p:tnLst>
-  </p:timing>
 </p:sld>
 </file>
 
@@ -9353,18 +9427,17 @@
           <a:lstStyle/>
           <a:p>
             <a:r>
-              <a:rPr lang="en-US" dirty="0" smtClean="0"/>
+              <a:rPr lang="en-US" dirty="0"/>
               <a:t>New Functions </a:t>
             </a:r>
             <a:r>
-              <a:rPr lang="mr-IN" dirty="0" smtClean="0"/>
+              <a:rPr lang="mr-IN" dirty="0"/>
               <a:t>–</a:t>
             </a:r>
             <a:r>
-              <a:rPr lang="en-US" dirty="0" smtClean="0"/>
+              <a:rPr lang="en-US" dirty="0"/>
               <a:t> Output CSV Files</a:t>
             </a:r>
-            <a:endParaRPr lang="en-US" dirty="0"/>
           </a:p>
         </p:txBody>
       </p:sp>
@@ -9392,15 +9465,7 @@
             <a:pPr lvl="1"/>
             <a:r>
               <a:rPr lang="en-US" dirty="0"/>
-              <a:t>Proteins as headers with all peptides </a:t>
-            </a:r>
-            <a:r>
-              <a:rPr lang="en-US" dirty="0" smtClean="0"/>
-              <a:t>from </a:t>
-            </a:r>
-            <a:r>
-              <a:rPr lang="en-US" dirty="0"/>
-              <a:t>that protein listed below.</a:t>
+              <a:t>Proteins as headers with all peptides from that protein listed below.</a:t>
             </a:r>
           </a:p>
           <a:p>
@@ -9508,18 +9573,17 @@
           <a:lstStyle/>
           <a:p>
             <a:r>
-              <a:rPr lang="en-US" dirty="0" smtClean="0"/>
+              <a:rPr lang="en-US" dirty="0"/>
               <a:t>New Functions </a:t>
             </a:r>
             <a:r>
-              <a:rPr lang="mr-IN" dirty="0" smtClean="0"/>
+              <a:rPr lang="mr-IN" dirty="0"/>
               <a:t>–</a:t>
             </a:r>
             <a:r>
-              <a:rPr lang="en-US" dirty="0" smtClean="0"/>
+              <a:rPr lang="en-US" dirty="0"/>
               <a:t> Info File</a:t>
             </a:r>
-            <a:endParaRPr lang="en-US" dirty="0"/>
           </a:p>
         </p:txBody>
       </p:sp>
@@ -9544,31 +9608,29 @@
           <a:lstStyle/>
           <a:p>
             <a:r>
-              <a:rPr lang="en-US" dirty="0" smtClean="0"/>
+              <a:rPr lang="en-US" dirty="0"/>
               <a:t>An info text file automatically prints when an output is run.</a:t>
             </a:r>
-            <a:endParaRPr lang="en-US" dirty="0"/>
-          </a:p>
-          <a:p>
-            <a:r>
-              <a:rPr lang="en-US" dirty="0" smtClean="0"/>
+          </a:p>
+          <a:p>
+            <a:r>
+              <a:rPr lang="en-US" dirty="0"/>
               <a:t>It contains:</a:t>
             </a:r>
           </a:p>
           <a:p>
             <a:pPr lvl="1"/>
             <a:r>
-              <a:rPr lang="en-US" dirty="0" smtClean="0"/>
+              <a:rPr lang="en-US" dirty="0"/>
               <a:t>The user selected settings.</a:t>
             </a:r>
           </a:p>
           <a:p>
             <a:pPr lvl="1"/>
             <a:r>
-              <a:rPr lang="en-US" dirty="0" smtClean="0"/>
+              <a:rPr lang="en-US" dirty="0"/>
               <a:t>A count of the number of times each selected modification was found in one of the output peptides.</a:t>
             </a:r>
-            <a:endParaRPr lang="en-US" dirty="0"/>
           </a:p>
           <a:p>
             <a:endParaRPr lang="en-US" dirty="0"/>
@@ -9585,13 +9647,6 @@
   <p:clrMapOvr>
     <a:masterClrMapping/>
   </p:clrMapOvr>
-  <p:timing>
-    <p:tnLst>
-      <p:par>
-        <p:cTn id="1" dur="indefinite" restart="never" nodeType="tmRoot"/>
-      </p:par>
-    </p:tnLst>
-  </p:timing>
 </p:sld>
 </file>
 
@@ -9657,10 +9712,9 @@
           <a:lstStyle/>
           <a:p>
             <a:r>
-              <a:rPr lang="en-US" dirty="0" smtClean="0"/>
+              <a:rPr lang="en-US" dirty="0"/>
               <a:t>Example of Info File</a:t>
             </a:r>
-            <a:endParaRPr lang="en-US" dirty="0"/>
           </a:p>
         </p:txBody>
       </p:sp>
@@ -9674,13 +9728,6 @@
   <p:clrMapOvr>
     <a:masterClrMapping/>
   </p:clrMapOvr>
-  <p:timing>
-    <p:tnLst>
-      <p:par>
-        <p:cTn id="1" dur="indefinite" restart="never" nodeType="tmRoot"/>
-      </p:par>
-    </p:tnLst>
-  </p:timing>
 </p:sld>
 </file>
 
@@ -9717,10 +9764,9 @@
           <a:lstStyle/>
           <a:p>
             <a:r>
-              <a:rPr lang="en-US" dirty="0" smtClean="0"/>
+              <a:rPr lang="en-US" dirty="0"/>
               <a:t>Current Tests</a:t>
             </a:r>
-            <a:endParaRPr lang="en-US" dirty="0"/>
           </a:p>
         </p:txBody>
       </p:sp>
@@ -9742,7 +9788,7 @@
           <a:lstStyle/>
           <a:p>
             <a:r>
-              <a:rPr lang="en-US" dirty="0" smtClean="0"/>
+              <a:rPr lang="en-US" dirty="0"/>
               <a:t>Human Proteome database as input FASTA against the following MGF files and settings:</a:t>
             </a:r>
           </a:p>
@@ -9750,86 +9796,62 @@
             <a:pPr lvl="1"/>
             <a:r>
               <a:rPr lang="en-US" dirty="0"/>
-              <a:t>A2: 7-16mers, 30%, 10ppm, 0.02Da, O(M), P(STY), +2, +</a:t>
-            </a:r>
-            <a:r>
-              <a:rPr lang="en-US" dirty="0" smtClean="0"/>
-              <a:t>3</a:t>
+              <a:t>A2: 7-16mers, 30%, 10ppm, 0.02Da, O(M), P(STY), +2, +3</a:t>
             </a:r>
           </a:p>
           <a:p>
             <a:pPr lvl="2"/>
             <a:r>
-              <a:rPr lang="en-US" dirty="0" smtClean="0"/>
+              <a:rPr lang="en-US" dirty="0"/>
               <a:t>5.5 hours.</a:t>
             </a:r>
           </a:p>
           <a:p>
             <a:pPr lvl="1"/>
             <a:r>
-              <a:rPr lang="en-US" dirty="0" smtClean="0"/>
-              <a:t>BLCL</a:t>
-            </a:r>
-            <a:r>
-              <a:rPr lang="en-US" dirty="0"/>
-              <a:t>: 7-16mers, 30%, 15ppm, 0.1Da, O(M), P(STY), +2, +</a:t>
-            </a:r>
-            <a:r>
-              <a:rPr lang="en-US" dirty="0" smtClean="0"/>
-              <a:t>3</a:t>
+              <a:rPr lang="en-US" dirty="0"/>
+              <a:t>BLCL: 7-16mers, 30%, 15ppm, 0.1Da, O(M), P(STY), +2, +3</a:t>
             </a:r>
           </a:p>
           <a:p>
             <a:pPr lvl="2"/>
             <a:r>
-              <a:rPr lang="en-US" dirty="0" smtClean="0"/>
+              <a:rPr lang="en-US" dirty="0"/>
               <a:t>4.5 hours</a:t>
             </a:r>
           </a:p>
           <a:p>
             <a:pPr lvl="1"/>
             <a:r>
-              <a:rPr lang="en-US" dirty="0" smtClean="0"/>
-              <a:t>B57: </a:t>
-            </a:r>
-            <a:r>
-              <a:rPr lang="en-US" dirty="0"/>
-              <a:t>7-15mers, 30%, 15ppm, 0.1Da, O(M), P(STY), +2, +</a:t>
-            </a:r>
-            <a:r>
-              <a:rPr lang="en-US" dirty="0" smtClean="0"/>
-              <a:t>3</a:t>
+              <a:rPr lang="en-US" dirty="0"/>
+              <a:t>B57: 7-15mers, 30%, 15ppm, 0.1Da, O(M), P(STY), +2, +3</a:t>
             </a:r>
           </a:p>
           <a:p>
             <a:pPr lvl="2"/>
             <a:r>
-              <a:rPr lang="en-US" dirty="0" smtClean="0"/>
+              <a:rPr lang="en-US" dirty="0"/>
               <a:t>9 hours.</a:t>
             </a:r>
           </a:p>
           <a:p>
             <a:r>
               <a:rPr lang="en-US" dirty="0"/>
-              <a:t>R</a:t>
-            </a:r>
-            <a:r>
-              <a:rPr lang="en-US" dirty="0" smtClean="0"/>
-              <a:t>an all reviewed proteins from </a:t>
-            </a:r>
-            <a:r>
-              <a:rPr lang="en-US" dirty="0" err="1" smtClean="0"/>
+              <a:t>Ran all reviewed proteins from </a:t>
+            </a:r>
+            <a:r>
+              <a:rPr lang="en-US" dirty="0" err="1"/>
               <a:t>Uniprot</a:t>
             </a:r>
             <a:r>
-              <a:rPr lang="en-US" dirty="0" smtClean="0"/>
+              <a:rPr lang="en-US" dirty="0"/>
               <a:t> with the A2 MGF and settings above.</a:t>
             </a:r>
           </a:p>
           <a:p>
             <a:pPr lvl="1"/>
             <a:r>
-              <a:rPr lang="en-US" dirty="0" smtClean="0"/>
+              <a:rPr lang="en-US" dirty="0"/>
               <a:t>Took almost exactly 4 days and produced X peptides</a:t>
             </a:r>
           </a:p>
@@ -9845,13 +9867,6 @@
   <p:clrMapOvr>
     <a:masterClrMapping/>
   </p:clrMapOvr>
-  <p:timing>
-    <p:tnLst>
-      <p:par>
-        <p:cTn id="1" dur="indefinite" restart="never" nodeType="tmRoot"/>
-      </p:par>
-    </p:tnLst>
-  </p:timing>
 </p:sld>
 </file>
 
@@ -9888,57 +9903,56 @@
           <a:lstStyle/>
           <a:p>
             <a:r>
-              <a:rPr lang="en-US" dirty="0" smtClean="0"/>
+              <a:rPr lang="en-US" dirty="0"/>
               <a:t>Future Work</a:t>
             </a:r>
+          </a:p>
+        </p:txBody>
+      </p:sp>
+      <p:sp>
+        <p:nvSpPr>
+          <p:cNvPr id="3" name="Content Placeholder 2"/>
+          <p:cNvSpPr>
+            <a:spLocks noGrp="1"/>
+          </p:cNvSpPr>
+          <p:nvPr>
+            <p:ph idx="1"/>
+          </p:nvPr>
+        </p:nvSpPr>
+        <p:spPr/>
+        <p:txBody>
+          <a:bodyPr/>
+          <a:lstStyle/>
+          <a:p>
+            <a:r>
+              <a:rPr lang="en-US" dirty="0"/>
+              <a:t>We ae in contact with MASSIVE to hopefully run the program on their system.</a:t>
+            </a:r>
+          </a:p>
+          <a:p>
+            <a:r>
+              <a:rPr lang="en-US" dirty="0"/>
+              <a:t>Documentation</a:t>
+            </a:r>
+            <a:r>
+              <a:rPr lang="mr-IN" dirty="0"/>
+              <a:t>…</a:t>
+            </a:r>
+            <a:r>
+              <a:rPr lang="en-AU" dirty="0"/>
+              <a:t>..</a:t>
+            </a:r>
+          </a:p>
+          <a:p>
+            <a:r>
+              <a:rPr lang="en-AU" dirty="0"/>
+              <a:t>Incorporation of Artificial Intelligence (discussed shortly).</a:t>
+            </a:r>
             <a:endParaRPr lang="en-US" dirty="0"/>
           </a:p>
-        </p:txBody>
-      </p:sp>
-      <p:sp>
-        <p:nvSpPr>
-          <p:cNvPr id="3" name="Content Placeholder 2"/>
-          <p:cNvSpPr>
-            <a:spLocks noGrp="1"/>
-          </p:cNvSpPr>
-          <p:nvPr>
-            <p:ph idx="1"/>
-          </p:nvPr>
-        </p:nvSpPr>
-        <p:spPr/>
-        <p:txBody>
-          <a:bodyPr/>
-          <a:lstStyle/>
-          <a:p>
-            <a:r>
-              <a:rPr lang="en-US" dirty="0" smtClean="0"/>
-              <a:t>We ae in contact with MASSIVE to hopefully run the program on their system.</a:t>
-            </a:r>
-          </a:p>
-          <a:p>
-            <a:r>
-              <a:rPr lang="en-US" dirty="0" smtClean="0"/>
-              <a:t>Documentation</a:t>
-            </a:r>
-            <a:r>
-              <a:rPr lang="mr-IN" dirty="0" smtClean="0"/>
-              <a:t>…</a:t>
-            </a:r>
-            <a:r>
-              <a:rPr lang="en-AU" dirty="0" smtClean="0"/>
-              <a:t>..</a:t>
-            </a:r>
-          </a:p>
-          <a:p>
-            <a:r>
-              <a:rPr lang="en-AU" dirty="0" smtClean="0"/>
-              <a:t>Incorporation of Artificial Intelligence (discussed shortly).</a:t>
-            </a:r>
-            <a:endParaRPr lang="en-US" dirty="0" smtClean="0"/>
-          </a:p>
-          <a:p>
-            <a:r>
-              <a:rPr lang="en-US" dirty="0" smtClean="0"/>
+          <a:p>
+            <a:r>
+              <a:rPr lang="en-US" dirty="0"/>
               <a:t>Incorporate the program into a workflow that improves peptide recognition.</a:t>
             </a:r>
           </a:p>
@@ -9990,53 +10004,52 @@
           <a:lstStyle/>
           <a:p>
             <a:r>
-              <a:rPr lang="en-US" dirty="0" smtClean="0"/>
+              <a:rPr lang="en-US" dirty="0"/>
               <a:t>Pre and Post Processing Programs</a:t>
             </a:r>
+          </a:p>
+        </p:txBody>
+      </p:sp>
+      <p:sp>
+        <p:nvSpPr>
+          <p:cNvPr id="3" name="Content Placeholder 2"/>
+          <p:cNvSpPr>
+            <a:spLocks noGrp="1"/>
+          </p:cNvSpPr>
+          <p:nvPr>
+            <p:ph idx="1"/>
+          </p:nvPr>
+        </p:nvSpPr>
+        <p:spPr/>
+        <p:txBody>
+          <a:bodyPr/>
+          <a:lstStyle/>
+          <a:p>
+            <a:r>
+              <a:rPr lang="en-US" dirty="0"/>
+              <a:t>6Frame Translation Pre-processing Program</a:t>
+            </a:r>
+          </a:p>
+          <a:p>
+            <a:r>
+              <a:rPr lang="en-US" dirty="0"/>
+              <a:t>Reverse Splicer Post Processing</a:t>
+            </a:r>
+          </a:p>
+          <a:p>
+            <a:r>
+              <a:rPr lang="en-US" dirty="0"/>
+              <a:t>Reverse MGF Post Processing</a:t>
+            </a:r>
+          </a:p>
+          <a:p>
+            <a:r>
+              <a:rPr lang="en-US" dirty="0"/>
+              <a:t>All these programs use similar multiprocessing, interfaces and logic to the original splicing program. </a:t>
+            </a:r>
+          </a:p>
+          <a:p>
             <a:endParaRPr lang="en-US" dirty="0"/>
-          </a:p>
-        </p:txBody>
-      </p:sp>
-      <p:sp>
-        <p:nvSpPr>
-          <p:cNvPr id="3" name="Content Placeholder 2"/>
-          <p:cNvSpPr>
-            <a:spLocks noGrp="1"/>
-          </p:cNvSpPr>
-          <p:nvPr>
-            <p:ph idx="1"/>
-          </p:nvPr>
-        </p:nvSpPr>
-        <p:spPr/>
-        <p:txBody>
-          <a:bodyPr/>
-          <a:lstStyle/>
-          <a:p>
-            <a:r>
-              <a:rPr lang="en-US" dirty="0" smtClean="0"/>
-              <a:t>6Frame Translation Pre-processing Program</a:t>
-            </a:r>
-          </a:p>
-          <a:p>
-            <a:r>
-              <a:rPr lang="en-US" dirty="0" smtClean="0"/>
-              <a:t>Reverse Splicer Post Processing</a:t>
-            </a:r>
-          </a:p>
-          <a:p>
-            <a:r>
-              <a:rPr lang="en-US" dirty="0" smtClean="0"/>
-              <a:t>Reverse MGF Post Processing</a:t>
-            </a:r>
-          </a:p>
-          <a:p>
-            <a:r>
-              <a:rPr lang="en-US" dirty="0" smtClean="0"/>
-              <a:t>All these programs use similar multiprocessing, interfaces and logic to the original splicing program. </a:t>
-            </a:r>
-          </a:p>
-          <a:p>
-            <a:endParaRPr lang="en-US" dirty="0" smtClean="0"/>
           </a:p>
           <a:p>
             <a:pPr lvl="1"/>
@@ -10090,10 +10103,9 @@
           <a:lstStyle/>
           <a:p>
             <a:r>
-              <a:rPr lang="en-US" dirty="0" smtClean="0"/>
+              <a:rPr lang="en-US" dirty="0"/>
               <a:t>6 Frame Translation Program</a:t>
             </a:r>
-            <a:endParaRPr lang="en-US" dirty="0"/>
           </a:p>
         </p:txBody>
       </p:sp>
@@ -10118,50 +10130,26 @@
           <a:lstStyle/>
           <a:p>
             <a:r>
-              <a:rPr lang="en-US" dirty="0" smtClean="0"/>
+              <a:rPr lang="en-US" dirty="0"/>
               <a:t>Takes an input FASTA file containing DNA sequences.</a:t>
             </a:r>
           </a:p>
           <a:p>
             <a:r>
-              <a:rPr lang="en-US" dirty="0" smtClean="0"/>
-              <a:t>Produces </a:t>
-            </a:r>
-            <a:r>
-              <a:rPr lang="en-US" dirty="0"/>
-              <a:t>all proteins over a minimum length that result from the 6 Frame Translation of </a:t>
-            </a:r>
-            <a:r>
-              <a:rPr lang="en-US" dirty="0" smtClean="0"/>
-              <a:t>the input sequences.</a:t>
-            </a:r>
-          </a:p>
-          <a:p>
-            <a:r>
-              <a:rPr lang="en-US" dirty="0" smtClean="0"/>
-              <a:t>Removes </a:t>
-            </a:r>
-            <a:r>
-              <a:rPr lang="en-US" dirty="0"/>
-              <a:t>proteins which exist as subsequences in longer proteins.</a:t>
-            </a:r>
-          </a:p>
-          <a:p>
-            <a:r>
-              <a:rPr lang="en-US" dirty="0"/>
-              <a:t>Aim to pass this output into our main splicing </a:t>
-            </a:r>
-            <a:r>
-              <a:rPr lang="en-US" dirty="0" smtClean="0"/>
-              <a:t>program</a:t>
-            </a:r>
-            <a:r>
-              <a:rPr lang="en-US" dirty="0"/>
-              <a:t> </a:t>
-            </a:r>
-            <a:r>
-              <a:rPr lang="en-US" dirty="0" smtClean="0"/>
-              <a:t>as proof that it can handle large data sets</a:t>
+              <a:rPr lang="en-US" dirty="0"/>
+              <a:t>Produces all proteins over a minimum length that result from the 6 Frame Translation of the input sequences.</a:t>
+            </a:r>
+          </a:p>
+          <a:p>
+            <a:r>
+              <a:rPr lang="en-US" dirty="0"/>
+              <a:t>Removes proteins which exist as subsequences in longer proteins.</a:t>
+            </a:r>
+          </a:p>
+          <a:p>
+            <a:r>
+              <a:rPr lang="en-US" dirty="0"/>
+              <a:t>Aim to pass this output into our main splicing program as proof that it can handle large data sets</a:t>
             </a:r>
           </a:p>
           <a:p>
@@ -10242,18 +10230,17 @@
           <a:lstStyle/>
           <a:p>
             <a:r>
-              <a:rPr lang="en-US" dirty="0" smtClean="0"/>
+              <a:rPr lang="en-US" dirty="0"/>
               <a:t>6 Frame Translation </a:t>
             </a:r>
             <a:r>
-              <a:rPr lang="mr-IN" dirty="0" smtClean="0"/>
+              <a:rPr lang="mr-IN" dirty="0"/>
               <a:t>–</a:t>
             </a:r>
             <a:r>
-              <a:rPr lang="en-US" dirty="0" smtClean="0"/>
+              <a:rPr lang="en-US" dirty="0"/>
               <a:t> Subset Deletion</a:t>
             </a:r>
-            <a:endParaRPr lang="en-US" dirty="0"/>
           </a:p>
         </p:txBody>
       </p:sp>
@@ -10273,25 +10260,25 @@
           <a:lstStyle/>
           <a:p>
             <a:r>
-              <a:rPr lang="en-US" dirty="0" smtClean="0"/>
+              <a:rPr lang="en-US" dirty="0"/>
               <a:t>Subset proteins provide no new peptides to the peptide splicing program.</a:t>
             </a:r>
           </a:p>
           <a:p>
             <a:r>
-              <a:rPr lang="en-US" dirty="0" smtClean="0"/>
+              <a:rPr lang="en-US" dirty="0"/>
               <a:t>However, they do provide additional origin locations.</a:t>
             </a:r>
           </a:p>
           <a:p>
             <a:r>
-              <a:rPr lang="en-US" dirty="0" smtClean="0"/>
+              <a:rPr lang="en-US" dirty="0"/>
               <a:t>Thus we included the option to print deleted subsequences.</a:t>
             </a:r>
           </a:p>
           <a:p>
             <a:r>
-              <a:rPr lang="en-US" dirty="0" smtClean="0"/>
+              <a:rPr lang="en-US" dirty="0"/>
               <a:t>Also prompted us to allow the user to ignore origin data to reduce the size of the output further.</a:t>
             </a:r>
           </a:p>
@@ -10343,18 +10330,17 @@
           <a:lstStyle/>
           <a:p>
             <a:r>
-              <a:rPr lang="en-US" dirty="0" smtClean="0"/>
+              <a:rPr lang="en-US" dirty="0"/>
               <a:t>6 Frame Translation </a:t>
             </a:r>
             <a:r>
-              <a:rPr lang="mr-IN" dirty="0" smtClean="0"/>
+              <a:rPr lang="mr-IN" dirty="0"/>
               <a:t>–</a:t>
             </a:r>
             <a:r>
-              <a:rPr lang="en-US" dirty="0" smtClean="0"/>
+              <a:rPr lang="en-US" dirty="0"/>
               <a:t> Current Tests</a:t>
             </a:r>
-            <a:endParaRPr lang="en-US" dirty="0"/>
           </a:p>
         </p:txBody>
       </p:sp>
@@ -10374,27 +10360,19 @@
           <a:lstStyle/>
           <a:p>
             <a:r>
-              <a:rPr lang="en-US" dirty="0" smtClean="0"/>
-              <a:t>We ran </a:t>
-            </a:r>
-            <a:r>
-              <a:rPr lang="en-US" dirty="0"/>
-              <a:t>the </a:t>
-            </a:r>
-            <a:r>
-              <a:rPr lang="en-US" dirty="0" smtClean="0"/>
-              <a:t>B57_1_S38_Merge.fasta</a:t>
-            </a:r>
-          </a:p>
-          <a:p>
-            <a:r>
-              <a:rPr lang="en-US" dirty="0" smtClean="0"/>
+              <a:rPr lang="en-US" dirty="0"/>
+              <a:t>We ran the B57_1_S38_Merge.fasta</a:t>
+            </a:r>
+          </a:p>
+          <a:p>
+            <a:r>
+              <a:rPr lang="en-US" dirty="0"/>
               <a:t>Produced an output of 73 million proteins in about 1.5 hours.</a:t>
             </a:r>
           </a:p>
           <a:p>
             <a:r>
-              <a:rPr lang="en-US" dirty="0" smtClean="0"/>
+              <a:rPr lang="en-US" dirty="0"/>
               <a:t>After removing subsets this output was reduced to 15 million proteins.</a:t>
             </a:r>
           </a:p>
@@ -10402,30 +10380,21 @@
             <a:pPr lvl="1"/>
             <a:r>
               <a:rPr lang="en-US" dirty="0"/>
-              <a:t>T</a:t>
-            </a:r>
-            <a:r>
-              <a:rPr lang="en-US" dirty="0" smtClean="0"/>
-              <a:t>ook an additional 3 hours.</a:t>
-            </a:r>
-          </a:p>
-          <a:p>
-            <a:r>
-              <a:rPr lang="en-US" dirty="0" smtClean="0"/>
-              <a:t>We are yet to run this </a:t>
-            </a:r>
-            <a:r>
-              <a:rPr lang="en-US" dirty="0" smtClean="0"/>
-              <a:t>through the splicing program.</a:t>
+              <a:t>Took an additional 3 hours.</a:t>
+            </a:r>
+          </a:p>
+          <a:p>
+            <a:r>
+              <a:rPr lang="en-US" dirty="0"/>
+              <a:t>We are yet to run this through the splicing program.</a:t>
             </a:r>
           </a:p>
           <a:p>
             <a:pPr lvl="1"/>
             <a:r>
-              <a:rPr lang="en-US" dirty="0" smtClean="0"/>
+              <a:rPr lang="en-US" dirty="0"/>
               <a:t>Initial tests suggest it will take 1-2 weeks on a 16 core computer.</a:t>
             </a:r>
-            <a:endParaRPr lang="en-US" dirty="0" smtClean="0"/>
           </a:p>
         </p:txBody>
       </p:sp>
@@ -10516,16 +10485,8 @@
           </a:p>
           <a:p>
             <a:r>
-              <a:rPr lang="en-US" dirty="0" smtClean="0"/>
-              <a:t>User </a:t>
-            </a:r>
-            <a:r>
-              <a:rPr lang="en-US" dirty="0"/>
-              <a:t>Interface allows the analysis to be dynamic and easily </a:t>
-            </a:r>
-            <a:r>
-              <a:rPr lang="en-US" dirty="0" smtClean="0"/>
-              <a:t>repeatable</a:t>
+              <a:rPr lang="en-US" dirty="0"/>
+              <a:t>User Interface allows the analysis to be dynamic and easily repeatable</a:t>
             </a:r>
           </a:p>
           <a:p>
@@ -10537,16 +10498,15 @@
           </a:p>
           <a:p>
             <a:r>
-              <a:rPr lang="en-US" dirty="0" smtClean="0"/>
+              <a:rPr lang="en-US" dirty="0"/>
               <a:t>We have introduced a number of pre and post processing programs.</a:t>
             </a:r>
           </a:p>
           <a:p>
             <a:r>
-              <a:rPr lang="en-US" dirty="0" smtClean="0"/>
-              <a:t>Investigated the use or machine learning in the context of our project.</a:t>
-            </a:r>
-            <a:endParaRPr lang="en-US" dirty="0"/>
+              <a:rPr lang="en-US" dirty="0"/>
+              <a:t>Investigated the use of machine learning in the context of our project.</a:t>
+            </a:r>
           </a:p>
           <a:p>
             <a:endParaRPr lang="en-US" dirty="0"/>
@@ -10599,10 +10559,9 @@
           <a:lstStyle/>
           <a:p>
             <a:r>
-              <a:rPr lang="en-US" dirty="0" smtClean="0"/>
+              <a:rPr lang="en-US" dirty="0"/>
               <a:t>Reverse Splicer</a:t>
             </a:r>
-            <a:endParaRPr lang="en-US" dirty="0"/>
           </a:p>
         </p:txBody>
       </p:sp>
@@ -10628,52 +10587,26 @@
           <a:p>
             <a:r>
               <a:rPr lang="en-US" dirty="0"/>
-              <a:t>Takes a FASTA file of peptides and a second FASTA file of </a:t>
-            </a:r>
-            <a:r>
-              <a:rPr lang="en-US" dirty="0" smtClean="0"/>
-              <a:t>proteins as input. </a:t>
-            </a:r>
-          </a:p>
-          <a:p>
-            <a:r>
-              <a:rPr lang="en-US" dirty="0" smtClean="0"/>
-              <a:t>Returns an excel file containing where </a:t>
-            </a:r>
-            <a:r>
-              <a:rPr lang="en-US" dirty="0"/>
-              <a:t>each peptide could have been produced from in the protein </a:t>
-            </a:r>
-            <a:r>
-              <a:rPr lang="en-US" dirty="0" smtClean="0"/>
-              <a:t>list.</a:t>
-            </a:r>
-            <a:endParaRPr lang="en-US" dirty="0"/>
-          </a:p>
-          <a:p>
-            <a:r>
-              <a:rPr lang="en-US" dirty="0"/>
-              <a:t>Returns </a:t>
-            </a:r>
-            <a:r>
-              <a:rPr lang="en-US" dirty="0" smtClean="0"/>
-              <a:t>separate </a:t>
-            </a:r>
-            <a:r>
-              <a:rPr lang="en-US" dirty="0"/>
-              <a:t>outputs for linear, cis and </a:t>
-            </a:r>
-            <a:r>
-              <a:rPr lang="en-US" dirty="0" smtClean="0"/>
-              <a:t>trans.</a:t>
-            </a:r>
-          </a:p>
-          <a:p>
-            <a:r>
-              <a:rPr lang="en-US" dirty="0" smtClean="0"/>
+              <a:t>Takes a FASTA file of peptides and a second FASTA file of proteins as input. </a:t>
+            </a:r>
+          </a:p>
+          <a:p>
+            <a:r>
+              <a:rPr lang="en-US" dirty="0"/>
+              <a:t>Returns an excel file containing where each peptide could have been produced from in the protein list.</a:t>
+            </a:r>
+          </a:p>
+          <a:p>
+            <a:r>
+              <a:rPr lang="en-US" dirty="0"/>
+              <a:t>Returns separate outputs for linear, cis and trans.</a:t>
+            </a:r>
+          </a:p>
+          <a:p>
+            <a:r>
+              <a:rPr lang="en-US" dirty="0"/>
               <a:t>Leucine and Isoleucine are considered identical.</a:t>
             </a:r>
-            <a:endParaRPr lang="en-US" dirty="0" smtClean="0"/>
           </a:p>
         </p:txBody>
       </p:sp>
@@ -10747,18 +10680,17 @@
           <a:lstStyle/>
           <a:p>
             <a:r>
-              <a:rPr lang="en-US" dirty="0" smtClean="0"/>
+              <a:rPr lang="en-US" dirty="0"/>
               <a:t>Reverse Splicer </a:t>
             </a:r>
             <a:r>
-              <a:rPr lang="mr-IN" dirty="0" smtClean="0"/>
+              <a:rPr lang="mr-IN" dirty="0"/>
               <a:t>–</a:t>
             </a:r>
             <a:r>
-              <a:rPr lang="en-US" dirty="0" smtClean="0"/>
+              <a:rPr lang="en-US" dirty="0"/>
               <a:t> Linear Output</a:t>
             </a:r>
-            <a:endParaRPr lang="en-US" dirty="0"/>
           </a:p>
         </p:txBody>
       </p:sp>
@@ -10832,18 +10764,17 @@
           <a:lstStyle/>
           <a:p>
             <a:r>
-              <a:rPr lang="en-US" dirty="0" smtClean="0"/>
+              <a:rPr lang="en-US" dirty="0"/>
               <a:t>Reverse Splicer </a:t>
             </a:r>
             <a:r>
-              <a:rPr lang="mr-IN" dirty="0" smtClean="0"/>
+              <a:rPr lang="mr-IN" dirty="0"/>
               <a:t>–</a:t>
             </a:r>
             <a:r>
-              <a:rPr lang="en-US" dirty="0" smtClean="0"/>
+              <a:rPr lang="en-US" dirty="0"/>
               <a:t> Cis Output</a:t>
             </a:r>
-            <a:endParaRPr lang="en-US" dirty="0"/>
           </a:p>
         </p:txBody>
       </p:sp>
@@ -10917,18 +10848,17 @@
           <a:lstStyle/>
           <a:p>
             <a:r>
-              <a:rPr lang="en-US" dirty="0" smtClean="0"/>
+              <a:rPr lang="en-US" dirty="0"/>
               <a:t>Reverse Splicer </a:t>
             </a:r>
             <a:r>
-              <a:rPr lang="mr-IN" dirty="0" smtClean="0"/>
+              <a:rPr lang="mr-IN" dirty="0"/>
               <a:t>–</a:t>
             </a:r>
             <a:r>
-              <a:rPr lang="en-US" dirty="0" smtClean="0"/>
+              <a:rPr lang="en-US" dirty="0"/>
               <a:t> Trans Output</a:t>
             </a:r>
-            <a:endParaRPr lang="en-US" dirty="0"/>
           </a:p>
         </p:txBody>
       </p:sp>
@@ -10972,6 +10902,32 @@
 <file path=ppt/slides/slide24.xml><?xml version="1.0" encoding="utf-8"?>
 <p:sld xmlns:a="http://schemas.openxmlformats.org/drawingml/2006/main" xmlns:r="http://schemas.openxmlformats.org/officeDocument/2006/relationships" xmlns:p="http://schemas.openxmlformats.org/presentationml/2006/main">
   <p:cSld>
+    <p:bg>
+      <p:bgPr>
+        <a:gradFill rotWithShape="1">
+          <a:gsLst>
+            <a:gs pos="0">
+              <a:schemeClr val="bg2">
+                <a:tint val="90000"/>
+                <a:satMod val="92000"/>
+                <a:lumMod val="120000"/>
+              </a:schemeClr>
+            </a:gs>
+            <a:gs pos="100000">
+              <a:schemeClr val="bg2">
+                <a:shade val="98000"/>
+                <a:satMod val="120000"/>
+                <a:lumMod val="98000"/>
+              </a:schemeClr>
+            </a:gs>
+          </a:gsLst>
+          <a:path path="circle">
+            <a:fillToRect l="50000" t="50000" r="100000" b="100000"/>
+          </a:path>
+        </a:gradFill>
+        <a:effectLst/>
+      </p:bgPr>
+    </p:bg>
     <p:spTree>
       <p:nvGrpSpPr>
         <p:cNvPr id="1" name=""/>
@@ -10986,6 +10942,66 @@
           <a:chExt cx="0" cy="0"/>
         </a:xfrm>
       </p:grpSpPr>
+      <p:sp useBgFill="1">
+        <p:nvSpPr>
+          <p:cNvPr id="71" name="Rectangle 70">
+            <a:extLst>
+              <a:ext uri="{FF2B5EF4-FFF2-40B4-BE49-F238E27FC236}">
+                <a16:creationId xmlns:a16="http://schemas.microsoft.com/office/drawing/2014/main" id="{3F4C104D-5F30-4811-9376-566B26E4719A}"/>
+              </a:ext>
+              <a:ext uri="{C183D7F6-B498-43B3-948B-1728B52AA6E4}">
+                <adec:decorative xmlns:adec="http://schemas.microsoft.com/office/drawing/2017/decorative" val="1"/>
+              </a:ext>
+            </a:extLst>
+          </p:cNvPr>
+          <p:cNvSpPr>
+            <a:spLocks noGrp="1" noRot="1" noChangeAspect="1" noMove="1" noResize="1" noEditPoints="1" noAdjustHandles="1" noChangeArrowheads="1" noChangeShapeType="1" noTextEdit="1"/>
+          </p:cNvSpPr>
+          <p:nvPr>
+            <p:extLst>
+              <p:ext uri="{386F3935-93C4-4BCD-93E2-E3B085C9AB24}">
+                <p16:designElem xmlns:p16="http://schemas.microsoft.com/office/powerpoint/2015/main" val="1"/>
+              </p:ext>
+            </p:extLst>
+          </p:nvPr>
+        </p:nvSpPr>
+        <p:spPr>
+          <a:xfrm>
+            <a:off x="0" y="-786"/>
+            <a:ext cx="12192000" cy="6854038"/>
+          </a:xfrm>
+          <a:prstGeom prst="rect">
+            <a:avLst/>
+          </a:prstGeom>
+          <a:ln>
+            <a:noFill/>
+          </a:ln>
+        </p:spPr>
+        <p:style>
+          <a:lnRef idx="2">
+            <a:schemeClr val="accent1">
+              <a:shade val="50000"/>
+            </a:schemeClr>
+          </a:lnRef>
+          <a:fillRef idx="1">
+            <a:schemeClr val="accent1"/>
+          </a:fillRef>
+          <a:effectRef idx="0">
+            <a:schemeClr val="accent1"/>
+          </a:effectRef>
+          <a:fontRef idx="minor">
+            <a:schemeClr val="lt1"/>
+          </a:fontRef>
+        </p:style>
+        <p:txBody>
+          <a:bodyPr rtlCol="0" anchor="ctr"/>
+          <a:lstStyle/>
+          <a:p>
+            <a:pPr algn="ctr"/>
+            <a:endParaRPr lang="en-US"/>
+          </a:p>
+        </p:txBody>
+      </p:sp>
       <p:sp>
         <p:nvSpPr>
           <p:cNvPr id="2" name="Title 1"/>
@@ -10996,45 +11012,378 @@
             <p:ph type="title"/>
           </p:nvPr>
         </p:nvSpPr>
-        <p:spPr/>
-        <p:txBody>
-          <a:bodyPr/>
-          <a:lstStyle/>
-          <a:p>
-            <a:r>
-              <a:rPr lang="en-US" dirty="0" smtClean="0"/>
+        <p:spPr>
+          <a:xfrm>
+            <a:off x="649224" y="645106"/>
+            <a:ext cx="3650279" cy="1259894"/>
+          </a:xfrm>
+        </p:spPr>
+        <p:txBody>
+          <a:bodyPr>
+            <a:normAutofit/>
+          </a:bodyPr>
+          <a:lstStyle/>
+          <a:p>
+            <a:r>
+              <a:rPr lang="en-US" dirty="0"/>
               <a:t>Reverse MGF</a:t>
             </a:r>
+          </a:p>
+        </p:txBody>
+      </p:sp>
+      <p:sp>
+        <p:nvSpPr>
+          <p:cNvPr id="73" name="Rectangle 72">
+            <a:extLst>
+              <a:ext uri="{FF2B5EF4-FFF2-40B4-BE49-F238E27FC236}">
+                <a16:creationId xmlns:a16="http://schemas.microsoft.com/office/drawing/2014/main" id="{0815E34B-5D02-4E01-A936-E8E1C0AB6F12}"/>
+              </a:ext>
+              <a:ext uri="{C183D7F6-B498-43B3-948B-1728B52AA6E4}">
+                <adec:decorative xmlns:adec="http://schemas.microsoft.com/office/drawing/2017/decorative" val="1"/>
+              </a:ext>
+            </a:extLst>
+          </p:cNvPr>
+          <p:cNvSpPr>
+            <a:spLocks noGrp="1" noRot="1" noChangeAspect="1" noMove="1" noResize="1" noEditPoints="1" noAdjustHandles="1" noChangeArrowheads="1" noChangeShapeType="1" noTextEdit="1"/>
+          </p:cNvSpPr>
+          <p:nvPr>
+            <p:extLst>
+              <p:ext uri="{386F3935-93C4-4BCD-93E2-E3B085C9AB24}">
+                <p16:designElem xmlns:p16="http://schemas.microsoft.com/office/powerpoint/2015/main" val="1"/>
+              </p:ext>
+            </p:extLst>
+          </p:nvPr>
+        </p:nvSpPr>
+        <p:spPr>
+          <a:xfrm>
+            <a:off x="0" y="0"/>
+            <a:ext cx="182880" cy="6858000"/>
+          </a:xfrm>
+          <a:prstGeom prst="rect">
+            <a:avLst/>
+          </a:prstGeom>
+          <a:solidFill>
+            <a:schemeClr val="tx2"/>
+          </a:solidFill>
+          <a:ln>
+            <a:noFill/>
+          </a:ln>
+          <a:effectLst/>
+        </p:spPr>
+        <p:style>
+          <a:lnRef idx="1">
+            <a:schemeClr val="accent1"/>
+          </a:lnRef>
+          <a:fillRef idx="3">
+            <a:schemeClr val="accent1"/>
+          </a:fillRef>
+          <a:effectRef idx="2">
+            <a:schemeClr val="accent1"/>
+          </a:effectRef>
+          <a:fontRef idx="minor">
+            <a:schemeClr val="lt1"/>
+          </a:fontRef>
+        </p:style>
+      </p:sp>
+      <p:sp>
+        <p:nvSpPr>
+          <p:cNvPr id="3" name="Content Placeholder 2"/>
+          <p:cNvSpPr>
+            <a:spLocks noGrp="1"/>
+          </p:cNvSpPr>
+          <p:nvPr>
+            <p:ph idx="1"/>
+          </p:nvPr>
+        </p:nvSpPr>
+        <p:spPr>
+          <a:xfrm>
+            <a:off x="649225" y="2133600"/>
+            <a:ext cx="3650278" cy="3759253"/>
+          </a:xfrm>
+        </p:spPr>
+        <p:txBody>
+          <a:bodyPr>
+            <a:normAutofit/>
+          </a:bodyPr>
+          <a:lstStyle/>
+          <a:p>
+            <a:r>
+              <a:rPr lang="en-US" dirty="0"/>
+              <a:t>Takes an MGF file and FASTA file of peptides as input.</a:t>
+            </a:r>
+          </a:p>
+          <a:p>
+            <a:r>
+              <a:rPr lang="en-US" dirty="0"/>
+              <a:t>For each peptide, it computes every spectra in the MGF file that matches based on precursor mass comparison and b/y ion comparison.</a:t>
+            </a:r>
+          </a:p>
+          <a:p>
             <a:endParaRPr lang="en-US" dirty="0"/>
           </a:p>
         </p:txBody>
       </p:sp>
-      <p:sp>
-        <p:nvSpPr>
-          <p:cNvPr id="3" name="Content Placeholder 2"/>
-          <p:cNvSpPr>
-            <a:spLocks noGrp="1"/>
-          </p:cNvSpPr>
-          <p:nvPr>
-            <p:ph idx="1"/>
-          </p:nvPr>
-        </p:nvSpPr>
-        <p:spPr/>
-        <p:txBody>
-          <a:bodyPr/>
-          <a:lstStyle/>
-          <a:p>
-            <a:r>
-              <a:rPr lang="en-US" dirty="0" smtClean="0"/>
-              <a:t>Takes an MGF file and FASTA file of peptides as input.</a:t>
-            </a:r>
-          </a:p>
-          <a:p>
-            <a:r>
-              <a:rPr lang="en-US" dirty="0" smtClean="0"/>
-              <a:t>For each peptide, it computes which spectra in the MGF file match based on b/y ion and precursor mass comparison.</a:t>
-            </a:r>
-            <a:endParaRPr lang="en-US" dirty="0"/>
+      <p:pic>
+        <p:nvPicPr>
+          <p:cNvPr id="1026" name="Picture 2" descr="https://i.gyazo.com/e75a2dae42734646ef4dc07671178c79.png">
+            <a:extLst>
+              <a:ext uri="{FF2B5EF4-FFF2-40B4-BE49-F238E27FC236}">
+                <a16:creationId xmlns:a16="http://schemas.microsoft.com/office/drawing/2014/main" id="{99657304-B736-40E5-94B7-547654E69046}"/>
+              </a:ext>
+            </a:extLst>
+          </p:cNvPr>
+          <p:cNvPicPr>
+            <a:picLocks noChangeAspect="1" noChangeArrowheads="1"/>
+          </p:cNvPicPr>
+          <p:nvPr/>
+        </p:nvPicPr>
+        <p:blipFill>
+          <a:blip r:embed="rId3">
+            <a:extLst>
+              <a:ext uri="{28A0092B-C50C-407E-A947-70E740481C1C}">
+                <a14:useLocalDpi xmlns:a14="http://schemas.microsoft.com/office/drawing/2010/main" val="0"/>
+              </a:ext>
+            </a:extLst>
+          </a:blip>
+          <a:srcRect/>
+          <a:stretch>
+            <a:fillRect/>
+          </a:stretch>
+        </p:blipFill>
+        <p:spPr bwMode="auto">
+          <a:xfrm>
+            <a:off x="5388507" y="640080"/>
+            <a:ext cx="5415649" cy="5252773"/>
+          </a:xfrm>
+          <a:prstGeom prst="rect">
+            <a:avLst/>
+          </a:prstGeom>
+          <a:noFill/>
+          <a:extLst>
+            <a:ext uri="{909E8E84-426E-40DD-AFC4-6F175D3DCCD1}">
+              <a14:hiddenFill xmlns:a14="http://schemas.microsoft.com/office/drawing/2010/main">
+                <a:solidFill>
+                  <a:srgbClr val="FFFFFF"/>
+                </a:solidFill>
+              </a14:hiddenFill>
+            </a:ext>
+          </a:extLst>
+        </p:spPr>
+      </p:pic>
+      <p:sp>
+        <p:nvSpPr>
+          <p:cNvPr id="75" name="Freeform 11">
+            <a:extLst>
+              <a:ext uri="{FF2B5EF4-FFF2-40B4-BE49-F238E27FC236}">
+                <a16:creationId xmlns:a16="http://schemas.microsoft.com/office/drawing/2014/main" id="{7DE3414B-B032-4710-A468-D3285E38C5FF}"/>
+              </a:ext>
+              <a:ext uri="{C183D7F6-B498-43B3-948B-1728B52AA6E4}">
+                <adec:decorative xmlns:adec="http://schemas.microsoft.com/office/drawing/2017/decorative" val="1"/>
+              </a:ext>
+            </a:extLst>
+          </p:cNvPr>
+          <p:cNvSpPr>
+            <a:spLocks noGrp="1" noRot="1" noChangeAspect="1" noMove="1" noResize="1" noEditPoints="1" noAdjustHandles="1" noChangeArrowheads="1" noChangeShapeType="1" noTextEdit="1"/>
+          </p:cNvSpPr>
+          <p:nvPr>
+            <p:extLst>
+              <p:ext uri="{386F3935-93C4-4BCD-93E2-E3B085C9AB24}">
+                <p16:designElem xmlns:p16="http://schemas.microsoft.com/office/powerpoint/2015/main" val="1"/>
+              </p:ext>
+            </p:extLst>
+          </p:nvPr>
+        </p:nvSpPr>
+        <p:spPr>
+          <a:xfrm>
+            <a:off x="-1" y="6061223"/>
+            <a:ext cx="1038036" cy="506277"/>
+          </a:xfrm>
+          <a:custGeom>
+            <a:avLst/>
+            <a:gdLst>
+              <a:gd name="connsiteX0" fmla="*/ 0 w 1038036"/>
+              <a:gd name="connsiteY0" fmla="*/ 0 h 506277"/>
+              <a:gd name="connsiteX1" fmla="*/ 182880 w 1038036"/>
+              <a:gd name="connsiteY1" fmla="*/ 0 h 506277"/>
+              <a:gd name="connsiteX2" fmla="*/ 291705 w 1038036"/>
+              <a:gd name="connsiteY2" fmla="*/ 0 h 506277"/>
+              <a:gd name="connsiteX3" fmla="*/ 291705 w 1038036"/>
+              <a:gd name="connsiteY3" fmla="*/ 151 h 506277"/>
+              <a:gd name="connsiteX4" fmla="*/ 692049 w 1038036"/>
+              <a:gd name="connsiteY4" fmla="*/ 705 h 506277"/>
+              <a:gd name="connsiteX5" fmla="*/ 782744 w 1038036"/>
+              <a:gd name="connsiteY5" fmla="*/ 705 h 506277"/>
+              <a:gd name="connsiteX6" fmla="*/ 797001 w 1038036"/>
+              <a:gd name="connsiteY6" fmla="*/ 5473 h 506277"/>
+              <a:gd name="connsiteX7" fmla="*/ 801982 w 1038036"/>
+              <a:gd name="connsiteY7" fmla="*/ 10242 h 506277"/>
+              <a:gd name="connsiteX8" fmla="*/ 1030951 w 1038036"/>
+              <a:gd name="connsiteY8" fmla="*/ 239185 h 506277"/>
+              <a:gd name="connsiteX9" fmla="*/ 1030951 w 1038036"/>
+              <a:gd name="connsiteY9" fmla="*/ 267797 h 506277"/>
+              <a:gd name="connsiteX10" fmla="*/ 801982 w 1038036"/>
+              <a:gd name="connsiteY10" fmla="*/ 496740 h 506277"/>
+              <a:gd name="connsiteX11" fmla="*/ 797001 w 1038036"/>
+              <a:gd name="connsiteY11" fmla="*/ 501508 h 506277"/>
+              <a:gd name="connsiteX12" fmla="*/ 782744 w 1038036"/>
+              <a:gd name="connsiteY12" fmla="*/ 506277 h 506277"/>
+              <a:gd name="connsiteX13" fmla="*/ 692049 w 1038036"/>
+              <a:gd name="connsiteY13" fmla="*/ 506277 h 506277"/>
+              <a:gd name="connsiteX14" fmla="*/ 291705 w 1038036"/>
+              <a:gd name="connsiteY14" fmla="*/ 505140 h 506277"/>
+              <a:gd name="connsiteX15" fmla="*/ 291705 w 1038036"/>
+              <a:gd name="connsiteY15" fmla="*/ 506277 h 506277"/>
+              <a:gd name="connsiteX16" fmla="*/ 0 w 1038036"/>
+              <a:gd name="connsiteY16" fmla="*/ 506277 h 506277"/>
+            </a:gdLst>
+            <a:ahLst/>
+            <a:cxnLst>
+              <a:cxn ang="0">
+                <a:pos x="connsiteX0" y="connsiteY0"/>
+              </a:cxn>
+              <a:cxn ang="0">
+                <a:pos x="connsiteX1" y="connsiteY1"/>
+              </a:cxn>
+              <a:cxn ang="0">
+                <a:pos x="connsiteX2" y="connsiteY2"/>
+              </a:cxn>
+              <a:cxn ang="0">
+                <a:pos x="connsiteX3" y="connsiteY3"/>
+              </a:cxn>
+              <a:cxn ang="0">
+                <a:pos x="connsiteX4" y="connsiteY4"/>
+              </a:cxn>
+              <a:cxn ang="0">
+                <a:pos x="connsiteX5" y="connsiteY5"/>
+              </a:cxn>
+              <a:cxn ang="0">
+                <a:pos x="connsiteX6" y="connsiteY6"/>
+              </a:cxn>
+              <a:cxn ang="0">
+                <a:pos x="connsiteX7" y="connsiteY7"/>
+              </a:cxn>
+              <a:cxn ang="0">
+                <a:pos x="connsiteX8" y="connsiteY8"/>
+              </a:cxn>
+              <a:cxn ang="0">
+                <a:pos x="connsiteX9" y="connsiteY9"/>
+              </a:cxn>
+              <a:cxn ang="0">
+                <a:pos x="connsiteX10" y="connsiteY10"/>
+              </a:cxn>
+              <a:cxn ang="0">
+                <a:pos x="connsiteX11" y="connsiteY11"/>
+              </a:cxn>
+              <a:cxn ang="0">
+                <a:pos x="connsiteX12" y="connsiteY12"/>
+              </a:cxn>
+              <a:cxn ang="0">
+                <a:pos x="connsiteX13" y="connsiteY13"/>
+              </a:cxn>
+              <a:cxn ang="0">
+                <a:pos x="connsiteX14" y="connsiteY14"/>
+              </a:cxn>
+              <a:cxn ang="0">
+                <a:pos x="connsiteX15" y="connsiteY15"/>
+              </a:cxn>
+              <a:cxn ang="0">
+                <a:pos x="connsiteX16" y="connsiteY16"/>
+              </a:cxn>
+            </a:cxnLst>
+            <a:rect l="l" t="t" r="r" b="b"/>
+            <a:pathLst>
+              <a:path w="1038036" h="506277">
+                <a:moveTo>
+                  <a:pt x="0" y="0"/>
+                </a:moveTo>
+                <a:lnTo>
+                  <a:pt x="182880" y="0"/>
+                </a:lnTo>
+                <a:lnTo>
+                  <a:pt x="291705" y="0"/>
+                </a:lnTo>
+                <a:lnTo>
+                  <a:pt x="291705" y="151"/>
+                </a:lnTo>
+                <a:lnTo>
+                  <a:pt x="692049" y="705"/>
+                </a:lnTo>
+                <a:lnTo>
+                  <a:pt x="782744" y="705"/>
+                </a:lnTo>
+                <a:cubicBezTo>
+                  <a:pt x="787553" y="705"/>
+                  <a:pt x="792363" y="5473"/>
+                  <a:pt x="797001" y="5473"/>
+                </a:cubicBezTo>
+                <a:cubicBezTo>
+                  <a:pt x="797001" y="10242"/>
+                  <a:pt x="801982" y="10242"/>
+                  <a:pt x="801982" y="10242"/>
+                </a:cubicBezTo>
+                <a:lnTo>
+                  <a:pt x="1030951" y="239185"/>
+                </a:lnTo>
+                <a:cubicBezTo>
+                  <a:pt x="1040398" y="248722"/>
+                  <a:pt x="1040398" y="258259"/>
+                  <a:pt x="1030951" y="267797"/>
+                </a:cubicBezTo>
+                <a:lnTo>
+                  <a:pt x="801982" y="496740"/>
+                </a:lnTo>
+                <a:cubicBezTo>
+                  <a:pt x="800436" y="498363"/>
+                  <a:pt x="798547" y="499885"/>
+                  <a:pt x="797001" y="501508"/>
+                </a:cubicBezTo>
+                <a:cubicBezTo>
+                  <a:pt x="792363" y="506277"/>
+                  <a:pt x="787553" y="506277"/>
+                  <a:pt x="782744" y="506277"/>
+                </a:cubicBezTo>
+                <a:lnTo>
+                  <a:pt x="692049" y="506277"/>
+                </a:lnTo>
+                <a:lnTo>
+                  <a:pt x="291705" y="505140"/>
+                </a:lnTo>
+                <a:lnTo>
+                  <a:pt x="291705" y="506277"/>
+                </a:lnTo>
+                <a:lnTo>
+                  <a:pt x="0" y="506277"/>
+                </a:lnTo>
+                <a:close/>
+              </a:path>
+            </a:pathLst>
+          </a:custGeom>
+          <a:ln>
+            <a:noFill/>
+          </a:ln>
+        </p:spPr>
+        <p:style>
+          <a:lnRef idx="2">
+            <a:schemeClr val="accent1">
+              <a:shade val="50000"/>
+            </a:schemeClr>
+          </a:lnRef>
+          <a:fillRef idx="1">
+            <a:schemeClr val="accent1"/>
+          </a:fillRef>
+          <a:effectRef idx="0">
+            <a:schemeClr val="accent1"/>
+          </a:effectRef>
+          <a:fontRef idx="minor">
+            <a:schemeClr val="lt1"/>
+          </a:fontRef>
+        </p:style>
+        <p:txBody>
+          <a:bodyPr rtlCol="0" anchor="ctr"/>
+          <a:lstStyle/>
+          <a:p>
+            <a:pPr algn="ctr"/>
+            <a:endParaRPr lang="en-US"/>
           </a:p>
         </p:txBody>
       </p:sp>
@@ -11084,10 +11433,9 @@
           <a:lstStyle/>
           <a:p>
             <a:r>
-              <a:rPr lang="en-US" dirty="0" smtClean="0"/>
+              <a:rPr lang="en-US" dirty="0"/>
               <a:t>Future Work on These Programs</a:t>
             </a:r>
-            <a:endParaRPr lang="en-US" dirty="0"/>
           </a:p>
         </p:txBody>
       </p:sp>
@@ -11107,33 +11455,33 @@
           <a:lstStyle/>
           <a:p>
             <a:r>
-              <a:rPr lang="en-US" dirty="0" smtClean="0"/>
+              <a:rPr lang="en-US" dirty="0"/>
               <a:t>Run time tests on Reverse MGF and Reverse Splice</a:t>
             </a:r>
           </a:p>
           <a:p>
             <a:r>
-              <a:rPr lang="en-US" dirty="0" smtClean="0"/>
+              <a:rPr lang="en-US" dirty="0"/>
               <a:t>Possibly look to incorporate the Splicing Program memory threshold checking and process generation</a:t>
             </a:r>
           </a:p>
           <a:p>
             <a:r>
-              <a:rPr lang="en-US" dirty="0" smtClean="0"/>
+              <a:rPr lang="en-US" dirty="0"/>
               <a:t>Documentation</a:t>
             </a:r>
             <a:r>
-              <a:rPr lang="mr-IN" dirty="0" smtClean="0"/>
+              <a:rPr lang="mr-IN" dirty="0"/>
               <a:t>…</a:t>
             </a:r>
             <a:r>
-              <a:rPr lang="en-AU" dirty="0" smtClean="0"/>
+              <a:rPr lang="en-AU" dirty="0"/>
               <a:t>.</a:t>
             </a:r>
           </a:p>
           <a:p>
             <a:r>
-              <a:rPr lang="en-AU" dirty="0" smtClean="0"/>
+              <a:rPr lang="en-AU" dirty="0"/>
               <a:t>Look to run on MASSIVE is feasible</a:t>
             </a:r>
             <a:endParaRPr lang="en-US" dirty="0"/>
@@ -11186,10 +11534,9 @@
           <a:lstStyle/>
           <a:p>
             <a:r>
-              <a:rPr lang="en-US" dirty="0" smtClean="0"/>
+              <a:rPr lang="en-US" dirty="0"/>
               <a:t>Machine Learning</a:t>
             </a:r>
-            <a:endParaRPr lang="en-US" dirty="0"/>
           </a:p>
         </p:txBody>
       </p:sp>
@@ -11214,37 +11561,33 @@
           <a:lstStyle/>
           <a:p>
             <a:r>
-              <a:rPr lang="en-US" dirty="0" smtClean="0"/>
-              <a:t>Predict b/y ion intensity based on </a:t>
-            </a:r>
-            <a:r>
-              <a:rPr lang="en-US" dirty="0" smtClean="0"/>
-              <a:t>the precursor sequence and b/y ion sequence.</a:t>
-            </a:r>
-          </a:p>
-          <a:p>
-            <a:r>
-              <a:rPr lang="en-US" dirty="0" smtClean="0"/>
+              <a:rPr lang="en-US" dirty="0"/>
+              <a:t>Predict b/y ion intensity based on the precursor sequence and b/y ion sequence.</a:t>
+            </a:r>
+          </a:p>
+          <a:p>
+            <a:r>
+              <a:rPr lang="en-US" dirty="0"/>
               <a:t>Currently ion intensities are not used effectively in the peptide prediction process.</a:t>
             </a:r>
           </a:p>
           <a:p>
             <a:pPr lvl="1"/>
             <a:r>
-              <a:rPr lang="en-US" dirty="0" smtClean="0"/>
+              <a:rPr lang="en-US" dirty="0"/>
               <a:t>We have only been using m/z of spectra in our program.</a:t>
             </a:r>
           </a:p>
           <a:p>
             <a:r>
-              <a:rPr lang="en-US" dirty="0" smtClean="0"/>
+              <a:rPr lang="en-US" dirty="0"/>
               <a:t>A number of projects have successfully used ion sequence data to predict intensity.</a:t>
             </a:r>
           </a:p>
           <a:p>
             <a:pPr lvl="1"/>
             <a:r>
-              <a:rPr lang="en-US" dirty="0" smtClean="0"/>
+              <a:rPr lang="en-US" dirty="0"/>
               <a:t>To incorporate it into our programs we were hoping to specifically do so for b/y ions.</a:t>
             </a:r>
           </a:p>
@@ -11324,18 +11667,17 @@
           <a:lstStyle/>
           <a:p>
             <a:r>
-              <a:rPr lang="en-US" dirty="0" smtClean="0"/>
+              <a:rPr lang="en-US" dirty="0"/>
               <a:t>Machine Learning </a:t>
             </a:r>
             <a:r>
-              <a:rPr lang="mr-IN" dirty="0" smtClean="0"/>
+              <a:rPr lang="mr-IN" dirty="0"/>
               <a:t>–</a:t>
             </a:r>
             <a:r>
-              <a:rPr lang="en-US" dirty="0" smtClean="0"/>
+              <a:rPr lang="en-US" dirty="0"/>
               <a:t> Basic Neural Network</a:t>
             </a:r>
-            <a:endParaRPr lang="en-US" dirty="0"/>
           </a:p>
         </p:txBody>
       </p:sp>
@@ -11360,16 +11702,15 @@
           <a:lstStyle/>
           <a:p>
             <a:r>
-              <a:rPr lang="en-US" dirty="0" smtClean="0"/>
+              <a:rPr lang="en-US" dirty="0"/>
               <a:t>Early attempts to solve this problem used simple neural nets with 1 or two hidden layers.</a:t>
             </a:r>
           </a:p>
           <a:p>
             <a:r>
-              <a:rPr lang="en-US" dirty="0" smtClean="0"/>
+              <a:rPr lang="en-US" dirty="0"/>
               <a:t>It was shown to improve peptide recognition when incorporated into existing workflows.</a:t>
             </a:r>
-            <a:endParaRPr lang="en-US" dirty="0"/>
           </a:p>
         </p:txBody>
       </p:sp>
@@ -11424,13 +11765,6 @@
   <p:clrMapOvr>
     <a:masterClrMapping/>
   </p:clrMapOvr>
-  <p:timing>
-    <p:tnLst>
-      <p:par>
-        <p:cTn id="1" dur="indefinite" restart="never" nodeType="tmRoot"/>
-      </p:par>
-    </p:tnLst>
-  </p:timing>
 </p:sld>
 </file>
 
@@ -11471,14 +11805,13 @@
               <a:t>Machine Learning </a:t>
             </a:r>
             <a:r>
-              <a:rPr lang="mr-IN" dirty="0" smtClean="0"/>
+              <a:rPr lang="mr-IN" dirty="0"/>
               <a:t>–</a:t>
             </a:r>
             <a:r>
-              <a:rPr lang="en-US" dirty="0" smtClean="0"/>
+              <a:rPr lang="en-US" dirty="0"/>
               <a:t> Recurrent Neural Networks</a:t>
             </a:r>
-            <a:endParaRPr lang="en-US" dirty="0"/>
           </a:p>
         </p:txBody>
       </p:sp>
@@ -11503,29 +11836,28 @@
           <a:lstStyle/>
           <a:p>
             <a:r>
-              <a:rPr lang="en-US" dirty="0" smtClean="0"/>
+              <a:rPr lang="en-US" dirty="0"/>
               <a:t>More recent work has shown recurrent neural networks are superior for intensity prediction.</a:t>
             </a:r>
           </a:p>
           <a:p>
             <a:r>
-              <a:rPr lang="en-US" dirty="0" smtClean="0"/>
+              <a:rPr lang="en-US" dirty="0"/>
               <a:t>Instead of taking an individual input and calculating the output, recurrent networks take a set of inputs and calculate the corresponding set of outputs simultaneously.</a:t>
             </a:r>
           </a:p>
           <a:p>
             <a:pPr lvl="1"/>
             <a:r>
-              <a:rPr lang="en-US" dirty="0" smtClean="0"/>
+              <a:rPr lang="en-US" dirty="0"/>
               <a:t>They take into account the result of the previous output when calculating a given output</a:t>
             </a:r>
           </a:p>
           <a:p>
             <a:r>
-              <a:rPr lang="en-US" dirty="0" smtClean="0"/>
+              <a:rPr lang="en-US" dirty="0"/>
               <a:t>Such a network would be able to predict how the intensities of a previous b/y ion pair affect the intensities of the next pair. </a:t>
             </a:r>
-            <a:endParaRPr lang="en-US" dirty="0"/>
           </a:p>
         </p:txBody>
       </p:sp>
@@ -11580,13 +11912,6 @@
   <p:clrMapOvr>
     <a:masterClrMapping/>
   </p:clrMapOvr>
-  <p:timing>
-    <p:tnLst>
-      <p:par>
-        <p:cTn id="1" dur="indefinite" restart="never" nodeType="tmRoot"/>
-      </p:par>
-    </p:tnLst>
-  </p:timing>
 </p:sld>
 </file>
 
@@ -11623,18 +11948,17 @@
           <a:lstStyle/>
           <a:p>
             <a:r>
-              <a:rPr lang="en-US" dirty="0" smtClean="0"/>
+              <a:rPr lang="en-US" dirty="0"/>
               <a:t>Machine Learning </a:t>
             </a:r>
             <a:r>
-              <a:rPr lang="mr-IN" dirty="0" smtClean="0"/>
+              <a:rPr lang="mr-IN" dirty="0"/>
               <a:t>–</a:t>
             </a:r>
             <a:r>
-              <a:rPr lang="en-US" dirty="0" smtClean="0"/>
+              <a:rPr lang="en-US" dirty="0"/>
               <a:t> Our Proposed Model</a:t>
             </a:r>
-            <a:endParaRPr lang="en-US" dirty="0"/>
           </a:p>
         </p:txBody>
       </p:sp>
@@ -11661,109 +11985,101 @@
           <a:lstStyle/>
           <a:p>
             <a:r>
-              <a:rPr lang="en-US" dirty="0" smtClean="0"/>
+              <a:rPr lang="en-US" dirty="0"/>
               <a:t>Bi-lateral recurrent neural network: considers the output before AND after when calculating a given predicted intensity</a:t>
             </a:r>
           </a:p>
           <a:p>
             <a:r>
-              <a:rPr lang="en-US" dirty="0" smtClean="0"/>
+              <a:rPr lang="en-US" dirty="0"/>
               <a:t>Treat a b/y ion cleavage site as a unique input</a:t>
             </a:r>
           </a:p>
           <a:p>
             <a:r>
               <a:rPr lang="en-US" dirty="0"/>
-              <a:t>For each protein we have a set cleavage site </a:t>
-            </a:r>
-            <a:r>
-              <a:rPr lang="en-US" dirty="0" smtClean="0"/>
-              <a:t>inputs which is fed into the network</a:t>
-            </a:r>
-          </a:p>
-          <a:p>
-            <a:r>
-              <a:rPr lang="en-US" dirty="0" smtClean="0"/>
+              <a:t>For each protein we have a set cleavage site inputs which is fed into the network</a:t>
+            </a:r>
+          </a:p>
+          <a:p>
+            <a:r>
+              <a:rPr lang="en-US" dirty="0"/>
               <a:t>Each input includes the following data:</a:t>
             </a:r>
           </a:p>
           <a:p>
             <a:pPr lvl="1"/>
             <a:r>
-              <a:rPr lang="en-US" dirty="0" smtClean="0"/>
+              <a:rPr lang="en-US" dirty="0"/>
               <a:t>Encoded precursor sequence </a:t>
             </a:r>
           </a:p>
           <a:p>
             <a:pPr lvl="1"/>
             <a:r>
-              <a:rPr lang="en-US" dirty="0" err="1" smtClean="0"/>
+              <a:rPr lang="en-US" dirty="0" err="1"/>
               <a:t>Normalised</a:t>
             </a:r>
             <a:r>
               <a:rPr lang="en-US" dirty="0"/>
-              <a:t> </a:t>
-            </a:r>
-            <a:r>
-              <a:rPr lang="en-US" dirty="0" smtClean="0"/>
-              <a:t>precursor mass</a:t>
+              <a:t> precursor mass</a:t>
             </a:r>
           </a:p>
           <a:p>
             <a:pPr lvl="1"/>
             <a:r>
-              <a:rPr lang="en-US" dirty="0" err="1" smtClean="0"/>
+              <a:rPr lang="en-US" dirty="0" err="1"/>
               <a:t>Normalised</a:t>
             </a:r>
             <a:r>
-              <a:rPr lang="en-US" dirty="0" smtClean="0"/>
+              <a:rPr lang="en-US" dirty="0"/>
               <a:t> precursor length</a:t>
             </a:r>
           </a:p>
           <a:p>
             <a:pPr lvl="1"/>
             <a:r>
-              <a:rPr lang="en-US" dirty="0" smtClean="0"/>
+              <a:rPr lang="en-US" dirty="0"/>
               <a:t>Encoded first and last amino acids</a:t>
             </a:r>
           </a:p>
           <a:p>
             <a:pPr lvl="1"/>
             <a:r>
-              <a:rPr lang="en-US" dirty="0" err="1" smtClean="0"/>
+              <a:rPr lang="en-US" dirty="0" err="1"/>
               <a:t>Normalised</a:t>
             </a:r>
             <a:r>
-              <a:rPr lang="en-US" dirty="0" smtClean="0"/>
+              <a:rPr lang="en-US" dirty="0"/>
               <a:t> b/y ion lengths</a:t>
             </a:r>
           </a:p>
           <a:p>
             <a:pPr lvl="1"/>
             <a:r>
-              <a:rPr lang="en-US" dirty="0" err="1" smtClean="0"/>
+              <a:rPr lang="en-US" dirty="0" err="1"/>
               <a:t>Normalised</a:t>
             </a:r>
             <a:r>
-              <a:rPr lang="en-US" dirty="0" smtClean="0"/>
+              <a:rPr lang="en-US" dirty="0"/>
               <a:t> b/y ion mass</a:t>
             </a:r>
           </a:p>
           <a:p>
             <a:pPr lvl="1"/>
             <a:r>
-              <a:rPr lang="en-US" dirty="0" err="1" smtClean="0"/>
+              <a:rPr lang="en-US" dirty="0" err="1"/>
               <a:t>Normalised</a:t>
             </a:r>
             <a:r>
-              <a:rPr lang="en-US" dirty="0" smtClean="0"/>
+              <a:rPr lang="en-US" dirty="0"/>
               <a:t> cleavage site number</a:t>
             </a:r>
           </a:p>
           <a:p>
             <a:pPr lvl="1"/>
             <a:r>
-              <a:rPr lang="en-US" dirty="0" smtClean="0"/>
+              <a:rPr lang="en-US" dirty="0"/>
               <a:t>Encoded amino acids either side of cleavage site</a:t>
             </a:r>
           </a:p>
@@ -11895,10 +12211,9 @@
           <a:lstStyle/>
           <a:p>
             <a:r>
-              <a:rPr lang="en-US" dirty="0" smtClean="0"/>
+              <a:rPr lang="en-US" dirty="0"/>
               <a:t>Machine Learning - Progress</a:t>
             </a:r>
-            <a:endParaRPr lang="en-US" dirty="0"/>
           </a:p>
         </p:txBody>
       </p:sp>
@@ -11918,33 +12233,33 @@
           <a:lstStyle/>
           <a:p>
             <a:r>
-              <a:rPr lang="en-US" dirty="0" smtClean="0"/>
+              <a:rPr lang="en-US" dirty="0"/>
               <a:t>We have written the basic code to to create the network.</a:t>
             </a:r>
           </a:p>
           <a:p>
             <a:r>
-              <a:rPr lang="en-US" dirty="0" smtClean="0"/>
+              <a:rPr lang="en-US" dirty="0"/>
               <a:t>Haven’t had time to fine tune the model and set hyper parameters.</a:t>
             </a:r>
           </a:p>
           <a:p>
             <a:pPr lvl="1"/>
             <a:r>
-              <a:rPr lang="en-US" dirty="0" smtClean="0"/>
+              <a:rPr lang="en-US" dirty="0"/>
               <a:t>This is the real challenge in neural network design.</a:t>
             </a:r>
           </a:p>
           <a:p>
             <a:r>
-              <a:rPr lang="en-US" dirty="0" smtClean="0"/>
+              <a:rPr lang="en-US" dirty="0"/>
               <a:t>Ideally, the neural network would be incorporated into our other programs to provide more confident matches between MGF spectra and potential peptides.</a:t>
             </a:r>
           </a:p>
           <a:p>
             <a:pPr lvl="1"/>
             <a:r>
-              <a:rPr lang="en-US" dirty="0" smtClean="0"/>
+              <a:rPr lang="en-US" dirty="0"/>
               <a:t>This is a big task, and we likely won’t have time.</a:t>
             </a:r>
           </a:p>
@@ -12073,15 +12388,7 @@
           <a:p>
             <a:r>
               <a:rPr lang="en-US" dirty="0"/>
-              <a:t>Output </a:t>
-            </a:r>
-            <a:r>
-              <a:rPr lang="en-US" dirty="0" smtClean="0"/>
-              <a:t>FASTA </a:t>
-            </a:r>
-            <a:r>
-              <a:rPr lang="en-US" dirty="0"/>
-              <a:t>File</a:t>
+              <a:t>Output FASTA File</a:t>
             </a:r>
           </a:p>
         </p:txBody>
@@ -12220,13 +12527,6 @@
   <p:clrMapOvr>
     <a:masterClrMapping/>
   </p:clrMapOvr>
-  <p:timing>
-    <p:tnLst>
-      <p:par>
-        <p:cTn id="1" dur="indefinite" restart="never" nodeType="tmRoot"/>
-      </p:par>
-    </p:tnLst>
-  </p:timing>
 </p:sld>
 </file>
 
@@ -12263,10 +12563,9 @@
           <a:lstStyle/>
           <a:p>
             <a:r>
-              <a:rPr lang="en-US" dirty="0" smtClean="0"/>
+              <a:rPr lang="en-US" dirty="0"/>
               <a:t>Flow of Program</a:t>
             </a:r>
-            <a:endParaRPr lang="en-US" dirty="0"/>
           </a:p>
         </p:txBody>
       </p:sp>
@@ -12387,10 +12686,9 @@
           <a:lstStyle/>
           <a:p>
             <a:r>
-              <a:rPr lang="en-US" dirty="0" smtClean="0"/>
+              <a:rPr lang="en-US" dirty="0"/>
               <a:t>New Functions</a:t>
             </a:r>
-            <a:endParaRPr lang="en-US" dirty="0"/>
           </a:p>
         </p:txBody>
       </p:sp>
@@ -12417,75 +12715,75 @@
           <a:lstStyle/>
           <a:p>
             <a:r>
-              <a:rPr lang="en-US" dirty="0" smtClean="0"/>
+              <a:rPr lang="en-US" dirty="0"/>
               <a:t>Upload of multiple FASTA files.</a:t>
             </a:r>
           </a:p>
           <a:p>
             <a:r>
-              <a:rPr lang="en-US" dirty="0" smtClean="0"/>
+              <a:rPr lang="en-US" dirty="0"/>
               <a:t>Produce output without input MGF file.</a:t>
             </a:r>
           </a:p>
           <a:p>
             <a:r>
-              <a:rPr lang="en-US" dirty="0" smtClean="0"/>
+              <a:rPr lang="en-US" dirty="0"/>
               <a:t>Max modification per peptide input.</a:t>
             </a:r>
           </a:p>
           <a:p>
             <a:r>
-              <a:rPr lang="en-US" dirty="0" smtClean="0"/>
+              <a:rPr lang="en-US" dirty="0"/>
               <a:t>New b/y ion comparison algorithm.</a:t>
             </a:r>
           </a:p>
           <a:p>
             <a:r>
-              <a:rPr lang="en-US" dirty="0" smtClean="0"/>
+              <a:rPr lang="en-US" dirty="0"/>
               <a:t>Allow user to input the output file name.</a:t>
             </a:r>
           </a:p>
           <a:p>
             <a:r>
-              <a:rPr lang="en-US" dirty="0" smtClean="0"/>
+              <a:rPr lang="en-US" dirty="0"/>
               <a:t>Added a progress bar which represents the proportion of the output completed.</a:t>
             </a:r>
           </a:p>
           <a:p>
             <a:r>
-              <a:rPr lang="en-US" dirty="0" smtClean="0"/>
+              <a:rPr lang="en-US" dirty="0"/>
               <a:t>Ensured linear peptides aren’t present in cis splicing, and linear and cis aren’t present in trans.</a:t>
             </a:r>
           </a:p>
           <a:p>
             <a:r>
-              <a:rPr lang="en-US" dirty="0" smtClean="0"/>
+              <a:rPr lang="en-US" dirty="0"/>
               <a:t>Added multiprocessing for trans splicing.</a:t>
             </a:r>
           </a:p>
           <a:p>
             <a:r>
-              <a:rPr lang="en-US" dirty="0" smtClean="0"/>
+              <a:rPr lang="en-US" dirty="0"/>
               <a:t>Removal of all peptides that exceed max monoisotopic mass of MGF file before MGF comparison occurs.</a:t>
             </a:r>
           </a:p>
           <a:p>
             <a:r>
-              <a:rPr lang="en-US" dirty="0" smtClean="0"/>
+              <a:rPr lang="en-US" dirty="0"/>
               <a:t>Check that input FASTA file has less than 2000 amino acids in total if trans selected.</a:t>
             </a:r>
           </a:p>
           <a:p>
             <a:r>
-              <a:rPr lang="en-US" dirty="0" smtClean="0"/>
+              <a:rPr lang="en-US" dirty="0"/>
               <a:t>Process generation changes and multiple outputs when memory threshold is reached.</a:t>
             </a:r>
           </a:p>
           <a:p>
-            <a:endParaRPr lang="en-US" dirty="0" smtClean="0"/>
-          </a:p>
-          <a:p>
-            <a:endParaRPr lang="en-US" dirty="0" smtClean="0"/>
+            <a:endParaRPr lang="en-US" dirty="0"/>
+          </a:p>
+          <a:p>
+            <a:endParaRPr lang="en-US" dirty="0"/>
           </a:p>
           <a:p>
             <a:endParaRPr lang="en-US" dirty="0"/>
@@ -12502,13 +12800,6 @@
   <p:clrMapOvr>
     <a:masterClrMapping/>
   </p:clrMapOvr>
-  <p:timing>
-    <p:tnLst>
-      <p:par>
-        <p:cTn id="1" dur="indefinite" restart="never" nodeType="tmRoot"/>
-      </p:par>
-    </p:tnLst>
-  </p:timing>
 </p:sld>
 </file>
 
@@ -12545,18 +12836,17 @@
           <a:lstStyle/>
           <a:p>
             <a:r>
-              <a:rPr lang="en-US" dirty="0" smtClean="0"/>
+              <a:rPr lang="en-US" dirty="0"/>
               <a:t>New Functions </a:t>
             </a:r>
             <a:r>
-              <a:rPr lang="mr-IN" dirty="0" smtClean="0"/>
+              <a:rPr lang="mr-IN" dirty="0"/>
               <a:t>–</a:t>
             </a:r>
             <a:r>
-              <a:rPr lang="en-US" dirty="0" smtClean="0"/>
+              <a:rPr lang="en-US" dirty="0"/>
               <a:t> Custom Modifications</a:t>
             </a:r>
-            <a:endParaRPr lang="en-US" dirty="0"/>
           </a:p>
         </p:txBody>
       </p:sp>
@@ -12581,22 +12871,21 @@
           <a:lstStyle/>
           <a:p>
             <a:r>
-              <a:rPr lang="en-US" dirty="0" smtClean="0"/>
+              <a:rPr lang="en-US" dirty="0"/>
               <a:t>Enables the user to create their own modifications.</a:t>
             </a:r>
           </a:p>
           <a:p>
             <a:r>
-              <a:rPr lang="en-US" dirty="0" smtClean="0"/>
+              <a:rPr lang="en-US" dirty="0"/>
               <a:t>Selecting ”Custom Mod” from the drop down box opens a new window.</a:t>
             </a:r>
           </a:p>
           <a:p>
             <a:r>
-              <a:rPr lang="en-US" dirty="0" smtClean="0"/>
+              <a:rPr lang="en-US" dirty="0"/>
               <a:t>The new mod is added to the list if all information has been input correctly. </a:t>
             </a:r>
-            <a:endParaRPr lang="en-US" dirty="0"/>
           </a:p>
         </p:txBody>
       </p:sp>
@@ -12658,13 +12947,6 @@
   <p:clrMapOvr>
     <a:masterClrMapping/>
   </p:clrMapOvr>
-  <p:timing>
-    <p:tnLst>
-      <p:par>
-        <p:cTn id="1" dur="indefinite" restart="never" nodeType="tmRoot"/>
-      </p:par>
-    </p:tnLst>
-  </p:timing>
 </p:sld>
 </file>
 

--- a/SecondLabPresentation.pptx
+++ b/SecondLabPresentation.pptx
@@ -623,19 +623,11 @@
           <a:p>
             <a:r>
               <a:rPr lang="en-US" dirty="0"/>
-              <a:t>Conducted</a:t>
+              <a:t>Explain</a:t>
             </a:r>
             <a:r>
               <a:rPr lang="en-US" baseline="0" dirty="0"/>
-              <a:t> with min trans cleavage length equal to 6. Explain the affect this has on the output with respect to what cis and </a:t>
-            </a:r>
-            <a:r>
-              <a:rPr lang="en-US" baseline="0" dirty="0" err="1"/>
-              <a:t>lin</a:t>
-            </a:r>
-            <a:r>
-              <a:rPr lang="en-US" baseline="0" dirty="0"/>
-              <a:t> looks like.</a:t>
+              <a:t> that the count is not entirely accurate.</a:t>
             </a:r>
             <a:endParaRPr lang="en-US" dirty="0"/>
           </a:p>
@@ -658,7 +650,7 @@
           <a:p>
             <a:fld id="{7E9FF854-EBCF-BA4F-BEA7-33B6A492EBD7}" type="slidenum">
               <a:rPr lang="en-US" smtClean="0"/>
-              <a:t>23</a:t>
+              <a:t>12</a:t>
             </a:fld>
             <a:endParaRPr lang="en-US"/>
           </a:p>
@@ -667,7 +659,7 @@
     </p:spTree>
     <p:extLst>
       <p:ext uri="{BB962C8B-B14F-4D97-AF65-F5344CB8AC3E}">
-        <p14:creationId xmlns:p14="http://schemas.microsoft.com/office/powerpoint/2010/main" val="1840087678"/>
+        <p14:creationId xmlns:p14="http://schemas.microsoft.com/office/powerpoint/2010/main" val="176284201"/>
       </p:ext>
     </p:extLst>
   </p:cSld>
@@ -721,7 +713,7 @@
           <a:bodyPr/>
           <a:lstStyle/>
           <a:p>
-            <a:endParaRPr lang="en-AU" dirty="0"/>
+            <a:endParaRPr lang="en-US" dirty="0"/>
           </a:p>
         </p:txBody>
       </p:sp>
@@ -732,7 +724,7 @@
             <a:spLocks noGrp="1"/>
           </p:cNvSpPr>
           <p:nvPr>
-            <p:ph type="sldNum" sz="quarter" idx="5"/>
+            <p:ph type="sldNum" sz="quarter" idx="10"/>
           </p:nvPr>
         </p:nvSpPr>
         <p:spPr/>
@@ -742,7 +734,7 @@
           <a:p>
             <a:fld id="{7E9FF854-EBCF-BA4F-BEA7-33B6A492EBD7}" type="slidenum">
               <a:rPr lang="en-US" smtClean="0"/>
-              <a:t>24</a:t>
+              <a:t>20</a:t>
             </a:fld>
             <a:endParaRPr lang="en-US"/>
           </a:p>
@@ -751,7 +743,7 @@
     </p:spTree>
     <p:extLst>
       <p:ext uri="{BB962C8B-B14F-4D97-AF65-F5344CB8AC3E}">
-        <p14:creationId xmlns:p14="http://schemas.microsoft.com/office/powerpoint/2010/main" val="3735461603"/>
+        <p14:creationId xmlns:p14="http://schemas.microsoft.com/office/powerpoint/2010/main" val="1370019911"/>
       </p:ext>
     </p:extLst>
   </p:cSld>
@@ -805,6 +797,190 @@
           <a:bodyPr/>
           <a:lstStyle/>
           <a:p>
+            <a:r>
+              <a:rPr lang="en-US" dirty="0"/>
+              <a:t>Conducted</a:t>
+            </a:r>
+            <a:r>
+              <a:rPr lang="en-US" baseline="0" dirty="0"/>
+              <a:t> with min trans cleavage length equal to 6. Explain the affect this has on the output with respect to what cis and </a:t>
+            </a:r>
+            <a:r>
+              <a:rPr lang="en-US" baseline="0" dirty="0" err="1"/>
+              <a:t>lin</a:t>
+            </a:r>
+            <a:r>
+              <a:rPr lang="en-US" baseline="0" dirty="0"/>
+              <a:t> looks like.</a:t>
+            </a:r>
+            <a:endParaRPr lang="en-US" dirty="0"/>
+          </a:p>
+        </p:txBody>
+      </p:sp>
+      <p:sp>
+        <p:nvSpPr>
+          <p:cNvPr id="4" name="Slide Number Placeholder 3"/>
+          <p:cNvSpPr>
+            <a:spLocks noGrp="1"/>
+          </p:cNvSpPr>
+          <p:nvPr>
+            <p:ph type="sldNum" sz="quarter" idx="10"/>
+          </p:nvPr>
+        </p:nvSpPr>
+        <p:spPr/>
+        <p:txBody>
+          <a:bodyPr/>
+          <a:lstStyle/>
+          <a:p>
+            <a:fld id="{7E9FF854-EBCF-BA4F-BEA7-33B6A492EBD7}" type="slidenum">
+              <a:rPr lang="en-US" smtClean="0"/>
+              <a:t>23</a:t>
+            </a:fld>
+            <a:endParaRPr lang="en-US"/>
+          </a:p>
+        </p:txBody>
+      </p:sp>
+    </p:spTree>
+    <p:extLst>
+      <p:ext uri="{BB962C8B-B14F-4D97-AF65-F5344CB8AC3E}">
+        <p14:creationId xmlns:p14="http://schemas.microsoft.com/office/powerpoint/2010/main" val="1840087678"/>
+      </p:ext>
+    </p:extLst>
+  </p:cSld>
+  <p:clrMapOvr>
+    <a:masterClrMapping/>
+  </p:clrMapOvr>
+</p:notes>
+</file>
+
+<file path=ppt/notesSlides/notesSlide13.xml><?xml version="1.0" encoding="utf-8"?>
+<p:notes xmlns:a="http://schemas.openxmlformats.org/drawingml/2006/main" xmlns:r="http://schemas.openxmlformats.org/officeDocument/2006/relationships" xmlns:p="http://schemas.openxmlformats.org/presentationml/2006/main">
+  <p:cSld>
+    <p:spTree>
+      <p:nvGrpSpPr>
+        <p:cNvPr id="1" name=""/>
+        <p:cNvGrpSpPr/>
+        <p:nvPr/>
+      </p:nvGrpSpPr>
+      <p:grpSpPr>
+        <a:xfrm>
+          <a:off x="0" y="0"/>
+          <a:ext cx="0" cy="0"/>
+          <a:chOff x="0" y="0"/>
+          <a:chExt cx="0" cy="0"/>
+        </a:xfrm>
+      </p:grpSpPr>
+      <p:sp>
+        <p:nvSpPr>
+          <p:cNvPr id="2" name="Slide Image Placeholder 1"/>
+          <p:cNvSpPr>
+            <a:spLocks noGrp="1" noRot="1" noChangeAspect="1"/>
+          </p:cNvSpPr>
+          <p:nvPr>
+            <p:ph type="sldImg"/>
+          </p:nvPr>
+        </p:nvSpPr>
+        <p:spPr/>
+      </p:sp>
+      <p:sp>
+        <p:nvSpPr>
+          <p:cNvPr id="3" name="Notes Placeholder 2"/>
+          <p:cNvSpPr>
+            <a:spLocks noGrp="1"/>
+          </p:cNvSpPr>
+          <p:nvPr>
+            <p:ph type="body" idx="1"/>
+          </p:nvPr>
+        </p:nvSpPr>
+        <p:spPr/>
+        <p:txBody>
+          <a:bodyPr/>
+          <a:lstStyle/>
+          <a:p>
+            <a:endParaRPr lang="en-AU" dirty="0"/>
+          </a:p>
+        </p:txBody>
+      </p:sp>
+      <p:sp>
+        <p:nvSpPr>
+          <p:cNvPr id="4" name="Slide Number Placeholder 3"/>
+          <p:cNvSpPr>
+            <a:spLocks noGrp="1"/>
+          </p:cNvSpPr>
+          <p:nvPr>
+            <p:ph type="sldNum" sz="quarter" idx="5"/>
+          </p:nvPr>
+        </p:nvSpPr>
+        <p:spPr/>
+        <p:txBody>
+          <a:bodyPr/>
+          <a:lstStyle/>
+          <a:p>
+            <a:fld id="{7E9FF854-EBCF-BA4F-BEA7-33B6A492EBD7}" type="slidenum">
+              <a:rPr lang="en-US" smtClean="0"/>
+              <a:t>24</a:t>
+            </a:fld>
+            <a:endParaRPr lang="en-US"/>
+          </a:p>
+        </p:txBody>
+      </p:sp>
+    </p:spTree>
+    <p:extLst>
+      <p:ext uri="{BB962C8B-B14F-4D97-AF65-F5344CB8AC3E}">
+        <p14:creationId xmlns:p14="http://schemas.microsoft.com/office/powerpoint/2010/main" val="3735461603"/>
+      </p:ext>
+    </p:extLst>
+  </p:cSld>
+  <p:clrMapOvr>
+    <a:masterClrMapping/>
+  </p:clrMapOvr>
+</p:notes>
+</file>
+
+<file path=ppt/notesSlides/notesSlide14.xml><?xml version="1.0" encoding="utf-8"?>
+<p:notes xmlns:a="http://schemas.openxmlformats.org/drawingml/2006/main" xmlns:r="http://schemas.openxmlformats.org/officeDocument/2006/relationships" xmlns:p="http://schemas.openxmlformats.org/presentationml/2006/main">
+  <p:cSld>
+    <p:spTree>
+      <p:nvGrpSpPr>
+        <p:cNvPr id="1" name=""/>
+        <p:cNvGrpSpPr/>
+        <p:nvPr/>
+      </p:nvGrpSpPr>
+      <p:grpSpPr>
+        <a:xfrm>
+          <a:off x="0" y="0"/>
+          <a:ext cx="0" cy="0"/>
+          <a:chOff x="0" y="0"/>
+          <a:chExt cx="0" cy="0"/>
+        </a:xfrm>
+      </p:grpSpPr>
+      <p:sp>
+        <p:nvSpPr>
+          <p:cNvPr id="2" name="Slide Image Placeholder 1"/>
+          <p:cNvSpPr>
+            <a:spLocks noGrp="1" noRot="1" noChangeAspect="1"/>
+          </p:cNvSpPr>
+          <p:nvPr>
+            <p:ph type="sldImg"/>
+          </p:nvPr>
+        </p:nvSpPr>
+        <p:spPr/>
+      </p:sp>
+      <p:sp>
+        <p:nvSpPr>
+          <p:cNvPr id="3" name="Notes Placeholder 2"/>
+          <p:cNvSpPr>
+            <a:spLocks noGrp="1"/>
+          </p:cNvSpPr>
+          <p:nvPr>
+            <p:ph type="body" idx="1"/>
+          </p:nvPr>
+        </p:nvSpPr>
+        <p:spPr/>
+        <p:txBody>
+          <a:bodyPr/>
+          <a:lstStyle/>
+          <a:p>
             <a:endParaRPr lang="en-US" dirty="0"/>
           </a:p>
         </p:txBody>
@@ -845,7 +1021,7 @@
 </p:notes>
 </file>
 
-<file path=ppt/notesSlides/notesSlide13.xml><?xml version="1.0" encoding="utf-8"?>
+<file path=ppt/notesSlides/notesSlide15.xml><?xml version="1.0" encoding="utf-8"?>
 <p:notes xmlns:a="http://schemas.openxmlformats.org/drawingml/2006/main" xmlns:r="http://schemas.openxmlformats.org/officeDocument/2006/relationships" xmlns:p="http://schemas.openxmlformats.org/presentationml/2006/main">
   <p:cSld>
     <p:spTree>
@@ -1377,8 +1553,56 @@
           <a:p>
             <a:r>
               <a:rPr lang="en-US" dirty="0"/>
-              <a:t>Elaborate on each one.</a:t>
-            </a:r>
+              <a:t>Elaborate on each one. Don’t think need to elaborate on each one too much, just the main important ones.</a:t>
+            </a:r>
+            <a:br>
+              <a:rPr lang="en-US" dirty="0"/>
+            </a:br>
+            <a:r>
+              <a:rPr lang="en-US" dirty="0"/>
+              <a:t>Important ones:</a:t>
+            </a:r>
+            <a:br>
+              <a:rPr lang="en-US" dirty="0"/>
+            </a:br>
+            <a:endParaRPr lang="en-US" dirty="0"/>
+          </a:p>
+          <a:p>
+            <a:pPr marL="171450" indent="-171450">
+              <a:buFontTx/>
+              <a:buChar char="-"/>
+            </a:pPr>
+            <a:r>
+              <a:rPr lang="en-US" dirty="0"/>
+              <a:t>New b/y ion comparison, the previous algorithm albeit quicker would get a lot of false negatives. This was as we were only checking the b/y ions for the closest ppm match. If there were other ppm matches, it was often the case that we would have the b/y threshold satisfied for one of the other ppm match. This is now taken into account.</a:t>
+            </a:r>
+          </a:p>
+          <a:p>
+            <a:pPr marL="171450" indent="-171450">
+              <a:buFontTx/>
+              <a:buChar char="-"/>
+            </a:pPr>
+            <a:r>
+              <a:rPr lang="en-US" dirty="0"/>
+              <a:t>UI is a lot more fluid and error proof, with the parameters being thoroughly sanitized before the output generation can begin.</a:t>
+            </a:r>
+          </a:p>
+          <a:p>
+            <a:pPr marL="0" indent="0">
+              <a:buFontTx/>
+              <a:buNone/>
+            </a:pPr>
+            <a:r>
+              <a:rPr lang="en-US" dirty="0"/>
+              <a:t>- Process Generation and memory threshold changes essentially means that the program should be able to handle all input sizes with the caveat being that the multiple output files could contain duplicates across the different files.</a:t>
+            </a:r>
+            <a:br>
+              <a:rPr lang="en-US" dirty="0"/>
+            </a:br>
+            <a:br>
+              <a:rPr lang="en-US" dirty="0"/>
+            </a:br>
+            <a:endParaRPr lang="en-US" dirty="0"/>
           </a:p>
         </p:txBody>
       </p:sp>
@@ -1462,20 +1686,7 @@
           <a:bodyPr/>
           <a:lstStyle/>
           <a:p>
-            <a:r>
-              <a:rPr lang="en-US" dirty="0"/>
-              <a:t>Explain what</a:t>
-            </a:r>
-            <a:r>
-              <a:rPr lang="en-US" baseline="0" dirty="0"/>
-              <a:t> is meant by origin: which proteins the cleavages which were combined to create the peptide were from.</a:t>
-            </a:r>
-          </a:p>
-          <a:p>
-            <a:r>
-              <a:rPr lang="en-US" dirty="0"/>
-              <a:t>Explain overlap</a:t>
-            </a:r>
+            <a:endParaRPr lang="en-AU" dirty="0"/>
           </a:p>
         </p:txBody>
       </p:sp>
@@ -1486,7 +1697,7 @@
             <a:spLocks noGrp="1"/>
           </p:cNvSpPr>
           <p:nvPr>
-            <p:ph type="sldNum" sz="quarter" idx="10"/>
+            <p:ph type="sldNum" sz="quarter" idx="5"/>
           </p:nvPr>
         </p:nvSpPr>
         <p:spPr/>
@@ -1496,7 +1707,7 @@
           <a:p>
             <a:fld id="{7E9FF854-EBCF-BA4F-BEA7-33B6A492EBD7}" type="slidenum">
               <a:rPr lang="en-US" smtClean="0"/>
-              <a:t>10</a:t>
+              <a:t>9</a:t>
             </a:fld>
             <a:endParaRPr lang="en-US"/>
           </a:p>
@@ -1505,7 +1716,7 @@
     </p:spTree>
     <p:extLst>
       <p:ext uri="{BB962C8B-B14F-4D97-AF65-F5344CB8AC3E}">
-        <p14:creationId xmlns:p14="http://schemas.microsoft.com/office/powerpoint/2010/main" val="1649859096"/>
+        <p14:creationId xmlns:p14="http://schemas.microsoft.com/office/powerpoint/2010/main" val="3789997032"/>
       </p:ext>
     </p:extLst>
   </p:cSld>
@@ -1561,13 +1772,18 @@
           <a:p>
             <a:r>
               <a:rPr lang="en-US" dirty="0"/>
-              <a:t>Explain</a:t>
+              <a:t>Explain what</a:t>
             </a:r>
             <a:r>
               <a:rPr lang="en-US" baseline="0" dirty="0"/>
-              <a:t> that the count is not entirely accurate.</a:t>
-            </a:r>
-            <a:endParaRPr lang="en-US" dirty="0"/>
+              <a:t> is meant by origin: which proteins the cleavages which were combined to create the peptide were from.</a:t>
+            </a:r>
+          </a:p>
+          <a:p>
+            <a:r>
+              <a:rPr lang="en-US" dirty="0"/>
+              <a:t>Explain overlap</a:t>
+            </a:r>
           </a:p>
         </p:txBody>
       </p:sp>
@@ -1588,7 +1804,7 @@
           <a:p>
             <a:fld id="{7E9FF854-EBCF-BA4F-BEA7-33B6A492EBD7}" type="slidenum">
               <a:rPr lang="en-US" smtClean="0"/>
-              <a:t>12</a:t>
+              <a:t>10</a:t>
             </a:fld>
             <a:endParaRPr lang="en-US"/>
           </a:p>
@@ -1597,7 +1813,7 @@
     </p:spTree>
     <p:extLst>
       <p:ext uri="{BB962C8B-B14F-4D97-AF65-F5344CB8AC3E}">
-        <p14:creationId xmlns:p14="http://schemas.microsoft.com/office/powerpoint/2010/main" val="176284201"/>
+        <p14:creationId xmlns:p14="http://schemas.microsoft.com/office/powerpoint/2010/main" val="1649859096"/>
       </p:ext>
     </p:extLst>
   </p:cSld>
@@ -1651,7 +1867,7 @@
           <a:bodyPr/>
           <a:lstStyle/>
           <a:p>
-            <a:endParaRPr lang="en-US" dirty="0"/>
+            <a:endParaRPr lang="en-AU" dirty="0"/>
           </a:p>
         </p:txBody>
       </p:sp>
@@ -1662,7 +1878,7 @@
             <a:spLocks noGrp="1"/>
           </p:cNvSpPr>
           <p:nvPr>
-            <p:ph type="sldNum" sz="quarter" idx="10"/>
+            <p:ph type="sldNum" sz="quarter" idx="5"/>
           </p:nvPr>
         </p:nvSpPr>
         <p:spPr/>
@@ -1672,7 +1888,7 @@
           <a:p>
             <a:fld id="{7E9FF854-EBCF-BA4F-BEA7-33B6A492EBD7}" type="slidenum">
               <a:rPr lang="en-US" smtClean="0"/>
-              <a:t>20</a:t>
+              <a:t>11</a:t>
             </a:fld>
             <a:endParaRPr lang="en-US"/>
           </a:p>
@@ -1681,7 +1897,7 @@
     </p:spTree>
     <p:extLst>
       <p:ext uri="{BB962C8B-B14F-4D97-AF65-F5344CB8AC3E}">
-        <p14:creationId xmlns:p14="http://schemas.microsoft.com/office/powerpoint/2010/main" val="1370019911"/>
+        <p14:creationId xmlns:p14="http://schemas.microsoft.com/office/powerpoint/2010/main" val="3649151961"/>
       </p:ext>
     </p:extLst>
   </p:cSld>
@@ -9489,7 +9705,7 @@
           <p:nvPr/>
         </p:nvPicPr>
         <p:blipFill>
-          <a:blip r:embed="rId2"/>
+          <a:blip r:embed="rId3"/>
           <a:stretch>
             <a:fillRect/>
           </a:stretch>
@@ -9513,7 +9729,7 @@
           <p:nvPr/>
         </p:nvPicPr>
         <p:blipFill rotWithShape="1">
-          <a:blip r:embed="rId3"/>
+          <a:blip r:embed="rId4"/>
           <a:srcRect b="46142"/>
           <a:stretch/>
         </p:blipFill>
@@ -10942,80 +11158,20 @@
           <a:chExt cx="0" cy="0"/>
         </a:xfrm>
       </p:grpSpPr>
-      <p:sp useBgFill="1">
-        <p:nvSpPr>
-          <p:cNvPr id="71" name="Rectangle 70">
-            <a:extLst>
-              <a:ext uri="{FF2B5EF4-FFF2-40B4-BE49-F238E27FC236}">
-                <a16:creationId xmlns:a16="http://schemas.microsoft.com/office/drawing/2014/main" id="{3F4C104D-5F30-4811-9376-566B26E4719A}"/>
-              </a:ext>
-              <a:ext uri="{C183D7F6-B498-43B3-948B-1728B52AA6E4}">
-                <adec:decorative xmlns:adec="http://schemas.microsoft.com/office/drawing/2017/decorative" val="1"/>
-              </a:ext>
-            </a:extLst>
-          </p:cNvPr>
-          <p:cNvSpPr>
-            <a:spLocks noGrp="1" noRot="1" noChangeAspect="1" noMove="1" noResize="1" noEditPoints="1" noAdjustHandles="1" noChangeArrowheads="1" noChangeShapeType="1" noTextEdit="1"/>
-          </p:cNvSpPr>
-          <p:nvPr>
-            <p:extLst>
-              <p:ext uri="{386F3935-93C4-4BCD-93E2-E3B085C9AB24}">
-                <p16:designElem xmlns:p16="http://schemas.microsoft.com/office/powerpoint/2015/main" val="1"/>
-              </p:ext>
-            </p:extLst>
+      <p:sp>
+        <p:nvSpPr>
+          <p:cNvPr id="2" name="Title 1"/>
+          <p:cNvSpPr>
+            <a:spLocks noGrp="1"/>
+          </p:cNvSpPr>
+          <p:nvPr>
+            <p:ph type="title"/>
           </p:nvPr>
         </p:nvSpPr>
         <p:spPr>
           <a:xfrm>
-            <a:off x="0" y="-786"/>
-            <a:ext cx="12192000" cy="6854038"/>
-          </a:xfrm>
-          <a:prstGeom prst="rect">
-            <a:avLst/>
-          </a:prstGeom>
-          <a:ln>
-            <a:noFill/>
-          </a:ln>
-        </p:spPr>
-        <p:style>
-          <a:lnRef idx="2">
-            <a:schemeClr val="accent1">
-              <a:shade val="50000"/>
-            </a:schemeClr>
-          </a:lnRef>
-          <a:fillRef idx="1">
-            <a:schemeClr val="accent1"/>
-          </a:fillRef>
-          <a:effectRef idx="0">
-            <a:schemeClr val="accent1"/>
-          </a:effectRef>
-          <a:fontRef idx="minor">
-            <a:schemeClr val="lt1"/>
-          </a:fontRef>
-        </p:style>
-        <p:txBody>
-          <a:bodyPr rtlCol="0" anchor="ctr"/>
-          <a:lstStyle/>
-          <a:p>
-            <a:pPr algn="ctr"/>
-            <a:endParaRPr lang="en-US"/>
-          </a:p>
-        </p:txBody>
-      </p:sp>
-      <p:sp>
-        <p:nvSpPr>
-          <p:cNvPr id="2" name="Title 1"/>
-          <p:cNvSpPr>
-            <a:spLocks noGrp="1"/>
-          </p:cNvSpPr>
-          <p:nvPr>
-            <p:ph type="title"/>
-          </p:nvPr>
-        </p:nvSpPr>
-        <p:spPr>
-          <a:xfrm>
-            <a:off x="649224" y="645106"/>
-            <a:ext cx="3650279" cy="1259894"/>
+            <a:off x="1687669" y="624110"/>
+            <a:ext cx="4137059" cy="1280890"/>
           </a:xfrm>
         </p:spPr>
         <p:txBody>
@@ -11025,7 +11181,7 @@
           <a:lstStyle/>
           <a:p>
             <a:r>
-              <a:rPr lang="en-US" dirty="0"/>
+              <a:rPr lang="en-US" sz="3200"/>
               <a:t>Reverse MGF</a:t>
             </a:r>
           </a:p>
@@ -11033,72 +11189,18 @@
       </p:sp>
       <p:sp>
         <p:nvSpPr>
-          <p:cNvPr id="73" name="Rectangle 72">
-            <a:extLst>
-              <a:ext uri="{FF2B5EF4-FFF2-40B4-BE49-F238E27FC236}">
-                <a16:creationId xmlns:a16="http://schemas.microsoft.com/office/drawing/2014/main" id="{0815E34B-5D02-4E01-A936-E8E1C0AB6F12}"/>
-              </a:ext>
-              <a:ext uri="{C183D7F6-B498-43B3-948B-1728B52AA6E4}">
-                <adec:decorative xmlns:adec="http://schemas.microsoft.com/office/drawing/2017/decorative" val="1"/>
-              </a:ext>
-            </a:extLst>
-          </p:cNvPr>
-          <p:cNvSpPr>
-            <a:spLocks noGrp="1" noRot="1" noChangeAspect="1" noMove="1" noResize="1" noEditPoints="1" noAdjustHandles="1" noChangeArrowheads="1" noChangeShapeType="1" noTextEdit="1"/>
-          </p:cNvSpPr>
-          <p:nvPr>
-            <p:extLst>
-              <p:ext uri="{386F3935-93C4-4BCD-93E2-E3B085C9AB24}">
-                <p16:designElem xmlns:p16="http://schemas.microsoft.com/office/powerpoint/2015/main" val="1"/>
-              </p:ext>
-            </p:extLst>
+          <p:cNvPr id="3" name="Content Placeholder 2"/>
+          <p:cNvSpPr>
+            <a:spLocks noGrp="1"/>
+          </p:cNvSpPr>
+          <p:nvPr>
+            <p:ph idx="1"/>
           </p:nvPr>
         </p:nvSpPr>
         <p:spPr>
           <a:xfrm>
-            <a:off x="0" y="0"/>
-            <a:ext cx="182880" cy="6858000"/>
-          </a:xfrm>
-          <a:prstGeom prst="rect">
-            <a:avLst/>
-          </a:prstGeom>
-          <a:solidFill>
-            <a:schemeClr val="tx2"/>
-          </a:solidFill>
-          <a:ln>
-            <a:noFill/>
-          </a:ln>
-          <a:effectLst/>
-        </p:spPr>
-        <p:style>
-          <a:lnRef idx="1">
-            <a:schemeClr val="accent1"/>
-          </a:lnRef>
-          <a:fillRef idx="3">
-            <a:schemeClr val="accent1"/>
-          </a:fillRef>
-          <a:effectRef idx="2">
-            <a:schemeClr val="accent1"/>
-          </a:effectRef>
-          <a:fontRef idx="minor">
-            <a:schemeClr val="lt1"/>
-          </a:fontRef>
-        </p:style>
-      </p:sp>
-      <p:sp>
-        <p:nvSpPr>
-          <p:cNvPr id="3" name="Content Placeholder 2"/>
-          <p:cNvSpPr>
-            <a:spLocks noGrp="1"/>
-          </p:cNvSpPr>
-          <p:nvPr>
-            <p:ph idx="1"/>
-          </p:nvPr>
-        </p:nvSpPr>
-        <p:spPr>
-          <a:xfrm>
-            <a:off x="649225" y="2133600"/>
-            <a:ext cx="3650278" cy="3759253"/>
+            <a:off x="1683956" y="2133600"/>
+            <a:ext cx="4140772" cy="3777622"/>
           </a:xfrm>
         </p:spPr>
         <p:txBody>
@@ -11108,18 +11210,30 @@
           <a:lstStyle/>
           <a:p>
             <a:r>
-              <a:rPr lang="en-US" dirty="0"/>
+              <a:rPr lang="en-US" sz="1600">
+                <a:solidFill>
+                  <a:srgbClr val="000000"/>
+                </a:solidFill>
+              </a:rPr>
               <a:t>Takes an MGF file and FASTA file of peptides as input.</a:t>
             </a:r>
           </a:p>
           <a:p>
             <a:r>
-              <a:rPr lang="en-US" dirty="0"/>
+              <a:rPr lang="en-US" sz="1600">
+                <a:solidFill>
+                  <a:srgbClr val="000000"/>
+                </a:solidFill>
+              </a:rPr>
               <a:t>For each peptide, it computes every spectra in the MGF file that matches based on precursor mass comparison and b/y ion comparison.</a:t>
             </a:r>
           </a:p>
           <a:p>
-            <a:endParaRPr lang="en-US" dirty="0"/>
+            <a:endParaRPr lang="en-US" sz="1600">
+              <a:solidFill>
+                <a:srgbClr val="000000"/>
+              </a:solidFill>
+            </a:endParaRPr>
           </a:p>
         </p:txBody>
       </p:sp>
@@ -11152,8 +11266,8 @@
         </p:blipFill>
         <p:spPr bwMode="auto">
           <a:xfrm>
-            <a:off x="5388507" y="640080"/>
-            <a:ext cx="5415649" cy="5252773"/>
+            <a:off x="6112496" y="645106"/>
+            <a:ext cx="5410467" cy="5247747"/>
           </a:xfrm>
           <a:prstGeom prst="rect">
             <a:avLst/>
@@ -11170,223 +11284,6 @@
           </a:extLst>
         </p:spPr>
       </p:pic>
-      <p:sp>
-        <p:nvSpPr>
-          <p:cNvPr id="75" name="Freeform 11">
-            <a:extLst>
-              <a:ext uri="{FF2B5EF4-FFF2-40B4-BE49-F238E27FC236}">
-                <a16:creationId xmlns:a16="http://schemas.microsoft.com/office/drawing/2014/main" id="{7DE3414B-B032-4710-A468-D3285E38C5FF}"/>
-              </a:ext>
-              <a:ext uri="{C183D7F6-B498-43B3-948B-1728B52AA6E4}">
-                <adec:decorative xmlns:adec="http://schemas.microsoft.com/office/drawing/2017/decorative" val="1"/>
-              </a:ext>
-            </a:extLst>
-          </p:cNvPr>
-          <p:cNvSpPr>
-            <a:spLocks noGrp="1" noRot="1" noChangeAspect="1" noMove="1" noResize="1" noEditPoints="1" noAdjustHandles="1" noChangeArrowheads="1" noChangeShapeType="1" noTextEdit="1"/>
-          </p:cNvSpPr>
-          <p:nvPr>
-            <p:extLst>
-              <p:ext uri="{386F3935-93C4-4BCD-93E2-E3B085C9AB24}">
-                <p16:designElem xmlns:p16="http://schemas.microsoft.com/office/powerpoint/2015/main" val="1"/>
-              </p:ext>
-            </p:extLst>
-          </p:nvPr>
-        </p:nvSpPr>
-        <p:spPr>
-          <a:xfrm>
-            <a:off x="-1" y="6061223"/>
-            <a:ext cx="1038036" cy="506277"/>
-          </a:xfrm>
-          <a:custGeom>
-            <a:avLst/>
-            <a:gdLst>
-              <a:gd name="connsiteX0" fmla="*/ 0 w 1038036"/>
-              <a:gd name="connsiteY0" fmla="*/ 0 h 506277"/>
-              <a:gd name="connsiteX1" fmla="*/ 182880 w 1038036"/>
-              <a:gd name="connsiteY1" fmla="*/ 0 h 506277"/>
-              <a:gd name="connsiteX2" fmla="*/ 291705 w 1038036"/>
-              <a:gd name="connsiteY2" fmla="*/ 0 h 506277"/>
-              <a:gd name="connsiteX3" fmla="*/ 291705 w 1038036"/>
-              <a:gd name="connsiteY3" fmla="*/ 151 h 506277"/>
-              <a:gd name="connsiteX4" fmla="*/ 692049 w 1038036"/>
-              <a:gd name="connsiteY4" fmla="*/ 705 h 506277"/>
-              <a:gd name="connsiteX5" fmla="*/ 782744 w 1038036"/>
-              <a:gd name="connsiteY5" fmla="*/ 705 h 506277"/>
-              <a:gd name="connsiteX6" fmla="*/ 797001 w 1038036"/>
-              <a:gd name="connsiteY6" fmla="*/ 5473 h 506277"/>
-              <a:gd name="connsiteX7" fmla="*/ 801982 w 1038036"/>
-              <a:gd name="connsiteY7" fmla="*/ 10242 h 506277"/>
-              <a:gd name="connsiteX8" fmla="*/ 1030951 w 1038036"/>
-              <a:gd name="connsiteY8" fmla="*/ 239185 h 506277"/>
-              <a:gd name="connsiteX9" fmla="*/ 1030951 w 1038036"/>
-              <a:gd name="connsiteY9" fmla="*/ 267797 h 506277"/>
-              <a:gd name="connsiteX10" fmla="*/ 801982 w 1038036"/>
-              <a:gd name="connsiteY10" fmla="*/ 496740 h 506277"/>
-              <a:gd name="connsiteX11" fmla="*/ 797001 w 1038036"/>
-              <a:gd name="connsiteY11" fmla="*/ 501508 h 506277"/>
-              <a:gd name="connsiteX12" fmla="*/ 782744 w 1038036"/>
-              <a:gd name="connsiteY12" fmla="*/ 506277 h 506277"/>
-              <a:gd name="connsiteX13" fmla="*/ 692049 w 1038036"/>
-              <a:gd name="connsiteY13" fmla="*/ 506277 h 506277"/>
-              <a:gd name="connsiteX14" fmla="*/ 291705 w 1038036"/>
-              <a:gd name="connsiteY14" fmla="*/ 505140 h 506277"/>
-              <a:gd name="connsiteX15" fmla="*/ 291705 w 1038036"/>
-              <a:gd name="connsiteY15" fmla="*/ 506277 h 506277"/>
-              <a:gd name="connsiteX16" fmla="*/ 0 w 1038036"/>
-              <a:gd name="connsiteY16" fmla="*/ 506277 h 506277"/>
-            </a:gdLst>
-            <a:ahLst/>
-            <a:cxnLst>
-              <a:cxn ang="0">
-                <a:pos x="connsiteX0" y="connsiteY0"/>
-              </a:cxn>
-              <a:cxn ang="0">
-                <a:pos x="connsiteX1" y="connsiteY1"/>
-              </a:cxn>
-              <a:cxn ang="0">
-                <a:pos x="connsiteX2" y="connsiteY2"/>
-              </a:cxn>
-              <a:cxn ang="0">
-                <a:pos x="connsiteX3" y="connsiteY3"/>
-              </a:cxn>
-              <a:cxn ang="0">
-                <a:pos x="connsiteX4" y="connsiteY4"/>
-              </a:cxn>
-              <a:cxn ang="0">
-                <a:pos x="connsiteX5" y="connsiteY5"/>
-              </a:cxn>
-              <a:cxn ang="0">
-                <a:pos x="connsiteX6" y="connsiteY6"/>
-              </a:cxn>
-              <a:cxn ang="0">
-                <a:pos x="connsiteX7" y="connsiteY7"/>
-              </a:cxn>
-              <a:cxn ang="0">
-                <a:pos x="connsiteX8" y="connsiteY8"/>
-              </a:cxn>
-              <a:cxn ang="0">
-                <a:pos x="connsiteX9" y="connsiteY9"/>
-              </a:cxn>
-              <a:cxn ang="0">
-                <a:pos x="connsiteX10" y="connsiteY10"/>
-              </a:cxn>
-              <a:cxn ang="0">
-                <a:pos x="connsiteX11" y="connsiteY11"/>
-              </a:cxn>
-              <a:cxn ang="0">
-                <a:pos x="connsiteX12" y="connsiteY12"/>
-              </a:cxn>
-              <a:cxn ang="0">
-                <a:pos x="connsiteX13" y="connsiteY13"/>
-              </a:cxn>
-              <a:cxn ang="0">
-                <a:pos x="connsiteX14" y="connsiteY14"/>
-              </a:cxn>
-              <a:cxn ang="0">
-                <a:pos x="connsiteX15" y="connsiteY15"/>
-              </a:cxn>
-              <a:cxn ang="0">
-                <a:pos x="connsiteX16" y="connsiteY16"/>
-              </a:cxn>
-            </a:cxnLst>
-            <a:rect l="l" t="t" r="r" b="b"/>
-            <a:pathLst>
-              <a:path w="1038036" h="506277">
-                <a:moveTo>
-                  <a:pt x="0" y="0"/>
-                </a:moveTo>
-                <a:lnTo>
-                  <a:pt x="182880" y="0"/>
-                </a:lnTo>
-                <a:lnTo>
-                  <a:pt x="291705" y="0"/>
-                </a:lnTo>
-                <a:lnTo>
-                  <a:pt x="291705" y="151"/>
-                </a:lnTo>
-                <a:lnTo>
-                  <a:pt x="692049" y="705"/>
-                </a:lnTo>
-                <a:lnTo>
-                  <a:pt x="782744" y="705"/>
-                </a:lnTo>
-                <a:cubicBezTo>
-                  <a:pt x="787553" y="705"/>
-                  <a:pt x="792363" y="5473"/>
-                  <a:pt x="797001" y="5473"/>
-                </a:cubicBezTo>
-                <a:cubicBezTo>
-                  <a:pt x="797001" y="10242"/>
-                  <a:pt x="801982" y="10242"/>
-                  <a:pt x="801982" y="10242"/>
-                </a:cubicBezTo>
-                <a:lnTo>
-                  <a:pt x="1030951" y="239185"/>
-                </a:lnTo>
-                <a:cubicBezTo>
-                  <a:pt x="1040398" y="248722"/>
-                  <a:pt x="1040398" y="258259"/>
-                  <a:pt x="1030951" y="267797"/>
-                </a:cubicBezTo>
-                <a:lnTo>
-                  <a:pt x="801982" y="496740"/>
-                </a:lnTo>
-                <a:cubicBezTo>
-                  <a:pt x="800436" y="498363"/>
-                  <a:pt x="798547" y="499885"/>
-                  <a:pt x="797001" y="501508"/>
-                </a:cubicBezTo>
-                <a:cubicBezTo>
-                  <a:pt x="792363" y="506277"/>
-                  <a:pt x="787553" y="506277"/>
-                  <a:pt x="782744" y="506277"/>
-                </a:cubicBezTo>
-                <a:lnTo>
-                  <a:pt x="692049" y="506277"/>
-                </a:lnTo>
-                <a:lnTo>
-                  <a:pt x="291705" y="505140"/>
-                </a:lnTo>
-                <a:lnTo>
-                  <a:pt x="291705" y="506277"/>
-                </a:lnTo>
-                <a:lnTo>
-                  <a:pt x="0" y="506277"/>
-                </a:lnTo>
-                <a:close/>
-              </a:path>
-            </a:pathLst>
-          </a:custGeom>
-          <a:ln>
-            <a:noFill/>
-          </a:ln>
-        </p:spPr>
-        <p:style>
-          <a:lnRef idx="2">
-            <a:schemeClr val="accent1">
-              <a:shade val="50000"/>
-            </a:schemeClr>
-          </a:lnRef>
-          <a:fillRef idx="1">
-            <a:schemeClr val="accent1"/>
-          </a:fillRef>
-          <a:effectRef idx="0">
-            <a:schemeClr val="accent1"/>
-          </a:effectRef>
-          <a:fontRef idx="minor">
-            <a:schemeClr val="lt1"/>
-          </a:fontRef>
-        </p:style>
-        <p:txBody>
-          <a:bodyPr rtlCol="0" anchor="ctr"/>
-          <a:lstStyle/>
-          <a:p>
-            <a:pPr algn="ctr"/>
-            <a:endParaRPr lang="en-US"/>
-          </a:p>
-        </p:txBody>
-      </p:sp>
     </p:spTree>
     <p:extLst>
       <p:ext uri="{BB962C8B-B14F-4D97-AF65-F5344CB8AC3E}">
@@ -12253,8 +12150,13 @@
           <a:p>
             <a:r>
               <a:rPr lang="en-US" dirty="0"/>
-              <a:t>Ideally, the neural network would be incorporated into our other programs to provide more confident matches between MGF spectra and potential peptides.</a:t>
-            </a:r>
+              <a:t>Ideally, the neural network would be incorporated into our other programs to provide more confident matches between MGF spectra and </a:t>
+            </a:r>
+            <a:r>
+              <a:rPr lang="en-US"/>
+              <a:t>potential peptides.</a:t>
+            </a:r>
+            <a:endParaRPr lang="en-US" dirty="0"/>
           </a:p>
           <a:p>
             <a:pPr lvl="1"/>
@@ -12898,7 +12800,7 @@
           <p:nvPr/>
         </p:nvPicPr>
         <p:blipFill>
-          <a:blip r:embed="rId2"/>
+          <a:blip r:embed="rId3"/>
           <a:stretch>
             <a:fillRect/>
           </a:stretch>
@@ -12922,7 +12824,7 @@
           <p:nvPr/>
         </p:nvPicPr>
         <p:blipFill>
-          <a:blip r:embed="rId3"/>
+          <a:blip r:embed="rId4"/>
           <a:stretch>
             <a:fillRect/>
           </a:stretch>

--- a/SecondLabPresentation.pptx
+++ b/SecondLabPresentation.pptx
@@ -5,7 +5,7 @@
     <p:sldMasterId id="2147483702" r:id="rId1"/>
   </p:sldMasterIdLst>
   <p:notesMasterIdLst>
-    <p:notesMasterId r:id="rId32"/>
+    <p:notesMasterId r:id="rId30"/>
   </p:notesMasterIdLst>
   <p:sldIdLst>
     <p:sldId id="256" r:id="rId2"/>
@@ -35,9 +35,7 @@
     <p:sldId id="285" r:id="rId26"/>
     <p:sldId id="284" r:id="rId27"/>
     <p:sldId id="297" r:id="rId28"/>
-    <p:sldId id="298" r:id="rId29"/>
-    <p:sldId id="299" r:id="rId30"/>
-    <p:sldId id="300" r:id="rId31"/>
+    <p:sldId id="300" r:id="rId29"/>
   </p:sldIdLst>
   <p:sldSz cx="12192000" cy="6858000"/>
   <p:notesSz cx="6858000" cy="9144000"/>
@@ -226,7 +224,7 @@
           <a:p>
             <a:fld id="{136FA2C8-1A04-C04C-AAB5-5AEF43C22034}" type="datetimeFigureOut">
               <a:rPr lang="en-US" smtClean="0"/>
-              <a:t>4/1/2019</a:t>
+              <a:t>4/2/2019</a:t>
             </a:fld>
             <a:endParaRPr lang="en-US"/>
           </a:p>
@@ -537,7 +535,10 @@
           <a:bodyPr/>
           <a:lstStyle/>
           <a:p>
-            <a:endParaRPr lang="en-US" dirty="0"/>
+            <a:r>
+              <a:rPr lang="en-US" dirty="0"/>
+              <a:t>Arpit	</a:t>
+            </a:r>
           </a:p>
         </p:txBody>
       </p:sp>
@@ -622,14 +623,9 @@
           <a:lstStyle/>
           <a:p>
             <a:r>
-              <a:rPr lang="en-US" dirty="0"/>
-              <a:t>Explain</a:t>
-            </a:r>
-            <a:r>
-              <a:rPr lang="en-US" baseline="0" dirty="0"/>
-              <a:t> that the count is not entirely accurate.</a:t>
-            </a:r>
-            <a:endParaRPr lang="en-US" dirty="0"/>
+              <a:rPr lang="en-AU" dirty="0"/>
+              <a:t>Arpit</a:t>
+            </a:r>
           </a:p>
         </p:txBody>
       </p:sp>
@@ -640,7 +636,7 @@
             <a:spLocks noGrp="1"/>
           </p:cNvSpPr>
           <p:nvPr>
-            <p:ph type="sldNum" sz="quarter" idx="10"/>
+            <p:ph type="sldNum" sz="quarter" idx="5"/>
           </p:nvPr>
         </p:nvSpPr>
         <p:spPr/>
@@ -650,7 +646,7 @@
           <a:p>
             <a:fld id="{7E9FF854-EBCF-BA4F-BEA7-33B6A492EBD7}" type="slidenum">
               <a:rPr lang="en-US" smtClean="0"/>
-              <a:t>12</a:t>
+              <a:t>11</a:t>
             </a:fld>
             <a:endParaRPr lang="en-US"/>
           </a:p>
@@ -659,7 +655,7 @@
     </p:spTree>
     <p:extLst>
       <p:ext uri="{BB962C8B-B14F-4D97-AF65-F5344CB8AC3E}">
-        <p14:creationId xmlns:p14="http://schemas.microsoft.com/office/powerpoint/2010/main" val="176284201"/>
+        <p14:creationId xmlns:p14="http://schemas.microsoft.com/office/powerpoint/2010/main" val="3649151961"/>
       </p:ext>
     </p:extLst>
   </p:cSld>
@@ -713,6 +709,20 @@
           <a:bodyPr/>
           <a:lstStyle/>
           <a:p>
+            <a:r>
+              <a:rPr lang="en-US" dirty="0"/>
+              <a:t>Arpit</a:t>
+            </a:r>
+          </a:p>
+          <a:p>
+            <a:r>
+              <a:rPr lang="en-US" dirty="0"/>
+              <a:t>Explain</a:t>
+            </a:r>
+            <a:r>
+              <a:rPr lang="en-US" baseline="0" dirty="0"/>
+              <a:t> that the count is not entirely accurate.</a:t>
+            </a:r>
             <a:endParaRPr lang="en-US" dirty="0"/>
           </a:p>
         </p:txBody>
@@ -734,7 +744,7 @@
           <a:p>
             <a:fld id="{7E9FF854-EBCF-BA4F-BEA7-33B6A492EBD7}" type="slidenum">
               <a:rPr lang="en-US" smtClean="0"/>
-              <a:t>20</a:t>
+              <a:t>12</a:t>
             </a:fld>
             <a:endParaRPr lang="en-US"/>
           </a:p>
@@ -743,7 +753,7 @@
     </p:spTree>
     <p:extLst>
       <p:ext uri="{BB962C8B-B14F-4D97-AF65-F5344CB8AC3E}">
-        <p14:creationId xmlns:p14="http://schemas.microsoft.com/office/powerpoint/2010/main" val="1370019911"/>
+        <p14:creationId xmlns:p14="http://schemas.microsoft.com/office/powerpoint/2010/main" val="176284201"/>
       </p:ext>
     </p:extLst>
   </p:cSld>
@@ -798,22 +808,9 @@
           <a:lstStyle/>
           <a:p>
             <a:r>
-              <a:rPr lang="en-US" dirty="0"/>
-              <a:t>Conducted</a:t>
-            </a:r>
-            <a:r>
-              <a:rPr lang="en-US" baseline="0" dirty="0"/>
-              <a:t> with min trans cleavage length equal to 6. Explain the affect this has on the output with respect to what cis and </a:t>
-            </a:r>
-            <a:r>
-              <a:rPr lang="en-US" baseline="0" dirty="0" err="1"/>
-              <a:t>lin</a:t>
-            </a:r>
-            <a:r>
-              <a:rPr lang="en-US" baseline="0" dirty="0"/>
-              <a:t> looks like.</a:t>
-            </a:r>
-            <a:endParaRPr lang="en-US" dirty="0"/>
+              <a:rPr lang="en-AU" dirty="0"/>
+              <a:t>Arpit</a:t>
+            </a:r>
           </a:p>
         </p:txBody>
       </p:sp>
@@ -824,7 +821,7 @@
             <a:spLocks noGrp="1"/>
           </p:cNvSpPr>
           <p:nvPr>
-            <p:ph type="sldNum" sz="quarter" idx="10"/>
+            <p:ph type="sldNum" sz="quarter" idx="5"/>
           </p:nvPr>
         </p:nvSpPr>
         <p:spPr/>
@@ -834,7 +831,7 @@
           <a:p>
             <a:fld id="{7E9FF854-EBCF-BA4F-BEA7-33B6A492EBD7}" type="slidenum">
               <a:rPr lang="en-US" smtClean="0"/>
-              <a:t>23</a:t>
+              <a:t>13</a:t>
             </a:fld>
             <a:endParaRPr lang="en-US"/>
           </a:p>
@@ -843,7 +840,7 @@
     </p:spTree>
     <p:extLst>
       <p:ext uri="{BB962C8B-B14F-4D97-AF65-F5344CB8AC3E}">
-        <p14:creationId xmlns:p14="http://schemas.microsoft.com/office/powerpoint/2010/main" val="1840087678"/>
+        <p14:creationId xmlns:p14="http://schemas.microsoft.com/office/powerpoint/2010/main" val="1866336620"/>
       </p:ext>
     </p:extLst>
   </p:cSld>
@@ -897,7 +894,10 @@
           <a:bodyPr/>
           <a:lstStyle/>
           <a:p>
-            <a:endParaRPr lang="en-AU" dirty="0"/>
+            <a:r>
+              <a:rPr lang="en-AU" dirty="0"/>
+              <a:t>Arpit</a:t>
+            </a:r>
           </a:p>
         </p:txBody>
       </p:sp>
@@ -918,7 +918,7 @@
           <a:p>
             <a:fld id="{7E9FF854-EBCF-BA4F-BEA7-33B6A492EBD7}" type="slidenum">
               <a:rPr lang="en-US" smtClean="0"/>
-              <a:t>24</a:t>
+              <a:t>14</a:t>
             </a:fld>
             <a:endParaRPr lang="en-US"/>
           </a:p>
@@ -927,7 +927,7 @@
     </p:spTree>
     <p:extLst>
       <p:ext uri="{BB962C8B-B14F-4D97-AF65-F5344CB8AC3E}">
-        <p14:creationId xmlns:p14="http://schemas.microsoft.com/office/powerpoint/2010/main" val="3735461603"/>
+        <p14:creationId xmlns:p14="http://schemas.microsoft.com/office/powerpoint/2010/main" val="4032287969"/>
       </p:ext>
     </p:extLst>
   </p:cSld>
@@ -981,7 +981,10 @@
           <a:bodyPr/>
           <a:lstStyle/>
           <a:p>
-            <a:endParaRPr lang="en-US" dirty="0"/>
+            <a:r>
+              <a:rPr lang="en-AU" dirty="0"/>
+              <a:t>Nic</a:t>
+            </a:r>
           </a:p>
         </p:txBody>
       </p:sp>
@@ -992,7 +995,7 @@
             <a:spLocks noGrp="1"/>
           </p:cNvSpPr>
           <p:nvPr>
-            <p:ph type="sldNum" sz="quarter" idx="10"/>
+            <p:ph type="sldNum" sz="quarter" idx="5"/>
           </p:nvPr>
         </p:nvSpPr>
         <p:spPr/>
@@ -1002,7 +1005,7 @@
           <a:p>
             <a:fld id="{7E9FF854-EBCF-BA4F-BEA7-33B6A492EBD7}" type="slidenum">
               <a:rPr lang="en-US" smtClean="0"/>
-              <a:t>26</a:t>
+              <a:t>15</a:t>
             </a:fld>
             <a:endParaRPr lang="en-US"/>
           </a:p>
@@ -1011,7 +1014,7 @@
     </p:spTree>
     <p:extLst>
       <p:ext uri="{BB962C8B-B14F-4D97-AF65-F5344CB8AC3E}">
-        <p14:creationId xmlns:p14="http://schemas.microsoft.com/office/powerpoint/2010/main" val="874657782"/>
+        <p14:creationId xmlns:p14="http://schemas.microsoft.com/office/powerpoint/2010/main" val="2347376217"/>
       </p:ext>
     </p:extLst>
   </p:cSld>
@@ -1066,14 +1069,9 @@
           <a:lstStyle/>
           <a:p>
             <a:r>
-              <a:rPr lang="en-US" dirty="0"/>
-              <a:t>Emma</a:t>
-            </a:r>
-            <a:r>
-              <a:rPr lang="en-US" baseline="0" dirty="0"/>
-              <a:t> went through this in some detail a few weeks ago so we aren’t going to again.</a:t>
-            </a:r>
-            <a:endParaRPr lang="en-US" dirty="0"/>
+              <a:rPr lang="en-AU" dirty="0"/>
+              <a:t>Nic</a:t>
+            </a:r>
           </a:p>
         </p:txBody>
       </p:sp>
@@ -1084,7 +1082,7 @@
             <a:spLocks noGrp="1"/>
           </p:cNvSpPr>
           <p:nvPr>
-            <p:ph type="sldNum" sz="quarter" idx="10"/>
+            <p:ph type="sldNum" sz="quarter" idx="5"/>
           </p:nvPr>
         </p:nvSpPr>
         <p:spPr/>
@@ -1094,7 +1092,7 @@
           <a:p>
             <a:fld id="{7E9FF854-EBCF-BA4F-BEA7-33B6A492EBD7}" type="slidenum">
               <a:rPr lang="en-US" smtClean="0"/>
-              <a:t>27</a:t>
+              <a:t>16</a:t>
             </a:fld>
             <a:endParaRPr lang="en-US"/>
           </a:p>
@@ -1103,7 +1101,355 @@
     </p:spTree>
     <p:extLst>
       <p:ext uri="{BB962C8B-B14F-4D97-AF65-F5344CB8AC3E}">
-        <p14:creationId xmlns:p14="http://schemas.microsoft.com/office/powerpoint/2010/main" val="260164155"/>
+        <p14:creationId xmlns:p14="http://schemas.microsoft.com/office/powerpoint/2010/main" val="3209335368"/>
+      </p:ext>
+    </p:extLst>
+  </p:cSld>
+  <p:clrMapOvr>
+    <a:masterClrMapping/>
+  </p:clrMapOvr>
+</p:notes>
+</file>
+
+<file path=ppt/notesSlides/notesSlide16.xml><?xml version="1.0" encoding="utf-8"?>
+<p:notes xmlns:a="http://schemas.openxmlformats.org/drawingml/2006/main" xmlns:r="http://schemas.openxmlformats.org/officeDocument/2006/relationships" xmlns:p="http://schemas.openxmlformats.org/presentationml/2006/main">
+  <p:cSld>
+    <p:spTree>
+      <p:nvGrpSpPr>
+        <p:cNvPr id="1" name=""/>
+        <p:cNvGrpSpPr/>
+        <p:nvPr/>
+      </p:nvGrpSpPr>
+      <p:grpSpPr>
+        <a:xfrm>
+          <a:off x="0" y="0"/>
+          <a:ext cx="0" cy="0"/>
+          <a:chOff x="0" y="0"/>
+          <a:chExt cx="0" cy="0"/>
+        </a:xfrm>
+      </p:grpSpPr>
+      <p:sp>
+        <p:nvSpPr>
+          <p:cNvPr id="2" name="Slide Image Placeholder 1"/>
+          <p:cNvSpPr>
+            <a:spLocks noGrp="1" noRot="1" noChangeAspect="1"/>
+          </p:cNvSpPr>
+          <p:nvPr>
+            <p:ph type="sldImg"/>
+          </p:nvPr>
+        </p:nvSpPr>
+        <p:spPr/>
+      </p:sp>
+      <p:sp>
+        <p:nvSpPr>
+          <p:cNvPr id="3" name="Notes Placeholder 2"/>
+          <p:cNvSpPr>
+            <a:spLocks noGrp="1"/>
+          </p:cNvSpPr>
+          <p:nvPr>
+            <p:ph type="body" idx="1"/>
+          </p:nvPr>
+        </p:nvSpPr>
+        <p:spPr/>
+        <p:txBody>
+          <a:bodyPr/>
+          <a:lstStyle/>
+          <a:p>
+            <a:r>
+              <a:rPr lang="en-AU" dirty="0"/>
+              <a:t>Arpit	</a:t>
+            </a:r>
+          </a:p>
+        </p:txBody>
+      </p:sp>
+      <p:sp>
+        <p:nvSpPr>
+          <p:cNvPr id="4" name="Slide Number Placeholder 3"/>
+          <p:cNvSpPr>
+            <a:spLocks noGrp="1"/>
+          </p:cNvSpPr>
+          <p:nvPr>
+            <p:ph type="sldNum" sz="quarter" idx="5"/>
+          </p:nvPr>
+        </p:nvSpPr>
+        <p:spPr/>
+        <p:txBody>
+          <a:bodyPr/>
+          <a:lstStyle/>
+          <a:p>
+            <a:fld id="{7E9FF854-EBCF-BA4F-BEA7-33B6A492EBD7}" type="slidenum">
+              <a:rPr lang="en-US" smtClean="0"/>
+              <a:t>17</a:t>
+            </a:fld>
+            <a:endParaRPr lang="en-US"/>
+          </a:p>
+        </p:txBody>
+      </p:sp>
+    </p:spTree>
+    <p:extLst>
+      <p:ext uri="{BB962C8B-B14F-4D97-AF65-F5344CB8AC3E}">
+        <p14:creationId xmlns:p14="http://schemas.microsoft.com/office/powerpoint/2010/main" val="4047342169"/>
+      </p:ext>
+    </p:extLst>
+  </p:cSld>
+  <p:clrMapOvr>
+    <a:masterClrMapping/>
+  </p:clrMapOvr>
+</p:notes>
+</file>
+
+<file path=ppt/notesSlides/notesSlide17.xml><?xml version="1.0" encoding="utf-8"?>
+<p:notes xmlns:a="http://schemas.openxmlformats.org/drawingml/2006/main" xmlns:r="http://schemas.openxmlformats.org/officeDocument/2006/relationships" xmlns:p="http://schemas.openxmlformats.org/presentationml/2006/main">
+  <p:cSld>
+    <p:spTree>
+      <p:nvGrpSpPr>
+        <p:cNvPr id="1" name=""/>
+        <p:cNvGrpSpPr/>
+        <p:nvPr/>
+      </p:nvGrpSpPr>
+      <p:grpSpPr>
+        <a:xfrm>
+          <a:off x="0" y="0"/>
+          <a:ext cx="0" cy="0"/>
+          <a:chOff x="0" y="0"/>
+          <a:chExt cx="0" cy="0"/>
+        </a:xfrm>
+      </p:grpSpPr>
+      <p:sp>
+        <p:nvSpPr>
+          <p:cNvPr id="2" name="Slide Image Placeholder 1"/>
+          <p:cNvSpPr>
+            <a:spLocks noGrp="1" noRot="1" noChangeAspect="1"/>
+          </p:cNvSpPr>
+          <p:nvPr>
+            <p:ph type="sldImg"/>
+          </p:nvPr>
+        </p:nvSpPr>
+        <p:spPr/>
+      </p:sp>
+      <p:sp>
+        <p:nvSpPr>
+          <p:cNvPr id="3" name="Notes Placeholder 2"/>
+          <p:cNvSpPr>
+            <a:spLocks noGrp="1"/>
+          </p:cNvSpPr>
+          <p:nvPr>
+            <p:ph type="body" idx="1"/>
+          </p:nvPr>
+        </p:nvSpPr>
+        <p:spPr/>
+        <p:txBody>
+          <a:bodyPr/>
+          <a:lstStyle/>
+          <a:p>
+            <a:r>
+              <a:rPr lang="en-AU" dirty="0"/>
+              <a:t>Nic</a:t>
+            </a:r>
+          </a:p>
+        </p:txBody>
+      </p:sp>
+      <p:sp>
+        <p:nvSpPr>
+          <p:cNvPr id="4" name="Slide Number Placeholder 3"/>
+          <p:cNvSpPr>
+            <a:spLocks noGrp="1"/>
+          </p:cNvSpPr>
+          <p:nvPr>
+            <p:ph type="sldNum" sz="quarter" idx="5"/>
+          </p:nvPr>
+        </p:nvSpPr>
+        <p:spPr/>
+        <p:txBody>
+          <a:bodyPr/>
+          <a:lstStyle/>
+          <a:p>
+            <a:fld id="{7E9FF854-EBCF-BA4F-BEA7-33B6A492EBD7}" type="slidenum">
+              <a:rPr lang="en-US" smtClean="0"/>
+              <a:t>18</a:t>
+            </a:fld>
+            <a:endParaRPr lang="en-US"/>
+          </a:p>
+        </p:txBody>
+      </p:sp>
+    </p:spTree>
+    <p:extLst>
+      <p:ext uri="{BB962C8B-B14F-4D97-AF65-F5344CB8AC3E}">
+        <p14:creationId xmlns:p14="http://schemas.microsoft.com/office/powerpoint/2010/main" val="1256480274"/>
+      </p:ext>
+    </p:extLst>
+  </p:cSld>
+  <p:clrMapOvr>
+    <a:masterClrMapping/>
+  </p:clrMapOvr>
+</p:notes>
+</file>
+
+<file path=ppt/notesSlides/notesSlide18.xml><?xml version="1.0" encoding="utf-8"?>
+<p:notes xmlns:a="http://schemas.openxmlformats.org/drawingml/2006/main" xmlns:r="http://schemas.openxmlformats.org/officeDocument/2006/relationships" xmlns:p="http://schemas.openxmlformats.org/presentationml/2006/main">
+  <p:cSld>
+    <p:spTree>
+      <p:nvGrpSpPr>
+        <p:cNvPr id="1" name=""/>
+        <p:cNvGrpSpPr/>
+        <p:nvPr/>
+      </p:nvGrpSpPr>
+      <p:grpSpPr>
+        <a:xfrm>
+          <a:off x="0" y="0"/>
+          <a:ext cx="0" cy="0"/>
+          <a:chOff x="0" y="0"/>
+          <a:chExt cx="0" cy="0"/>
+        </a:xfrm>
+      </p:grpSpPr>
+      <p:sp>
+        <p:nvSpPr>
+          <p:cNvPr id="2" name="Slide Image Placeholder 1"/>
+          <p:cNvSpPr>
+            <a:spLocks noGrp="1" noRot="1" noChangeAspect="1"/>
+          </p:cNvSpPr>
+          <p:nvPr>
+            <p:ph type="sldImg"/>
+          </p:nvPr>
+        </p:nvSpPr>
+        <p:spPr/>
+      </p:sp>
+      <p:sp>
+        <p:nvSpPr>
+          <p:cNvPr id="3" name="Notes Placeholder 2"/>
+          <p:cNvSpPr>
+            <a:spLocks noGrp="1"/>
+          </p:cNvSpPr>
+          <p:nvPr>
+            <p:ph type="body" idx="1"/>
+          </p:nvPr>
+        </p:nvSpPr>
+        <p:spPr/>
+        <p:txBody>
+          <a:bodyPr/>
+          <a:lstStyle/>
+          <a:p>
+            <a:r>
+              <a:rPr lang="en-AU" dirty="0"/>
+              <a:t>Nic</a:t>
+            </a:r>
+          </a:p>
+        </p:txBody>
+      </p:sp>
+      <p:sp>
+        <p:nvSpPr>
+          <p:cNvPr id="4" name="Slide Number Placeholder 3"/>
+          <p:cNvSpPr>
+            <a:spLocks noGrp="1"/>
+          </p:cNvSpPr>
+          <p:nvPr>
+            <p:ph type="sldNum" sz="quarter" idx="5"/>
+          </p:nvPr>
+        </p:nvSpPr>
+        <p:spPr/>
+        <p:txBody>
+          <a:bodyPr/>
+          <a:lstStyle/>
+          <a:p>
+            <a:fld id="{7E9FF854-EBCF-BA4F-BEA7-33B6A492EBD7}" type="slidenum">
+              <a:rPr lang="en-US" smtClean="0"/>
+              <a:t>19</a:t>
+            </a:fld>
+            <a:endParaRPr lang="en-US"/>
+          </a:p>
+        </p:txBody>
+      </p:sp>
+    </p:spTree>
+    <p:extLst>
+      <p:ext uri="{BB962C8B-B14F-4D97-AF65-F5344CB8AC3E}">
+        <p14:creationId xmlns:p14="http://schemas.microsoft.com/office/powerpoint/2010/main" val="1645938315"/>
+      </p:ext>
+    </p:extLst>
+  </p:cSld>
+  <p:clrMapOvr>
+    <a:masterClrMapping/>
+  </p:clrMapOvr>
+</p:notes>
+</file>
+
+<file path=ppt/notesSlides/notesSlide19.xml><?xml version="1.0" encoding="utf-8"?>
+<p:notes xmlns:a="http://schemas.openxmlformats.org/drawingml/2006/main" xmlns:r="http://schemas.openxmlformats.org/officeDocument/2006/relationships" xmlns:p="http://schemas.openxmlformats.org/presentationml/2006/main">
+  <p:cSld>
+    <p:spTree>
+      <p:nvGrpSpPr>
+        <p:cNvPr id="1" name=""/>
+        <p:cNvGrpSpPr/>
+        <p:nvPr/>
+      </p:nvGrpSpPr>
+      <p:grpSpPr>
+        <a:xfrm>
+          <a:off x="0" y="0"/>
+          <a:ext cx="0" cy="0"/>
+          <a:chOff x="0" y="0"/>
+          <a:chExt cx="0" cy="0"/>
+        </a:xfrm>
+      </p:grpSpPr>
+      <p:sp>
+        <p:nvSpPr>
+          <p:cNvPr id="2" name="Slide Image Placeholder 1"/>
+          <p:cNvSpPr>
+            <a:spLocks noGrp="1" noRot="1" noChangeAspect="1"/>
+          </p:cNvSpPr>
+          <p:nvPr>
+            <p:ph type="sldImg"/>
+          </p:nvPr>
+        </p:nvSpPr>
+        <p:spPr/>
+      </p:sp>
+      <p:sp>
+        <p:nvSpPr>
+          <p:cNvPr id="3" name="Notes Placeholder 2"/>
+          <p:cNvSpPr>
+            <a:spLocks noGrp="1"/>
+          </p:cNvSpPr>
+          <p:nvPr>
+            <p:ph type="body" idx="1"/>
+          </p:nvPr>
+        </p:nvSpPr>
+        <p:spPr/>
+        <p:txBody>
+          <a:bodyPr/>
+          <a:lstStyle/>
+          <a:p>
+            <a:r>
+              <a:rPr lang="en-US" dirty="0"/>
+              <a:t>Nic</a:t>
+            </a:r>
+          </a:p>
+        </p:txBody>
+      </p:sp>
+      <p:sp>
+        <p:nvSpPr>
+          <p:cNvPr id="4" name="Slide Number Placeholder 3"/>
+          <p:cNvSpPr>
+            <a:spLocks noGrp="1"/>
+          </p:cNvSpPr>
+          <p:nvPr>
+            <p:ph type="sldNum" sz="quarter" idx="10"/>
+          </p:nvPr>
+        </p:nvSpPr>
+        <p:spPr/>
+        <p:txBody>
+          <a:bodyPr/>
+          <a:lstStyle/>
+          <a:p>
+            <a:fld id="{7E9FF854-EBCF-BA4F-BEA7-33B6A492EBD7}" type="slidenum">
+              <a:rPr lang="en-US" smtClean="0"/>
+              <a:t>20</a:t>
+            </a:fld>
+            <a:endParaRPr lang="en-US"/>
+          </a:p>
+        </p:txBody>
+      </p:sp>
+    </p:spTree>
+    <p:extLst>
+      <p:ext uri="{BB962C8B-B14F-4D97-AF65-F5344CB8AC3E}">
+        <p14:creationId xmlns:p14="http://schemas.microsoft.com/office/powerpoint/2010/main" val="1370019911"/>
       </p:ext>
     </p:extLst>
   </p:cSld>
@@ -1157,7 +1503,7 @@
           <a:bodyPr/>
           <a:lstStyle/>
           <a:p>
-            <a:endParaRPr lang="en-US" dirty="0"/>
+            <a:endParaRPr lang="en-AU" dirty="0"/>
           </a:p>
         </p:txBody>
       </p:sp>
@@ -1168,7 +1514,7 @@
             <a:spLocks noGrp="1"/>
           </p:cNvSpPr>
           <p:nvPr>
-            <p:ph type="sldNum" sz="quarter" idx="10"/>
+            <p:ph type="sldNum" sz="quarter" idx="5"/>
           </p:nvPr>
         </p:nvSpPr>
         <p:spPr/>
@@ -1178,7 +1524,7 @@
           <a:p>
             <a:fld id="{7E9FF854-EBCF-BA4F-BEA7-33B6A492EBD7}" type="slidenum">
               <a:rPr lang="en-US" smtClean="0"/>
-              <a:t>4</a:t>
+              <a:t>3</a:t>
             </a:fld>
             <a:endParaRPr lang="en-US"/>
           </a:p>
@@ -1187,7 +1533,553 @@
     </p:spTree>
     <p:extLst>
       <p:ext uri="{BB962C8B-B14F-4D97-AF65-F5344CB8AC3E}">
-        <p14:creationId xmlns:p14="http://schemas.microsoft.com/office/powerpoint/2010/main" val="1567766630"/>
+        <p14:creationId xmlns:p14="http://schemas.microsoft.com/office/powerpoint/2010/main" val="2228437719"/>
+      </p:ext>
+    </p:extLst>
+  </p:cSld>
+  <p:clrMapOvr>
+    <a:masterClrMapping/>
+  </p:clrMapOvr>
+</p:notes>
+</file>
+
+<file path=ppt/notesSlides/notesSlide20.xml><?xml version="1.0" encoding="utf-8"?>
+<p:notes xmlns:a="http://schemas.openxmlformats.org/drawingml/2006/main" xmlns:r="http://schemas.openxmlformats.org/officeDocument/2006/relationships" xmlns:p="http://schemas.openxmlformats.org/presentationml/2006/main">
+  <p:cSld>
+    <p:spTree>
+      <p:nvGrpSpPr>
+        <p:cNvPr id="1" name=""/>
+        <p:cNvGrpSpPr/>
+        <p:nvPr/>
+      </p:nvGrpSpPr>
+      <p:grpSpPr>
+        <a:xfrm>
+          <a:off x="0" y="0"/>
+          <a:ext cx="0" cy="0"/>
+          <a:chOff x="0" y="0"/>
+          <a:chExt cx="0" cy="0"/>
+        </a:xfrm>
+      </p:grpSpPr>
+      <p:sp>
+        <p:nvSpPr>
+          <p:cNvPr id="2" name="Slide Image Placeholder 1"/>
+          <p:cNvSpPr>
+            <a:spLocks noGrp="1" noRot="1" noChangeAspect="1"/>
+          </p:cNvSpPr>
+          <p:nvPr>
+            <p:ph type="sldImg"/>
+          </p:nvPr>
+        </p:nvSpPr>
+        <p:spPr/>
+      </p:sp>
+      <p:sp>
+        <p:nvSpPr>
+          <p:cNvPr id="3" name="Notes Placeholder 2"/>
+          <p:cNvSpPr>
+            <a:spLocks noGrp="1"/>
+          </p:cNvSpPr>
+          <p:nvPr>
+            <p:ph type="body" idx="1"/>
+          </p:nvPr>
+        </p:nvSpPr>
+        <p:spPr/>
+        <p:txBody>
+          <a:bodyPr/>
+          <a:lstStyle/>
+          <a:p>
+            <a:r>
+              <a:rPr lang="en-US" dirty="0"/>
+              <a:t>Conducted</a:t>
+            </a:r>
+            <a:r>
+              <a:rPr lang="en-US" baseline="0" dirty="0"/>
+              <a:t> with min trans cleavage length equal to 6. Explain the affect this has on the output with respect to what cis and </a:t>
+            </a:r>
+            <a:r>
+              <a:rPr lang="en-US" baseline="0" dirty="0" err="1"/>
+              <a:t>lin</a:t>
+            </a:r>
+            <a:r>
+              <a:rPr lang="en-US" baseline="0" dirty="0"/>
+              <a:t> looks like.</a:t>
+            </a:r>
+            <a:endParaRPr lang="en-US" dirty="0"/>
+          </a:p>
+        </p:txBody>
+      </p:sp>
+      <p:sp>
+        <p:nvSpPr>
+          <p:cNvPr id="4" name="Slide Number Placeholder 3"/>
+          <p:cNvSpPr>
+            <a:spLocks noGrp="1"/>
+          </p:cNvSpPr>
+          <p:nvPr>
+            <p:ph type="sldNum" sz="quarter" idx="10"/>
+          </p:nvPr>
+        </p:nvSpPr>
+        <p:spPr/>
+        <p:txBody>
+          <a:bodyPr/>
+          <a:lstStyle/>
+          <a:p>
+            <a:fld id="{7E9FF854-EBCF-BA4F-BEA7-33B6A492EBD7}" type="slidenum">
+              <a:rPr lang="en-US" smtClean="0"/>
+              <a:t>23</a:t>
+            </a:fld>
+            <a:endParaRPr lang="en-US"/>
+          </a:p>
+        </p:txBody>
+      </p:sp>
+    </p:spTree>
+    <p:extLst>
+      <p:ext uri="{BB962C8B-B14F-4D97-AF65-F5344CB8AC3E}">
+        <p14:creationId xmlns:p14="http://schemas.microsoft.com/office/powerpoint/2010/main" val="1840087678"/>
+      </p:ext>
+    </p:extLst>
+  </p:cSld>
+  <p:clrMapOvr>
+    <a:masterClrMapping/>
+  </p:clrMapOvr>
+</p:notes>
+</file>
+
+<file path=ppt/notesSlides/notesSlide21.xml><?xml version="1.0" encoding="utf-8"?>
+<p:notes xmlns:a="http://schemas.openxmlformats.org/drawingml/2006/main" xmlns:r="http://schemas.openxmlformats.org/officeDocument/2006/relationships" xmlns:p="http://schemas.openxmlformats.org/presentationml/2006/main">
+  <p:cSld>
+    <p:spTree>
+      <p:nvGrpSpPr>
+        <p:cNvPr id="1" name=""/>
+        <p:cNvGrpSpPr/>
+        <p:nvPr/>
+      </p:nvGrpSpPr>
+      <p:grpSpPr>
+        <a:xfrm>
+          <a:off x="0" y="0"/>
+          <a:ext cx="0" cy="0"/>
+          <a:chOff x="0" y="0"/>
+          <a:chExt cx="0" cy="0"/>
+        </a:xfrm>
+      </p:grpSpPr>
+      <p:sp>
+        <p:nvSpPr>
+          <p:cNvPr id="2" name="Slide Image Placeholder 1"/>
+          <p:cNvSpPr>
+            <a:spLocks noGrp="1" noRot="1" noChangeAspect="1"/>
+          </p:cNvSpPr>
+          <p:nvPr>
+            <p:ph type="sldImg"/>
+          </p:nvPr>
+        </p:nvSpPr>
+        <p:spPr/>
+      </p:sp>
+      <p:sp>
+        <p:nvSpPr>
+          <p:cNvPr id="3" name="Notes Placeholder 2"/>
+          <p:cNvSpPr>
+            <a:spLocks noGrp="1"/>
+          </p:cNvSpPr>
+          <p:nvPr>
+            <p:ph type="body" idx="1"/>
+          </p:nvPr>
+        </p:nvSpPr>
+        <p:spPr/>
+        <p:txBody>
+          <a:bodyPr/>
+          <a:lstStyle/>
+          <a:p>
+            <a:r>
+              <a:rPr lang="en-AU" dirty="0"/>
+              <a:t>Arpit</a:t>
+            </a:r>
+          </a:p>
+        </p:txBody>
+      </p:sp>
+      <p:sp>
+        <p:nvSpPr>
+          <p:cNvPr id="4" name="Slide Number Placeholder 3"/>
+          <p:cNvSpPr>
+            <a:spLocks noGrp="1"/>
+          </p:cNvSpPr>
+          <p:nvPr>
+            <p:ph type="sldNum" sz="quarter" idx="5"/>
+          </p:nvPr>
+        </p:nvSpPr>
+        <p:spPr/>
+        <p:txBody>
+          <a:bodyPr/>
+          <a:lstStyle/>
+          <a:p>
+            <a:fld id="{7E9FF854-EBCF-BA4F-BEA7-33B6A492EBD7}" type="slidenum">
+              <a:rPr lang="en-US" smtClean="0"/>
+              <a:t>24</a:t>
+            </a:fld>
+            <a:endParaRPr lang="en-US"/>
+          </a:p>
+        </p:txBody>
+      </p:sp>
+    </p:spTree>
+    <p:extLst>
+      <p:ext uri="{BB962C8B-B14F-4D97-AF65-F5344CB8AC3E}">
+        <p14:creationId xmlns:p14="http://schemas.microsoft.com/office/powerpoint/2010/main" val="3735461603"/>
+      </p:ext>
+    </p:extLst>
+  </p:cSld>
+  <p:clrMapOvr>
+    <a:masterClrMapping/>
+  </p:clrMapOvr>
+</p:notes>
+</file>
+
+<file path=ppt/notesSlides/notesSlide22.xml><?xml version="1.0" encoding="utf-8"?>
+<p:notes xmlns:a="http://schemas.openxmlformats.org/drawingml/2006/main" xmlns:r="http://schemas.openxmlformats.org/officeDocument/2006/relationships" xmlns:p="http://schemas.openxmlformats.org/presentationml/2006/main">
+  <p:cSld>
+    <p:spTree>
+      <p:nvGrpSpPr>
+        <p:cNvPr id="1" name=""/>
+        <p:cNvGrpSpPr/>
+        <p:nvPr/>
+      </p:nvGrpSpPr>
+      <p:grpSpPr>
+        <a:xfrm>
+          <a:off x="0" y="0"/>
+          <a:ext cx="0" cy="0"/>
+          <a:chOff x="0" y="0"/>
+          <a:chExt cx="0" cy="0"/>
+        </a:xfrm>
+      </p:grpSpPr>
+      <p:sp>
+        <p:nvSpPr>
+          <p:cNvPr id="2" name="Slide Image Placeholder 1"/>
+          <p:cNvSpPr>
+            <a:spLocks noGrp="1" noRot="1" noChangeAspect="1"/>
+          </p:cNvSpPr>
+          <p:nvPr>
+            <p:ph type="sldImg"/>
+          </p:nvPr>
+        </p:nvSpPr>
+        <p:spPr/>
+      </p:sp>
+      <p:sp>
+        <p:nvSpPr>
+          <p:cNvPr id="3" name="Notes Placeholder 2"/>
+          <p:cNvSpPr>
+            <a:spLocks noGrp="1"/>
+          </p:cNvSpPr>
+          <p:nvPr>
+            <p:ph type="body" idx="1"/>
+          </p:nvPr>
+        </p:nvSpPr>
+        <p:spPr/>
+        <p:txBody>
+          <a:bodyPr/>
+          <a:lstStyle/>
+          <a:p>
+            <a:r>
+              <a:rPr lang="en-AU" dirty="0"/>
+              <a:t>Arpit</a:t>
+            </a:r>
+          </a:p>
+        </p:txBody>
+      </p:sp>
+      <p:sp>
+        <p:nvSpPr>
+          <p:cNvPr id="4" name="Slide Number Placeholder 3"/>
+          <p:cNvSpPr>
+            <a:spLocks noGrp="1"/>
+          </p:cNvSpPr>
+          <p:nvPr>
+            <p:ph type="sldNum" sz="quarter" idx="5"/>
+          </p:nvPr>
+        </p:nvSpPr>
+        <p:spPr/>
+        <p:txBody>
+          <a:bodyPr/>
+          <a:lstStyle/>
+          <a:p>
+            <a:fld id="{7E9FF854-EBCF-BA4F-BEA7-33B6A492EBD7}" type="slidenum">
+              <a:rPr lang="en-US" smtClean="0"/>
+              <a:t>25</a:t>
+            </a:fld>
+            <a:endParaRPr lang="en-US"/>
+          </a:p>
+        </p:txBody>
+      </p:sp>
+    </p:spTree>
+    <p:extLst>
+      <p:ext uri="{BB962C8B-B14F-4D97-AF65-F5344CB8AC3E}">
+        <p14:creationId xmlns:p14="http://schemas.microsoft.com/office/powerpoint/2010/main" val="329763691"/>
+      </p:ext>
+    </p:extLst>
+  </p:cSld>
+  <p:clrMapOvr>
+    <a:masterClrMapping/>
+  </p:clrMapOvr>
+</p:notes>
+</file>
+
+<file path=ppt/notesSlides/notesSlide23.xml><?xml version="1.0" encoding="utf-8"?>
+<p:notes xmlns:a="http://schemas.openxmlformats.org/drawingml/2006/main" xmlns:r="http://schemas.openxmlformats.org/officeDocument/2006/relationships" xmlns:p="http://schemas.openxmlformats.org/presentationml/2006/main">
+  <p:cSld>
+    <p:spTree>
+      <p:nvGrpSpPr>
+        <p:cNvPr id="1" name=""/>
+        <p:cNvGrpSpPr/>
+        <p:nvPr/>
+      </p:nvGrpSpPr>
+      <p:grpSpPr>
+        <a:xfrm>
+          <a:off x="0" y="0"/>
+          <a:ext cx="0" cy="0"/>
+          <a:chOff x="0" y="0"/>
+          <a:chExt cx="0" cy="0"/>
+        </a:xfrm>
+      </p:grpSpPr>
+      <p:sp>
+        <p:nvSpPr>
+          <p:cNvPr id="2" name="Slide Image Placeholder 1"/>
+          <p:cNvSpPr>
+            <a:spLocks noGrp="1" noRot="1" noChangeAspect="1"/>
+          </p:cNvSpPr>
+          <p:nvPr>
+            <p:ph type="sldImg"/>
+          </p:nvPr>
+        </p:nvSpPr>
+        <p:spPr/>
+      </p:sp>
+      <p:sp>
+        <p:nvSpPr>
+          <p:cNvPr id="3" name="Notes Placeholder 2"/>
+          <p:cNvSpPr>
+            <a:spLocks noGrp="1"/>
+          </p:cNvSpPr>
+          <p:nvPr>
+            <p:ph type="body" idx="1"/>
+          </p:nvPr>
+        </p:nvSpPr>
+        <p:spPr/>
+        <p:txBody>
+          <a:bodyPr/>
+          <a:lstStyle/>
+          <a:p>
+            <a:r>
+              <a:rPr lang="en-US" dirty="0"/>
+              <a:t>Arpit</a:t>
+            </a:r>
+          </a:p>
+        </p:txBody>
+      </p:sp>
+      <p:sp>
+        <p:nvSpPr>
+          <p:cNvPr id="4" name="Slide Number Placeholder 3"/>
+          <p:cNvSpPr>
+            <a:spLocks noGrp="1"/>
+          </p:cNvSpPr>
+          <p:nvPr>
+            <p:ph type="sldNum" sz="quarter" idx="10"/>
+          </p:nvPr>
+        </p:nvSpPr>
+        <p:spPr/>
+        <p:txBody>
+          <a:bodyPr/>
+          <a:lstStyle/>
+          <a:p>
+            <a:fld id="{7E9FF854-EBCF-BA4F-BEA7-33B6A492EBD7}" type="slidenum">
+              <a:rPr lang="en-US" smtClean="0"/>
+              <a:t>26</a:t>
+            </a:fld>
+            <a:endParaRPr lang="en-US"/>
+          </a:p>
+        </p:txBody>
+      </p:sp>
+    </p:spTree>
+    <p:extLst>
+      <p:ext uri="{BB962C8B-B14F-4D97-AF65-F5344CB8AC3E}">
+        <p14:creationId xmlns:p14="http://schemas.microsoft.com/office/powerpoint/2010/main" val="874657782"/>
+      </p:ext>
+    </p:extLst>
+  </p:cSld>
+  <p:clrMapOvr>
+    <a:masterClrMapping/>
+  </p:clrMapOvr>
+</p:notes>
+</file>
+
+<file path=ppt/notesSlides/notesSlide24.xml><?xml version="1.0" encoding="utf-8"?>
+<p:notes xmlns:a="http://schemas.openxmlformats.org/drawingml/2006/main" xmlns:r="http://schemas.openxmlformats.org/officeDocument/2006/relationships" xmlns:p="http://schemas.openxmlformats.org/presentationml/2006/main">
+  <p:cSld>
+    <p:spTree>
+      <p:nvGrpSpPr>
+        <p:cNvPr id="1" name=""/>
+        <p:cNvGrpSpPr/>
+        <p:nvPr/>
+      </p:nvGrpSpPr>
+      <p:grpSpPr>
+        <a:xfrm>
+          <a:off x="0" y="0"/>
+          <a:ext cx="0" cy="0"/>
+          <a:chOff x="0" y="0"/>
+          <a:chExt cx="0" cy="0"/>
+        </a:xfrm>
+      </p:grpSpPr>
+      <p:sp>
+        <p:nvSpPr>
+          <p:cNvPr id="2" name="Slide Image Placeholder 1"/>
+          <p:cNvSpPr>
+            <a:spLocks noGrp="1" noRot="1" noChangeAspect="1"/>
+          </p:cNvSpPr>
+          <p:nvPr>
+            <p:ph type="sldImg"/>
+          </p:nvPr>
+        </p:nvSpPr>
+        <p:spPr/>
+      </p:sp>
+      <p:sp>
+        <p:nvSpPr>
+          <p:cNvPr id="3" name="Notes Placeholder 2"/>
+          <p:cNvSpPr>
+            <a:spLocks noGrp="1"/>
+          </p:cNvSpPr>
+          <p:nvPr>
+            <p:ph type="body" idx="1"/>
+          </p:nvPr>
+        </p:nvSpPr>
+        <p:spPr/>
+        <p:txBody>
+          <a:bodyPr/>
+          <a:lstStyle/>
+          <a:p>
+            <a:r>
+              <a:rPr lang="en-US" dirty="0"/>
+              <a:t>Nic</a:t>
+            </a:r>
+          </a:p>
+          <a:p>
+            <a:r>
+              <a:rPr lang="en-US" dirty="0"/>
+              <a:t>Emma</a:t>
+            </a:r>
+            <a:r>
+              <a:rPr lang="en-US" baseline="0" dirty="0"/>
+              <a:t> went through this in some detail a few weeks ago so we aren’t going to again.</a:t>
+            </a:r>
+            <a:endParaRPr lang="en-US" dirty="0"/>
+          </a:p>
+        </p:txBody>
+      </p:sp>
+      <p:sp>
+        <p:nvSpPr>
+          <p:cNvPr id="4" name="Slide Number Placeholder 3"/>
+          <p:cNvSpPr>
+            <a:spLocks noGrp="1"/>
+          </p:cNvSpPr>
+          <p:nvPr>
+            <p:ph type="sldNum" sz="quarter" idx="10"/>
+          </p:nvPr>
+        </p:nvSpPr>
+        <p:spPr/>
+        <p:txBody>
+          <a:bodyPr/>
+          <a:lstStyle/>
+          <a:p>
+            <a:fld id="{7E9FF854-EBCF-BA4F-BEA7-33B6A492EBD7}" type="slidenum">
+              <a:rPr lang="en-US" smtClean="0"/>
+              <a:t>27</a:t>
+            </a:fld>
+            <a:endParaRPr lang="en-US"/>
+          </a:p>
+        </p:txBody>
+      </p:sp>
+    </p:spTree>
+    <p:extLst>
+      <p:ext uri="{BB962C8B-B14F-4D97-AF65-F5344CB8AC3E}">
+        <p14:creationId xmlns:p14="http://schemas.microsoft.com/office/powerpoint/2010/main" val="260164155"/>
+      </p:ext>
+    </p:extLst>
+  </p:cSld>
+  <p:clrMapOvr>
+    <a:masterClrMapping/>
+  </p:clrMapOvr>
+</p:notes>
+</file>
+
+<file path=ppt/notesSlides/notesSlide25.xml><?xml version="1.0" encoding="utf-8"?>
+<p:notes xmlns:a="http://schemas.openxmlformats.org/drawingml/2006/main" xmlns:r="http://schemas.openxmlformats.org/officeDocument/2006/relationships" xmlns:p="http://schemas.openxmlformats.org/presentationml/2006/main">
+  <p:cSld>
+    <p:spTree>
+      <p:nvGrpSpPr>
+        <p:cNvPr id="1" name=""/>
+        <p:cNvGrpSpPr/>
+        <p:nvPr/>
+      </p:nvGrpSpPr>
+      <p:grpSpPr>
+        <a:xfrm>
+          <a:off x="0" y="0"/>
+          <a:ext cx="0" cy="0"/>
+          <a:chOff x="0" y="0"/>
+          <a:chExt cx="0" cy="0"/>
+        </a:xfrm>
+      </p:grpSpPr>
+      <p:sp>
+        <p:nvSpPr>
+          <p:cNvPr id="2" name="Slide Image Placeholder 1"/>
+          <p:cNvSpPr>
+            <a:spLocks noGrp="1" noRot="1" noChangeAspect="1"/>
+          </p:cNvSpPr>
+          <p:nvPr>
+            <p:ph type="sldImg"/>
+          </p:nvPr>
+        </p:nvSpPr>
+        <p:spPr/>
+      </p:sp>
+      <p:sp>
+        <p:nvSpPr>
+          <p:cNvPr id="3" name="Notes Placeholder 2"/>
+          <p:cNvSpPr>
+            <a:spLocks noGrp="1"/>
+          </p:cNvSpPr>
+          <p:nvPr>
+            <p:ph type="body" idx="1"/>
+          </p:nvPr>
+        </p:nvSpPr>
+        <p:spPr/>
+        <p:txBody>
+          <a:bodyPr/>
+          <a:lstStyle/>
+          <a:p>
+            <a:r>
+              <a:rPr lang="en-AU" dirty="0"/>
+              <a:t>Nic</a:t>
+            </a:r>
+          </a:p>
+        </p:txBody>
+      </p:sp>
+      <p:sp>
+        <p:nvSpPr>
+          <p:cNvPr id="4" name="Slide Number Placeholder 3"/>
+          <p:cNvSpPr>
+            <a:spLocks noGrp="1"/>
+          </p:cNvSpPr>
+          <p:nvPr>
+            <p:ph type="sldNum" sz="quarter" idx="5"/>
+          </p:nvPr>
+        </p:nvSpPr>
+        <p:spPr/>
+        <p:txBody>
+          <a:bodyPr/>
+          <a:lstStyle/>
+          <a:p>
+            <a:fld id="{7E9FF854-EBCF-BA4F-BEA7-33B6A492EBD7}" type="slidenum">
+              <a:rPr lang="en-US" smtClean="0"/>
+              <a:t>28</a:t>
+            </a:fld>
+            <a:endParaRPr lang="en-US"/>
+          </a:p>
+        </p:txBody>
+      </p:sp>
+    </p:spTree>
+    <p:extLst>
+      <p:ext uri="{BB962C8B-B14F-4D97-AF65-F5344CB8AC3E}">
+        <p14:creationId xmlns:p14="http://schemas.microsoft.com/office/powerpoint/2010/main" val="3902429410"/>
       </p:ext>
     </p:extLst>
   </p:cSld>
@@ -1241,7 +2133,7 @@
           <a:bodyPr/>
           <a:lstStyle/>
           <a:p>
-            <a:endParaRPr lang="en-US"/>
+            <a:endParaRPr lang="en-US" dirty="0"/>
           </a:p>
         </p:txBody>
       </p:sp>
@@ -1262,7 +2154,7 @@
           <a:p>
             <a:fld id="{7E9FF854-EBCF-BA4F-BEA7-33B6A492EBD7}" type="slidenum">
               <a:rPr lang="en-US" smtClean="0"/>
-              <a:t>5</a:t>
+              <a:t>4</a:t>
             </a:fld>
             <a:endParaRPr lang="en-US"/>
           </a:p>
@@ -1271,7 +2163,7 @@
     </p:spTree>
     <p:extLst>
       <p:ext uri="{BB962C8B-B14F-4D97-AF65-F5344CB8AC3E}">
-        <p14:creationId xmlns:p14="http://schemas.microsoft.com/office/powerpoint/2010/main" val="1997093503"/>
+        <p14:creationId xmlns:p14="http://schemas.microsoft.com/office/powerpoint/2010/main" val="1567766630"/>
       </p:ext>
     </p:extLst>
   </p:cSld>
@@ -1325,57 +2217,7 @@
           <a:bodyPr/>
           <a:lstStyle/>
           <a:p>
-            <a:pPr marL="285750" indent="-285750">
-              <a:buFont typeface="Arial" charset="0"/>
-              <a:buChar char="•"/>
-            </a:pPr>
-            <a:r>
-              <a:rPr lang="en-US" dirty="0"/>
-              <a:t>Nature of all Inputs:</a:t>
-            </a:r>
-          </a:p>
-          <a:p>
-            <a:pPr marL="742950" lvl="1" indent="-285750">
-              <a:buFont typeface="Arial" charset="0"/>
-              <a:buChar char="•"/>
-            </a:pPr>
-            <a:r>
-              <a:rPr lang="en-US" dirty="0"/>
-              <a:t>Purpose</a:t>
-            </a:r>
-          </a:p>
-          <a:p>
-            <a:pPr marL="742950" lvl="1" indent="-285750">
-              <a:buFont typeface="Arial" charset="0"/>
-              <a:buChar char="•"/>
-            </a:pPr>
-            <a:r>
-              <a:rPr lang="en-US" dirty="0"/>
-              <a:t>Limitations</a:t>
-            </a:r>
-          </a:p>
-          <a:p>
-            <a:pPr marL="285750" indent="-285750">
-              <a:buFont typeface="Arial" charset="0"/>
-              <a:buChar char="•"/>
-            </a:pPr>
-            <a:r>
-              <a:rPr lang="en-US" dirty="0"/>
-              <a:t>Nature of Output</a:t>
-            </a:r>
-          </a:p>
-          <a:p>
-            <a:pPr marL="285750" indent="-285750">
-              <a:buFont typeface="Arial" charset="0"/>
-              <a:buChar char="•"/>
-            </a:pPr>
-            <a:r>
-              <a:rPr lang="en-US" dirty="0"/>
-              <a:t>Demonstrate Changing of inputs and its effect on output</a:t>
-            </a:r>
-          </a:p>
-          <a:p>
-            <a:endParaRPr lang="en-US" dirty="0"/>
+            <a:endParaRPr lang="en-US"/>
           </a:p>
         </p:txBody>
       </p:sp>
@@ -1396,7 +2238,7 @@
           <a:p>
             <a:fld id="{7E9FF854-EBCF-BA4F-BEA7-33B6A492EBD7}" type="slidenum">
               <a:rPr lang="en-US" smtClean="0"/>
-              <a:t>6</a:t>
+              <a:t>5</a:t>
             </a:fld>
             <a:endParaRPr lang="en-US"/>
           </a:p>
@@ -1405,7 +2247,7 @@
     </p:spTree>
     <p:extLst>
       <p:ext uri="{BB962C8B-B14F-4D97-AF65-F5344CB8AC3E}">
-        <p14:creationId xmlns:p14="http://schemas.microsoft.com/office/powerpoint/2010/main" val="1950928439"/>
+        <p14:creationId xmlns:p14="http://schemas.microsoft.com/office/powerpoint/2010/main" val="1997093503"/>
       </p:ext>
     </p:extLst>
   </p:cSld>
@@ -1459,14 +2301,214 @@
           <a:bodyPr/>
           <a:lstStyle/>
           <a:p>
-            <a:r>
-              <a:rPr lang="en-US" dirty="0"/>
-              <a:t>Define linear,</a:t>
-            </a:r>
-            <a:r>
-              <a:rPr lang="en-US" baseline="0" dirty="0"/>
-              <a:t> cis and trans</a:t>
-            </a:r>
+            <a:pPr marL="285750" indent="-285750">
+              <a:buFont typeface="Arial" charset="0"/>
+              <a:buChar char="•"/>
+            </a:pPr>
+            <a:r>
+              <a:rPr lang="en-US" dirty="0"/>
+              <a:t>Arpit/Nic</a:t>
+            </a:r>
+          </a:p>
+          <a:p>
+            <a:pPr marL="285750" indent="-285750">
+              <a:buFont typeface="Arial" charset="0"/>
+              <a:buChar char="•"/>
+            </a:pPr>
+            <a:r>
+              <a:rPr lang="en-US" dirty="0"/>
+              <a:t>Nature of all Inputs:</a:t>
+            </a:r>
+          </a:p>
+          <a:p>
+            <a:pPr marL="742950" lvl="1" indent="-285750">
+              <a:buFont typeface="Arial" charset="0"/>
+              <a:buChar char="•"/>
+            </a:pPr>
+            <a:r>
+              <a:rPr lang="en-US" dirty="0"/>
+              <a:t>Purpose</a:t>
+            </a:r>
+          </a:p>
+          <a:p>
+            <a:pPr marL="742950" lvl="1" indent="-285750">
+              <a:buFont typeface="Arial" charset="0"/>
+              <a:buChar char="•"/>
+            </a:pPr>
+            <a:r>
+              <a:rPr lang="en-US" dirty="0"/>
+              <a:t>Limitations</a:t>
+            </a:r>
+          </a:p>
+          <a:p>
+            <a:pPr marL="285750" indent="-285750">
+              <a:buFont typeface="Arial" charset="0"/>
+              <a:buChar char="•"/>
+            </a:pPr>
+            <a:r>
+              <a:rPr lang="en-US" dirty="0"/>
+              <a:t>Nature of Output</a:t>
+            </a:r>
+          </a:p>
+          <a:p>
+            <a:pPr marL="285750" indent="-285750">
+              <a:buFont typeface="Arial" charset="0"/>
+              <a:buChar char="•"/>
+            </a:pPr>
+            <a:r>
+              <a:rPr lang="en-US" dirty="0"/>
+              <a:t>Demonstrate Changing of inputs and its effect on output</a:t>
+            </a:r>
+          </a:p>
+          <a:p>
+            <a:pPr marL="285750" indent="-285750">
+              <a:buFont typeface="Arial" charset="0"/>
+              <a:buChar char="•"/>
+            </a:pPr>
+            <a:endParaRPr lang="en-US" dirty="0"/>
+          </a:p>
+          <a:p>
+            <a:pPr marL="285750" indent="-285750">
+              <a:buFont typeface="Arial" charset="0"/>
+              <a:buChar char="•"/>
+            </a:pPr>
+            <a:r>
+              <a:rPr lang="en-US" dirty="0"/>
+              <a:t>New Functions:</a:t>
+            </a:r>
+          </a:p>
+          <a:p>
+            <a:pPr marL="285750" marR="0" lvl="0" indent="-285750" algn="l" defTabSz="914400" rtl="0" eaLnBrk="1" fontAlgn="auto" latinLnBrk="0" hangingPunct="1">
+              <a:lnSpc>
+                <a:spcPct val="100000"/>
+              </a:lnSpc>
+              <a:spcBef>
+                <a:spcPts val="0"/>
+              </a:spcBef>
+              <a:spcAft>
+                <a:spcPts val="0"/>
+              </a:spcAft>
+              <a:buClrTx/>
+              <a:buSzTx/>
+              <a:buFont typeface="Arial" charset="0"/>
+              <a:buChar char="•"/>
+              <a:tabLst/>
+              <a:defRPr/>
+            </a:pPr>
+            <a:r>
+              <a:rPr lang="en-US" dirty="0"/>
+              <a:t>Upload of multiple FASTA files.</a:t>
+            </a:r>
+          </a:p>
+          <a:p>
+            <a:r>
+              <a:rPr lang="en-US" dirty="0"/>
+              <a:t>Produce output without input MGF file.</a:t>
+            </a:r>
+          </a:p>
+          <a:p>
+            <a:pPr marL="0" marR="0" lvl="0" indent="0" algn="l" defTabSz="914400" rtl="0" eaLnBrk="1" fontAlgn="auto" latinLnBrk="0" hangingPunct="1">
+              <a:lnSpc>
+                <a:spcPct val="100000"/>
+              </a:lnSpc>
+              <a:spcBef>
+                <a:spcPts val="0"/>
+              </a:spcBef>
+              <a:spcAft>
+                <a:spcPts val="0"/>
+              </a:spcAft>
+              <a:buClrTx/>
+              <a:buSzTx/>
+              <a:buFontTx/>
+              <a:buNone/>
+              <a:tabLst/>
+              <a:defRPr/>
+            </a:pPr>
+            <a:r>
+              <a:rPr lang="en-US" dirty="0"/>
+              <a:t>Allow user to input the output file name.</a:t>
+            </a:r>
+          </a:p>
+          <a:p>
+            <a:pPr marL="0" marR="0" lvl="0" indent="0" algn="l" defTabSz="914400" rtl="0" eaLnBrk="1" fontAlgn="auto" latinLnBrk="0" hangingPunct="1">
+              <a:lnSpc>
+                <a:spcPct val="100000"/>
+              </a:lnSpc>
+              <a:spcBef>
+                <a:spcPts val="0"/>
+              </a:spcBef>
+              <a:spcAft>
+                <a:spcPts val="0"/>
+              </a:spcAft>
+              <a:buClrTx/>
+              <a:buSzTx/>
+              <a:buFontTx/>
+              <a:buNone/>
+              <a:tabLst/>
+              <a:defRPr/>
+            </a:pPr>
+            <a:r>
+              <a:rPr lang="en-US" dirty="0"/>
+              <a:t>Added a progress bar which represents the proportion of the output completed.</a:t>
+            </a:r>
+          </a:p>
+          <a:p>
+            <a:pPr marL="0" marR="0" lvl="0" indent="0" algn="l" defTabSz="914400" rtl="0" eaLnBrk="1" fontAlgn="auto" latinLnBrk="0" hangingPunct="1">
+              <a:lnSpc>
+                <a:spcPct val="100000"/>
+              </a:lnSpc>
+              <a:spcBef>
+                <a:spcPts val="0"/>
+              </a:spcBef>
+              <a:spcAft>
+                <a:spcPts val="0"/>
+              </a:spcAft>
+              <a:buClrTx/>
+              <a:buSzTx/>
+              <a:buFontTx/>
+              <a:buNone/>
+              <a:tabLst/>
+              <a:defRPr/>
+            </a:pPr>
+            <a:r>
+              <a:rPr lang="en-US" dirty="0"/>
+              <a:t>UI is a lot more fluid and error proof, with the parameters being thoroughly sanitized before the output generation can begin.</a:t>
+            </a:r>
+          </a:p>
+          <a:p>
+            <a:r>
+              <a:rPr lang="en-US" dirty="0"/>
+              <a:t>Max modification per peptide input.</a:t>
+            </a:r>
+          </a:p>
+          <a:p>
+            <a:pPr marL="285750" marR="0" lvl="0" indent="-285750" algn="l" defTabSz="914400" rtl="0" eaLnBrk="1" fontAlgn="auto" latinLnBrk="0" hangingPunct="1">
+              <a:lnSpc>
+                <a:spcPct val="100000"/>
+              </a:lnSpc>
+              <a:spcBef>
+                <a:spcPts val="0"/>
+              </a:spcBef>
+              <a:spcAft>
+                <a:spcPts val="0"/>
+              </a:spcAft>
+              <a:buClrTx/>
+              <a:buSzTx/>
+              <a:buFont typeface="Arial" charset="0"/>
+              <a:buChar char="•"/>
+              <a:tabLst/>
+              <a:defRPr/>
+            </a:pPr>
+            <a:endParaRPr lang="en-US" dirty="0"/>
+          </a:p>
+          <a:p>
+            <a:pPr marL="285750" indent="-285750">
+              <a:buFont typeface="Arial" charset="0"/>
+              <a:buChar char="•"/>
+            </a:pPr>
+            <a:endParaRPr lang="en-US" dirty="0"/>
+          </a:p>
+          <a:p>
             <a:endParaRPr lang="en-US" dirty="0"/>
           </a:p>
         </p:txBody>
@@ -1488,7 +2530,7 @@
           <a:p>
             <a:fld id="{7E9FF854-EBCF-BA4F-BEA7-33B6A492EBD7}" type="slidenum">
               <a:rPr lang="en-US" smtClean="0"/>
-              <a:t>7</a:t>
+              <a:t>6</a:t>
             </a:fld>
             <a:endParaRPr lang="en-US"/>
           </a:p>
@@ -1497,7 +2539,7 @@
     </p:spTree>
     <p:extLst>
       <p:ext uri="{BB962C8B-B14F-4D97-AF65-F5344CB8AC3E}">
-        <p14:creationId xmlns:p14="http://schemas.microsoft.com/office/powerpoint/2010/main" val="149608809"/>
+        <p14:creationId xmlns:p14="http://schemas.microsoft.com/office/powerpoint/2010/main" val="1950928439"/>
       </p:ext>
     </p:extLst>
   </p:cSld>
@@ -1553,55 +2595,18 @@
           <a:p>
             <a:r>
               <a:rPr lang="en-US" dirty="0"/>
-              <a:t>Elaborate on each one. Don’t think need to elaborate on each one too much, just the main important ones.</a:t>
-            </a:r>
-            <a:br>
-              <a:rPr lang="en-US" dirty="0"/>
-            </a:br>
-            <a:r>
-              <a:rPr lang="en-US" dirty="0"/>
-              <a:t>Important ones:</a:t>
-            </a:r>
-            <a:br>
-              <a:rPr lang="en-US" dirty="0"/>
-            </a:br>
-            <a:endParaRPr lang="en-US" dirty="0"/>
-          </a:p>
-          <a:p>
-            <a:pPr marL="171450" indent="-171450">
-              <a:buFontTx/>
-              <a:buChar char="-"/>
-            </a:pPr>
-            <a:r>
-              <a:rPr lang="en-US" dirty="0"/>
-              <a:t>New b/y ion comparison, the previous algorithm albeit quicker would get a lot of false negatives. This was as we were only checking the b/y ions for the closest ppm match. If there were other ppm matches, it was often the case that we would have the b/y threshold satisfied for one of the other ppm match. This is now taken into account.</a:t>
-            </a:r>
-          </a:p>
-          <a:p>
-            <a:pPr marL="171450" indent="-171450">
-              <a:buFontTx/>
-              <a:buChar char="-"/>
-            </a:pPr>
-            <a:r>
-              <a:rPr lang="en-US" dirty="0"/>
-              <a:t>UI is a lot more fluid and error proof, with the parameters being thoroughly sanitized before the output generation can begin.</a:t>
-            </a:r>
-          </a:p>
-          <a:p>
-            <a:pPr marL="0" indent="0">
-              <a:buFontTx/>
-              <a:buNone/>
-            </a:pPr>
-            <a:r>
-              <a:rPr lang="en-US" dirty="0"/>
-              <a:t>- Process Generation and memory threshold changes essentially means that the program should be able to handle all input sizes with the caveat being that the multiple output files could contain duplicates across the different files.</a:t>
-            </a:r>
-            <a:br>
-              <a:rPr lang="en-US" dirty="0"/>
-            </a:br>
-            <a:br>
-              <a:rPr lang="en-US" dirty="0"/>
-            </a:br>
+              <a:t>Nic</a:t>
+            </a:r>
+          </a:p>
+          <a:p>
+            <a:r>
+              <a:rPr lang="en-US" dirty="0"/>
+              <a:t>Define linear,</a:t>
+            </a:r>
+            <a:r>
+              <a:rPr lang="en-US" baseline="0" dirty="0"/>
+              <a:t> cis and trans</a:t>
+            </a:r>
             <a:endParaRPr lang="en-US" dirty="0"/>
           </a:p>
         </p:txBody>
@@ -1623,7 +2628,7 @@
           <a:p>
             <a:fld id="{7E9FF854-EBCF-BA4F-BEA7-33B6A492EBD7}" type="slidenum">
               <a:rPr lang="en-US" smtClean="0"/>
-              <a:t>8</a:t>
+              <a:t>7</a:t>
             </a:fld>
             <a:endParaRPr lang="en-US"/>
           </a:p>
@@ -1632,7 +2637,7 @@
     </p:spTree>
     <p:extLst>
       <p:ext uri="{BB962C8B-B14F-4D97-AF65-F5344CB8AC3E}">
-        <p14:creationId xmlns:p14="http://schemas.microsoft.com/office/powerpoint/2010/main" val="1090342772"/>
+        <p14:creationId xmlns:p14="http://schemas.microsoft.com/office/powerpoint/2010/main" val="149608809"/>
       </p:ext>
     </p:extLst>
   </p:cSld>
@@ -1686,7 +2691,60 @@
           <a:bodyPr/>
           <a:lstStyle/>
           <a:p>
-            <a:endParaRPr lang="en-AU" dirty="0"/>
+            <a:r>
+              <a:rPr lang="en-US" dirty="0"/>
+              <a:t>First 3: Arpit</a:t>
+            </a:r>
+          </a:p>
+          <a:p>
+            <a:r>
+              <a:rPr lang="en-US" dirty="0"/>
+              <a:t>Second 3: Nic</a:t>
+            </a:r>
+          </a:p>
+          <a:p>
+            <a:r>
+              <a:rPr lang="en-US" dirty="0"/>
+              <a:t>Elaborate on each one. Don’t think need to elaborate on each one too much, just the main important ones.</a:t>
+            </a:r>
+            <a:br>
+              <a:rPr lang="en-US" dirty="0"/>
+            </a:br>
+            <a:r>
+              <a:rPr lang="en-US" dirty="0"/>
+              <a:t>Important ones:</a:t>
+            </a:r>
+            <a:br>
+              <a:rPr lang="en-US" dirty="0"/>
+            </a:br>
+            <a:endParaRPr lang="en-US" dirty="0"/>
+          </a:p>
+          <a:p>
+            <a:pPr marL="171450" indent="-171450">
+              <a:buFontTx/>
+              <a:buChar char="-"/>
+            </a:pPr>
+            <a:r>
+              <a:rPr lang="en-US" dirty="0"/>
+              <a:t>New b/y ion comparison, the previous algorithm albeit quicker would get a lot of false negatives. This was as we were only checking the b/y ions for the closest ppm match. If there were other ppm matches, it was often the case that we would have the b/y threshold satisfied for one of the other ppm match. This is now taken into account.</a:t>
+            </a:r>
+          </a:p>
+          <a:p>
+            <a:pPr marL="0" indent="0">
+              <a:buFontTx/>
+              <a:buNone/>
+            </a:pPr>
+            <a:r>
+              <a:rPr lang="en-US" dirty="0"/>
+              <a:t>- Process Generation and memory threshold changes essentially means that the program should be able to handle all input sizes with the caveat being that the multiple output files could contain duplicates across the different files.</a:t>
+            </a:r>
+            <a:br>
+              <a:rPr lang="en-US" dirty="0"/>
+            </a:br>
+            <a:br>
+              <a:rPr lang="en-US" dirty="0"/>
+            </a:br>
+            <a:endParaRPr lang="en-US" dirty="0"/>
           </a:p>
         </p:txBody>
       </p:sp>
@@ -1697,7 +2755,7 @@
             <a:spLocks noGrp="1"/>
           </p:cNvSpPr>
           <p:nvPr>
-            <p:ph type="sldNum" sz="quarter" idx="5"/>
+            <p:ph type="sldNum" sz="quarter" idx="10"/>
           </p:nvPr>
         </p:nvSpPr>
         <p:spPr/>
@@ -1707,7 +2765,7 @@
           <a:p>
             <a:fld id="{7E9FF854-EBCF-BA4F-BEA7-33B6A492EBD7}" type="slidenum">
               <a:rPr lang="en-US" smtClean="0"/>
-              <a:t>9</a:t>
+              <a:t>8</a:t>
             </a:fld>
             <a:endParaRPr lang="en-US"/>
           </a:p>
@@ -1716,7 +2774,7 @@
     </p:spTree>
     <p:extLst>
       <p:ext uri="{BB962C8B-B14F-4D97-AF65-F5344CB8AC3E}">
-        <p14:creationId xmlns:p14="http://schemas.microsoft.com/office/powerpoint/2010/main" val="3789997032"/>
+        <p14:creationId xmlns:p14="http://schemas.microsoft.com/office/powerpoint/2010/main" val="1090342772"/>
       </p:ext>
     </p:extLst>
   </p:cSld>
@@ -1771,18 +2829,8 @@
           <a:lstStyle/>
           <a:p>
             <a:r>
-              <a:rPr lang="en-US" dirty="0"/>
-              <a:t>Explain what</a:t>
-            </a:r>
-            <a:r>
-              <a:rPr lang="en-US" baseline="0" dirty="0"/>
-              <a:t> is meant by origin: which proteins the cleavages which were combined to create the peptide were from.</a:t>
-            </a:r>
-          </a:p>
-          <a:p>
-            <a:r>
-              <a:rPr lang="en-US" dirty="0"/>
-              <a:t>Explain overlap</a:t>
+              <a:rPr lang="en-AU" dirty="0"/>
+              <a:t>Nic</a:t>
             </a:r>
           </a:p>
         </p:txBody>
@@ -1794,7 +2842,7 @@
             <a:spLocks noGrp="1"/>
           </p:cNvSpPr>
           <p:nvPr>
-            <p:ph type="sldNum" sz="quarter" idx="10"/>
+            <p:ph type="sldNum" sz="quarter" idx="5"/>
           </p:nvPr>
         </p:nvSpPr>
         <p:spPr/>
@@ -1804,7 +2852,7 @@
           <a:p>
             <a:fld id="{7E9FF854-EBCF-BA4F-BEA7-33B6A492EBD7}" type="slidenum">
               <a:rPr lang="en-US" smtClean="0"/>
-              <a:t>10</a:t>
+              <a:t>9</a:t>
             </a:fld>
             <a:endParaRPr lang="en-US"/>
           </a:p>
@@ -1813,7 +2861,7 @@
     </p:spTree>
     <p:extLst>
       <p:ext uri="{BB962C8B-B14F-4D97-AF65-F5344CB8AC3E}">
-        <p14:creationId xmlns:p14="http://schemas.microsoft.com/office/powerpoint/2010/main" val="1649859096"/>
+        <p14:creationId xmlns:p14="http://schemas.microsoft.com/office/powerpoint/2010/main" val="3789997032"/>
       </p:ext>
     </p:extLst>
   </p:cSld>
@@ -1867,7 +2915,26 @@
           <a:bodyPr/>
           <a:lstStyle/>
           <a:p>
-            <a:endParaRPr lang="en-AU" dirty="0"/>
+            <a:r>
+              <a:rPr lang="en-US" dirty="0"/>
+              <a:t>Nic</a:t>
+            </a:r>
+          </a:p>
+          <a:p>
+            <a:r>
+              <a:rPr lang="en-US" dirty="0"/>
+              <a:t>Explain what</a:t>
+            </a:r>
+            <a:r>
+              <a:rPr lang="en-US" baseline="0" dirty="0"/>
+              <a:t> is meant by origin: which proteins the cleavages which were combined to create the peptide were from.</a:t>
+            </a:r>
+          </a:p>
+          <a:p>
+            <a:r>
+              <a:rPr lang="en-US" dirty="0"/>
+              <a:t>Explain overlap</a:t>
+            </a:r>
           </a:p>
         </p:txBody>
       </p:sp>
@@ -1878,7 +2945,7 @@
             <a:spLocks noGrp="1"/>
           </p:cNvSpPr>
           <p:nvPr>
-            <p:ph type="sldNum" sz="quarter" idx="5"/>
+            <p:ph type="sldNum" sz="quarter" idx="10"/>
           </p:nvPr>
         </p:nvSpPr>
         <p:spPr/>
@@ -1888,7 +2955,7 @@
           <a:p>
             <a:fld id="{7E9FF854-EBCF-BA4F-BEA7-33B6A492EBD7}" type="slidenum">
               <a:rPr lang="en-US" smtClean="0"/>
-              <a:t>11</a:t>
+              <a:t>10</a:t>
             </a:fld>
             <a:endParaRPr lang="en-US"/>
           </a:p>
@@ -1897,7 +2964,7 @@
     </p:spTree>
     <p:extLst>
       <p:ext uri="{BB962C8B-B14F-4D97-AF65-F5344CB8AC3E}">
-        <p14:creationId xmlns:p14="http://schemas.microsoft.com/office/powerpoint/2010/main" val="3649151961"/>
+        <p14:creationId xmlns:p14="http://schemas.microsoft.com/office/powerpoint/2010/main" val="1649859096"/>
       </p:ext>
     </p:extLst>
   </p:cSld>
@@ -2095,7 +3162,7 @@
           <a:p>
             <a:fld id="{C65CC5F2-8C20-4D41-A30F-E08EA3FD74AE}" type="datetimeFigureOut">
               <a:rPr lang="en-US" smtClean="0"/>
-              <a:t>4/1/2019</a:t>
+              <a:t>4/2/2019</a:t>
             </a:fld>
             <a:endParaRPr lang="en-US"/>
           </a:p>
@@ -2428,7 +3495,7 @@
           <a:p>
             <a:fld id="{C65CC5F2-8C20-4D41-A30F-E08EA3FD74AE}" type="datetimeFigureOut">
               <a:rPr lang="en-US" smtClean="0"/>
-              <a:t>4/1/2019</a:t>
+              <a:t>4/2/2019</a:t>
             </a:fld>
             <a:endParaRPr lang="en-US"/>
           </a:p>
@@ -2824,7 +3891,7 @@
           <a:p>
             <a:fld id="{C65CC5F2-8C20-4D41-A30F-E08EA3FD74AE}" type="datetimeFigureOut">
               <a:rPr lang="en-US" smtClean="0"/>
-              <a:t>4/1/2019</a:t>
+              <a:t>4/2/2019</a:t>
             </a:fld>
             <a:endParaRPr lang="en-US"/>
           </a:p>
@@ -3155,7 +4222,7 @@
           <a:p>
             <a:fld id="{C65CC5F2-8C20-4D41-A30F-E08EA3FD74AE}" type="datetimeFigureOut">
               <a:rPr lang="en-US" smtClean="0"/>
-              <a:t>4/1/2019</a:t>
+              <a:t>4/2/2019</a:t>
             </a:fld>
             <a:endParaRPr lang="en-US"/>
           </a:p>
@@ -3470,7 +4537,7 @@
           <a:p>
             <a:fld id="{C65CC5F2-8C20-4D41-A30F-E08EA3FD74AE}" type="datetimeFigureOut">
               <a:rPr lang="en-US" smtClean="0"/>
-              <a:t>4/1/2019</a:t>
+              <a:t>4/2/2019</a:t>
             </a:fld>
             <a:endParaRPr lang="en-US"/>
           </a:p>
@@ -3861,7 +4928,7 @@
           <a:p>
             <a:fld id="{C65CC5F2-8C20-4D41-A30F-E08EA3FD74AE}" type="datetimeFigureOut">
               <a:rPr lang="en-US" smtClean="0"/>
-              <a:t>4/1/2019</a:t>
+              <a:t>4/2/2019</a:t>
             </a:fld>
             <a:endParaRPr lang="en-US"/>
           </a:p>
@@ -4113,7 +5180,7 @@
           <a:p>
             <a:fld id="{C65CC5F2-8C20-4D41-A30F-E08EA3FD74AE}" type="datetimeFigureOut">
               <a:rPr lang="en-US" smtClean="0"/>
-              <a:t>4/1/2019</a:t>
+              <a:t>4/2/2019</a:t>
             </a:fld>
             <a:endParaRPr lang="en-US"/>
           </a:p>
@@ -4370,7 +5437,7 @@
           <a:p>
             <a:fld id="{C65CC5F2-8C20-4D41-A30F-E08EA3FD74AE}" type="datetimeFigureOut">
               <a:rPr lang="en-US" smtClean="0"/>
-              <a:t>4/1/2019</a:t>
+              <a:t>4/2/2019</a:t>
             </a:fld>
             <a:endParaRPr lang="en-US"/>
           </a:p>
@@ -4627,7 +5694,7 @@
           <a:p>
             <a:fld id="{C65CC5F2-8C20-4D41-A30F-E08EA3FD74AE}" type="datetimeFigureOut">
               <a:rPr lang="en-US" smtClean="0"/>
-              <a:t>4/1/2019</a:t>
+              <a:t>4/2/2019</a:t>
             </a:fld>
             <a:endParaRPr lang="en-US"/>
           </a:p>
@@ -4951,7 +6018,7 @@
           <a:p>
             <a:fld id="{C65CC5F2-8C20-4D41-A30F-E08EA3FD74AE}" type="datetimeFigureOut">
               <a:rPr lang="en-US" smtClean="0"/>
-              <a:t>4/1/2019</a:t>
+              <a:t>4/2/2019</a:t>
             </a:fld>
             <a:endParaRPr lang="en-US"/>
           </a:p>
@@ -5269,7 +6336,7 @@
           <a:p>
             <a:fld id="{C65CC5F2-8C20-4D41-A30F-E08EA3FD74AE}" type="datetimeFigureOut">
               <a:rPr lang="en-US" smtClean="0"/>
-              <a:t>4/1/2019</a:t>
+              <a:t>4/2/2019</a:t>
             </a:fld>
             <a:endParaRPr lang="en-US"/>
           </a:p>
@@ -5721,7 +6788,7 @@
           <a:p>
             <a:fld id="{C65CC5F2-8C20-4D41-A30F-E08EA3FD74AE}" type="datetimeFigureOut">
               <a:rPr lang="en-US" smtClean="0"/>
-              <a:t>4/1/2019</a:t>
+              <a:t>4/2/2019</a:t>
             </a:fld>
             <a:endParaRPr lang="en-US"/>
           </a:p>
@@ -5921,7 +6988,7 @@
           <a:p>
             <a:fld id="{C65CC5F2-8C20-4D41-A30F-E08EA3FD74AE}" type="datetimeFigureOut">
               <a:rPr lang="en-US" smtClean="0"/>
-              <a:t>4/1/2019</a:t>
+              <a:t>4/2/2019</a:t>
             </a:fld>
             <a:endParaRPr lang="en-US"/>
           </a:p>
@@ -6093,7 +7160,7 @@
           <a:p>
             <a:fld id="{C65CC5F2-8C20-4D41-A30F-E08EA3FD74AE}" type="datetimeFigureOut">
               <a:rPr lang="en-US" smtClean="0"/>
-              <a:t>4/1/2019</a:t>
+              <a:t>4/2/2019</a:t>
             </a:fld>
             <a:endParaRPr lang="en-US"/>
           </a:p>
@@ -6421,7 +7488,7 @@
           <a:p>
             <a:fld id="{C65CC5F2-8C20-4D41-A30F-E08EA3FD74AE}" type="datetimeFigureOut">
               <a:rPr lang="en-US" smtClean="0"/>
-              <a:t>4/1/2019</a:t>
+              <a:t>4/2/2019</a:t>
             </a:fld>
             <a:endParaRPr lang="en-US"/>
           </a:p>
@@ -6761,7 +7828,7 @@
           <a:p>
             <a:fld id="{C65CC5F2-8C20-4D41-A30F-E08EA3FD74AE}" type="datetimeFigureOut">
               <a:rPr lang="en-US" smtClean="0"/>
-              <a:t>4/1/2019</a:t>
+              <a:t>4/2/2019</a:t>
             </a:fld>
             <a:endParaRPr lang="en-US"/>
           </a:p>
@@ -8873,7 +9940,7 @@
           <a:p>
             <a:fld id="{C65CC5F2-8C20-4D41-A30F-E08EA3FD74AE}" type="datetimeFigureOut">
               <a:rPr lang="en-US" smtClean="0"/>
-              <a:t>4/1/2019</a:t>
+              <a:t>4/2/2019</a:t>
             </a:fld>
             <a:endParaRPr lang="en-US"/>
           </a:p>
@@ -9849,6 +10916,13 @@
             </a:r>
           </a:p>
           <a:p>
+            <a:pPr lvl="1"/>
+            <a:r>
+              <a:rPr lang="en-US" dirty="0"/>
+              <a:t>Mod count isn’t exact!</a:t>
+            </a:r>
+          </a:p>
+          <a:p>
             <a:endParaRPr lang="en-US" dirty="0"/>
           </a:p>
         </p:txBody>
@@ -9892,7 +10966,7 @@
           <p:nvPr/>
         </p:nvPicPr>
         <p:blipFill>
-          <a:blip r:embed="rId2"/>
+          <a:blip r:embed="rId3"/>
           <a:stretch>
             <a:fillRect/>
           </a:stretch>
@@ -10162,7 +11236,7 @@
           <a:p>
             <a:r>
               <a:rPr lang="en-AU" dirty="0"/>
-              <a:t>Incorporation of Artificial Intelligence (discussed shortly).</a:t>
+              <a:t>Incorporation of Machine Learning (discussed shortly).</a:t>
             </a:r>
             <a:endParaRPr lang="en-US" dirty="0"/>
           </a:p>
@@ -10385,7 +11459,7 @@
           <p:nvPr/>
         </p:nvPicPr>
         <p:blipFill>
-          <a:blip r:embed="rId2"/>
+          <a:blip r:embed="rId3"/>
           <a:stretch>
             <a:fillRect/>
           </a:stretch>
@@ -11595,7 +12669,9 @@
           </a:xfrm>
         </p:spPr>
         <p:txBody>
-          <a:bodyPr/>
+          <a:bodyPr>
+            <a:normAutofit lnSpcReduction="10000"/>
+          </a:bodyPr>
           <a:lstStyle/>
           <a:p>
             <a:r>
@@ -11607,6 +12683,18 @@
             <a:r>
               <a:rPr lang="en-US" dirty="0"/>
               <a:t>It was shown to improve peptide recognition when incorporated into existing workflows.</a:t>
+            </a:r>
+          </a:p>
+          <a:p>
+            <a:r>
+              <a:rPr lang="en-US" dirty="0"/>
+              <a:t>Our proposed model is a variation of a Recurrent Neural Network, which allows the output of one b/y ion to affect that of another b/y ion from the same peptide.</a:t>
+            </a:r>
+          </a:p>
+          <a:p>
+            <a:r>
+              <a:rPr lang="en-US" dirty="0"/>
+              <a:t>This has generally been shown to have the most accurate results in literature.</a:t>
             </a:r>
           </a:p>
         </p:txBody>
@@ -11699,15 +12787,7 @@
           <a:p>
             <a:r>
               <a:rPr lang="en-US" dirty="0"/>
-              <a:t>Machine Learning </a:t>
-            </a:r>
-            <a:r>
-              <a:rPr lang="mr-IN" dirty="0"/>
-              <a:t>–</a:t>
-            </a:r>
-            <a:r>
-              <a:rPr lang="en-US" dirty="0"/>
-              <a:t> Recurrent Neural Networks</a:t>
+              <a:t>Machine Learning - Progress</a:t>
             </a:r>
           </a:p>
         </p:txBody>
@@ -11722,274 +12802,48 @@
             <p:ph idx="1"/>
           </p:nvPr>
         </p:nvSpPr>
-        <p:spPr>
-          <a:xfrm>
-            <a:off x="2334029" y="1905000"/>
-            <a:ext cx="8915400" cy="3777622"/>
-          </a:xfrm>
-        </p:spPr>
-        <p:txBody>
-          <a:bodyPr/>
-          <a:lstStyle/>
-          <a:p>
-            <a:r>
-              <a:rPr lang="en-US" dirty="0"/>
-              <a:t>More recent work has shown recurrent neural networks are superior for intensity prediction.</a:t>
-            </a:r>
-          </a:p>
-          <a:p>
-            <a:r>
-              <a:rPr lang="en-US" dirty="0"/>
-              <a:t>Instead of taking an individual input and calculating the output, recurrent networks take a set of inputs and calculate the corresponding set of outputs simultaneously.</a:t>
+        <p:spPr/>
+        <p:txBody>
+          <a:bodyPr/>
+          <a:lstStyle/>
+          <a:p>
+            <a:r>
+              <a:rPr lang="en-US" dirty="0"/>
+              <a:t>We have written the basic code to to create the network.</a:t>
+            </a:r>
+          </a:p>
+          <a:p>
+            <a:r>
+              <a:rPr lang="en-US" dirty="0"/>
+              <a:t>Haven’t had time to fine tune the model and set hyper parameters.</a:t>
             </a:r>
           </a:p>
           <a:p>
             <a:pPr lvl="1"/>
             <a:r>
               <a:rPr lang="en-US" dirty="0"/>
-              <a:t>They take into account the result of the previous output when calculating a given output</a:t>
-            </a:r>
-          </a:p>
-          <a:p>
-            <a:r>
-              <a:rPr lang="en-US" dirty="0"/>
-              <a:t>Such a network would be able to predict how the intensities of a previous b/y ion pair affect the intensities of the next pair. </a:t>
-            </a:r>
-          </a:p>
-        </p:txBody>
-      </p:sp>
-      <p:pic>
-        <p:nvPicPr>
-          <p:cNvPr id="2050" name="Picture 2" descr="mage result for b/y ions"/>
-          <p:cNvPicPr>
-            <a:picLocks noChangeAspect="1" noChangeArrowheads="1"/>
-          </p:cNvPicPr>
-          <p:nvPr/>
-        </p:nvPicPr>
-        <p:blipFill>
-          <a:blip r:embed="rId2">
-            <a:extLst>
-              <a:ext uri="{28A0092B-C50C-407E-A947-70E740481C1C}">
-                <a14:useLocalDpi xmlns:a14="http://schemas.microsoft.com/office/drawing/2010/main" val="0"/>
-              </a:ext>
-            </a:extLst>
-          </a:blip>
-          <a:srcRect/>
-          <a:stretch>
-            <a:fillRect/>
-          </a:stretch>
-        </p:blipFill>
-        <p:spPr bwMode="auto">
-          <a:xfrm>
-            <a:off x="4051006" y="4834823"/>
-            <a:ext cx="4433775" cy="1684990"/>
-          </a:xfrm>
-          <a:prstGeom prst="rect">
-            <a:avLst/>
-          </a:prstGeom>
-          <a:noFill/>
-          <a:extLst>
-            <a:ext uri="{909E8E84-426E-40DD-AFC4-6F175D3DCCD1}">
-              <a14:hiddenFill xmlns:a14="http://schemas.microsoft.com/office/drawing/2010/main">
-                <a:solidFill>
-                  <a:srgbClr val="FFFFFF"/>
-                </a:solidFill>
-              </a14:hiddenFill>
-            </a:ext>
-          </a:extLst>
-        </p:spPr>
-      </p:pic>
+              <a:t>This is the real challenge in neural network design.</a:t>
+            </a:r>
+          </a:p>
+          <a:p>
+            <a:r>
+              <a:rPr lang="en-US" dirty="0"/>
+              <a:t>Ideally, the neural network would be incorporated into our other programs to provide more confident matches between MGF spectra and potential peptides.</a:t>
+            </a:r>
+          </a:p>
+          <a:p>
+            <a:pPr lvl="1"/>
+            <a:r>
+              <a:rPr lang="en-US" dirty="0"/>
+              <a:t>This is a big task, and we likely won’t have time.</a:t>
+            </a:r>
+          </a:p>
+        </p:txBody>
+      </p:sp>
     </p:spTree>
     <p:extLst>
       <p:ext uri="{BB962C8B-B14F-4D97-AF65-F5344CB8AC3E}">
-        <p14:creationId xmlns:p14="http://schemas.microsoft.com/office/powerpoint/2010/main" val="496892694"/>
-      </p:ext>
-    </p:extLst>
-  </p:cSld>
-  <p:clrMapOvr>
-    <a:masterClrMapping/>
-  </p:clrMapOvr>
-</p:sld>
-</file>
-
-<file path=ppt/slides/slide29.xml><?xml version="1.0" encoding="utf-8"?>
-<p:sld xmlns:a="http://schemas.openxmlformats.org/drawingml/2006/main" xmlns:r="http://schemas.openxmlformats.org/officeDocument/2006/relationships" xmlns:p="http://schemas.openxmlformats.org/presentationml/2006/main">
-  <p:cSld>
-    <p:spTree>
-      <p:nvGrpSpPr>
-        <p:cNvPr id="1" name=""/>
-        <p:cNvGrpSpPr/>
-        <p:nvPr/>
-      </p:nvGrpSpPr>
-      <p:grpSpPr>
-        <a:xfrm>
-          <a:off x="0" y="0"/>
-          <a:ext cx="0" cy="0"/>
-          <a:chOff x="0" y="0"/>
-          <a:chExt cx="0" cy="0"/>
-        </a:xfrm>
-      </p:grpSpPr>
-      <p:sp>
-        <p:nvSpPr>
-          <p:cNvPr id="2" name="Title 1"/>
-          <p:cNvSpPr>
-            <a:spLocks noGrp="1"/>
-          </p:cNvSpPr>
-          <p:nvPr>
-            <p:ph type="title"/>
-          </p:nvPr>
-        </p:nvSpPr>
-        <p:spPr/>
-        <p:txBody>
-          <a:bodyPr/>
-          <a:lstStyle/>
-          <a:p>
-            <a:r>
-              <a:rPr lang="en-US" dirty="0"/>
-              <a:t>Machine Learning </a:t>
-            </a:r>
-            <a:r>
-              <a:rPr lang="mr-IN" dirty="0"/>
-              <a:t>–</a:t>
-            </a:r>
-            <a:r>
-              <a:rPr lang="en-US" dirty="0"/>
-              <a:t> Our Proposed Model</a:t>
-            </a:r>
-          </a:p>
-        </p:txBody>
-      </p:sp>
-      <p:sp>
-        <p:nvSpPr>
-          <p:cNvPr id="3" name="Content Placeholder 2"/>
-          <p:cNvSpPr>
-            <a:spLocks noGrp="1"/>
-          </p:cNvSpPr>
-          <p:nvPr>
-            <p:ph idx="1"/>
-          </p:nvPr>
-        </p:nvSpPr>
-        <p:spPr>
-          <a:xfrm>
-            <a:off x="2291500" y="1984745"/>
-            <a:ext cx="8915400" cy="4681870"/>
-          </a:xfrm>
-        </p:spPr>
-        <p:txBody>
-          <a:bodyPr>
-            <a:normAutofit fontScale="92500" lnSpcReduction="10000"/>
-          </a:bodyPr>
-          <a:lstStyle/>
-          <a:p>
-            <a:r>
-              <a:rPr lang="en-US" dirty="0"/>
-              <a:t>Bi-lateral recurrent neural network: considers the output before AND after when calculating a given predicted intensity</a:t>
-            </a:r>
-          </a:p>
-          <a:p>
-            <a:r>
-              <a:rPr lang="en-US" dirty="0"/>
-              <a:t>Treat a b/y ion cleavage site as a unique input</a:t>
-            </a:r>
-          </a:p>
-          <a:p>
-            <a:r>
-              <a:rPr lang="en-US" dirty="0"/>
-              <a:t>For each protein we have a set cleavage site inputs which is fed into the network</a:t>
-            </a:r>
-          </a:p>
-          <a:p>
-            <a:r>
-              <a:rPr lang="en-US" dirty="0"/>
-              <a:t>Each input includes the following data:</a:t>
-            </a:r>
-          </a:p>
-          <a:p>
-            <a:pPr lvl="1"/>
-            <a:r>
-              <a:rPr lang="en-US" dirty="0"/>
-              <a:t>Encoded precursor sequence </a:t>
-            </a:r>
-          </a:p>
-          <a:p>
-            <a:pPr lvl="1"/>
-            <a:r>
-              <a:rPr lang="en-US" dirty="0" err="1"/>
-              <a:t>Normalised</a:t>
-            </a:r>
-            <a:r>
-              <a:rPr lang="en-US" dirty="0"/>
-              <a:t> precursor mass</a:t>
-            </a:r>
-          </a:p>
-          <a:p>
-            <a:pPr lvl="1"/>
-            <a:r>
-              <a:rPr lang="en-US" dirty="0" err="1"/>
-              <a:t>Normalised</a:t>
-            </a:r>
-            <a:r>
-              <a:rPr lang="en-US" dirty="0"/>
-              <a:t> precursor length</a:t>
-            </a:r>
-          </a:p>
-          <a:p>
-            <a:pPr lvl="1"/>
-            <a:r>
-              <a:rPr lang="en-US" dirty="0"/>
-              <a:t>Encoded first and last amino acids</a:t>
-            </a:r>
-          </a:p>
-          <a:p>
-            <a:pPr lvl="1"/>
-            <a:r>
-              <a:rPr lang="en-US" dirty="0" err="1"/>
-              <a:t>Normalised</a:t>
-            </a:r>
-            <a:r>
-              <a:rPr lang="en-US" dirty="0"/>
-              <a:t> b/y ion lengths</a:t>
-            </a:r>
-          </a:p>
-          <a:p>
-            <a:pPr lvl="1"/>
-            <a:r>
-              <a:rPr lang="en-US" dirty="0" err="1"/>
-              <a:t>Normalised</a:t>
-            </a:r>
-            <a:r>
-              <a:rPr lang="en-US" dirty="0"/>
-              <a:t> b/y ion mass</a:t>
-            </a:r>
-          </a:p>
-          <a:p>
-            <a:pPr lvl="1"/>
-            <a:r>
-              <a:rPr lang="en-US" dirty="0" err="1"/>
-              <a:t>Normalised</a:t>
-            </a:r>
-            <a:r>
-              <a:rPr lang="en-US" dirty="0"/>
-              <a:t> cleavage site number</a:t>
-            </a:r>
-          </a:p>
-          <a:p>
-            <a:pPr lvl="1"/>
-            <a:r>
-              <a:rPr lang="en-US" dirty="0"/>
-              <a:t>Encoded amino acids either side of cleavage site</a:t>
-            </a:r>
-          </a:p>
-          <a:p>
-            <a:pPr lvl="1"/>
-            <a:endParaRPr lang="en-US" dirty="0"/>
-          </a:p>
-        </p:txBody>
-      </p:sp>
-    </p:spTree>
-    <p:extLst>
-      <p:ext uri="{BB962C8B-B14F-4D97-AF65-F5344CB8AC3E}">
-        <p14:creationId xmlns:p14="http://schemas.microsoft.com/office/powerpoint/2010/main" val="110450862"/>
+        <p14:creationId xmlns:p14="http://schemas.microsoft.com/office/powerpoint/2010/main" val="465668823"/>
       </p:ext>
     </p:extLst>
   </p:cSld>
@@ -12047,7 +12901,7 @@
           <p:nvPr/>
         </p:nvPicPr>
         <p:blipFill>
-          <a:blip r:embed="rId2"/>
+          <a:blip r:embed="rId3"/>
           <a:stretch>
             <a:fillRect/>
           </a:stretch>
@@ -12066,111 +12920,6 @@
     <p:extLst>
       <p:ext uri="{BB962C8B-B14F-4D97-AF65-F5344CB8AC3E}">
         <p14:creationId xmlns:p14="http://schemas.microsoft.com/office/powerpoint/2010/main" val="151048883"/>
-      </p:ext>
-    </p:extLst>
-  </p:cSld>
-  <p:clrMapOvr>
-    <a:masterClrMapping/>
-  </p:clrMapOvr>
-</p:sld>
-</file>
-
-<file path=ppt/slides/slide30.xml><?xml version="1.0" encoding="utf-8"?>
-<p:sld xmlns:a="http://schemas.openxmlformats.org/drawingml/2006/main" xmlns:r="http://schemas.openxmlformats.org/officeDocument/2006/relationships" xmlns:p="http://schemas.openxmlformats.org/presentationml/2006/main">
-  <p:cSld>
-    <p:spTree>
-      <p:nvGrpSpPr>
-        <p:cNvPr id="1" name=""/>
-        <p:cNvGrpSpPr/>
-        <p:nvPr/>
-      </p:nvGrpSpPr>
-      <p:grpSpPr>
-        <a:xfrm>
-          <a:off x="0" y="0"/>
-          <a:ext cx="0" cy="0"/>
-          <a:chOff x="0" y="0"/>
-          <a:chExt cx="0" cy="0"/>
-        </a:xfrm>
-      </p:grpSpPr>
-      <p:sp>
-        <p:nvSpPr>
-          <p:cNvPr id="2" name="Title 1"/>
-          <p:cNvSpPr>
-            <a:spLocks noGrp="1"/>
-          </p:cNvSpPr>
-          <p:nvPr>
-            <p:ph type="title"/>
-          </p:nvPr>
-        </p:nvSpPr>
-        <p:spPr/>
-        <p:txBody>
-          <a:bodyPr/>
-          <a:lstStyle/>
-          <a:p>
-            <a:r>
-              <a:rPr lang="en-US" dirty="0"/>
-              <a:t>Machine Learning - Progress</a:t>
-            </a:r>
-          </a:p>
-        </p:txBody>
-      </p:sp>
-      <p:sp>
-        <p:nvSpPr>
-          <p:cNvPr id="3" name="Content Placeholder 2"/>
-          <p:cNvSpPr>
-            <a:spLocks noGrp="1"/>
-          </p:cNvSpPr>
-          <p:nvPr>
-            <p:ph idx="1"/>
-          </p:nvPr>
-        </p:nvSpPr>
-        <p:spPr/>
-        <p:txBody>
-          <a:bodyPr/>
-          <a:lstStyle/>
-          <a:p>
-            <a:r>
-              <a:rPr lang="en-US" dirty="0"/>
-              <a:t>We have written the basic code to to create the network.</a:t>
-            </a:r>
-          </a:p>
-          <a:p>
-            <a:r>
-              <a:rPr lang="en-US" dirty="0"/>
-              <a:t>Haven’t had time to fine tune the model and set hyper parameters.</a:t>
-            </a:r>
-          </a:p>
-          <a:p>
-            <a:pPr lvl="1"/>
-            <a:r>
-              <a:rPr lang="en-US" dirty="0"/>
-              <a:t>This is the real challenge in neural network design.</a:t>
-            </a:r>
-          </a:p>
-          <a:p>
-            <a:r>
-              <a:rPr lang="en-US" dirty="0"/>
-              <a:t>Ideally, the neural network would be incorporated into our other programs to provide more confident matches between MGF spectra and </a:t>
-            </a:r>
-            <a:r>
-              <a:rPr lang="en-US"/>
-              <a:t>potential peptides.</a:t>
-            </a:r>
-            <a:endParaRPr lang="en-US" dirty="0"/>
-          </a:p>
-          <a:p>
-            <a:pPr lvl="1"/>
-            <a:r>
-              <a:rPr lang="en-US" dirty="0"/>
-              <a:t>This is a big task, and we likely won’t have time.</a:t>
-            </a:r>
-          </a:p>
-        </p:txBody>
-      </p:sp>
-    </p:spTree>
-    <p:extLst>
-      <p:ext uri="{BB962C8B-B14F-4D97-AF65-F5344CB8AC3E}">
-        <p14:creationId xmlns:p14="http://schemas.microsoft.com/office/powerpoint/2010/main" val="465668823"/>
       </p:ext>
     </p:extLst>
   </p:cSld>
@@ -12612,43 +13361,13 @@
         </p:spPr>
         <p:txBody>
           <a:bodyPr>
-            <a:normAutofit lnSpcReduction="10000"/>
+            <a:normAutofit/>
           </a:bodyPr>
           <a:lstStyle/>
           <a:p>
             <a:r>
               <a:rPr lang="en-US" dirty="0"/>
-              <a:t>Upload of multiple FASTA files.</a:t>
-            </a:r>
-          </a:p>
-          <a:p>
-            <a:r>
-              <a:rPr lang="en-US" dirty="0"/>
-              <a:t>Produce output without input MGF file.</a:t>
-            </a:r>
-          </a:p>
-          <a:p>
-            <a:r>
-              <a:rPr lang="en-US" dirty="0"/>
-              <a:t>Max modification per peptide input.</a:t>
-            </a:r>
-          </a:p>
-          <a:p>
-            <a:r>
-              <a:rPr lang="en-US" dirty="0"/>
               <a:t>New b/y ion comparison algorithm.</a:t>
-            </a:r>
-          </a:p>
-          <a:p>
-            <a:r>
-              <a:rPr lang="en-US" dirty="0"/>
-              <a:t>Allow user to input the output file name.</a:t>
-            </a:r>
-          </a:p>
-          <a:p>
-            <a:r>
-              <a:rPr lang="en-US" dirty="0"/>
-              <a:t>Added a progress bar which represents the proportion of the output completed.</a:t>
             </a:r>
           </a:p>
           <a:p>

--- a/SecondLabPresentation.pptx
+++ b/SecondLabPresentation.pptx
@@ -5,7 +5,7 @@
     <p:sldMasterId id="2147483702" r:id="rId1"/>
   </p:sldMasterIdLst>
   <p:notesMasterIdLst>
-    <p:notesMasterId r:id="rId30"/>
+    <p:notesMasterId r:id="rId31"/>
   </p:notesMasterIdLst>
   <p:sldIdLst>
     <p:sldId id="256" r:id="rId2"/>
@@ -36,6 +36,7 @@
     <p:sldId id="284" r:id="rId27"/>
     <p:sldId id="297" r:id="rId28"/>
     <p:sldId id="300" r:id="rId29"/>
+    <p:sldId id="301" r:id="rId30"/>
   </p:sldIdLst>
   <p:sldSz cx="12192000" cy="6858000"/>
   <p:notesSz cx="6858000" cy="9144000"/>
@@ -224,7 +225,7 @@
           <a:p>
             <a:fld id="{136FA2C8-1A04-C04C-AAB5-5AEF43C22034}" type="datetimeFigureOut">
               <a:rPr lang="en-US" smtClean="0"/>
-              <a:t>4/2/2019</a:t>
+              <a:t>4/2/19</a:t>
             </a:fld>
             <a:endParaRPr lang="en-US"/>
           </a:p>
@@ -2397,17 +2398,15 @@
             </a:pPr>
             <a:r>
               <a:rPr lang="en-US" dirty="0"/>
-              <a:t>Upload of multiple FASTA files.</a:t>
-            </a:r>
-          </a:p>
-          <a:p>
-            <a:r>
-              <a:rPr lang="en-US" dirty="0"/>
-              <a:t>Produce output without input MGF file.</a:t>
-            </a:r>
-          </a:p>
-          <a:p>
-            <a:pPr marL="0" marR="0" lvl="0" indent="0" algn="l" defTabSz="914400" rtl="0" eaLnBrk="1" fontAlgn="auto" latinLnBrk="0" hangingPunct="1">
+              <a:t>Upload of multiple FASTA </a:t>
+            </a:r>
+            <a:r>
+              <a:rPr lang="en-US" dirty="0" smtClean="0"/>
+              <a:t>files.</a:t>
+            </a:r>
+          </a:p>
+          <a:p>
+            <a:pPr marL="285750" marR="0" lvl="0" indent="-285750" algn="l" defTabSz="914400" rtl="0" eaLnBrk="1" fontAlgn="auto" latinLnBrk="0" hangingPunct="1">
               <a:lnSpc>
                 <a:spcPct val="100000"/>
               </a:lnSpc>
@@ -2419,18 +2418,26 @@
               </a:spcAft>
               <a:buClrTx/>
               <a:buSzTx/>
-              <a:buFontTx/>
-              <a:buNone/>
+              <a:buFont typeface="Arial" charset="0"/>
+              <a:buChar char="•"/>
               <a:tabLst/>
               <a:defRPr/>
             </a:pPr>
             <a:r>
-              <a:rPr lang="en-US" dirty="0"/>
-              <a:t>Allow user to input the output file name.</a:t>
-            </a:r>
-          </a:p>
-          <a:p>
-            <a:pPr marL="0" marR="0" lvl="0" indent="0" algn="l" defTabSz="914400" rtl="0" eaLnBrk="1" fontAlgn="auto" latinLnBrk="0" hangingPunct="1">
+              <a:rPr lang="en-US" dirty="0" smtClean="0"/>
+              <a:t>Produce </a:t>
+            </a:r>
+            <a:r>
+              <a:rPr lang="en-US" dirty="0"/>
+              <a:t>output without input MGF </a:t>
+            </a:r>
+            <a:r>
+              <a:rPr lang="en-US" dirty="0" smtClean="0"/>
+              <a:t>file.</a:t>
+            </a:r>
+          </a:p>
+          <a:p>
+            <a:pPr marL="285750" marR="0" lvl="0" indent="-285750" algn="l" defTabSz="914400" rtl="0" eaLnBrk="1" fontAlgn="auto" latinLnBrk="0" hangingPunct="1">
               <a:lnSpc>
                 <a:spcPct val="100000"/>
               </a:lnSpc>
@@ -2442,18 +2449,26 @@
               </a:spcAft>
               <a:buClrTx/>
               <a:buSzTx/>
-              <a:buFontTx/>
-              <a:buNone/>
+              <a:buFont typeface="Arial" charset="0"/>
+              <a:buChar char="•"/>
               <a:tabLst/>
               <a:defRPr/>
             </a:pPr>
             <a:r>
-              <a:rPr lang="en-US" dirty="0"/>
-              <a:t>Added a progress bar which represents the proportion of the output completed.</a:t>
-            </a:r>
-          </a:p>
-          <a:p>
-            <a:pPr marL="0" marR="0" lvl="0" indent="0" algn="l" defTabSz="914400" rtl="0" eaLnBrk="1" fontAlgn="auto" latinLnBrk="0" hangingPunct="1">
+              <a:rPr lang="en-US" dirty="0" smtClean="0"/>
+              <a:t>Allow </a:t>
+            </a:r>
+            <a:r>
+              <a:rPr lang="en-US" dirty="0"/>
+              <a:t>user to input the output file </a:t>
+            </a:r>
+            <a:r>
+              <a:rPr lang="en-US" dirty="0" smtClean="0"/>
+              <a:t>name.</a:t>
+            </a:r>
+          </a:p>
+          <a:p>
+            <a:pPr marL="285750" marR="0" lvl="0" indent="-285750" algn="l" defTabSz="914400" rtl="0" eaLnBrk="1" fontAlgn="auto" latinLnBrk="0" hangingPunct="1">
               <a:lnSpc>
                 <a:spcPct val="100000"/>
               </a:lnSpc>
@@ -2465,20 +2480,80 @@
               </a:spcAft>
               <a:buClrTx/>
               <a:buSzTx/>
-              <a:buFontTx/>
-              <a:buNone/>
+              <a:buFont typeface="Arial" charset="0"/>
+              <a:buChar char="•"/>
               <a:tabLst/>
               <a:defRPr/>
             </a:pPr>
             <a:r>
-              <a:rPr lang="en-US" dirty="0"/>
-              <a:t>UI is a lot more fluid and error proof, with the parameters being thoroughly sanitized before the output generation can begin.</a:t>
-            </a:r>
-          </a:p>
-          <a:p>
-            <a:r>
-              <a:rPr lang="en-US" dirty="0"/>
-              <a:t>Max modification per peptide input.</a:t>
+              <a:rPr lang="en-US" dirty="0" smtClean="0"/>
+              <a:t>Added </a:t>
+            </a:r>
+            <a:r>
+              <a:rPr lang="en-US" dirty="0"/>
+              <a:t>a progress bar which represents the proportion of the output </a:t>
+            </a:r>
+            <a:r>
+              <a:rPr lang="en-US" dirty="0" smtClean="0"/>
+              <a:t>completed.</a:t>
+            </a:r>
+          </a:p>
+          <a:p>
+            <a:pPr marL="285750" marR="0" lvl="0" indent="-285750" algn="l" defTabSz="914400" rtl="0" eaLnBrk="1" fontAlgn="auto" latinLnBrk="0" hangingPunct="1">
+              <a:lnSpc>
+                <a:spcPct val="100000"/>
+              </a:lnSpc>
+              <a:spcBef>
+                <a:spcPts val="0"/>
+              </a:spcBef>
+              <a:spcAft>
+                <a:spcPts val="0"/>
+              </a:spcAft>
+              <a:buClrTx/>
+              <a:buSzTx/>
+              <a:buFont typeface="Arial" charset="0"/>
+              <a:buChar char="•"/>
+              <a:tabLst/>
+              <a:defRPr/>
+            </a:pPr>
+            <a:r>
+              <a:rPr lang="en-US" dirty="0" smtClean="0"/>
+              <a:t>UI </a:t>
+            </a:r>
+            <a:r>
+              <a:rPr lang="en-US" dirty="0"/>
+              <a:t>is a lot more fluid and error proof, with the parameters being thoroughly sanitized before the output generation can </a:t>
+            </a:r>
+            <a:r>
+              <a:rPr lang="en-US" dirty="0" smtClean="0"/>
+              <a:t>begin.</a:t>
+            </a:r>
+          </a:p>
+          <a:p>
+            <a:pPr marL="285750" marR="0" lvl="0" indent="-285750" algn="l" defTabSz="914400" rtl="0" eaLnBrk="1" fontAlgn="auto" latinLnBrk="0" hangingPunct="1">
+              <a:lnSpc>
+                <a:spcPct val="100000"/>
+              </a:lnSpc>
+              <a:spcBef>
+                <a:spcPts val="0"/>
+              </a:spcBef>
+              <a:spcAft>
+                <a:spcPts val="0"/>
+              </a:spcAft>
+              <a:buClrTx/>
+              <a:buSzTx/>
+              <a:buFont typeface="Arial" charset="0"/>
+              <a:buChar char="•"/>
+              <a:tabLst/>
+              <a:defRPr/>
+            </a:pPr>
+            <a:r>
+              <a:rPr lang="en-US" dirty="0" smtClean="0"/>
+              <a:t>Max </a:t>
+            </a:r>
+            <a:r>
+              <a:rPr lang="en-US" dirty="0"/>
+              <a:t>modification per peptide input.</a:t>
             </a:r>
           </a:p>
           <a:p>
@@ -2741,6 +2816,10 @@
             <a:br>
               <a:rPr lang="en-US" dirty="0"/>
             </a:br>
+            <a:r>
+              <a:rPr lang="en-US" dirty="0"/>
+              <a:t/>
+            </a:r>
             <a:br>
               <a:rPr lang="en-US" dirty="0"/>
             </a:br>
@@ -3162,7 +3241,7 @@
           <a:p>
             <a:fld id="{C65CC5F2-8C20-4D41-A30F-E08EA3FD74AE}" type="datetimeFigureOut">
               <a:rPr lang="en-US" smtClean="0"/>
-              <a:t>4/2/2019</a:t>
+              <a:t>4/2/19</a:t>
             </a:fld>
             <a:endParaRPr lang="en-US"/>
           </a:p>
@@ -3495,7 +3574,7 @@
           <a:p>
             <a:fld id="{C65CC5F2-8C20-4D41-A30F-E08EA3FD74AE}" type="datetimeFigureOut">
               <a:rPr lang="en-US" smtClean="0"/>
-              <a:t>4/2/2019</a:t>
+              <a:t>4/2/19</a:t>
             </a:fld>
             <a:endParaRPr lang="en-US"/>
           </a:p>
@@ -3891,7 +3970,7 @@
           <a:p>
             <a:fld id="{C65CC5F2-8C20-4D41-A30F-E08EA3FD74AE}" type="datetimeFigureOut">
               <a:rPr lang="en-US" smtClean="0"/>
-              <a:t>4/2/2019</a:t>
+              <a:t>4/2/19</a:t>
             </a:fld>
             <a:endParaRPr lang="en-US"/>
           </a:p>
@@ -4222,7 +4301,7 @@
           <a:p>
             <a:fld id="{C65CC5F2-8C20-4D41-A30F-E08EA3FD74AE}" type="datetimeFigureOut">
               <a:rPr lang="en-US" smtClean="0"/>
-              <a:t>4/2/2019</a:t>
+              <a:t>4/2/19</a:t>
             </a:fld>
             <a:endParaRPr lang="en-US"/>
           </a:p>
@@ -4537,7 +4616,7 @@
           <a:p>
             <a:fld id="{C65CC5F2-8C20-4D41-A30F-E08EA3FD74AE}" type="datetimeFigureOut">
               <a:rPr lang="en-US" smtClean="0"/>
-              <a:t>4/2/2019</a:t>
+              <a:t>4/2/19</a:t>
             </a:fld>
             <a:endParaRPr lang="en-US"/>
           </a:p>
@@ -4928,7 +5007,7 @@
           <a:p>
             <a:fld id="{C65CC5F2-8C20-4D41-A30F-E08EA3FD74AE}" type="datetimeFigureOut">
               <a:rPr lang="en-US" smtClean="0"/>
-              <a:t>4/2/2019</a:t>
+              <a:t>4/2/19</a:t>
             </a:fld>
             <a:endParaRPr lang="en-US"/>
           </a:p>
@@ -5180,7 +5259,7 @@
           <a:p>
             <a:fld id="{C65CC5F2-8C20-4D41-A30F-E08EA3FD74AE}" type="datetimeFigureOut">
               <a:rPr lang="en-US" smtClean="0"/>
-              <a:t>4/2/2019</a:t>
+              <a:t>4/2/19</a:t>
             </a:fld>
             <a:endParaRPr lang="en-US"/>
           </a:p>
@@ -5437,7 +5516,7 @@
           <a:p>
             <a:fld id="{C65CC5F2-8C20-4D41-A30F-E08EA3FD74AE}" type="datetimeFigureOut">
               <a:rPr lang="en-US" smtClean="0"/>
-              <a:t>4/2/2019</a:t>
+              <a:t>4/2/19</a:t>
             </a:fld>
             <a:endParaRPr lang="en-US"/>
           </a:p>
@@ -5694,7 +5773,7 @@
           <a:p>
             <a:fld id="{C65CC5F2-8C20-4D41-A30F-E08EA3FD74AE}" type="datetimeFigureOut">
               <a:rPr lang="en-US" smtClean="0"/>
-              <a:t>4/2/2019</a:t>
+              <a:t>4/2/19</a:t>
             </a:fld>
             <a:endParaRPr lang="en-US"/>
           </a:p>
@@ -6018,7 +6097,7 @@
           <a:p>
             <a:fld id="{C65CC5F2-8C20-4D41-A30F-E08EA3FD74AE}" type="datetimeFigureOut">
               <a:rPr lang="en-US" smtClean="0"/>
-              <a:t>4/2/2019</a:t>
+              <a:t>4/2/19</a:t>
             </a:fld>
             <a:endParaRPr lang="en-US"/>
           </a:p>
@@ -6336,7 +6415,7 @@
           <a:p>
             <a:fld id="{C65CC5F2-8C20-4D41-A30F-E08EA3FD74AE}" type="datetimeFigureOut">
               <a:rPr lang="en-US" smtClean="0"/>
-              <a:t>4/2/2019</a:t>
+              <a:t>4/2/19</a:t>
             </a:fld>
             <a:endParaRPr lang="en-US"/>
           </a:p>
@@ -6788,7 +6867,7 @@
           <a:p>
             <a:fld id="{C65CC5F2-8C20-4D41-A30F-E08EA3FD74AE}" type="datetimeFigureOut">
               <a:rPr lang="en-US" smtClean="0"/>
-              <a:t>4/2/2019</a:t>
+              <a:t>4/2/19</a:t>
             </a:fld>
             <a:endParaRPr lang="en-US"/>
           </a:p>
@@ -6988,7 +7067,7 @@
           <a:p>
             <a:fld id="{C65CC5F2-8C20-4D41-A30F-E08EA3FD74AE}" type="datetimeFigureOut">
               <a:rPr lang="en-US" smtClean="0"/>
-              <a:t>4/2/2019</a:t>
+              <a:t>4/2/19</a:t>
             </a:fld>
             <a:endParaRPr lang="en-US"/>
           </a:p>
@@ -7160,7 +7239,7 @@
           <a:p>
             <a:fld id="{C65CC5F2-8C20-4D41-A30F-E08EA3FD74AE}" type="datetimeFigureOut">
               <a:rPr lang="en-US" smtClean="0"/>
-              <a:t>4/2/2019</a:t>
+              <a:t>4/2/19</a:t>
             </a:fld>
             <a:endParaRPr lang="en-US"/>
           </a:p>
@@ -7488,7 +7567,7 @@
           <a:p>
             <a:fld id="{C65CC5F2-8C20-4D41-A30F-E08EA3FD74AE}" type="datetimeFigureOut">
               <a:rPr lang="en-US" smtClean="0"/>
-              <a:t>4/2/2019</a:t>
+              <a:t>4/2/19</a:t>
             </a:fld>
             <a:endParaRPr lang="en-US"/>
           </a:p>
@@ -7828,7 +7907,7 @@
           <a:p>
             <a:fld id="{C65CC5F2-8C20-4D41-A30F-E08EA3FD74AE}" type="datetimeFigureOut">
               <a:rPr lang="en-US" smtClean="0"/>
-              <a:t>4/2/2019</a:t>
+              <a:t>4/2/19</a:t>
             </a:fld>
             <a:endParaRPr lang="en-US"/>
           </a:p>
@@ -9940,7 +10019,7 @@
           <a:p>
             <a:fld id="{C65CC5F2-8C20-4D41-A30F-E08EA3FD74AE}" type="datetimeFigureOut">
               <a:rPr lang="en-US" smtClean="0"/>
-              <a:t>4/2/2019</a:t>
+              <a:t>4/2/19</a:t>
             </a:fld>
             <a:endParaRPr lang="en-US"/>
           </a:p>
@@ -10512,6 +10591,13 @@
   <p:clrMapOvr>
     <a:masterClrMapping/>
   </p:clrMapOvr>
+  <p:timing>
+    <p:tnLst>
+      <p:par>
+        <p:cTn id="1" dur="indefinite" restart="never" nodeType="tmRoot"/>
+      </p:par>
+    </p:tnLst>
+  </p:timing>
 </p:sld>
 </file>
 
@@ -10674,6 +10760,13 @@
   <p:clrMapOvr>
     <a:masterClrMapping/>
   </p:clrMapOvr>
+  <p:timing>
+    <p:tnLst>
+      <p:par>
+        <p:cTn id="1" dur="indefinite" restart="never" nodeType="tmRoot"/>
+      </p:par>
+    </p:tnLst>
+  </p:timing>
 </p:sld>
 </file>
 
@@ -10820,6 +10913,13 @@
   <p:clrMapOvr>
     <a:masterClrMapping/>
   </p:clrMapOvr>
+  <p:timing>
+    <p:tnLst>
+      <p:par>
+        <p:cTn id="1" dur="indefinite" restart="never" nodeType="tmRoot"/>
+      </p:par>
+    </p:tnLst>
+  </p:timing>
 </p:sld>
 </file>
 
@@ -10937,6 +11037,13 @@
   <p:clrMapOvr>
     <a:masterClrMapping/>
   </p:clrMapOvr>
+  <p:timing>
+    <p:tnLst>
+      <p:par>
+        <p:cTn id="1" dur="indefinite" restart="never" nodeType="tmRoot"/>
+      </p:par>
+    </p:tnLst>
+  </p:timing>
 </p:sld>
 </file>
 
@@ -11018,6 +11125,13 @@
   <p:clrMapOvr>
     <a:masterClrMapping/>
   </p:clrMapOvr>
+  <p:timing>
+    <p:tnLst>
+      <p:par>
+        <p:cTn id="1" dur="indefinite" restart="never" nodeType="tmRoot"/>
+      </p:par>
+    </p:tnLst>
+  </p:timing>
 </p:sld>
 </file>
 
@@ -11142,8 +11256,13 @@
             <a:pPr lvl="1"/>
             <a:r>
               <a:rPr lang="en-US" dirty="0"/>
-              <a:t>Took almost exactly 4 days and produced X peptides</a:t>
-            </a:r>
+              <a:t>Took almost exactly 4 </a:t>
+            </a:r>
+            <a:r>
+              <a:rPr lang="en-US" dirty="0" smtClean="0"/>
+              <a:t>days to compute.</a:t>
+            </a:r>
+            <a:endParaRPr lang="en-US" dirty="0"/>
           </a:p>
         </p:txBody>
       </p:sp>
@@ -11157,6 +11276,13 @@
   <p:clrMapOvr>
     <a:masterClrMapping/>
   </p:clrMapOvr>
+  <p:timing>
+    <p:tnLst>
+      <p:par>
+        <p:cTn id="1" dur="indefinite" restart="never" nodeType="tmRoot"/>
+      </p:par>
+    </p:tnLst>
+  </p:timing>
 </p:sld>
 </file>
 
@@ -11258,6 +11384,13 @@
   <p:clrMapOvr>
     <a:masterClrMapping/>
   </p:clrMapOvr>
+  <p:timing>
+    <p:tnLst>
+      <p:par>
+        <p:cTn id="1" dur="indefinite" restart="never" nodeType="tmRoot"/>
+      </p:par>
+    </p:tnLst>
+  </p:timing>
 </p:sld>
 </file>
 
@@ -11357,6 +11490,13 @@
   <p:clrMapOvr>
     <a:masterClrMapping/>
   </p:clrMapOvr>
+  <p:timing>
+    <p:tnLst>
+      <p:par>
+        <p:cTn id="1" dur="indefinite" restart="never" nodeType="tmRoot"/>
+      </p:par>
+    </p:tnLst>
+  </p:timing>
 </p:sld>
 </file>
 
@@ -11484,6 +11624,13 @@
   <p:clrMapOvr>
     <a:masterClrMapping/>
   </p:clrMapOvr>
+  <p:timing>
+    <p:tnLst>
+      <p:par>
+        <p:cTn id="1" dur="indefinite" restart="never" nodeType="tmRoot"/>
+      </p:par>
+    </p:tnLst>
+  </p:timing>
 </p:sld>
 </file>
 
@@ -11584,6 +11731,13 @@
   <p:clrMapOvr>
     <a:masterClrMapping/>
   </p:clrMapOvr>
+  <p:timing>
+    <p:tnLst>
+      <p:par>
+        <p:cTn id="1" dur="indefinite" restart="never" nodeType="tmRoot"/>
+      </p:par>
+    </p:tnLst>
+  </p:timing>
 </p:sld>
 </file>
 
@@ -11698,6 +11852,13 @@
   <p:clrMapOvr>
     <a:masterClrMapping/>
   </p:clrMapOvr>
+  <p:timing>
+    <p:tnLst>
+      <p:par>
+        <p:cTn id="1" dur="indefinite" restart="never" nodeType="tmRoot"/>
+      </p:par>
+    </p:tnLst>
+  </p:timing>
 </p:sld>
 </file>
 
@@ -11813,6 +11974,13 @@
   <p:clrMapOvr>
     <a:masterClrMapping/>
   </p:clrMapOvr>
+  <p:timing>
+    <p:tnLst>
+      <p:par>
+        <p:cTn id="1" dur="indefinite" restart="never" nodeType="tmRoot"/>
+      </p:par>
+    </p:tnLst>
+  </p:timing>
 </p:sld>
 </file>
 
@@ -11934,6 +12102,13 @@
   <p:clrMapOvr>
     <a:masterClrMapping/>
   </p:clrMapOvr>
+  <p:timing>
+    <p:tnLst>
+      <p:par>
+        <p:cTn id="1" dur="indefinite" restart="never" nodeType="tmRoot"/>
+      </p:par>
+    </p:tnLst>
+  </p:timing>
 </p:sld>
 </file>
 
@@ -12018,6 +12193,13 @@
   <p:clrMapOvr>
     <a:masterClrMapping/>
   </p:clrMapOvr>
+  <p:timing>
+    <p:tnLst>
+      <p:par>
+        <p:cTn id="1" dur="indefinite" restart="never" nodeType="tmRoot"/>
+      </p:par>
+    </p:tnLst>
+  </p:timing>
 </p:sld>
 </file>
 
@@ -12102,6 +12284,13 @@
   <p:clrMapOvr>
     <a:masterClrMapping/>
   </p:clrMapOvr>
+  <p:timing>
+    <p:tnLst>
+      <p:par>
+        <p:cTn id="1" dur="indefinite" restart="never" nodeType="tmRoot"/>
+      </p:par>
+    </p:tnLst>
+  </p:timing>
 </p:sld>
 </file>
 
@@ -12186,6 +12375,13 @@
   <p:clrMapOvr>
     <a:masterClrMapping/>
   </p:clrMapOvr>
+  <p:timing>
+    <p:tnLst>
+      <p:par>
+        <p:cTn id="1" dur="indefinite" restart="never" nodeType="tmRoot"/>
+      </p:par>
+    </p:tnLst>
+  </p:timing>
 </p:sld>
 </file>
 
@@ -12316,7 +12512,7 @@
           <p:cNvPr id="1026" name="Picture 2" descr="https://i.gyazo.com/e75a2dae42734646ef4dc07671178c79.png">
             <a:extLst>
               <a:ext uri="{FF2B5EF4-FFF2-40B4-BE49-F238E27FC236}">
-                <a16:creationId xmlns:a16="http://schemas.microsoft.com/office/drawing/2014/main" id="{99657304-B736-40E5-94B7-547654E69046}"/>
+                <a16:creationId xmlns:a16="http://schemas.microsoft.com/office/drawing/2014/main" xmlns="" id="{99657304-B736-40E5-94B7-547654E69046}"/>
               </a:ext>
             </a:extLst>
           </p:cNvPr>
@@ -12368,6 +12564,13 @@
   <p:clrMapOvr>
     <a:masterClrMapping/>
   </p:clrMapOvr>
+  <p:timing>
+    <p:tnLst>
+      <p:par>
+        <p:cTn id="1" dur="indefinite" restart="never" nodeType="tmRoot"/>
+      </p:par>
+    </p:tnLst>
+  </p:timing>
 </p:sld>
 </file>
 
@@ -12469,6 +12672,13 @@
   <p:clrMapOvr>
     <a:masterClrMapping/>
   </p:clrMapOvr>
+  <p:timing>
+    <p:tnLst>
+      <p:par>
+        <p:cTn id="1" dur="indefinite" restart="never" nodeType="tmRoot"/>
+      </p:par>
+    </p:tnLst>
+  </p:timing>
 </p:sld>
 </file>
 
@@ -12597,6 +12807,13 @@
   <p:clrMapOvr>
     <a:masterClrMapping/>
   </p:clrMapOvr>
+  <p:timing>
+    <p:tnLst>
+      <p:par>
+        <p:cTn id="1" dur="indefinite" restart="never" nodeType="tmRoot"/>
+      </p:par>
+    </p:tnLst>
+  </p:timing>
 </p:sld>
 </file>
 
@@ -12750,6 +12967,13 @@
   <p:clrMapOvr>
     <a:masterClrMapping/>
   </p:clrMapOvr>
+  <p:timing>
+    <p:tnLst>
+      <p:par>
+        <p:cTn id="1" dur="indefinite" restart="never" nodeType="tmRoot"/>
+      </p:par>
+    </p:tnLst>
+  </p:timing>
 </p:sld>
 </file>
 
@@ -12844,6 +13068,116 @@
     <p:extLst>
       <p:ext uri="{BB962C8B-B14F-4D97-AF65-F5344CB8AC3E}">
         <p14:creationId xmlns:p14="http://schemas.microsoft.com/office/powerpoint/2010/main" val="465668823"/>
+      </p:ext>
+    </p:extLst>
+  </p:cSld>
+  <p:clrMapOvr>
+    <a:masterClrMapping/>
+  </p:clrMapOvr>
+  <p:timing>
+    <p:tnLst>
+      <p:par>
+        <p:cTn id="1" dur="indefinite" restart="never" nodeType="tmRoot"/>
+      </p:par>
+    </p:tnLst>
+  </p:timing>
+</p:sld>
+</file>
+
+<file path=ppt/slides/slide29.xml><?xml version="1.0" encoding="utf-8"?>
+<p:sld xmlns:a="http://schemas.openxmlformats.org/drawingml/2006/main" xmlns:r="http://schemas.openxmlformats.org/officeDocument/2006/relationships" xmlns:p="http://schemas.openxmlformats.org/presentationml/2006/main">
+  <p:cSld>
+    <p:spTree>
+      <p:nvGrpSpPr>
+        <p:cNvPr id="1" name=""/>
+        <p:cNvGrpSpPr/>
+        <p:nvPr/>
+      </p:nvGrpSpPr>
+      <p:grpSpPr>
+        <a:xfrm>
+          <a:off x="0" y="0"/>
+          <a:ext cx="0" cy="0"/>
+          <a:chOff x="0" y="0"/>
+          <a:chExt cx="0" cy="0"/>
+        </a:xfrm>
+      </p:grpSpPr>
+      <p:sp>
+        <p:nvSpPr>
+          <p:cNvPr id="2" name="Title 1"/>
+          <p:cNvSpPr>
+            <a:spLocks noGrp="1"/>
+          </p:cNvSpPr>
+          <p:nvPr>
+            <p:ph type="title"/>
+          </p:nvPr>
+        </p:nvSpPr>
+        <p:spPr/>
+        <p:txBody>
+          <a:bodyPr/>
+          <a:lstStyle/>
+          <a:p>
+            <a:r>
+              <a:rPr lang="en-US" dirty="0" smtClean="0"/>
+              <a:t>Thank You!</a:t>
+            </a:r>
+            <a:endParaRPr lang="en-US" dirty="0"/>
+          </a:p>
+        </p:txBody>
+      </p:sp>
+      <p:sp>
+        <p:nvSpPr>
+          <p:cNvPr id="3" name="Content Placeholder 2"/>
+          <p:cNvSpPr>
+            <a:spLocks noGrp="1"/>
+          </p:cNvSpPr>
+          <p:nvPr>
+            <p:ph idx="1"/>
+          </p:nvPr>
+        </p:nvSpPr>
+        <p:spPr/>
+        <p:txBody>
+          <a:bodyPr/>
+          <a:lstStyle/>
+          <a:p>
+            <a:r>
+              <a:rPr lang="en-US" dirty="0" smtClean="0"/>
+              <a:t>Nathan Croft</a:t>
+            </a:r>
+          </a:p>
+          <a:p>
+            <a:r>
+              <a:rPr lang="en-US" dirty="0" err="1" smtClean="0"/>
+              <a:t>Pouya</a:t>
+            </a:r>
+            <a:r>
+              <a:rPr lang="en-US" dirty="0" smtClean="0"/>
+              <a:t> </a:t>
+            </a:r>
+            <a:r>
+              <a:rPr lang="en-US" dirty="0" err="1" smtClean="0"/>
+              <a:t>Faridi</a:t>
+            </a:r>
+            <a:endParaRPr lang="en-US" dirty="0" smtClean="0"/>
+          </a:p>
+          <a:p>
+            <a:r>
+              <a:rPr lang="en-US" dirty="0" smtClean="0"/>
+              <a:t>Tony Purcell</a:t>
+            </a:r>
+          </a:p>
+          <a:p>
+            <a:r>
+              <a:rPr lang="en-US" dirty="0" smtClean="0"/>
+              <a:t>Everyone in the Lab!</a:t>
+            </a:r>
+            <a:endParaRPr lang="en-US" dirty="0"/>
+          </a:p>
+        </p:txBody>
+      </p:sp>
+    </p:spTree>
+    <p:extLst>
+      <p:ext uri="{BB962C8B-B14F-4D97-AF65-F5344CB8AC3E}">
+        <p14:creationId xmlns:p14="http://schemas.microsoft.com/office/powerpoint/2010/main" val="1668179091"/>
       </p:ext>
     </p:extLst>
   </p:cSld>
@@ -12926,6 +13260,13 @@
   <p:clrMapOvr>
     <a:masterClrMapping/>
   </p:clrMapOvr>
+  <p:timing>
+    <p:tnLst>
+      <p:par>
+        <p:cTn id="1" dur="indefinite" restart="never" nodeType="tmRoot"/>
+      </p:par>
+    </p:tnLst>
+  </p:timing>
 </p:sld>
 </file>
 
@@ -13002,6 +13343,13 @@
   <p:clrMapOvr>
     <a:masterClrMapping/>
   </p:clrMapOvr>
+  <p:timing>
+    <p:tnLst>
+      <p:par>
+        <p:cTn id="1" dur="indefinite" restart="never" nodeType="tmRoot"/>
+      </p:par>
+    </p:tnLst>
+  </p:timing>
 </p:sld>
 </file>
 
@@ -13078,6 +13426,13 @@
   <p:clrMapOvr>
     <a:masterClrMapping/>
   </p:clrMapOvr>
+  <p:timing>
+    <p:tnLst>
+      <p:par>
+        <p:cTn id="1" dur="indefinite" restart="never" nodeType="tmRoot"/>
+      </p:par>
+    </p:tnLst>
+  </p:timing>
 </p:sld>
 </file>
 
@@ -13178,6 +13533,13 @@
   <p:clrMapOvr>
     <a:masterClrMapping/>
   </p:clrMapOvr>
+  <p:timing>
+    <p:tnLst>
+      <p:par>
+        <p:cTn id="1" dur="indefinite" restart="never" nodeType="tmRoot"/>
+      </p:par>
+    </p:tnLst>
+  </p:timing>
 </p:sld>
 </file>
 
@@ -13301,6 +13663,13 @@
   <p:clrMapOvr>
     <a:masterClrMapping/>
   </p:clrMapOvr>
+  <p:timing>
+    <p:tnLst>
+      <p:par>
+        <p:cTn id="1" dur="indefinite" restart="never" nodeType="tmRoot"/>
+      </p:par>
+    </p:tnLst>
+  </p:timing>
 </p:sld>
 </file>
 
@@ -13421,6 +13790,13 @@
   <p:clrMapOvr>
     <a:masterClrMapping/>
   </p:clrMapOvr>
+  <p:timing>
+    <p:tnLst>
+      <p:par>
+        <p:cTn id="1" dur="indefinite" restart="never" nodeType="tmRoot"/>
+      </p:par>
+    </p:tnLst>
+  </p:timing>
 </p:sld>
 </file>
 
@@ -13568,6 +13944,13 @@
   <p:clrMapOvr>
     <a:masterClrMapping/>
   </p:clrMapOvr>
+  <p:timing>
+    <p:tnLst>
+      <p:par>
+        <p:cTn id="1" dur="indefinite" restart="never" nodeType="tmRoot"/>
+      </p:par>
+    </p:tnLst>
+  </p:timing>
 </p:sld>
 </file>
 
